--- a/Loglog(Face).pptx
+++ b/Loglog(Face).pptx
@@ -9,11 +9,12 @@
     <p:sldId id="257" r:id="rId3"/>
     <p:sldId id="258" r:id="rId4"/>
     <p:sldId id="259" r:id="rId5"/>
-    <p:sldId id="260" r:id="rId6"/>
-    <p:sldId id="261" r:id="rId7"/>
-    <p:sldId id="264" r:id="rId8"/>
+    <p:sldId id="261" r:id="rId6"/>
+    <p:sldId id="264" r:id="rId7"/>
+    <p:sldId id="260" r:id="rId8"/>
     <p:sldId id="262" r:id="rId9"/>
-    <p:sldId id="263" r:id="rId10"/>
+    <p:sldId id="265" r:id="rId10"/>
+    <p:sldId id="263" r:id="rId11"/>
   </p:sldIdLst>
   <p:sldSz cx="12192000" cy="6858000"/>
   <p:notesSz cx="6858000" cy="9144000"/>
@@ -4006,6 +4007,1504 @@
   <dgm:styleLbl name="revTx">
     <dgm:fillClrLst meth="repeat">
       <a:schemeClr val="lt1">
+        <a:alpha val="0"/>
+      </a:schemeClr>
+    </dgm:fillClrLst>
+    <dgm:linClrLst meth="repeat">
+      <a:schemeClr val="dk1">
+        <a:alpha val="0"/>
+      </a:schemeClr>
+    </dgm:linClrLst>
+    <dgm:effectClrLst/>
+    <dgm:txLinClrLst/>
+    <dgm:txFillClrLst meth="repeat">
+      <a:schemeClr val="tx1"/>
+    </dgm:txFillClrLst>
+    <dgm:txEffectClrLst/>
+  </dgm:styleLbl>
+</dgm:colorsDef>
+</file>
+
+<file path=ppt/diagrams/colors6.xml><?xml version="1.0" encoding="utf-8"?>
+<dgm:colorsDef xmlns:dgm="http://schemas.openxmlformats.org/drawingml/2006/diagram" xmlns:a="http://schemas.openxmlformats.org/drawingml/2006/main" uniqueId="urn:microsoft.com/office/officeart/2005/8/colors/accent1_2">
+  <dgm:title val=""/>
+  <dgm:desc val=""/>
+  <dgm:catLst>
+    <dgm:cat type="accent1" pri="11200"/>
+  </dgm:catLst>
+  <dgm:styleLbl name="node0">
+    <dgm:fillClrLst meth="repeat">
+      <a:schemeClr val="accent1"/>
+    </dgm:fillClrLst>
+    <dgm:linClrLst meth="repeat">
+      <a:schemeClr val="lt1"/>
+    </dgm:linClrLst>
+    <dgm:effectClrLst/>
+    <dgm:txLinClrLst/>
+    <dgm:txFillClrLst/>
+    <dgm:txEffectClrLst/>
+  </dgm:styleLbl>
+  <dgm:styleLbl name="alignNode1">
+    <dgm:fillClrLst meth="repeat">
+      <a:schemeClr val="accent1"/>
+    </dgm:fillClrLst>
+    <dgm:linClrLst meth="repeat">
+      <a:schemeClr val="accent1"/>
+    </dgm:linClrLst>
+    <dgm:effectClrLst/>
+    <dgm:txLinClrLst/>
+    <dgm:txFillClrLst/>
+    <dgm:txEffectClrLst/>
+  </dgm:styleLbl>
+  <dgm:styleLbl name="node1">
+    <dgm:fillClrLst meth="repeat">
+      <a:schemeClr val="accent1"/>
+    </dgm:fillClrLst>
+    <dgm:linClrLst meth="repeat">
+      <a:schemeClr val="lt1"/>
+    </dgm:linClrLst>
+    <dgm:effectClrLst/>
+    <dgm:txLinClrLst/>
+    <dgm:txFillClrLst/>
+    <dgm:txEffectClrLst/>
+  </dgm:styleLbl>
+  <dgm:styleLbl name="lnNode1">
+    <dgm:fillClrLst meth="repeat">
+      <a:schemeClr val="accent1"/>
+    </dgm:fillClrLst>
+    <dgm:linClrLst meth="repeat">
+      <a:schemeClr val="lt1"/>
+    </dgm:linClrLst>
+    <dgm:effectClrLst/>
+    <dgm:txLinClrLst/>
+    <dgm:txFillClrLst/>
+    <dgm:txEffectClrLst/>
+  </dgm:styleLbl>
+  <dgm:styleLbl name="vennNode1">
+    <dgm:fillClrLst meth="repeat">
+      <a:schemeClr val="accent1">
+        <a:alpha val="50000"/>
+      </a:schemeClr>
+    </dgm:fillClrLst>
+    <dgm:linClrLst meth="repeat">
+      <a:schemeClr val="lt1"/>
+    </dgm:linClrLst>
+    <dgm:effectClrLst/>
+    <dgm:txLinClrLst/>
+    <dgm:txFillClrLst/>
+    <dgm:txEffectClrLst/>
+  </dgm:styleLbl>
+  <dgm:styleLbl name="node2">
+    <dgm:fillClrLst meth="repeat">
+      <a:schemeClr val="accent1"/>
+    </dgm:fillClrLst>
+    <dgm:linClrLst meth="repeat">
+      <a:schemeClr val="lt1"/>
+    </dgm:linClrLst>
+    <dgm:effectClrLst/>
+    <dgm:txLinClrLst/>
+    <dgm:txFillClrLst/>
+    <dgm:txEffectClrLst/>
+  </dgm:styleLbl>
+  <dgm:styleLbl name="node3">
+    <dgm:fillClrLst meth="repeat">
+      <a:schemeClr val="accent1"/>
+    </dgm:fillClrLst>
+    <dgm:linClrLst meth="repeat">
+      <a:schemeClr val="lt1"/>
+    </dgm:linClrLst>
+    <dgm:effectClrLst/>
+    <dgm:txLinClrLst/>
+    <dgm:txFillClrLst/>
+    <dgm:txEffectClrLst/>
+  </dgm:styleLbl>
+  <dgm:styleLbl name="node4">
+    <dgm:fillClrLst meth="repeat">
+      <a:schemeClr val="accent1"/>
+    </dgm:fillClrLst>
+    <dgm:linClrLst meth="repeat">
+      <a:schemeClr val="lt1"/>
+    </dgm:linClrLst>
+    <dgm:effectClrLst/>
+    <dgm:txLinClrLst/>
+    <dgm:txFillClrLst/>
+    <dgm:txEffectClrLst/>
+  </dgm:styleLbl>
+  <dgm:styleLbl name="fgImgPlace1">
+    <dgm:fillClrLst meth="repeat">
+      <a:schemeClr val="accent1">
+        <a:tint val="50000"/>
+      </a:schemeClr>
+    </dgm:fillClrLst>
+    <dgm:linClrLst meth="repeat">
+      <a:schemeClr val="lt1"/>
+    </dgm:linClrLst>
+    <dgm:effectClrLst/>
+    <dgm:txLinClrLst/>
+    <dgm:txFillClrLst meth="repeat">
+      <a:schemeClr val="lt1"/>
+    </dgm:txFillClrLst>
+    <dgm:txEffectClrLst/>
+  </dgm:styleLbl>
+  <dgm:styleLbl name="alignImgPlace1">
+    <dgm:fillClrLst meth="repeat">
+      <a:schemeClr val="accent1">
+        <a:tint val="50000"/>
+      </a:schemeClr>
+    </dgm:fillClrLst>
+    <dgm:linClrLst meth="repeat">
+      <a:schemeClr val="lt1"/>
+    </dgm:linClrLst>
+    <dgm:effectClrLst/>
+    <dgm:txLinClrLst/>
+    <dgm:txFillClrLst meth="repeat">
+      <a:schemeClr val="lt1"/>
+    </dgm:txFillClrLst>
+    <dgm:txEffectClrLst/>
+  </dgm:styleLbl>
+  <dgm:styleLbl name="bgImgPlace1">
+    <dgm:fillClrLst meth="repeat">
+      <a:schemeClr val="accent1">
+        <a:tint val="50000"/>
+      </a:schemeClr>
+    </dgm:fillClrLst>
+    <dgm:linClrLst meth="repeat">
+      <a:schemeClr val="lt1"/>
+    </dgm:linClrLst>
+    <dgm:effectClrLst/>
+    <dgm:txLinClrLst/>
+    <dgm:txFillClrLst meth="repeat">
+      <a:schemeClr val="lt1"/>
+    </dgm:txFillClrLst>
+    <dgm:txEffectClrLst/>
+  </dgm:styleLbl>
+  <dgm:styleLbl name="sibTrans2D1">
+    <dgm:fillClrLst meth="repeat">
+      <a:schemeClr val="accent1">
+        <a:tint val="60000"/>
+      </a:schemeClr>
+    </dgm:fillClrLst>
+    <dgm:linClrLst meth="repeat">
+      <a:schemeClr val="accent1">
+        <a:tint val="60000"/>
+      </a:schemeClr>
+    </dgm:linClrLst>
+    <dgm:effectClrLst/>
+    <dgm:txLinClrLst/>
+    <dgm:txFillClrLst/>
+    <dgm:txEffectClrLst/>
+  </dgm:styleLbl>
+  <dgm:styleLbl name="fgSibTrans2D1">
+    <dgm:fillClrLst meth="repeat">
+      <a:schemeClr val="accent1">
+        <a:tint val="60000"/>
+      </a:schemeClr>
+    </dgm:fillClrLst>
+    <dgm:linClrLst meth="repeat">
+      <a:schemeClr val="accent1">
+        <a:tint val="60000"/>
+      </a:schemeClr>
+    </dgm:linClrLst>
+    <dgm:effectClrLst/>
+    <dgm:txLinClrLst/>
+    <dgm:txFillClrLst/>
+    <dgm:txEffectClrLst/>
+  </dgm:styleLbl>
+  <dgm:styleLbl name="bgSibTrans2D1">
+    <dgm:fillClrLst meth="repeat">
+      <a:schemeClr val="accent1">
+        <a:tint val="60000"/>
+      </a:schemeClr>
+    </dgm:fillClrLst>
+    <dgm:linClrLst meth="repeat">
+      <a:schemeClr val="accent1">
+        <a:tint val="60000"/>
+      </a:schemeClr>
+    </dgm:linClrLst>
+    <dgm:effectClrLst/>
+    <dgm:txLinClrLst/>
+    <dgm:txFillClrLst/>
+    <dgm:txEffectClrLst/>
+  </dgm:styleLbl>
+  <dgm:styleLbl name="sibTrans1D1">
+    <dgm:fillClrLst meth="repeat">
+      <a:schemeClr val="accent1"/>
+    </dgm:fillClrLst>
+    <dgm:linClrLst meth="repeat">
+      <a:schemeClr val="accent1"/>
+    </dgm:linClrLst>
+    <dgm:effectClrLst/>
+    <dgm:txLinClrLst/>
+    <dgm:txFillClrLst meth="repeat">
+      <a:schemeClr val="tx1"/>
+    </dgm:txFillClrLst>
+    <dgm:txEffectClrLst/>
+  </dgm:styleLbl>
+  <dgm:styleLbl name="callout">
+    <dgm:fillClrLst meth="repeat">
+      <a:schemeClr val="accent1"/>
+    </dgm:fillClrLst>
+    <dgm:linClrLst meth="repeat">
+      <a:schemeClr val="accent1">
+        <a:tint val="50000"/>
+      </a:schemeClr>
+    </dgm:linClrLst>
+    <dgm:effectClrLst/>
+    <dgm:txLinClrLst/>
+    <dgm:txFillClrLst meth="repeat">
+      <a:schemeClr val="tx1"/>
+    </dgm:txFillClrLst>
+    <dgm:txEffectClrLst/>
+  </dgm:styleLbl>
+  <dgm:styleLbl name="asst0">
+    <dgm:fillClrLst meth="repeat">
+      <a:schemeClr val="accent1"/>
+    </dgm:fillClrLst>
+    <dgm:linClrLst meth="repeat">
+      <a:schemeClr val="lt1"/>
+    </dgm:linClrLst>
+    <dgm:effectClrLst/>
+    <dgm:txLinClrLst/>
+    <dgm:txFillClrLst/>
+    <dgm:txEffectClrLst/>
+  </dgm:styleLbl>
+  <dgm:styleLbl name="asst1">
+    <dgm:fillClrLst meth="repeat">
+      <a:schemeClr val="accent1"/>
+    </dgm:fillClrLst>
+    <dgm:linClrLst meth="repeat">
+      <a:schemeClr val="lt1"/>
+    </dgm:linClrLst>
+    <dgm:effectClrLst/>
+    <dgm:txLinClrLst/>
+    <dgm:txFillClrLst/>
+    <dgm:txEffectClrLst/>
+  </dgm:styleLbl>
+  <dgm:styleLbl name="asst2">
+    <dgm:fillClrLst meth="repeat">
+      <a:schemeClr val="accent1"/>
+    </dgm:fillClrLst>
+    <dgm:linClrLst meth="repeat">
+      <a:schemeClr val="lt1"/>
+    </dgm:linClrLst>
+    <dgm:effectClrLst/>
+    <dgm:txLinClrLst/>
+    <dgm:txFillClrLst/>
+    <dgm:txEffectClrLst/>
+  </dgm:styleLbl>
+  <dgm:styleLbl name="asst3">
+    <dgm:fillClrLst meth="repeat">
+      <a:schemeClr val="accent1"/>
+    </dgm:fillClrLst>
+    <dgm:linClrLst meth="repeat">
+      <a:schemeClr val="lt1"/>
+    </dgm:linClrLst>
+    <dgm:effectClrLst/>
+    <dgm:txLinClrLst/>
+    <dgm:txFillClrLst/>
+    <dgm:txEffectClrLst/>
+  </dgm:styleLbl>
+  <dgm:styleLbl name="asst4">
+    <dgm:fillClrLst meth="repeat">
+      <a:schemeClr val="accent1"/>
+    </dgm:fillClrLst>
+    <dgm:linClrLst meth="repeat">
+      <a:schemeClr val="lt1"/>
+    </dgm:linClrLst>
+    <dgm:effectClrLst/>
+    <dgm:txLinClrLst/>
+    <dgm:txFillClrLst/>
+    <dgm:txEffectClrLst/>
+  </dgm:styleLbl>
+  <dgm:styleLbl name="parChTrans2D1">
+    <dgm:fillClrLst meth="repeat">
+      <a:schemeClr val="accent1">
+        <a:tint val="60000"/>
+      </a:schemeClr>
+    </dgm:fillClrLst>
+    <dgm:linClrLst meth="repeat">
+      <a:schemeClr val="accent1">
+        <a:tint val="60000"/>
+      </a:schemeClr>
+    </dgm:linClrLst>
+    <dgm:effectClrLst/>
+    <dgm:txLinClrLst/>
+    <dgm:txFillClrLst meth="repeat">
+      <a:schemeClr val="lt1"/>
+    </dgm:txFillClrLst>
+    <dgm:txEffectClrLst/>
+  </dgm:styleLbl>
+  <dgm:styleLbl name="parChTrans2D2">
+    <dgm:fillClrLst meth="repeat">
+      <a:schemeClr val="accent1"/>
+    </dgm:fillClrLst>
+    <dgm:linClrLst meth="repeat">
+      <a:schemeClr val="accent1"/>
+    </dgm:linClrLst>
+    <dgm:effectClrLst/>
+    <dgm:txLinClrLst/>
+    <dgm:txFillClrLst meth="repeat">
+      <a:schemeClr val="lt1"/>
+    </dgm:txFillClrLst>
+    <dgm:txEffectClrLst/>
+  </dgm:styleLbl>
+  <dgm:styleLbl name="parChTrans2D3">
+    <dgm:fillClrLst meth="repeat">
+      <a:schemeClr val="accent1"/>
+    </dgm:fillClrLst>
+    <dgm:linClrLst meth="repeat">
+      <a:schemeClr val="accent1"/>
+    </dgm:linClrLst>
+    <dgm:effectClrLst/>
+    <dgm:txLinClrLst/>
+    <dgm:txFillClrLst meth="repeat">
+      <a:schemeClr val="lt1"/>
+    </dgm:txFillClrLst>
+    <dgm:txEffectClrLst/>
+  </dgm:styleLbl>
+  <dgm:styleLbl name="parChTrans2D4">
+    <dgm:fillClrLst meth="repeat">
+      <a:schemeClr val="accent1"/>
+    </dgm:fillClrLst>
+    <dgm:linClrLst meth="repeat">
+      <a:schemeClr val="accent1"/>
+    </dgm:linClrLst>
+    <dgm:effectClrLst/>
+    <dgm:txLinClrLst/>
+    <dgm:txFillClrLst meth="repeat">
+      <a:schemeClr val="lt1"/>
+    </dgm:txFillClrLst>
+    <dgm:txEffectClrLst/>
+  </dgm:styleLbl>
+  <dgm:styleLbl name="parChTrans1D1">
+    <dgm:fillClrLst meth="repeat">
+      <a:schemeClr val="accent1"/>
+    </dgm:fillClrLst>
+    <dgm:linClrLst meth="repeat">
+      <a:schemeClr val="accent1">
+        <a:shade val="60000"/>
+      </a:schemeClr>
+    </dgm:linClrLst>
+    <dgm:effectClrLst/>
+    <dgm:txLinClrLst/>
+    <dgm:txFillClrLst meth="repeat">
+      <a:schemeClr val="tx1"/>
+    </dgm:txFillClrLst>
+    <dgm:txEffectClrLst/>
+  </dgm:styleLbl>
+  <dgm:styleLbl name="parChTrans1D2">
+    <dgm:fillClrLst meth="repeat">
+      <a:schemeClr val="accent1"/>
+    </dgm:fillClrLst>
+    <dgm:linClrLst meth="repeat">
+      <a:schemeClr val="accent1">
+        <a:shade val="60000"/>
+      </a:schemeClr>
+    </dgm:linClrLst>
+    <dgm:effectClrLst/>
+    <dgm:txLinClrLst/>
+    <dgm:txFillClrLst meth="repeat">
+      <a:schemeClr val="tx1"/>
+    </dgm:txFillClrLst>
+    <dgm:txEffectClrLst/>
+  </dgm:styleLbl>
+  <dgm:styleLbl name="parChTrans1D3">
+    <dgm:fillClrLst meth="repeat">
+      <a:schemeClr val="accent1"/>
+    </dgm:fillClrLst>
+    <dgm:linClrLst meth="repeat">
+      <a:schemeClr val="accent1">
+        <a:shade val="80000"/>
+      </a:schemeClr>
+    </dgm:linClrLst>
+    <dgm:effectClrLst/>
+    <dgm:txLinClrLst/>
+    <dgm:txFillClrLst meth="repeat">
+      <a:schemeClr val="tx1"/>
+    </dgm:txFillClrLst>
+    <dgm:txEffectClrLst/>
+  </dgm:styleLbl>
+  <dgm:styleLbl name="parChTrans1D4">
+    <dgm:fillClrLst meth="repeat">
+      <a:schemeClr val="accent1"/>
+    </dgm:fillClrLst>
+    <dgm:linClrLst meth="repeat">
+      <a:schemeClr val="accent1">
+        <a:shade val="80000"/>
+      </a:schemeClr>
+    </dgm:linClrLst>
+    <dgm:effectClrLst/>
+    <dgm:txLinClrLst/>
+    <dgm:txFillClrLst meth="repeat">
+      <a:schemeClr val="tx1"/>
+    </dgm:txFillClrLst>
+    <dgm:txEffectClrLst/>
+  </dgm:styleLbl>
+  <dgm:styleLbl name="fgAcc1">
+    <dgm:fillClrLst meth="repeat">
+      <a:schemeClr val="lt1">
+        <a:alpha val="90000"/>
+      </a:schemeClr>
+    </dgm:fillClrLst>
+    <dgm:linClrLst meth="repeat">
+      <a:schemeClr val="accent1"/>
+    </dgm:linClrLst>
+    <dgm:effectClrLst/>
+    <dgm:txLinClrLst/>
+    <dgm:txFillClrLst meth="repeat">
+      <a:schemeClr val="dk1"/>
+    </dgm:txFillClrLst>
+    <dgm:txEffectClrLst/>
+  </dgm:styleLbl>
+  <dgm:styleLbl name="conFgAcc1">
+    <dgm:fillClrLst meth="repeat">
+      <a:schemeClr val="lt1">
+        <a:alpha val="90000"/>
+      </a:schemeClr>
+    </dgm:fillClrLst>
+    <dgm:linClrLst meth="repeat">
+      <a:schemeClr val="accent1"/>
+    </dgm:linClrLst>
+    <dgm:effectClrLst/>
+    <dgm:txLinClrLst/>
+    <dgm:txFillClrLst meth="repeat">
+      <a:schemeClr val="dk1"/>
+    </dgm:txFillClrLst>
+    <dgm:txEffectClrLst/>
+  </dgm:styleLbl>
+  <dgm:styleLbl name="alignAcc1">
+    <dgm:fillClrLst meth="repeat">
+      <a:schemeClr val="lt1">
+        <a:alpha val="90000"/>
+      </a:schemeClr>
+    </dgm:fillClrLst>
+    <dgm:linClrLst meth="repeat">
+      <a:schemeClr val="accent1"/>
+    </dgm:linClrLst>
+    <dgm:effectClrLst/>
+    <dgm:txLinClrLst/>
+    <dgm:txFillClrLst meth="repeat">
+      <a:schemeClr val="dk1"/>
+    </dgm:txFillClrLst>
+    <dgm:txEffectClrLst/>
+  </dgm:styleLbl>
+  <dgm:styleLbl name="trAlignAcc1">
+    <dgm:fillClrLst meth="repeat">
+      <a:schemeClr val="lt1">
+        <a:alpha val="40000"/>
+      </a:schemeClr>
+    </dgm:fillClrLst>
+    <dgm:linClrLst meth="repeat">
+      <a:schemeClr val="accent1"/>
+    </dgm:linClrLst>
+    <dgm:effectClrLst/>
+    <dgm:txLinClrLst/>
+    <dgm:txFillClrLst meth="repeat">
+      <a:schemeClr val="dk1"/>
+    </dgm:txFillClrLst>
+    <dgm:txEffectClrLst/>
+  </dgm:styleLbl>
+  <dgm:styleLbl name="bgAcc1">
+    <dgm:fillClrLst meth="repeat">
+      <a:schemeClr val="lt1">
+        <a:alpha val="90000"/>
+      </a:schemeClr>
+    </dgm:fillClrLst>
+    <dgm:linClrLst meth="repeat">
+      <a:schemeClr val="accent1"/>
+    </dgm:linClrLst>
+    <dgm:effectClrLst/>
+    <dgm:txLinClrLst/>
+    <dgm:txFillClrLst meth="repeat">
+      <a:schemeClr val="dk1"/>
+    </dgm:txFillClrLst>
+    <dgm:txEffectClrLst/>
+  </dgm:styleLbl>
+  <dgm:styleLbl name="solidFgAcc1">
+    <dgm:fillClrLst meth="repeat">
+      <a:schemeClr val="lt1"/>
+    </dgm:fillClrLst>
+    <dgm:linClrLst meth="repeat">
+      <a:schemeClr val="accent1"/>
+    </dgm:linClrLst>
+    <dgm:effectClrLst/>
+    <dgm:txLinClrLst/>
+    <dgm:txFillClrLst meth="repeat">
+      <a:schemeClr val="dk1"/>
+    </dgm:txFillClrLst>
+    <dgm:txEffectClrLst/>
+  </dgm:styleLbl>
+  <dgm:styleLbl name="solidAlignAcc1">
+    <dgm:fillClrLst meth="repeat">
+      <a:schemeClr val="lt1"/>
+    </dgm:fillClrLst>
+    <dgm:linClrLst meth="repeat">
+      <a:schemeClr val="accent1"/>
+    </dgm:linClrLst>
+    <dgm:effectClrLst/>
+    <dgm:txLinClrLst/>
+    <dgm:txFillClrLst meth="repeat">
+      <a:schemeClr val="dk1"/>
+    </dgm:txFillClrLst>
+    <dgm:txEffectClrLst/>
+  </dgm:styleLbl>
+  <dgm:styleLbl name="solidBgAcc1">
+    <dgm:fillClrLst meth="repeat">
+      <a:schemeClr val="lt1"/>
+    </dgm:fillClrLst>
+    <dgm:linClrLst meth="repeat">
+      <a:schemeClr val="accent1"/>
+    </dgm:linClrLst>
+    <dgm:effectClrLst/>
+    <dgm:txLinClrLst/>
+    <dgm:txFillClrLst meth="repeat">
+      <a:schemeClr val="dk1"/>
+    </dgm:txFillClrLst>
+    <dgm:txEffectClrLst/>
+  </dgm:styleLbl>
+  <dgm:styleLbl name="fgAccFollowNode1">
+    <dgm:fillClrLst meth="repeat">
+      <a:schemeClr val="accent1">
+        <a:alpha val="90000"/>
+        <a:tint val="40000"/>
+      </a:schemeClr>
+    </dgm:fillClrLst>
+    <dgm:linClrLst meth="repeat">
+      <a:schemeClr val="accent1">
+        <a:alpha val="90000"/>
+        <a:tint val="40000"/>
+      </a:schemeClr>
+    </dgm:linClrLst>
+    <dgm:effectClrLst/>
+    <dgm:txLinClrLst/>
+    <dgm:txFillClrLst meth="repeat">
+      <a:schemeClr val="dk1"/>
+    </dgm:txFillClrLst>
+    <dgm:txEffectClrLst/>
+  </dgm:styleLbl>
+  <dgm:styleLbl name="alignAccFollowNode1">
+    <dgm:fillClrLst meth="repeat">
+      <a:schemeClr val="accent1">
+        <a:alpha val="90000"/>
+        <a:tint val="40000"/>
+      </a:schemeClr>
+    </dgm:fillClrLst>
+    <dgm:linClrLst meth="repeat">
+      <a:schemeClr val="accent1">
+        <a:alpha val="90000"/>
+        <a:tint val="40000"/>
+      </a:schemeClr>
+    </dgm:linClrLst>
+    <dgm:effectClrLst/>
+    <dgm:txLinClrLst/>
+    <dgm:txFillClrLst meth="repeat">
+      <a:schemeClr val="dk1"/>
+    </dgm:txFillClrLst>
+    <dgm:txEffectClrLst/>
+  </dgm:styleLbl>
+  <dgm:styleLbl name="bgAccFollowNode1">
+    <dgm:fillClrLst meth="repeat">
+      <a:schemeClr val="accent1">
+        <a:alpha val="90000"/>
+        <a:tint val="40000"/>
+      </a:schemeClr>
+    </dgm:fillClrLst>
+    <dgm:linClrLst meth="repeat">
+      <a:schemeClr val="accent1">
+        <a:alpha val="90000"/>
+        <a:tint val="40000"/>
+      </a:schemeClr>
+    </dgm:linClrLst>
+    <dgm:effectClrLst/>
+    <dgm:txLinClrLst/>
+    <dgm:txFillClrLst meth="repeat">
+      <a:schemeClr val="dk1"/>
+    </dgm:txFillClrLst>
+    <dgm:txEffectClrLst/>
+  </dgm:styleLbl>
+  <dgm:styleLbl name="fgAcc0">
+    <dgm:fillClrLst meth="repeat">
+      <a:schemeClr val="lt1">
+        <a:alpha val="90000"/>
+      </a:schemeClr>
+    </dgm:fillClrLst>
+    <dgm:linClrLst meth="repeat">
+      <a:schemeClr val="accent1"/>
+    </dgm:linClrLst>
+    <dgm:effectClrLst/>
+    <dgm:txLinClrLst/>
+    <dgm:txFillClrLst meth="repeat">
+      <a:schemeClr val="dk1"/>
+    </dgm:txFillClrLst>
+    <dgm:txEffectClrLst/>
+  </dgm:styleLbl>
+  <dgm:styleLbl name="fgAcc2">
+    <dgm:fillClrLst meth="repeat">
+      <a:schemeClr val="lt1">
+        <a:alpha val="90000"/>
+      </a:schemeClr>
+    </dgm:fillClrLst>
+    <dgm:linClrLst meth="repeat">
+      <a:schemeClr val="accent1"/>
+    </dgm:linClrLst>
+    <dgm:effectClrLst/>
+    <dgm:txLinClrLst/>
+    <dgm:txFillClrLst meth="repeat">
+      <a:schemeClr val="dk1"/>
+    </dgm:txFillClrLst>
+    <dgm:txEffectClrLst/>
+  </dgm:styleLbl>
+  <dgm:styleLbl name="fgAcc3">
+    <dgm:fillClrLst meth="repeat">
+      <a:schemeClr val="lt1">
+        <a:alpha val="90000"/>
+      </a:schemeClr>
+    </dgm:fillClrLst>
+    <dgm:linClrLst meth="repeat">
+      <a:schemeClr val="accent1"/>
+    </dgm:linClrLst>
+    <dgm:effectClrLst/>
+    <dgm:txLinClrLst/>
+    <dgm:txFillClrLst meth="repeat">
+      <a:schemeClr val="dk1"/>
+    </dgm:txFillClrLst>
+    <dgm:txEffectClrLst/>
+  </dgm:styleLbl>
+  <dgm:styleLbl name="fgAcc4">
+    <dgm:fillClrLst meth="repeat">
+      <a:schemeClr val="lt1">
+        <a:alpha val="90000"/>
+      </a:schemeClr>
+    </dgm:fillClrLst>
+    <dgm:linClrLst meth="repeat">
+      <a:schemeClr val="accent1"/>
+    </dgm:linClrLst>
+    <dgm:effectClrLst/>
+    <dgm:txLinClrLst/>
+    <dgm:txFillClrLst meth="repeat">
+      <a:schemeClr val="dk1"/>
+    </dgm:txFillClrLst>
+    <dgm:txEffectClrLst/>
+  </dgm:styleLbl>
+  <dgm:styleLbl name="bgShp">
+    <dgm:fillClrLst meth="repeat">
+      <a:schemeClr val="accent1">
+        <a:tint val="40000"/>
+      </a:schemeClr>
+    </dgm:fillClrLst>
+    <dgm:linClrLst meth="repeat">
+      <a:schemeClr val="accent1"/>
+    </dgm:linClrLst>
+    <dgm:effectClrLst/>
+    <dgm:txLinClrLst/>
+    <dgm:txFillClrLst meth="repeat">
+      <a:schemeClr val="dk1"/>
+    </dgm:txFillClrLst>
+    <dgm:txEffectClrLst/>
+  </dgm:styleLbl>
+  <dgm:styleLbl name="dkBgShp">
+    <dgm:fillClrLst meth="repeat">
+      <a:schemeClr val="accent1">
+        <a:shade val="80000"/>
+      </a:schemeClr>
+    </dgm:fillClrLst>
+    <dgm:linClrLst meth="repeat">
+      <a:schemeClr val="accent1"/>
+    </dgm:linClrLst>
+    <dgm:effectClrLst/>
+    <dgm:txLinClrLst/>
+    <dgm:txFillClrLst meth="repeat">
+      <a:schemeClr val="lt1"/>
+    </dgm:txFillClrLst>
+    <dgm:txEffectClrLst/>
+  </dgm:styleLbl>
+  <dgm:styleLbl name="trBgShp">
+    <dgm:fillClrLst meth="repeat">
+      <a:schemeClr val="accent1">
+        <a:tint val="50000"/>
+        <a:alpha val="40000"/>
+      </a:schemeClr>
+    </dgm:fillClrLst>
+    <dgm:linClrLst meth="repeat">
+      <a:schemeClr val="accent1"/>
+    </dgm:linClrLst>
+    <dgm:effectClrLst/>
+    <dgm:txLinClrLst/>
+    <dgm:txFillClrLst meth="repeat">
+      <a:schemeClr val="lt1"/>
+    </dgm:txFillClrLst>
+    <dgm:txEffectClrLst/>
+  </dgm:styleLbl>
+  <dgm:styleLbl name="fgShp">
+    <dgm:fillClrLst meth="repeat">
+      <a:schemeClr val="accent1">
+        <a:tint val="60000"/>
+      </a:schemeClr>
+    </dgm:fillClrLst>
+    <dgm:linClrLst meth="repeat">
+      <a:schemeClr val="lt1"/>
+    </dgm:linClrLst>
+    <dgm:effectClrLst/>
+    <dgm:txLinClrLst/>
+    <dgm:txFillClrLst meth="repeat">
+      <a:schemeClr val="dk1"/>
+    </dgm:txFillClrLst>
+    <dgm:txEffectClrLst/>
+  </dgm:styleLbl>
+  <dgm:styleLbl name="revTx">
+    <dgm:fillClrLst meth="repeat">
+      <a:schemeClr val="lt1">
+        <a:alpha val="0"/>
+      </a:schemeClr>
+    </dgm:fillClrLst>
+    <dgm:linClrLst meth="repeat">
+      <a:schemeClr val="dk1">
+        <a:alpha val="0"/>
+      </a:schemeClr>
+    </dgm:linClrLst>
+    <dgm:effectClrLst/>
+    <dgm:txLinClrLst/>
+    <dgm:txFillClrLst meth="repeat">
+      <a:schemeClr val="tx1"/>
+    </dgm:txFillClrLst>
+    <dgm:txEffectClrLst/>
+  </dgm:styleLbl>
+</dgm:colorsDef>
+</file>
+
+<file path=ppt/diagrams/colors7.xml><?xml version="1.0" encoding="utf-8"?>
+<dgm:colorsDef xmlns:dgm="http://schemas.openxmlformats.org/drawingml/2006/diagram" xmlns:a="http://schemas.openxmlformats.org/drawingml/2006/main" uniqueId="urn:microsoft.com/office/officeart/2005/8/colors/accent0_3">
+  <dgm:title val=""/>
+  <dgm:desc val=""/>
+  <dgm:catLst>
+    <dgm:cat type="mainScheme" pri="10300"/>
+  </dgm:catLst>
+  <dgm:styleLbl name="node0">
+    <dgm:fillClrLst meth="repeat">
+      <a:schemeClr val="dk2"/>
+    </dgm:fillClrLst>
+    <dgm:linClrLst meth="repeat">
+      <a:schemeClr val="lt2"/>
+    </dgm:linClrLst>
+    <dgm:effectClrLst/>
+    <dgm:txLinClrLst/>
+    <dgm:txFillClrLst/>
+    <dgm:txEffectClrLst/>
+  </dgm:styleLbl>
+  <dgm:styleLbl name="alignNode1">
+    <dgm:fillClrLst meth="repeat">
+      <a:schemeClr val="dk2"/>
+    </dgm:fillClrLst>
+    <dgm:linClrLst meth="repeat">
+      <a:schemeClr val="dk2"/>
+    </dgm:linClrLst>
+    <dgm:effectClrLst/>
+    <dgm:txLinClrLst/>
+    <dgm:txFillClrLst/>
+    <dgm:txEffectClrLst/>
+  </dgm:styleLbl>
+  <dgm:styleLbl name="node1">
+    <dgm:fillClrLst meth="repeat">
+      <a:schemeClr val="dk2"/>
+    </dgm:fillClrLst>
+    <dgm:linClrLst meth="repeat">
+      <a:schemeClr val="lt2"/>
+    </dgm:linClrLst>
+    <dgm:effectClrLst/>
+    <dgm:txLinClrLst/>
+    <dgm:txFillClrLst/>
+    <dgm:txEffectClrLst/>
+  </dgm:styleLbl>
+  <dgm:styleLbl name="lnNode1">
+    <dgm:fillClrLst meth="repeat">
+      <a:schemeClr val="dk2"/>
+    </dgm:fillClrLst>
+    <dgm:linClrLst meth="repeat">
+      <a:schemeClr val="lt2"/>
+    </dgm:linClrLst>
+    <dgm:effectClrLst/>
+    <dgm:txLinClrLst/>
+    <dgm:txFillClrLst/>
+    <dgm:txEffectClrLst/>
+  </dgm:styleLbl>
+  <dgm:styleLbl name="vennNode1">
+    <dgm:fillClrLst meth="repeat">
+      <a:schemeClr val="dk2">
+        <a:alpha val="50000"/>
+      </a:schemeClr>
+    </dgm:fillClrLst>
+    <dgm:linClrLst meth="repeat">
+      <a:schemeClr val="lt2"/>
+    </dgm:linClrLst>
+    <dgm:effectClrLst/>
+    <dgm:txLinClrLst/>
+    <dgm:txFillClrLst/>
+    <dgm:txEffectClrLst/>
+  </dgm:styleLbl>
+  <dgm:styleLbl name="node2">
+    <dgm:fillClrLst meth="repeat">
+      <a:schemeClr val="dk2"/>
+    </dgm:fillClrLst>
+    <dgm:linClrLst meth="repeat">
+      <a:schemeClr val="lt2"/>
+    </dgm:linClrLst>
+    <dgm:effectClrLst/>
+    <dgm:txLinClrLst/>
+    <dgm:txFillClrLst/>
+    <dgm:txEffectClrLst/>
+  </dgm:styleLbl>
+  <dgm:styleLbl name="node3">
+    <dgm:fillClrLst meth="repeat">
+      <a:schemeClr val="dk2"/>
+    </dgm:fillClrLst>
+    <dgm:linClrLst meth="repeat">
+      <a:schemeClr val="lt2"/>
+    </dgm:linClrLst>
+    <dgm:effectClrLst/>
+    <dgm:txLinClrLst/>
+    <dgm:txFillClrLst/>
+    <dgm:txEffectClrLst/>
+  </dgm:styleLbl>
+  <dgm:styleLbl name="node4">
+    <dgm:fillClrLst meth="repeat">
+      <a:schemeClr val="dk2"/>
+    </dgm:fillClrLst>
+    <dgm:linClrLst meth="repeat">
+      <a:schemeClr val="lt2"/>
+    </dgm:linClrLst>
+    <dgm:effectClrLst/>
+    <dgm:txLinClrLst/>
+    <dgm:txFillClrLst/>
+    <dgm:txEffectClrLst/>
+  </dgm:styleLbl>
+  <dgm:styleLbl name="fgImgPlace1">
+    <dgm:fillClrLst meth="repeat">
+      <a:schemeClr val="dk2">
+        <a:tint val="50000"/>
+      </a:schemeClr>
+    </dgm:fillClrLst>
+    <dgm:linClrLst meth="repeat">
+      <a:schemeClr val="lt2"/>
+    </dgm:linClrLst>
+    <dgm:effectClrLst/>
+    <dgm:txLinClrLst/>
+    <dgm:txFillClrLst meth="repeat">
+      <a:schemeClr val="lt2"/>
+    </dgm:txFillClrLst>
+    <dgm:txEffectClrLst/>
+  </dgm:styleLbl>
+  <dgm:styleLbl name="alignImgPlace1">
+    <dgm:fillClrLst meth="repeat">
+      <a:schemeClr val="dk2">
+        <a:tint val="50000"/>
+      </a:schemeClr>
+    </dgm:fillClrLst>
+    <dgm:linClrLst meth="repeat">
+      <a:schemeClr val="dk2">
+        <a:shade val="80000"/>
+      </a:schemeClr>
+    </dgm:linClrLst>
+    <dgm:effectClrLst/>
+    <dgm:txLinClrLst/>
+    <dgm:txFillClrLst meth="repeat">
+      <a:schemeClr val="lt2"/>
+    </dgm:txFillClrLst>
+    <dgm:txEffectClrLst/>
+  </dgm:styleLbl>
+  <dgm:styleLbl name="bgImgPlace1">
+    <dgm:fillClrLst meth="repeat">
+      <a:schemeClr val="dk2">
+        <a:tint val="50000"/>
+      </a:schemeClr>
+    </dgm:fillClrLst>
+    <dgm:linClrLst meth="repeat">
+      <a:schemeClr val="dk2">
+        <a:shade val="80000"/>
+      </a:schemeClr>
+    </dgm:linClrLst>
+    <dgm:effectClrLst/>
+    <dgm:txLinClrLst/>
+    <dgm:txFillClrLst meth="repeat">
+      <a:schemeClr val="lt2"/>
+    </dgm:txFillClrLst>
+    <dgm:txEffectClrLst/>
+  </dgm:styleLbl>
+  <dgm:styleLbl name="sibTrans2D1">
+    <dgm:fillClrLst meth="repeat">
+      <a:schemeClr val="dk2">
+        <a:tint val="60000"/>
+      </a:schemeClr>
+    </dgm:fillClrLst>
+    <dgm:linClrLst meth="repeat">
+      <a:schemeClr val="dk2">
+        <a:tint val="60000"/>
+      </a:schemeClr>
+    </dgm:linClrLst>
+    <dgm:effectClrLst/>
+    <dgm:txLinClrLst/>
+    <dgm:txFillClrLst/>
+    <dgm:txEffectClrLst/>
+  </dgm:styleLbl>
+  <dgm:styleLbl name="fgSibTrans2D1">
+    <dgm:fillClrLst meth="repeat">
+      <a:schemeClr val="dk2">
+        <a:tint val="60000"/>
+      </a:schemeClr>
+    </dgm:fillClrLst>
+    <dgm:linClrLst meth="repeat">
+      <a:schemeClr val="dk2">
+        <a:tint val="60000"/>
+      </a:schemeClr>
+    </dgm:linClrLst>
+    <dgm:effectClrLst/>
+    <dgm:txLinClrLst/>
+    <dgm:txFillClrLst/>
+    <dgm:txEffectClrLst/>
+  </dgm:styleLbl>
+  <dgm:styleLbl name="bgSibTrans2D1">
+    <dgm:fillClrLst meth="repeat">
+      <a:schemeClr val="dk2">
+        <a:tint val="60000"/>
+      </a:schemeClr>
+    </dgm:fillClrLst>
+    <dgm:linClrLst meth="repeat">
+      <a:schemeClr val="dk2">
+        <a:tint val="60000"/>
+      </a:schemeClr>
+    </dgm:linClrLst>
+    <dgm:effectClrLst/>
+    <dgm:txLinClrLst/>
+    <dgm:txFillClrLst/>
+    <dgm:txEffectClrLst/>
+  </dgm:styleLbl>
+  <dgm:styleLbl name="sibTrans1D1">
+    <dgm:fillClrLst meth="repeat">
+      <a:schemeClr val="dk2"/>
+    </dgm:fillClrLst>
+    <dgm:linClrLst meth="repeat">
+      <a:schemeClr val="dk2"/>
+    </dgm:linClrLst>
+    <dgm:effectClrLst/>
+    <dgm:txLinClrLst/>
+    <dgm:txFillClrLst meth="repeat">
+      <a:schemeClr val="lt2"/>
+    </dgm:txFillClrLst>
+    <dgm:txEffectClrLst/>
+  </dgm:styleLbl>
+  <dgm:styleLbl name="callout">
+    <dgm:fillClrLst meth="repeat">
+      <a:schemeClr val="dk2"/>
+    </dgm:fillClrLst>
+    <dgm:linClrLst meth="repeat">
+      <a:schemeClr val="dk2">
+        <a:tint val="50000"/>
+      </a:schemeClr>
+    </dgm:linClrLst>
+    <dgm:effectClrLst/>
+    <dgm:txLinClrLst/>
+    <dgm:txFillClrLst meth="repeat">
+      <a:schemeClr val="lt2"/>
+    </dgm:txFillClrLst>
+    <dgm:txEffectClrLst/>
+  </dgm:styleLbl>
+  <dgm:styleLbl name="asst0">
+    <dgm:fillClrLst meth="repeat">
+      <a:schemeClr val="dk2"/>
+    </dgm:fillClrLst>
+    <dgm:linClrLst meth="repeat">
+      <a:schemeClr val="lt2"/>
+    </dgm:linClrLst>
+    <dgm:effectClrLst/>
+    <dgm:txLinClrLst/>
+    <dgm:txFillClrLst/>
+    <dgm:txEffectClrLst/>
+  </dgm:styleLbl>
+  <dgm:styleLbl name="asst1">
+    <dgm:fillClrLst meth="repeat">
+      <a:schemeClr val="dk2"/>
+    </dgm:fillClrLst>
+    <dgm:linClrLst meth="repeat">
+      <a:schemeClr val="lt2"/>
+    </dgm:linClrLst>
+    <dgm:effectClrLst/>
+    <dgm:txLinClrLst/>
+    <dgm:txFillClrLst/>
+    <dgm:txEffectClrLst/>
+  </dgm:styleLbl>
+  <dgm:styleLbl name="asst2">
+    <dgm:fillClrLst meth="repeat">
+      <a:schemeClr val="dk2"/>
+    </dgm:fillClrLst>
+    <dgm:linClrLst meth="repeat">
+      <a:schemeClr val="lt2"/>
+    </dgm:linClrLst>
+    <dgm:effectClrLst/>
+    <dgm:txLinClrLst/>
+    <dgm:txFillClrLst/>
+    <dgm:txEffectClrLst/>
+  </dgm:styleLbl>
+  <dgm:styleLbl name="asst3">
+    <dgm:fillClrLst meth="repeat">
+      <a:schemeClr val="dk2"/>
+    </dgm:fillClrLst>
+    <dgm:linClrLst meth="repeat">
+      <a:schemeClr val="lt2"/>
+    </dgm:linClrLst>
+    <dgm:effectClrLst/>
+    <dgm:txLinClrLst/>
+    <dgm:txFillClrLst/>
+    <dgm:txEffectClrLst/>
+  </dgm:styleLbl>
+  <dgm:styleLbl name="asst4">
+    <dgm:fillClrLst meth="repeat">
+      <a:schemeClr val="dk2"/>
+    </dgm:fillClrLst>
+    <dgm:linClrLst meth="repeat">
+      <a:schemeClr val="lt2"/>
+    </dgm:linClrLst>
+    <dgm:effectClrLst/>
+    <dgm:txLinClrLst/>
+    <dgm:txFillClrLst/>
+    <dgm:txEffectClrLst/>
+  </dgm:styleLbl>
+  <dgm:styleLbl name="parChTrans2D1">
+    <dgm:fillClrLst meth="repeat">
+      <a:schemeClr val="dk2">
+        <a:tint val="60000"/>
+      </a:schemeClr>
+    </dgm:fillClrLst>
+    <dgm:linClrLst meth="repeat">
+      <a:schemeClr val="dk2">
+        <a:tint val="60000"/>
+      </a:schemeClr>
+    </dgm:linClrLst>
+    <dgm:effectClrLst/>
+    <dgm:txLinClrLst/>
+    <dgm:txFillClrLst meth="repeat">
+      <a:schemeClr val="lt2"/>
+    </dgm:txFillClrLst>
+    <dgm:txEffectClrLst/>
+  </dgm:styleLbl>
+  <dgm:styleLbl name="parChTrans2D2">
+    <dgm:fillClrLst meth="repeat">
+      <a:schemeClr val="dk2"/>
+    </dgm:fillClrLst>
+    <dgm:linClrLst meth="repeat">
+      <a:schemeClr val="dk2"/>
+    </dgm:linClrLst>
+    <dgm:effectClrLst/>
+    <dgm:txLinClrLst/>
+    <dgm:txFillClrLst meth="repeat">
+      <a:schemeClr val="lt2"/>
+    </dgm:txFillClrLst>
+    <dgm:txEffectClrLst/>
+  </dgm:styleLbl>
+  <dgm:styleLbl name="parChTrans2D3">
+    <dgm:fillClrLst meth="repeat">
+      <a:schemeClr val="dk2"/>
+    </dgm:fillClrLst>
+    <dgm:linClrLst meth="repeat">
+      <a:schemeClr val="dk2"/>
+    </dgm:linClrLst>
+    <dgm:effectClrLst/>
+    <dgm:txLinClrLst/>
+    <dgm:txFillClrLst meth="repeat">
+      <a:schemeClr val="lt2"/>
+    </dgm:txFillClrLst>
+    <dgm:txEffectClrLst/>
+  </dgm:styleLbl>
+  <dgm:styleLbl name="parChTrans2D4">
+    <dgm:fillClrLst meth="repeat">
+      <a:schemeClr val="dk2"/>
+    </dgm:fillClrLst>
+    <dgm:linClrLst meth="repeat">
+      <a:schemeClr val="dk2"/>
+    </dgm:linClrLst>
+    <dgm:effectClrLst/>
+    <dgm:txLinClrLst/>
+    <dgm:txFillClrLst meth="repeat">
+      <a:schemeClr val="lt2"/>
+    </dgm:txFillClrLst>
+    <dgm:txEffectClrLst/>
+  </dgm:styleLbl>
+  <dgm:styleLbl name="parChTrans1D1">
+    <dgm:fillClrLst meth="repeat">
+      <a:schemeClr val="dk2"/>
+    </dgm:fillClrLst>
+    <dgm:linClrLst meth="repeat">
+      <a:schemeClr val="dk2">
+        <a:shade val="60000"/>
+      </a:schemeClr>
+    </dgm:linClrLst>
+    <dgm:effectClrLst/>
+    <dgm:txLinClrLst/>
+    <dgm:txFillClrLst meth="repeat">
+      <a:schemeClr val="tx1"/>
+    </dgm:txFillClrLst>
+    <dgm:txEffectClrLst/>
+  </dgm:styleLbl>
+  <dgm:styleLbl name="parChTrans1D2">
+    <dgm:fillClrLst meth="repeat">
+      <a:schemeClr val="dk2"/>
+    </dgm:fillClrLst>
+    <dgm:linClrLst meth="repeat">
+      <a:schemeClr val="dk2">
+        <a:shade val="60000"/>
+      </a:schemeClr>
+    </dgm:linClrLst>
+    <dgm:effectClrLst/>
+    <dgm:txLinClrLst/>
+    <dgm:txFillClrLst meth="repeat">
+      <a:schemeClr val="tx1"/>
+    </dgm:txFillClrLst>
+    <dgm:txEffectClrLst/>
+  </dgm:styleLbl>
+  <dgm:styleLbl name="parChTrans1D3">
+    <dgm:fillClrLst meth="repeat">
+      <a:schemeClr val="dk2"/>
+    </dgm:fillClrLst>
+    <dgm:linClrLst meth="repeat">
+      <a:schemeClr val="dk2">
+        <a:shade val="80000"/>
+      </a:schemeClr>
+    </dgm:linClrLst>
+    <dgm:effectClrLst/>
+    <dgm:txLinClrLst/>
+    <dgm:txFillClrLst meth="repeat">
+      <a:schemeClr val="tx1"/>
+    </dgm:txFillClrLst>
+    <dgm:txEffectClrLst/>
+  </dgm:styleLbl>
+  <dgm:styleLbl name="parChTrans1D4">
+    <dgm:fillClrLst meth="repeat">
+      <a:schemeClr val="dk2"/>
+    </dgm:fillClrLst>
+    <dgm:linClrLst meth="repeat">
+      <a:schemeClr val="dk2">
+        <a:shade val="80000"/>
+      </a:schemeClr>
+    </dgm:linClrLst>
+    <dgm:effectClrLst/>
+    <dgm:txLinClrLst/>
+    <dgm:txFillClrLst meth="repeat">
+      <a:schemeClr val="tx1"/>
+    </dgm:txFillClrLst>
+    <dgm:txEffectClrLst/>
+  </dgm:styleLbl>
+  <dgm:styleLbl name="fgAcc1">
+    <dgm:fillClrLst meth="repeat">
+      <a:schemeClr val="lt2">
+        <a:alpha val="90000"/>
+      </a:schemeClr>
+    </dgm:fillClrLst>
+    <dgm:linClrLst meth="repeat">
+      <a:schemeClr val="dk2"/>
+    </dgm:linClrLst>
+    <dgm:effectClrLst/>
+    <dgm:txLinClrLst/>
+    <dgm:txFillClrLst meth="repeat">
+      <a:schemeClr val="dk1"/>
+    </dgm:txFillClrLst>
+    <dgm:txEffectClrLst/>
+  </dgm:styleLbl>
+  <dgm:styleLbl name="conFgAcc1">
+    <dgm:fillClrLst meth="repeat">
+      <a:schemeClr val="lt2">
+        <a:alpha val="90000"/>
+      </a:schemeClr>
+    </dgm:fillClrLst>
+    <dgm:linClrLst meth="repeat">
+      <a:schemeClr val="dk2"/>
+    </dgm:linClrLst>
+    <dgm:effectClrLst/>
+    <dgm:txLinClrLst/>
+    <dgm:txFillClrLst meth="repeat">
+      <a:schemeClr val="dk1"/>
+    </dgm:txFillClrLst>
+    <dgm:txEffectClrLst/>
+  </dgm:styleLbl>
+  <dgm:styleLbl name="alignAcc1">
+    <dgm:fillClrLst meth="repeat">
+      <a:schemeClr val="lt2">
+        <a:alpha val="90000"/>
+      </a:schemeClr>
+    </dgm:fillClrLst>
+    <dgm:linClrLst meth="repeat">
+      <a:schemeClr val="dk2"/>
+    </dgm:linClrLst>
+    <dgm:effectClrLst/>
+    <dgm:txLinClrLst/>
+    <dgm:txFillClrLst meth="repeat">
+      <a:schemeClr val="dk1"/>
+    </dgm:txFillClrLst>
+    <dgm:txEffectClrLst/>
+  </dgm:styleLbl>
+  <dgm:styleLbl name="trAlignAcc1">
+    <dgm:fillClrLst meth="repeat">
+      <a:schemeClr val="lt2">
+        <a:alpha val="40000"/>
+      </a:schemeClr>
+    </dgm:fillClrLst>
+    <dgm:linClrLst meth="repeat">
+      <a:schemeClr val="dk2"/>
+    </dgm:linClrLst>
+    <dgm:effectClrLst/>
+    <dgm:txLinClrLst/>
+    <dgm:txFillClrLst meth="repeat">
+      <a:schemeClr val="dk1"/>
+    </dgm:txFillClrLst>
+    <dgm:txEffectClrLst/>
+  </dgm:styleLbl>
+  <dgm:styleLbl name="bgAcc1">
+    <dgm:fillClrLst meth="repeat">
+      <a:schemeClr val="lt2">
+        <a:alpha val="90000"/>
+      </a:schemeClr>
+    </dgm:fillClrLst>
+    <dgm:linClrLst meth="repeat">
+      <a:schemeClr val="dk2"/>
+    </dgm:linClrLst>
+    <dgm:effectClrLst/>
+    <dgm:txLinClrLst/>
+    <dgm:txFillClrLst meth="repeat">
+      <a:schemeClr val="dk1"/>
+    </dgm:txFillClrLst>
+    <dgm:txEffectClrLst/>
+  </dgm:styleLbl>
+  <dgm:styleLbl name="solidFgAcc1">
+    <dgm:fillClrLst meth="repeat">
+      <a:schemeClr val="lt2"/>
+    </dgm:fillClrLst>
+    <dgm:linClrLst meth="repeat">
+      <a:schemeClr val="dk2"/>
+    </dgm:linClrLst>
+    <dgm:effectClrLst/>
+    <dgm:txLinClrLst/>
+    <dgm:txFillClrLst meth="repeat">
+      <a:schemeClr val="dk1"/>
+    </dgm:txFillClrLst>
+    <dgm:txEffectClrLst/>
+  </dgm:styleLbl>
+  <dgm:styleLbl name="solidAlignAcc1">
+    <dgm:fillClrLst meth="repeat">
+      <a:schemeClr val="lt2"/>
+    </dgm:fillClrLst>
+    <dgm:linClrLst meth="repeat">
+      <a:schemeClr val="dk2"/>
+    </dgm:linClrLst>
+    <dgm:effectClrLst/>
+    <dgm:txLinClrLst/>
+    <dgm:txFillClrLst meth="repeat">
+      <a:schemeClr val="dk1"/>
+    </dgm:txFillClrLst>
+    <dgm:txEffectClrLst/>
+  </dgm:styleLbl>
+  <dgm:styleLbl name="solidBgAcc1">
+    <dgm:fillClrLst meth="repeat">
+      <a:schemeClr val="lt2"/>
+    </dgm:fillClrLst>
+    <dgm:linClrLst meth="repeat">
+      <a:schemeClr val="dk2"/>
+    </dgm:linClrLst>
+    <dgm:effectClrLst/>
+    <dgm:txLinClrLst/>
+    <dgm:txFillClrLst meth="repeat">
+      <a:schemeClr val="dk1"/>
+    </dgm:txFillClrLst>
+    <dgm:txEffectClrLst/>
+  </dgm:styleLbl>
+  <dgm:styleLbl name="fgAccFollowNode1">
+    <dgm:fillClrLst meth="repeat">
+      <a:schemeClr val="dk2">
+        <a:alpha val="90000"/>
+        <a:tint val="40000"/>
+      </a:schemeClr>
+    </dgm:fillClrLst>
+    <dgm:linClrLst meth="repeat">
+      <a:schemeClr val="dk2">
+        <a:alpha val="90000"/>
+        <a:tint val="40000"/>
+      </a:schemeClr>
+    </dgm:linClrLst>
+    <dgm:effectClrLst/>
+    <dgm:txLinClrLst/>
+    <dgm:txFillClrLst meth="repeat">
+      <a:schemeClr val="dk1"/>
+    </dgm:txFillClrLst>
+    <dgm:txEffectClrLst/>
+  </dgm:styleLbl>
+  <dgm:styleLbl name="alignAccFollowNode1">
+    <dgm:fillClrLst meth="repeat">
+      <a:schemeClr val="dk2">
+        <a:alpha val="90000"/>
+        <a:tint val="40000"/>
+      </a:schemeClr>
+    </dgm:fillClrLst>
+    <dgm:linClrLst meth="repeat">
+      <a:schemeClr val="dk2">
+        <a:alpha val="90000"/>
+        <a:tint val="40000"/>
+      </a:schemeClr>
+    </dgm:linClrLst>
+    <dgm:effectClrLst/>
+    <dgm:txLinClrLst/>
+    <dgm:txFillClrLst meth="repeat">
+      <a:schemeClr val="dk1"/>
+    </dgm:txFillClrLst>
+    <dgm:txEffectClrLst/>
+  </dgm:styleLbl>
+  <dgm:styleLbl name="bgAccFollowNode1">
+    <dgm:fillClrLst meth="repeat">
+      <a:schemeClr val="dk2">
+        <a:alpha val="90000"/>
+        <a:tint val="40000"/>
+      </a:schemeClr>
+    </dgm:fillClrLst>
+    <dgm:linClrLst meth="repeat">
+      <a:schemeClr val="dk2">
+        <a:alpha val="90000"/>
+        <a:tint val="40000"/>
+      </a:schemeClr>
+    </dgm:linClrLst>
+    <dgm:effectClrLst/>
+    <dgm:txLinClrLst/>
+    <dgm:txFillClrLst meth="repeat">
+      <a:schemeClr val="dk1"/>
+    </dgm:txFillClrLst>
+    <dgm:txEffectClrLst/>
+  </dgm:styleLbl>
+  <dgm:styleLbl name="fgAcc0">
+    <dgm:fillClrLst meth="repeat">
+      <a:schemeClr val="lt2">
+        <a:alpha val="90000"/>
+      </a:schemeClr>
+    </dgm:fillClrLst>
+    <dgm:linClrLst meth="repeat">
+      <a:schemeClr val="dk2"/>
+    </dgm:linClrLst>
+    <dgm:effectClrLst/>
+    <dgm:txLinClrLst/>
+    <dgm:txFillClrLst meth="repeat">
+      <a:schemeClr val="dk1"/>
+    </dgm:txFillClrLst>
+    <dgm:txEffectClrLst/>
+  </dgm:styleLbl>
+  <dgm:styleLbl name="fgAcc2">
+    <dgm:fillClrLst meth="repeat">
+      <a:schemeClr val="lt2">
+        <a:alpha val="90000"/>
+      </a:schemeClr>
+    </dgm:fillClrLst>
+    <dgm:linClrLst meth="repeat">
+      <a:schemeClr val="dk2"/>
+    </dgm:linClrLst>
+    <dgm:effectClrLst/>
+    <dgm:txLinClrLst/>
+    <dgm:txFillClrLst meth="repeat">
+      <a:schemeClr val="dk1"/>
+    </dgm:txFillClrLst>
+    <dgm:txEffectClrLst/>
+  </dgm:styleLbl>
+  <dgm:styleLbl name="fgAcc3">
+    <dgm:fillClrLst meth="repeat">
+      <a:schemeClr val="lt2">
+        <a:alpha val="90000"/>
+      </a:schemeClr>
+    </dgm:fillClrLst>
+    <dgm:linClrLst meth="repeat">
+      <a:schemeClr val="dk2"/>
+    </dgm:linClrLst>
+    <dgm:effectClrLst/>
+    <dgm:txLinClrLst/>
+    <dgm:txFillClrLst meth="repeat">
+      <a:schemeClr val="dk1"/>
+    </dgm:txFillClrLst>
+    <dgm:txEffectClrLst/>
+  </dgm:styleLbl>
+  <dgm:styleLbl name="fgAcc4">
+    <dgm:fillClrLst meth="repeat">
+      <a:schemeClr val="lt2">
+        <a:alpha val="90000"/>
+      </a:schemeClr>
+    </dgm:fillClrLst>
+    <dgm:linClrLst meth="repeat">
+      <a:schemeClr val="dk2"/>
+    </dgm:linClrLst>
+    <dgm:effectClrLst/>
+    <dgm:txLinClrLst/>
+    <dgm:txFillClrLst meth="repeat">
+      <a:schemeClr val="dk1"/>
+    </dgm:txFillClrLst>
+    <dgm:txEffectClrLst/>
+  </dgm:styleLbl>
+  <dgm:styleLbl name="bgShp">
+    <dgm:fillClrLst meth="repeat">
+      <a:schemeClr val="dk2">
+        <a:tint val="40000"/>
+      </a:schemeClr>
+    </dgm:fillClrLst>
+    <dgm:linClrLst meth="repeat">
+      <a:schemeClr val="dk2"/>
+    </dgm:linClrLst>
+    <dgm:effectClrLst/>
+    <dgm:txLinClrLst/>
+    <dgm:txFillClrLst meth="repeat">
+      <a:schemeClr val="dk1"/>
+    </dgm:txFillClrLst>
+    <dgm:txEffectClrLst/>
+  </dgm:styleLbl>
+  <dgm:styleLbl name="dkBgShp">
+    <dgm:fillClrLst meth="repeat">
+      <a:schemeClr val="dk2">
+        <a:shade val="80000"/>
+      </a:schemeClr>
+    </dgm:fillClrLst>
+    <dgm:linClrLst meth="repeat">
+      <a:schemeClr val="dk2"/>
+    </dgm:linClrLst>
+    <dgm:effectClrLst/>
+    <dgm:txLinClrLst/>
+    <dgm:txFillClrLst meth="repeat">
+      <a:schemeClr val="lt1"/>
+    </dgm:txFillClrLst>
+    <dgm:txEffectClrLst/>
+  </dgm:styleLbl>
+  <dgm:styleLbl name="trBgShp">
+    <dgm:fillClrLst meth="repeat">
+      <a:schemeClr val="dk2">
+        <a:tint val="50000"/>
+        <a:alpha val="40000"/>
+      </a:schemeClr>
+    </dgm:fillClrLst>
+    <dgm:linClrLst meth="repeat">
+      <a:schemeClr val="dk2"/>
+    </dgm:linClrLst>
+    <dgm:effectClrLst/>
+    <dgm:txLinClrLst/>
+    <dgm:txFillClrLst meth="repeat">
+      <a:schemeClr val="lt1"/>
+    </dgm:txFillClrLst>
+    <dgm:txEffectClrLst/>
+  </dgm:styleLbl>
+  <dgm:styleLbl name="fgShp">
+    <dgm:fillClrLst meth="repeat">
+      <a:schemeClr val="dk2">
+        <a:tint val="60000"/>
+      </a:schemeClr>
+    </dgm:fillClrLst>
+    <dgm:linClrLst meth="repeat">
+      <a:schemeClr val="lt2"/>
+    </dgm:linClrLst>
+    <dgm:effectClrLst/>
+    <dgm:txLinClrLst/>
+    <dgm:txFillClrLst meth="repeat">
+      <a:schemeClr val="dk1"/>
+    </dgm:txFillClrLst>
+    <dgm:txEffectClrLst/>
+  </dgm:styleLbl>
+  <dgm:styleLbl name="revTx">
+    <dgm:fillClrLst meth="repeat">
+      <a:schemeClr val="lt2">
         <a:alpha val="0"/>
       </a:schemeClr>
     </dgm:fillClrLst>
@@ -4529,176 +6028,6 @@
 <file path=ppt/diagrams/data3.xml><?xml version="1.0" encoding="utf-8"?>
 <dgm:dataModel xmlns:dgm="http://schemas.openxmlformats.org/drawingml/2006/diagram" xmlns:a="http://schemas.openxmlformats.org/drawingml/2006/main">
   <dgm:ptLst>
-    <dgm:pt modelId="{38355046-136B-41C4-8AB9-C78AF1633845}" type="doc">
-      <dgm:prSet loTypeId="urn:microsoft.com/office/officeart/2005/8/layout/hierarchy3" loCatId="hierarchy" qsTypeId="urn:microsoft.com/office/officeart/2005/8/quickstyle/simple1" qsCatId="simple" csTypeId="urn:microsoft.com/office/officeart/2005/8/colors/accent1_2" csCatId="accent1" phldr="1"/>
-      <dgm:spPr/>
-      <dgm:t>
-        <a:bodyPr/>
-        <a:lstStyle/>
-        <a:p>
-          <a:endParaRPr lang="en-US"/>
-        </a:p>
-      </dgm:t>
-    </dgm:pt>
-    <dgm:pt modelId="{CDB68ADC-2183-454D-9A8D-54CABF9829F6}">
-      <dgm:prSet/>
-      <dgm:spPr/>
-      <dgm:t>
-        <a:bodyPr/>
-        <a:lstStyle/>
-        <a:p>
-          <a:r>
-            <a:rPr lang="he-IL" dirty="0"/>
-            <a:t>האלגוריתם פועל לפי סטטיסטיקה</a:t>
-          </a:r>
-          <a:endParaRPr lang="en-US" dirty="0"/>
-        </a:p>
-      </dgm:t>
-    </dgm:pt>
-    <dgm:pt modelId="{DC1574D6-0C14-46D6-B621-030425C174B6}" type="parTrans" cxnId="{68F75806-8630-42B8-8383-1CBB0875AAA9}">
-      <dgm:prSet/>
-      <dgm:spPr/>
-      <dgm:t>
-        <a:bodyPr/>
-        <a:lstStyle/>
-        <a:p>
-          <a:endParaRPr lang="en-US"/>
-        </a:p>
-      </dgm:t>
-    </dgm:pt>
-    <dgm:pt modelId="{604AF820-F691-454B-8F6A-7EEF2585CB18}" type="sibTrans" cxnId="{68F75806-8630-42B8-8383-1CBB0875AAA9}">
-      <dgm:prSet/>
-      <dgm:spPr/>
-      <dgm:t>
-        <a:bodyPr/>
-        <a:lstStyle/>
-        <a:p>
-          <a:endParaRPr lang="en-US"/>
-        </a:p>
-      </dgm:t>
-    </dgm:pt>
-    <dgm:pt modelId="{B3250E6F-4734-499E-826F-EF74D1D65EB9}">
-      <dgm:prSet/>
-      <dgm:spPr/>
-      <dgm:t>
-        <a:bodyPr/>
-        <a:lstStyle/>
-        <a:p>
-          <a:r>
-            <a:rPr lang="he-IL"/>
-            <a:t>הוא מייצר כמה ניחושים וממוצע שניתן לבחון</a:t>
-          </a:r>
-          <a:endParaRPr lang="en-US"/>
-        </a:p>
-      </dgm:t>
-    </dgm:pt>
-    <dgm:pt modelId="{4F13FA07-12BB-42B6-8C2A-06FAB476B7BF}" type="parTrans" cxnId="{81D99E30-735C-4DF6-8BEA-3A7C495EBA80}">
-      <dgm:prSet/>
-      <dgm:spPr/>
-      <dgm:t>
-        <a:bodyPr/>
-        <a:lstStyle/>
-        <a:p>
-          <a:endParaRPr lang="en-US"/>
-        </a:p>
-      </dgm:t>
-    </dgm:pt>
-    <dgm:pt modelId="{C5F76CCF-FFB0-4A63-A9B5-E9DF356B5A6A}" type="sibTrans" cxnId="{81D99E30-735C-4DF6-8BEA-3A7C495EBA80}">
-      <dgm:prSet/>
-      <dgm:spPr/>
-      <dgm:t>
-        <a:bodyPr/>
-        <a:lstStyle/>
-        <a:p>
-          <a:endParaRPr lang="en-US"/>
-        </a:p>
-      </dgm:t>
-    </dgm:pt>
-    <dgm:pt modelId="{4495F76D-82A6-4011-A201-3B8BD9590406}" type="pres">
-      <dgm:prSet presAssocID="{38355046-136B-41C4-8AB9-C78AF1633845}" presName="diagram" presStyleCnt="0">
-        <dgm:presLayoutVars>
-          <dgm:chPref val="1"/>
-          <dgm:dir/>
-          <dgm:animOne val="branch"/>
-          <dgm:animLvl val="lvl"/>
-          <dgm:resizeHandles/>
-        </dgm:presLayoutVars>
-      </dgm:prSet>
-      <dgm:spPr/>
-    </dgm:pt>
-    <dgm:pt modelId="{CCD2F9C9-6F0C-4525-AC64-19E0F9EF0361}" type="pres">
-      <dgm:prSet presAssocID="{CDB68ADC-2183-454D-9A8D-54CABF9829F6}" presName="root" presStyleCnt="0"/>
-      <dgm:spPr/>
-    </dgm:pt>
-    <dgm:pt modelId="{64AA8152-0ECB-4C84-BC23-440400F0F72A}" type="pres">
-      <dgm:prSet presAssocID="{CDB68ADC-2183-454D-9A8D-54CABF9829F6}" presName="rootComposite" presStyleCnt="0"/>
-      <dgm:spPr/>
-    </dgm:pt>
-    <dgm:pt modelId="{DD984884-7F4D-4076-9183-08F7E1151363}" type="pres">
-      <dgm:prSet presAssocID="{CDB68ADC-2183-454D-9A8D-54CABF9829F6}" presName="rootText" presStyleLbl="node1" presStyleIdx="0" presStyleCnt="2"/>
-      <dgm:spPr/>
-    </dgm:pt>
-    <dgm:pt modelId="{CFBD64AA-B6F0-4CFC-8163-01B784FA3DE3}" type="pres">
-      <dgm:prSet presAssocID="{CDB68ADC-2183-454D-9A8D-54CABF9829F6}" presName="rootConnector" presStyleLbl="node1" presStyleIdx="0" presStyleCnt="2"/>
-      <dgm:spPr/>
-    </dgm:pt>
-    <dgm:pt modelId="{BDA4584F-EE25-48E9-B8F5-80510A7940B0}" type="pres">
-      <dgm:prSet presAssocID="{CDB68ADC-2183-454D-9A8D-54CABF9829F6}" presName="childShape" presStyleCnt="0"/>
-      <dgm:spPr/>
-    </dgm:pt>
-    <dgm:pt modelId="{2101961C-B8BA-46F2-95F1-E94FB5F204E7}" type="pres">
-      <dgm:prSet presAssocID="{B3250E6F-4734-499E-826F-EF74D1D65EB9}" presName="root" presStyleCnt="0"/>
-      <dgm:spPr/>
-    </dgm:pt>
-    <dgm:pt modelId="{B5A29C24-DF97-46F1-9869-24ABA31EFEE5}" type="pres">
-      <dgm:prSet presAssocID="{B3250E6F-4734-499E-826F-EF74D1D65EB9}" presName="rootComposite" presStyleCnt="0"/>
-      <dgm:spPr/>
-    </dgm:pt>
-    <dgm:pt modelId="{A76D7601-E288-4C30-844B-92667BA145B7}" type="pres">
-      <dgm:prSet presAssocID="{B3250E6F-4734-499E-826F-EF74D1D65EB9}" presName="rootText" presStyleLbl="node1" presStyleIdx="1" presStyleCnt="2"/>
-      <dgm:spPr/>
-    </dgm:pt>
-    <dgm:pt modelId="{28AAF684-B75E-411C-A0C8-DE22BEE1E129}" type="pres">
-      <dgm:prSet presAssocID="{B3250E6F-4734-499E-826F-EF74D1D65EB9}" presName="rootConnector" presStyleLbl="node1" presStyleIdx="1" presStyleCnt="2"/>
-      <dgm:spPr/>
-    </dgm:pt>
-    <dgm:pt modelId="{04C14867-6BE1-48B4-AE05-08586A70DE3A}" type="pres">
-      <dgm:prSet presAssocID="{B3250E6F-4734-499E-826F-EF74D1D65EB9}" presName="childShape" presStyleCnt="0"/>
-      <dgm:spPr/>
-    </dgm:pt>
-  </dgm:ptLst>
-  <dgm:cxnLst>
-    <dgm:cxn modelId="{68F75806-8630-42B8-8383-1CBB0875AAA9}" srcId="{38355046-136B-41C4-8AB9-C78AF1633845}" destId="{CDB68ADC-2183-454D-9A8D-54CABF9829F6}" srcOrd="0" destOrd="0" parTransId="{DC1574D6-0C14-46D6-B621-030425C174B6}" sibTransId="{604AF820-F691-454B-8F6A-7EEF2585CB18}"/>
-    <dgm:cxn modelId="{4342E207-2B68-420B-AC44-9C4F1939EAB5}" type="presOf" srcId="{CDB68ADC-2183-454D-9A8D-54CABF9829F6}" destId="{DD984884-7F4D-4076-9183-08F7E1151363}" srcOrd="0" destOrd="0" presId="urn:microsoft.com/office/officeart/2005/8/layout/hierarchy3"/>
-    <dgm:cxn modelId="{81D99E30-735C-4DF6-8BEA-3A7C495EBA80}" srcId="{38355046-136B-41C4-8AB9-C78AF1633845}" destId="{B3250E6F-4734-499E-826F-EF74D1D65EB9}" srcOrd="1" destOrd="0" parTransId="{4F13FA07-12BB-42B6-8C2A-06FAB476B7BF}" sibTransId="{C5F76CCF-FFB0-4A63-A9B5-E9DF356B5A6A}"/>
-    <dgm:cxn modelId="{E8076D4B-09A4-409E-9218-44988CBDFC2B}" type="presOf" srcId="{CDB68ADC-2183-454D-9A8D-54CABF9829F6}" destId="{CFBD64AA-B6F0-4CFC-8163-01B784FA3DE3}" srcOrd="1" destOrd="0" presId="urn:microsoft.com/office/officeart/2005/8/layout/hierarchy3"/>
-    <dgm:cxn modelId="{EE6338B5-F737-4B70-8544-6D4ECE796DE3}" type="presOf" srcId="{B3250E6F-4734-499E-826F-EF74D1D65EB9}" destId="{A76D7601-E288-4C30-844B-92667BA145B7}" srcOrd="0" destOrd="0" presId="urn:microsoft.com/office/officeart/2005/8/layout/hierarchy3"/>
-    <dgm:cxn modelId="{705970D6-13F1-4156-BB7E-3446ED268005}" type="presOf" srcId="{38355046-136B-41C4-8AB9-C78AF1633845}" destId="{4495F76D-82A6-4011-A201-3B8BD9590406}" srcOrd="0" destOrd="0" presId="urn:microsoft.com/office/officeart/2005/8/layout/hierarchy3"/>
-    <dgm:cxn modelId="{F82434FF-86A7-4B61-B5F6-C69A19076587}" type="presOf" srcId="{B3250E6F-4734-499E-826F-EF74D1D65EB9}" destId="{28AAF684-B75E-411C-A0C8-DE22BEE1E129}" srcOrd="1" destOrd="0" presId="urn:microsoft.com/office/officeart/2005/8/layout/hierarchy3"/>
-    <dgm:cxn modelId="{939B6B4D-FA31-45A4-9F66-921BBEB29F19}" type="presParOf" srcId="{4495F76D-82A6-4011-A201-3B8BD9590406}" destId="{CCD2F9C9-6F0C-4525-AC64-19E0F9EF0361}" srcOrd="0" destOrd="0" presId="urn:microsoft.com/office/officeart/2005/8/layout/hierarchy3"/>
-    <dgm:cxn modelId="{DF745584-41D4-4DE4-BF05-336C4C8FF29A}" type="presParOf" srcId="{CCD2F9C9-6F0C-4525-AC64-19E0F9EF0361}" destId="{64AA8152-0ECB-4C84-BC23-440400F0F72A}" srcOrd="0" destOrd="0" presId="urn:microsoft.com/office/officeart/2005/8/layout/hierarchy3"/>
-    <dgm:cxn modelId="{0D1F5227-D3A2-43BE-8514-799A0099D1EA}" type="presParOf" srcId="{64AA8152-0ECB-4C84-BC23-440400F0F72A}" destId="{DD984884-7F4D-4076-9183-08F7E1151363}" srcOrd="0" destOrd="0" presId="urn:microsoft.com/office/officeart/2005/8/layout/hierarchy3"/>
-    <dgm:cxn modelId="{D6E61A02-1DA3-4663-B36F-8B3CE74BE4C7}" type="presParOf" srcId="{64AA8152-0ECB-4C84-BC23-440400F0F72A}" destId="{CFBD64AA-B6F0-4CFC-8163-01B784FA3DE3}" srcOrd="1" destOrd="0" presId="urn:microsoft.com/office/officeart/2005/8/layout/hierarchy3"/>
-    <dgm:cxn modelId="{8C3C50D4-575E-4750-AD7D-6708D978527A}" type="presParOf" srcId="{CCD2F9C9-6F0C-4525-AC64-19E0F9EF0361}" destId="{BDA4584F-EE25-48E9-B8F5-80510A7940B0}" srcOrd="1" destOrd="0" presId="urn:microsoft.com/office/officeart/2005/8/layout/hierarchy3"/>
-    <dgm:cxn modelId="{CE2BE00F-9230-4610-9D5E-80E840E4F807}" type="presParOf" srcId="{4495F76D-82A6-4011-A201-3B8BD9590406}" destId="{2101961C-B8BA-46F2-95F1-E94FB5F204E7}" srcOrd="1" destOrd="0" presId="urn:microsoft.com/office/officeart/2005/8/layout/hierarchy3"/>
-    <dgm:cxn modelId="{05C5DC40-0BFD-499B-B619-B03B77B6763D}" type="presParOf" srcId="{2101961C-B8BA-46F2-95F1-E94FB5F204E7}" destId="{B5A29C24-DF97-46F1-9869-24ABA31EFEE5}" srcOrd="0" destOrd="0" presId="urn:microsoft.com/office/officeart/2005/8/layout/hierarchy3"/>
-    <dgm:cxn modelId="{9A09260B-481E-4747-B12C-60108088030F}" type="presParOf" srcId="{B5A29C24-DF97-46F1-9869-24ABA31EFEE5}" destId="{A76D7601-E288-4C30-844B-92667BA145B7}" srcOrd="0" destOrd="0" presId="urn:microsoft.com/office/officeart/2005/8/layout/hierarchy3"/>
-    <dgm:cxn modelId="{9C2AEF3F-322E-4EEC-9B74-6470662F187B}" type="presParOf" srcId="{B5A29C24-DF97-46F1-9869-24ABA31EFEE5}" destId="{28AAF684-B75E-411C-A0C8-DE22BEE1E129}" srcOrd="1" destOrd="0" presId="urn:microsoft.com/office/officeart/2005/8/layout/hierarchy3"/>
-    <dgm:cxn modelId="{5CB8649E-4907-4C6A-A93D-BA8D1F8FFD48}" type="presParOf" srcId="{2101961C-B8BA-46F2-95F1-E94FB5F204E7}" destId="{04C14867-6BE1-48B4-AE05-08586A70DE3A}" srcOrd="1" destOrd="0" presId="urn:microsoft.com/office/officeart/2005/8/layout/hierarchy3"/>
-  </dgm:cxnLst>
-  <dgm:bg/>
-  <dgm:whole/>
-  <dgm:extLst>
-    <a:ext uri="http://schemas.microsoft.com/office/drawing/2008/diagram">
-      <dsp:dataModelExt xmlns:dsp="http://schemas.microsoft.com/office/drawing/2008/diagram" relId="rId6" minVer="http://schemas.openxmlformats.org/drawingml/2006/diagram"/>
-    </a:ext>
-  </dgm:extLst>
-</dgm:dataModel>
-</file>
-
-<file path=ppt/diagrams/data4.xml><?xml version="1.0" encoding="utf-8"?>
-<dgm:dataModel xmlns:dgm="http://schemas.openxmlformats.org/drawingml/2006/diagram" xmlns:a="http://schemas.openxmlformats.org/drawingml/2006/main">
-  <dgm:ptLst>
     <dgm:pt modelId="{97E10067-E11F-456D-BA69-1FCE2CABE1A8}" type="doc">
       <dgm:prSet loTypeId="urn:microsoft.com/office/officeart/2018/2/layout/IconLabelList" loCatId="icon" qsTypeId="urn:microsoft.com/office/officeart/2005/8/quickstyle/simple1" qsCatId="simple" csTypeId="urn:microsoft.com/office/officeart/2005/8/colors/accent1_2" csCatId="accent1" phldr="1"/>
       <dgm:spPr/>
@@ -4916,7 +6245,431 @@
 </dgm:dataModel>
 </file>
 
+<file path=ppt/diagrams/data4.xml><?xml version="1.0" encoding="utf-8"?>
+<dgm:dataModel xmlns:dgm="http://schemas.openxmlformats.org/drawingml/2006/diagram" xmlns:a="http://schemas.openxmlformats.org/drawingml/2006/main">
+  <dgm:ptLst>
+    <dgm:pt modelId="{BBCC6F47-5851-4031-BBE3-7D83DB352663}" type="doc">
+      <dgm:prSet loTypeId="urn:microsoft.com/office/officeart/2005/8/layout/vProcess5" loCatId="process" qsTypeId="urn:microsoft.com/office/officeart/2005/8/quickstyle/simple1" qsCatId="simple" csTypeId="urn:microsoft.com/office/officeart/2005/8/colors/accent1_2" csCatId="accent1" phldr="1"/>
+      <dgm:spPr/>
+      <dgm:t>
+        <a:bodyPr/>
+        <a:lstStyle/>
+        <a:p>
+          <a:endParaRPr lang="en-US"/>
+        </a:p>
+      </dgm:t>
+    </dgm:pt>
+    <dgm:pt modelId="{90D59D5E-44A2-4317-905F-0B7F64233AA0}">
+      <dgm:prSet/>
+      <dgm:spPr/>
+      <dgm:t>
+        <a:bodyPr/>
+        <a:lstStyle/>
+        <a:p>
+          <a:pPr rtl="1"/>
+          <a:r>
+            <a:rPr lang="he-IL" dirty="0"/>
+            <a:t>התמונה מחולקת לתמונות של פרצופים בגול אחיד</a:t>
+          </a:r>
+          <a:endParaRPr lang="en-US" dirty="0"/>
+        </a:p>
+      </dgm:t>
+    </dgm:pt>
+    <dgm:pt modelId="{0CFD89CF-83E4-4833-B3B6-20AB7025CE9A}" type="parTrans" cxnId="{F8E520F4-F7DC-418E-B5AB-A1AB3478879D}">
+      <dgm:prSet/>
+      <dgm:spPr/>
+      <dgm:t>
+        <a:bodyPr/>
+        <a:lstStyle/>
+        <a:p>
+          <a:endParaRPr lang="en-US"/>
+        </a:p>
+      </dgm:t>
+    </dgm:pt>
+    <dgm:pt modelId="{78605E2D-F9F9-404A-85A3-31C66D25D880}" type="sibTrans" cxnId="{F8E520F4-F7DC-418E-B5AB-A1AB3478879D}">
+      <dgm:prSet/>
+      <dgm:spPr/>
+      <dgm:t>
+        <a:bodyPr/>
+        <a:lstStyle/>
+        <a:p>
+          <a:endParaRPr lang="en-US"/>
+        </a:p>
+      </dgm:t>
+    </dgm:pt>
+    <dgm:pt modelId="{7DF068D1-ED57-4BBC-BDCA-3FC405250F6E}">
+      <dgm:prSet/>
+      <dgm:spPr/>
+      <dgm:t>
+        <a:bodyPr/>
+        <a:lstStyle/>
+        <a:p>
+          <a:pPr rtl="1"/>
+          <a:r>
+            <a:rPr lang="he-IL" dirty="0"/>
+            <a:t>כל תמונה מעובדת על ידי אלגוריתם לזיהוי פנים שמחזיר וקטור</a:t>
+          </a:r>
+          <a:endParaRPr lang="en-US" dirty="0"/>
+        </a:p>
+      </dgm:t>
+    </dgm:pt>
+    <dgm:pt modelId="{4D223FE1-13CE-4C61-AC88-59ACA7CFBD17}" type="parTrans" cxnId="{DE238A4B-9AEC-4124-A6DF-DAA444D65C3C}">
+      <dgm:prSet/>
+      <dgm:spPr/>
+      <dgm:t>
+        <a:bodyPr/>
+        <a:lstStyle/>
+        <a:p>
+          <a:endParaRPr lang="en-US"/>
+        </a:p>
+      </dgm:t>
+    </dgm:pt>
+    <dgm:pt modelId="{4A4F332E-CD06-4C60-9991-6102AAF7B08E}" type="sibTrans" cxnId="{DE238A4B-9AEC-4124-A6DF-DAA444D65C3C}">
+      <dgm:prSet/>
+      <dgm:spPr/>
+      <dgm:t>
+        <a:bodyPr/>
+        <a:lstStyle/>
+        <a:p>
+          <a:endParaRPr lang="en-US"/>
+        </a:p>
+      </dgm:t>
+    </dgm:pt>
+    <dgm:pt modelId="{580AAE2A-A8DD-4DA2-9A12-B435DB4D6A78}">
+      <dgm:prSet/>
+      <dgm:spPr/>
+      <dgm:t>
+        <a:bodyPr/>
+        <a:lstStyle/>
+        <a:p>
+          <a:pPr rtl="1"/>
+          <a:r>
+            <a:rPr lang="he-IL" dirty="0"/>
+            <a:t>הווקטור נכנס לאלגוריתם ה</a:t>
+          </a:r>
+          <a:r>
+            <a:rPr lang="en-US" dirty="0"/>
+            <a:t>-</a:t>
+          </a:r>
+          <a:r>
+            <a:rPr lang="en-US" dirty="0" err="1"/>
+            <a:t>Hyperloglog</a:t>
+          </a:r>
+          <a:r>
+            <a:rPr lang="he-IL" dirty="0"/>
+            <a:t> </a:t>
+          </a:r>
+          <a:endParaRPr lang="en-US" dirty="0"/>
+        </a:p>
+      </dgm:t>
+    </dgm:pt>
+    <dgm:pt modelId="{A7534478-B3BA-4A62-82C3-94C281B59DE8}" type="parTrans" cxnId="{96BC3616-4C7A-4DBC-A5FB-942DB0369881}">
+      <dgm:prSet/>
+      <dgm:spPr/>
+      <dgm:t>
+        <a:bodyPr/>
+        <a:lstStyle/>
+        <a:p>
+          <a:endParaRPr lang="en-US"/>
+        </a:p>
+      </dgm:t>
+    </dgm:pt>
+    <dgm:pt modelId="{D5C61C52-6B0D-44CF-A73D-789FD84E6CD3}" type="sibTrans" cxnId="{96BC3616-4C7A-4DBC-A5FB-942DB0369881}">
+      <dgm:prSet/>
+      <dgm:spPr/>
+      <dgm:t>
+        <a:bodyPr/>
+        <a:lstStyle/>
+        <a:p>
+          <a:endParaRPr lang="en-US"/>
+        </a:p>
+      </dgm:t>
+    </dgm:pt>
+    <dgm:pt modelId="{6685D512-7A18-4DF8-94FA-ACC7B6F0E883}" type="pres">
+      <dgm:prSet presAssocID="{BBCC6F47-5851-4031-BBE3-7D83DB352663}" presName="outerComposite" presStyleCnt="0">
+        <dgm:presLayoutVars>
+          <dgm:chMax val="5"/>
+          <dgm:dir/>
+          <dgm:resizeHandles val="exact"/>
+        </dgm:presLayoutVars>
+      </dgm:prSet>
+      <dgm:spPr/>
+    </dgm:pt>
+    <dgm:pt modelId="{61D39CD2-0098-489D-BF5C-F0C4BD252240}" type="pres">
+      <dgm:prSet presAssocID="{BBCC6F47-5851-4031-BBE3-7D83DB352663}" presName="dummyMaxCanvas" presStyleCnt="0">
+        <dgm:presLayoutVars/>
+      </dgm:prSet>
+      <dgm:spPr/>
+    </dgm:pt>
+    <dgm:pt modelId="{5D5F119E-B338-4DDB-BD8C-C54ABC987034}" type="pres">
+      <dgm:prSet presAssocID="{BBCC6F47-5851-4031-BBE3-7D83DB352663}" presName="ThreeNodes_1" presStyleLbl="node1" presStyleIdx="0" presStyleCnt="3">
+        <dgm:presLayoutVars>
+          <dgm:bulletEnabled val="1"/>
+        </dgm:presLayoutVars>
+      </dgm:prSet>
+      <dgm:spPr/>
+    </dgm:pt>
+    <dgm:pt modelId="{5501251D-7039-4D86-8A97-9DC9FF2783EC}" type="pres">
+      <dgm:prSet presAssocID="{BBCC6F47-5851-4031-BBE3-7D83DB352663}" presName="ThreeNodes_2" presStyleLbl="node1" presStyleIdx="1" presStyleCnt="3">
+        <dgm:presLayoutVars>
+          <dgm:bulletEnabled val="1"/>
+        </dgm:presLayoutVars>
+      </dgm:prSet>
+      <dgm:spPr/>
+    </dgm:pt>
+    <dgm:pt modelId="{25852BDA-B4C6-44E2-8806-508E6D099F55}" type="pres">
+      <dgm:prSet presAssocID="{BBCC6F47-5851-4031-BBE3-7D83DB352663}" presName="ThreeNodes_3" presStyleLbl="node1" presStyleIdx="2" presStyleCnt="3">
+        <dgm:presLayoutVars>
+          <dgm:bulletEnabled val="1"/>
+        </dgm:presLayoutVars>
+      </dgm:prSet>
+      <dgm:spPr/>
+    </dgm:pt>
+    <dgm:pt modelId="{A032D601-0F71-4608-87DA-2F13D7BA5BAA}" type="pres">
+      <dgm:prSet presAssocID="{BBCC6F47-5851-4031-BBE3-7D83DB352663}" presName="ThreeConn_1-2" presStyleLbl="fgAccFollowNode1" presStyleIdx="0" presStyleCnt="2">
+        <dgm:presLayoutVars>
+          <dgm:bulletEnabled val="1"/>
+        </dgm:presLayoutVars>
+      </dgm:prSet>
+      <dgm:spPr/>
+    </dgm:pt>
+    <dgm:pt modelId="{86436377-0DBB-476E-A659-1AC68EA680FC}" type="pres">
+      <dgm:prSet presAssocID="{BBCC6F47-5851-4031-BBE3-7D83DB352663}" presName="ThreeConn_2-3" presStyleLbl="fgAccFollowNode1" presStyleIdx="1" presStyleCnt="2">
+        <dgm:presLayoutVars>
+          <dgm:bulletEnabled val="1"/>
+        </dgm:presLayoutVars>
+      </dgm:prSet>
+      <dgm:spPr/>
+    </dgm:pt>
+    <dgm:pt modelId="{BA37A300-54BC-4912-BF3B-099D8F628ABC}" type="pres">
+      <dgm:prSet presAssocID="{BBCC6F47-5851-4031-BBE3-7D83DB352663}" presName="ThreeNodes_1_text" presStyleLbl="node1" presStyleIdx="2" presStyleCnt="3">
+        <dgm:presLayoutVars>
+          <dgm:bulletEnabled val="1"/>
+        </dgm:presLayoutVars>
+      </dgm:prSet>
+      <dgm:spPr/>
+    </dgm:pt>
+    <dgm:pt modelId="{893AD960-3E50-46DB-BDEF-C57C750ABEF8}" type="pres">
+      <dgm:prSet presAssocID="{BBCC6F47-5851-4031-BBE3-7D83DB352663}" presName="ThreeNodes_2_text" presStyleLbl="node1" presStyleIdx="2" presStyleCnt="3">
+        <dgm:presLayoutVars>
+          <dgm:bulletEnabled val="1"/>
+        </dgm:presLayoutVars>
+      </dgm:prSet>
+      <dgm:spPr/>
+    </dgm:pt>
+    <dgm:pt modelId="{F301017E-5FED-4D9C-B1FB-177B9595C89A}" type="pres">
+      <dgm:prSet presAssocID="{BBCC6F47-5851-4031-BBE3-7D83DB352663}" presName="ThreeNodes_3_text" presStyleLbl="node1" presStyleIdx="2" presStyleCnt="3">
+        <dgm:presLayoutVars>
+          <dgm:bulletEnabled val="1"/>
+        </dgm:presLayoutVars>
+      </dgm:prSet>
+      <dgm:spPr/>
+    </dgm:pt>
+  </dgm:ptLst>
+  <dgm:cxnLst>
+    <dgm:cxn modelId="{A7ED9612-7BC2-4073-8781-34CAF2FE02BC}" type="presOf" srcId="{90D59D5E-44A2-4317-905F-0B7F64233AA0}" destId="{BA37A300-54BC-4912-BF3B-099D8F628ABC}" srcOrd="1" destOrd="0" presId="urn:microsoft.com/office/officeart/2005/8/layout/vProcess5"/>
+    <dgm:cxn modelId="{96BC3616-4C7A-4DBC-A5FB-942DB0369881}" srcId="{BBCC6F47-5851-4031-BBE3-7D83DB352663}" destId="{580AAE2A-A8DD-4DA2-9A12-B435DB4D6A78}" srcOrd="2" destOrd="0" parTransId="{A7534478-B3BA-4A62-82C3-94C281B59DE8}" sibTransId="{D5C61C52-6B0D-44CF-A73D-789FD84E6CD3}"/>
+    <dgm:cxn modelId="{AFB3AC2C-7C59-442E-A64E-3C56108D2804}" type="presOf" srcId="{78605E2D-F9F9-404A-85A3-31C66D25D880}" destId="{A032D601-0F71-4608-87DA-2F13D7BA5BAA}" srcOrd="0" destOrd="0" presId="urn:microsoft.com/office/officeart/2005/8/layout/vProcess5"/>
+    <dgm:cxn modelId="{DE238A4B-9AEC-4124-A6DF-DAA444D65C3C}" srcId="{BBCC6F47-5851-4031-BBE3-7D83DB352663}" destId="{7DF068D1-ED57-4BBC-BDCA-3FC405250F6E}" srcOrd="1" destOrd="0" parTransId="{4D223FE1-13CE-4C61-AC88-59ACA7CFBD17}" sibTransId="{4A4F332E-CD06-4C60-9991-6102AAF7B08E}"/>
+    <dgm:cxn modelId="{BE966152-C782-4C29-86F4-BD167915C269}" type="presOf" srcId="{580AAE2A-A8DD-4DA2-9A12-B435DB4D6A78}" destId="{25852BDA-B4C6-44E2-8806-508E6D099F55}" srcOrd="0" destOrd="0" presId="urn:microsoft.com/office/officeart/2005/8/layout/vProcess5"/>
+    <dgm:cxn modelId="{AA089089-E936-40F1-8DA8-EBC08CCA6639}" type="presOf" srcId="{90D59D5E-44A2-4317-905F-0B7F64233AA0}" destId="{5D5F119E-B338-4DDB-BD8C-C54ABC987034}" srcOrd="0" destOrd="0" presId="urn:microsoft.com/office/officeart/2005/8/layout/vProcess5"/>
+    <dgm:cxn modelId="{83732CB2-EF7D-4D0F-A881-50B65536FEDF}" type="presOf" srcId="{BBCC6F47-5851-4031-BBE3-7D83DB352663}" destId="{6685D512-7A18-4DF8-94FA-ACC7B6F0E883}" srcOrd="0" destOrd="0" presId="urn:microsoft.com/office/officeart/2005/8/layout/vProcess5"/>
+    <dgm:cxn modelId="{252193B5-AB78-49D6-A3DA-6465DB901CE2}" type="presOf" srcId="{7DF068D1-ED57-4BBC-BDCA-3FC405250F6E}" destId="{5501251D-7039-4D86-8A97-9DC9FF2783EC}" srcOrd="0" destOrd="0" presId="urn:microsoft.com/office/officeart/2005/8/layout/vProcess5"/>
+    <dgm:cxn modelId="{0130F3BC-5D39-4AB6-95EF-84D0AF9E66BC}" type="presOf" srcId="{7DF068D1-ED57-4BBC-BDCA-3FC405250F6E}" destId="{893AD960-3E50-46DB-BDEF-C57C750ABEF8}" srcOrd="1" destOrd="0" presId="urn:microsoft.com/office/officeart/2005/8/layout/vProcess5"/>
+    <dgm:cxn modelId="{6392B7CB-37EC-4335-AA5C-DECD1E89F894}" type="presOf" srcId="{580AAE2A-A8DD-4DA2-9A12-B435DB4D6A78}" destId="{F301017E-5FED-4D9C-B1FB-177B9595C89A}" srcOrd="1" destOrd="0" presId="urn:microsoft.com/office/officeart/2005/8/layout/vProcess5"/>
+    <dgm:cxn modelId="{EB620EDE-444C-4FA5-A981-3401DE3C916A}" type="presOf" srcId="{4A4F332E-CD06-4C60-9991-6102AAF7B08E}" destId="{86436377-0DBB-476E-A659-1AC68EA680FC}" srcOrd="0" destOrd="0" presId="urn:microsoft.com/office/officeart/2005/8/layout/vProcess5"/>
+    <dgm:cxn modelId="{F8E520F4-F7DC-418E-B5AB-A1AB3478879D}" srcId="{BBCC6F47-5851-4031-BBE3-7D83DB352663}" destId="{90D59D5E-44A2-4317-905F-0B7F64233AA0}" srcOrd="0" destOrd="0" parTransId="{0CFD89CF-83E4-4833-B3B6-20AB7025CE9A}" sibTransId="{78605E2D-F9F9-404A-85A3-31C66D25D880}"/>
+    <dgm:cxn modelId="{BEB22F48-B28A-43C9-B9FE-D42C457D06B3}" type="presParOf" srcId="{6685D512-7A18-4DF8-94FA-ACC7B6F0E883}" destId="{61D39CD2-0098-489D-BF5C-F0C4BD252240}" srcOrd="0" destOrd="0" presId="urn:microsoft.com/office/officeart/2005/8/layout/vProcess5"/>
+    <dgm:cxn modelId="{D05124C0-208B-4366-A91B-E33C06E71AE5}" type="presParOf" srcId="{6685D512-7A18-4DF8-94FA-ACC7B6F0E883}" destId="{5D5F119E-B338-4DDB-BD8C-C54ABC987034}" srcOrd="1" destOrd="0" presId="urn:microsoft.com/office/officeart/2005/8/layout/vProcess5"/>
+    <dgm:cxn modelId="{5BAE9A84-17D6-409C-8708-0DA00C3DC1F6}" type="presParOf" srcId="{6685D512-7A18-4DF8-94FA-ACC7B6F0E883}" destId="{5501251D-7039-4D86-8A97-9DC9FF2783EC}" srcOrd="2" destOrd="0" presId="urn:microsoft.com/office/officeart/2005/8/layout/vProcess5"/>
+    <dgm:cxn modelId="{56E3F6E2-37AE-4F87-815F-9F6BF6C22735}" type="presParOf" srcId="{6685D512-7A18-4DF8-94FA-ACC7B6F0E883}" destId="{25852BDA-B4C6-44E2-8806-508E6D099F55}" srcOrd="3" destOrd="0" presId="urn:microsoft.com/office/officeart/2005/8/layout/vProcess5"/>
+    <dgm:cxn modelId="{05914C9D-66D9-46D7-BB81-EC2B164D7902}" type="presParOf" srcId="{6685D512-7A18-4DF8-94FA-ACC7B6F0E883}" destId="{A032D601-0F71-4608-87DA-2F13D7BA5BAA}" srcOrd="4" destOrd="0" presId="urn:microsoft.com/office/officeart/2005/8/layout/vProcess5"/>
+    <dgm:cxn modelId="{64B3DC59-AF79-43A7-B34B-75AE8AE38F37}" type="presParOf" srcId="{6685D512-7A18-4DF8-94FA-ACC7B6F0E883}" destId="{86436377-0DBB-476E-A659-1AC68EA680FC}" srcOrd="5" destOrd="0" presId="urn:microsoft.com/office/officeart/2005/8/layout/vProcess5"/>
+    <dgm:cxn modelId="{45EB30BC-119D-42DC-B239-5459B1AA7241}" type="presParOf" srcId="{6685D512-7A18-4DF8-94FA-ACC7B6F0E883}" destId="{BA37A300-54BC-4912-BF3B-099D8F628ABC}" srcOrd="6" destOrd="0" presId="urn:microsoft.com/office/officeart/2005/8/layout/vProcess5"/>
+    <dgm:cxn modelId="{DA749D56-C3BD-4F04-B9C6-33BAFE6F3069}" type="presParOf" srcId="{6685D512-7A18-4DF8-94FA-ACC7B6F0E883}" destId="{893AD960-3E50-46DB-BDEF-C57C750ABEF8}" srcOrd="7" destOrd="0" presId="urn:microsoft.com/office/officeart/2005/8/layout/vProcess5"/>
+    <dgm:cxn modelId="{721F7F44-D055-44C1-8608-563D556D900F}" type="presParOf" srcId="{6685D512-7A18-4DF8-94FA-ACC7B6F0E883}" destId="{F301017E-5FED-4D9C-B1FB-177B9595C89A}" srcOrd="8" destOrd="0" presId="urn:microsoft.com/office/officeart/2005/8/layout/vProcess5"/>
+  </dgm:cxnLst>
+  <dgm:bg/>
+  <dgm:whole/>
+  <dgm:extLst>
+    <a:ext uri="http://schemas.microsoft.com/office/drawing/2008/diagram">
+      <dsp:dataModelExt xmlns:dsp="http://schemas.microsoft.com/office/drawing/2008/diagram" relId="rId7" minVer="http://schemas.openxmlformats.org/drawingml/2006/diagram"/>
+    </a:ext>
+  </dgm:extLst>
+</dgm:dataModel>
+</file>
+
 <file path=ppt/diagrams/data5.xml><?xml version="1.0" encoding="utf-8"?>
+<dgm:dataModel xmlns:dgm="http://schemas.openxmlformats.org/drawingml/2006/diagram" xmlns:a="http://schemas.openxmlformats.org/drawingml/2006/main">
+  <dgm:ptLst>
+    <dgm:pt modelId="{38355046-136B-41C4-8AB9-C78AF1633845}" type="doc">
+      <dgm:prSet loTypeId="urn:microsoft.com/office/officeart/2005/8/layout/hierarchy3" loCatId="hierarchy" qsTypeId="urn:microsoft.com/office/officeart/2005/8/quickstyle/simple1" qsCatId="simple" csTypeId="urn:microsoft.com/office/officeart/2005/8/colors/accent1_2" csCatId="accent1" phldr="1"/>
+      <dgm:spPr/>
+      <dgm:t>
+        <a:bodyPr/>
+        <a:lstStyle/>
+        <a:p>
+          <a:endParaRPr lang="en-US"/>
+        </a:p>
+      </dgm:t>
+    </dgm:pt>
+    <dgm:pt modelId="{CDB68ADC-2183-454D-9A8D-54CABF9829F6}">
+      <dgm:prSet/>
+      <dgm:spPr/>
+      <dgm:t>
+        <a:bodyPr/>
+        <a:lstStyle/>
+        <a:p>
+          <a:r>
+            <a:rPr lang="he-IL" dirty="0"/>
+            <a:t>האלגוריתם פועל לפי סטטיסטיקה</a:t>
+          </a:r>
+          <a:endParaRPr lang="en-US" dirty="0"/>
+        </a:p>
+      </dgm:t>
+    </dgm:pt>
+    <dgm:pt modelId="{DC1574D6-0C14-46D6-B621-030425C174B6}" type="parTrans" cxnId="{68F75806-8630-42B8-8383-1CBB0875AAA9}">
+      <dgm:prSet/>
+      <dgm:spPr/>
+      <dgm:t>
+        <a:bodyPr/>
+        <a:lstStyle/>
+        <a:p>
+          <a:endParaRPr lang="en-US"/>
+        </a:p>
+      </dgm:t>
+    </dgm:pt>
+    <dgm:pt modelId="{604AF820-F691-454B-8F6A-7EEF2585CB18}" type="sibTrans" cxnId="{68F75806-8630-42B8-8383-1CBB0875AAA9}">
+      <dgm:prSet/>
+      <dgm:spPr/>
+      <dgm:t>
+        <a:bodyPr/>
+        <a:lstStyle/>
+        <a:p>
+          <a:endParaRPr lang="en-US"/>
+        </a:p>
+      </dgm:t>
+    </dgm:pt>
+    <dgm:pt modelId="{B3250E6F-4734-499E-826F-EF74D1D65EB9}">
+      <dgm:prSet/>
+      <dgm:spPr/>
+      <dgm:t>
+        <a:bodyPr/>
+        <a:lstStyle/>
+        <a:p>
+          <a:r>
+            <a:rPr lang="he-IL"/>
+            <a:t>הוא מייצר כמה ניחושים וממוצע שניתן לבחון</a:t>
+          </a:r>
+          <a:endParaRPr lang="en-US"/>
+        </a:p>
+      </dgm:t>
+    </dgm:pt>
+    <dgm:pt modelId="{4F13FA07-12BB-42B6-8C2A-06FAB476B7BF}" type="parTrans" cxnId="{81D99E30-735C-4DF6-8BEA-3A7C495EBA80}">
+      <dgm:prSet/>
+      <dgm:spPr/>
+      <dgm:t>
+        <a:bodyPr/>
+        <a:lstStyle/>
+        <a:p>
+          <a:endParaRPr lang="en-US"/>
+        </a:p>
+      </dgm:t>
+    </dgm:pt>
+    <dgm:pt modelId="{C5F76CCF-FFB0-4A63-A9B5-E9DF356B5A6A}" type="sibTrans" cxnId="{81D99E30-735C-4DF6-8BEA-3A7C495EBA80}">
+      <dgm:prSet/>
+      <dgm:spPr/>
+      <dgm:t>
+        <a:bodyPr/>
+        <a:lstStyle/>
+        <a:p>
+          <a:endParaRPr lang="en-US"/>
+        </a:p>
+      </dgm:t>
+    </dgm:pt>
+    <dgm:pt modelId="{4495F76D-82A6-4011-A201-3B8BD9590406}" type="pres">
+      <dgm:prSet presAssocID="{38355046-136B-41C4-8AB9-C78AF1633845}" presName="diagram" presStyleCnt="0">
+        <dgm:presLayoutVars>
+          <dgm:chPref val="1"/>
+          <dgm:dir/>
+          <dgm:animOne val="branch"/>
+          <dgm:animLvl val="lvl"/>
+          <dgm:resizeHandles/>
+        </dgm:presLayoutVars>
+      </dgm:prSet>
+      <dgm:spPr/>
+    </dgm:pt>
+    <dgm:pt modelId="{CCD2F9C9-6F0C-4525-AC64-19E0F9EF0361}" type="pres">
+      <dgm:prSet presAssocID="{CDB68ADC-2183-454D-9A8D-54CABF9829F6}" presName="root" presStyleCnt="0"/>
+      <dgm:spPr/>
+    </dgm:pt>
+    <dgm:pt modelId="{64AA8152-0ECB-4C84-BC23-440400F0F72A}" type="pres">
+      <dgm:prSet presAssocID="{CDB68ADC-2183-454D-9A8D-54CABF9829F6}" presName="rootComposite" presStyleCnt="0"/>
+      <dgm:spPr/>
+    </dgm:pt>
+    <dgm:pt modelId="{DD984884-7F4D-4076-9183-08F7E1151363}" type="pres">
+      <dgm:prSet presAssocID="{CDB68ADC-2183-454D-9A8D-54CABF9829F6}" presName="rootText" presStyleLbl="node1" presStyleIdx="0" presStyleCnt="2"/>
+      <dgm:spPr/>
+    </dgm:pt>
+    <dgm:pt modelId="{CFBD64AA-B6F0-4CFC-8163-01B784FA3DE3}" type="pres">
+      <dgm:prSet presAssocID="{CDB68ADC-2183-454D-9A8D-54CABF9829F6}" presName="rootConnector" presStyleLbl="node1" presStyleIdx="0" presStyleCnt="2"/>
+      <dgm:spPr/>
+    </dgm:pt>
+    <dgm:pt modelId="{BDA4584F-EE25-48E9-B8F5-80510A7940B0}" type="pres">
+      <dgm:prSet presAssocID="{CDB68ADC-2183-454D-9A8D-54CABF9829F6}" presName="childShape" presStyleCnt="0"/>
+      <dgm:spPr/>
+    </dgm:pt>
+    <dgm:pt modelId="{2101961C-B8BA-46F2-95F1-E94FB5F204E7}" type="pres">
+      <dgm:prSet presAssocID="{B3250E6F-4734-499E-826F-EF74D1D65EB9}" presName="root" presStyleCnt="0"/>
+      <dgm:spPr/>
+    </dgm:pt>
+    <dgm:pt modelId="{B5A29C24-DF97-46F1-9869-24ABA31EFEE5}" type="pres">
+      <dgm:prSet presAssocID="{B3250E6F-4734-499E-826F-EF74D1D65EB9}" presName="rootComposite" presStyleCnt="0"/>
+      <dgm:spPr/>
+    </dgm:pt>
+    <dgm:pt modelId="{A76D7601-E288-4C30-844B-92667BA145B7}" type="pres">
+      <dgm:prSet presAssocID="{B3250E6F-4734-499E-826F-EF74D1D65EB9}" presName="rootText" presStyleLbl="node1" presStyleIdx="1" presStyleCnt="2"/>
+      <dgm:spPr/>
+    </dgm:pt>
+    <dgm:pt modelId="{28AAF684-B75E-411C-A0C8-DE22BEE1E129}" type="pres">
+      <dgm:prSet presAssocID="{B3250E6F-4734-499E-826F-EF74D1D65EB9}" presName="rootConnector" presStyleLbl="node1" presStyleIdx="1" presStyleCnt="2"/>
+      <dgm:spPr/>
+    </dgm:pt>
+    <dgm:pt modelId="{04C14867-6BE1-48B4-AE05-08586A70DE3A}" type="pres">
+      <dgm:prSet presAssocID="{B3250E6F-4734-499E-826F-EF74D1D65EB9}" presName="childShape" presStyleCnt="0"/>
+      <dgm:spPr/>
+    </dgm:pt>
+  </dgm:ptLst>
+  <dgm:cxnLst>
+    <dgm:cxn modelId="{68F75806-8630-42B8-8383-1CBB0875AAA9}" srcId="{38355046-136B-41C4-8AB9-C78AF1633845}" destId="{CDB68ADC-2183-454D-9A8D-54CABF9829F6}" srcOrd="0" destOrd="0" parTransId="{DC1574D6-0C14-46D6-B621-030425C174B6}" sibTransId="{604AF820-F691-454B-8F6A-7EEF2585CB18}"/>
+    <dgm:cxn modelId="{4342E207-2B68-420B-AC44-9C4F1939EAB5}" type="presOf" srcId="{CDB68ADC-2183-454D-9A8D-54CABF9829F6}" destId="{DD984884-7F4D-4076-9183-08F7E1151363}" srcOrd="0" destOrd="0" presId="urn:microsoft.com/office/officeart/2005/8/layout/hierarchy3"/>
+    <dgm:cxn modelId="{81D99E30-735C-4DF6-8BEA-3A7C495EBA80}" srcId="{38355046-136B-41C4-8AB9-C78AF1633845}" destId="{B3250E6F-4734-499E-826F-EF74D1D65EB9}" srcOrd="1" destOrd="0" parTransId="{4F13FA07-12BB-42B6-8C2A-06FAB476B7BF}" sibTransId="{C5F76CCF-FFB0-4A63-A9B5-E9DF356B5A6A}"/>
+    <dgm:cxn modelId="{E8076D4B-09A4-409E-9218-44988CBDFC2B}" type="presOf" srcId="{CDB68ADC-2183-454D-9A8D-54CABF9829F6}" destId="{CFBD64AA-B6F0-4CFC-8163-01B784FA3DE3}" srcOrd="1" destOrd="0" presId="urn:microsoft.com/office/officeart/2005/8/layout/hierarchy3"/>
+    <dgm:cxn modelId="{EE6338B5-F737-4B70-8544-6D4ECE796DE3}" type="presOf" srcId="{B3250E6F-4734-499E-826F-EF74D1D65EB9}" destId="{A76D7601-E288-4C30-844B-92667BA145B7}" srcOrd="0" destOrd="0" presId="urn:microsoft.com/office/officeart/2005/8/layout/hierarchy3"/>
+    <dgm:cxn modelId="{705970D6-13F1-4156-BB7E-3446ED268005}" type="presOf" srcId="{38355046-136B-41C4-8AB9-C78AF1633845}" destId="{4495F76D-82A6-4011-A201-3B8BD9590406}" srcOrd="0" destOrd="0" presId="urn:microsoft.com/office/officeart/2005/8/layout/hierarchy3"/>
+    <dgm:cxn modelId="{F82434FF-86A7-4B61-B5F6-C69A19076587}" type="presOf" srcId="{B3250E6F-4734-499E-826F-EF74D1D65EB9}" destId="{28AAF684-B75E-411C-A0C8-DE22BEE1E129}" srcOrd="1" destOrd="0" presId="urn:microsoft.com/office/officeart/2005/8/layout/hierarchy3"/>
+    <dgm:cxn modelId="{939B6B4D-FA31-45A4-9F66-921BBEB29F19}" type="presParOf" srcId="{4495F76D-82A6-4011-A201-3B8BD9590406}" destId="{CCD2F9C9-6F0C-4525-AC64-19E0F9EF0361}" srcOrd="0" destOrd="0" presId="urn:microsoft.com/office/officeart/2005/8/layout/hierarchy3"/>
+    <dgm:cxn modelId="{DF745584-41D4-4DE4-BF05-336C4C8FF29A}" type="presParOf" srcId="{CCD2F9C9-6F0C-4525-AC64-19E0F9EF0361}" destId="{64AA8152-0ECB-4C84-BC23-440400F0F72A}" srcOrd="0" destOrd="0" presId="urn:microsoft.com/office/officeart/2005/8/layout/hierarchy3"/>
+    <dgm:cxn modelId="{0D1F5227-D3A2-43BE-8514-799A0099D1EA}" type="presParOf" srcId="{64AA8152-0ECB-4C84-BC23-440400F0F72A}" destId="{DD984884-7F4D-4076-9183-08F7E1151363}" srcOrd="0" destOrd="0" presId="urn:microsoft.com/office/officeart/2005/8/layout/hierarchy3"/>
+    <dgm:cxn modelId="{D6E61A02-1DA3-4663-B36F-8B3CE74BE4C7}" type="presParOf" srcId="{64AA8152-0ECB-4C84-BC23-440400F0F72A}" destId="{CFBD64AA-B6F0-4CFC-8163-01B784FA3DE3}" srcOrd="1" destOrd="0" presId="urn:microsoft.com/office/officeart/2005/8/layout/hierarchy3"/>
+    <dgm:cxn modelId="{8C3C50D4-575E-4750-AD7D-6708D978527A}" type="presParOf" srcId="{CCD2F9C9-6F0C-4525-AC64-19E0F9EF0361}" destId="{BDA4584F-EE25-48E9-B8F5-80510A7940B0}" srcOrd="1" destOrd="0" presId="urn:microsoft.com/office/officeart/2005/8/layout/hierarchy3"/>
+    <dgm:cxn modelId="{CE2BE00F-9230-4610-9D5E-80E840E4F807}" type="presParOf" srcId="{4495F76D-82A6-4011-A201-3B8BD9590406}" destId="{2101961C-B8BA-46F2-95F1-E94FB5F204E7}" srcOrd="1" destOrd="0" presId="urn:microsoft.com/office/officeart/2005/8/layout/hierarchy3"/>
+    <dgm:cxn modelId="{05C5DC40-0BFD-499B-B619-B03B77B6763D}" type="presParOf" srcId="{2101961C-B8BA-46F2-95F1-E94FB5F204E7}" destId="{B5A29C24-DF97-46F1-9869-24ABA31EFEE5}" srcOrd="0" destOrd="0" presId="urn:microsoft.com/office/officeart/2005/8/layout/hierarchy3"/>
+    <dgm:cxn modelId="{9A09260B-481E-4747-B12C-60108088030F}" type="presParOf" srcId="{B5A29C24-DF97-46F1-9869-24ABA31EFEE5}" destId="{A76D7601-E288-4C30-844B-92667BA145B7}" srcOrd="0" destOrd="0" presId="urn:microsoft.com/office/officeart/2005/8/layout/hierarchy3"/>
+    <dgm:cxn modelId="{9C2AEF3F-322E-4EEC-9B74-6470662F187B}" type="presParOf" srcId="{B5A29C24-DF97-46F1-9869-24ABA31EFEE5}" destId="{28AAF684-B75E-411C-A0C8-DE22BEE1E129}" srcOrd="1" destOrd="0" presId="urn:microsoft.com/office/officeart/2005/8/layout/hierarchy3"/>
+    <dgm:cxn modelId="{5CB8649E-4907-4C6A-A93D-BA8D1F8FFD48}" type="presParOf" srcId="{2101961C-B8BA-46F2-95F1-E94FB5F204E7}" destId="{04C14867-6BE1-48B4-AE05-08586A70DE3A}" srcOrd="1" destOrd="0" presId="urn:microsoft.com/office/officeart/2005/8/layout/hierarchy3"/>
+  </dgm:cxnLst>
+  <dgm:bg/>
+  <dgm:whole/>
+  <dgm:extLst>
+    <a:ext uri="http://schemas.microsoft.com/office/drawing/2008/diagram">
+      <dsp:dataModelExt xmlns:dsp="http://schemas.microsoft.com/office/drawing/2008/diagram" relId="rId6" minVer="http://schemas.openxmlformats.org/drawingml/2006/diagram"/>
+    </a:ext>
+  </dgm:extLst>
+</dgm:dataModel>
+</file>
+
+<file path=ppt/diagrams/data6.xml><?xml version="1.0" encoding="utf-8"?>
 <dgm:dataModel xmlns:dgm="http://schemas.openxmlformats.org/drawingml/2006/diagram" xmlns:a="http://schemas.openxmlformats.org/drawingml/2006/main">
   <dgm:ptLst>
     <dgm:pt modelId="{1B90097B-D9CD-4F35-AF0A-67DE4D3685DC}" type="doc">
@@ -5087,6 +6840,252 @@
   <dgm:extLst>
     <a:ext uri="http://schemas.microsoft.com/office/drawing/2008/diagram">
       <dsp:dataModelExt xmlns:dsp="http://schemas.microsoft.com/office/drawing/2008/diagram" relId="rId8" minVer="http://schemas.openxmlformats.org/drawingml/2006/diagram"/>
+    </a:ext>
+  </dgm:extLst>
+</dgm:dataModel>
+</file>
+
+<file path=ppt/diagrams/data7.xml><?xml version="1.0" encoding="utf-8"?>
+<dgm:dataModel xmlns:dgm="http://schemas.openxmlformats.org/drawingml/2006/diagram" xmlns:a="http://schemas.openxmlformats.org/drawingml/2006/main">
+  <dgm:ptLst>
+    <dgm:pt modelId="{4CB6AEBB-F278-4F93-898E-E8798D6B2B0A}" type="doc">
+      <dgm:prSet loTypeId="urn:microsoft.com/office/officeart/2005/8/layout/vProcess5" loCatId="process" qsTypeId="urn:microsoft.com/office/officeart/2005/8/quickstyle/simple5" qsCatId="simple" csTypeId="urn:microsoft.com/office/officeart/2005/8/colors/accent0_3" csCatId="mainScheme"/>
+      <dgm:spPr/>
+      <dgm:t>
+        <a:bodyPr/>
+        <a:lstStyle/>
+        <a:p>
+          <a:endParaRPr lang="en-US"/>
+        </a:p>
+      </dgm:t>
+    </dgm:pt>
+    <dgm:pt modelId="{F1023162-6DCB-45CB-807C-7E7F86707C21}">
+      <dgm:prSet/>
+      <dgm:spPr/>
+      <dgm:t>
+        <a:bodyPr/>
+        <a:lstStyle/>
+        <a:p>
+          <a:pPr rtl="1"/>
+          <a:r>
+            <a:rPr lang="he-IL" dirty="0"/>
+            <a:t>התמונות עוברות תהליך זיהוי פרצופים</a:t>
+          </a:r>
+          <a:endParaRPr lang="en-US" dirty="0"/>
+        </a:p>
+      </dgm:t>
+    </dgm:pt>
+    <dgm:pt modelId="{7FB00DAC-8F02-47E6-BE78-05F7538FC510}" type="parTrans" cxnId="{F8A79E91-D88F-4D7C-9AD2-1B4E310FEEDF}">
+      <dgm:prSet/>
+      <dgm:spPr/>
+      <dgm:t>
+        <a:bodyPr/>
+        <a:lstStyle/>
+        <a:p>
+          <a:endParaRPr lang="en-US"/>
+        </a:p>
+      </dgm:t>
+    </dgm:pt>
+    <dgm:pt modelId="{ABF0EA19-A2D8-4513-B78F-6579C2069CEC}" type="sibTrans" cxnId="{F8A79E91-D88F-4D7C-9AD2-1B4E310FEEDF}">
+      <dgm:prSet/>
+      <dgm:spPr/>
+      <dgm:t>
+        <a:bodyPr/>
+        <a:lstStyle/>
+        <a:p>
+          <a:endParaRPr lang="en-US"/>
+        </a:p>
+      </dgm:t>
+    </dgm:pt>
+    <dgm:pt modelId="{4710FF1C-A93A-46D3-8BDC-A8428D3EDB30}">
+      <dgm:prSet/>
+      <dgm:spPr/>
+      <dgm:t>
+        <a:bodyPr/>
+        <a:lstStyle/>
+        <a:p>
+          <a:pPr rtl="1"/>
+          <a:r>
+            <a:rPr lang="he-IL" dirty="0"/>
+            <a:t>התוצאות נשלחות לשרת ראשי</a:t>
+          </a:r>
+          <a:endParaRPr lang="en-US" dirty="0"/>
+        </a:p>
+      </dgm:t>
+    </dgm:pt>
+    <dgm:pt modelId="{8BB01E1B-2332-4602-B4D3-877EC28F3B31}" type="parTrans" cxnId="{9DFAA0CB-952F-45A3-AAEA-F7BF61D4D7F8}">
+      <dgm:prSet/>
+      <dgm:spPr/>
+      <dgm:t>
+        <a:bodyPr/>
+        <a:lstStyle/>
+        <a:p>
+          <a:endParaRPr lang="en-US"/>
+        </a:p>
+      </dgm:t>
+    </dgm:pt>
+    <dgm:pt modelId="{62D14014-B478-42C9-963A-BD05E1274BF8}" type="sibTrans" cxnId="{9DFAA0CB-952F-45A3-AAEA-F7BF61D4D7F8}">
+      <dgm:prSet/>
+      <dgm:spPr/>
+      <dgm:t>
+        <a:bodyPr/>
+        <a:lstStyle/>
+        <a:p>
+          <a:endParaRPr lang="en-US"/>
+        </a:p>
+      </dgm:t>
+    </dgm:pt>
+    <dgm:pt modelId="{E262C5AC-7561-498E-9C1A-EF4E4D917D04}">
+      <dgm:prSet/>
+      <dgm:spPr/>
+      <dgm:t>
+        <a:bodyPr/>
+        <a:lstStyle/>
+        <a:p>
+          <a:pPr rtl="1"/>
+          <a:r>
+            <a:rPr lang="he-IL" dirty="0"/>
+            <a:t>השרת מכניס את שקיבל ל-</a:t>
+          </a:r>
+          <a:r>
+            <a:rPr lang="en-US" dirty="0" err="1"/>
+            <a:t>Hyperloglog</a:t>
+          </a:r>
+          <a:endParaRPr lang="en-US" dirty="0"/>
+        </a:p>
+      </dgm:t>
+    </dgm:pt>
+    <dgm:pt modelId="{C5FC5375-01F6-4B30-B235-7CE0EDD10823}" type="parTrans" cxnId="{8F536ECF-6312-4CA9-8586-84C59594A27E}">
+      <dgm:prSet/>
+      <dgm:spPr/>
+      <dgm:t>
+        <a:bodyPr/>
+        <a:lstStyle/>
+        <a:p>
+          <a:endParaRPr lang="en-US"/>
+        </a:p>
+      </dgm:t>
+    </dgm:pt>
+    <dgm:pt modelId="{E667D1D1-37BD-4345-A772-1A95106092C6}" type="sibTrans" cxnId="{8F536ECF-6312-4CA9-8586-84C59594A27E}">
+      <dgm:prSet/>
+      <dgm:spPr/>
+      <dgm:t>
+        <a:bodyPr/>
+        <a:lstStyle/>
+        <a:p>
+          <a:endParaRPr lang="en-US"/>
+        </a:p>
+      </dgm:t>
+    </dgm:pt>
+    <dgm:pt modelId="{EBA5706D-E173-480E-A20F-99B5FF621210}" type="pres">
+      <dgm:prSet presAssocID="{4CB6AEBB-F278-4F93-898E-E8798D6B2B0A}" presName="outerComposite" presStyleCnt="0">
+        <dgm:presLayoutVars>
+          <dgm:chMax val="5"/>
+          <dgm:dir/>
+          <dgm:resizeHandles val="exact"/>
+        </dgm:presLayoutVars>
+      </dgm:prSet>
+      <dgm:spPr/>
+    </dgm:pt>
+    <dgm:pt modelId="{060AB026-D41B-4332-8D8D-AA809D32252B}" type="pres">
+      <dgm:prSet presAssocID="{4CB6AEBB-F278-4F93-898E-E8798D6B2B0A}" presName="dummyMaxCanvas" presStyleCnt="0">
+        <dgm:presLayoutVars/>
+      </dgm:prSet>
+      <dgm:spPr/>
+    </dgm:pt>
+    <dgm:pt modelId="{0D52E125-2C14-4BEA-88C2-D572B1B48A4F}" type="pres">
+      <dgm:prSet presAssocID="{4CB6AEBB-F278-4F93-898E-E8798D6B2B0A}" presName="ThreeNodes_1" presStyleLbl="node1" presStyleIdx="0" presStyleCnt="3">
+        <dgm:presLayoutVars>
+          <dgm:bulletEnabled val="1"/>
+        </dgm:presLayoutVars>
+      </dgm:prSet>
+      <dgm:spPr/>
+    </dgm:pt>
+    <dgm:pt modelId="{3A7ABAAB-9714-46BE-9027-F346C10609A8}" type="pres">
+      <dgm:prSet presAssocID="{4CB6AEBB-F278-4F93-898E-E8798D6B2B0A}" presName="ThreeNodes_2" presStyleLbl="node1" presStyleIdx="1" presStyleCnt="3">
+        <dgm:presLayoutVars>
+          <dgm:bulletEnabled val="1"/>
+        </dgm:presLayoutVars>
+      </dgm:prSet>
+      <dgm:spPr/>
+    </dgm:pt>
+    <dgm:pt modelId="{A932477E-AB46-4A8C-8814-E95903A48031}" type="pres">
+      <dgm:prSet presAssocID="{4CB6AEBB-F278-4F93-898E-E8798D6B2B0A}" presName="ThreeNodes_3" presStyleLbl="node1" presStyleIdx="2" presStyleCnt="3">
+        <dgm:presLayoutVars>
+          <dgm:bulletEnabled val="1"/>
+        </dgm:presLayoutVars>
+      </dgm:prSet>
+      <dgm:spPr/>
+    </dgm:pt>
+    <dgm:pt modelId="{53CDA584-78A7-48A8-B232-2524B2C65FAB}" type="pres">
+      <dgm:prSet presAssocID="{4CB6AEBB-F278-4F93-898E-E8798D6B2B0A}" presName="ThreeConn_1-2" presStyleLbl="fgAccFollowNode1" presStyleIdx="0" presStyleCnt="2">
+        <dgm:presLayoutVars>
+          <dgm:bulletEnabled val="1"/>
+        </dgm:presLayoutVars>
+      </dgm:prSet>
+      <dgm:spPr/>
+    </dgm:pt>
+    <dgm:pt modelId="{1B0C56C6-C555-464A-B7A2-472DAAD7CC10}" type="pres">
+      <dgm:prSet presAssocID="{4CB6AEBB-F278-4F93-898E-E8798D6B2B0A}" presName="ThreeConn_2-3" presStyleLbl="fgAccFollowNode1" presStyleIdx="1" presStyleCnt="2">
+        <dgm:presLayoutVars>
+          <dgm:bulletEnabled val="1"/>
+        </dgm:presLayoutVars>
+      </dgm:prSet>
+      <dgm:spPr/>
+    </dgm:pt>
+    <dgm:pt modelId="{3897EBFF-5A54-42A2-A83D-673070B9F4FD}" type="pres">
+      <dgm:prSet presAssocID="{4CB6AEBB-F278-4F93-898E-E8798D6B2B0A}" presName="ThreeNodes_1_text" presStyleLbl="node1" presStyleIdx="2" presStyleCnt="3">
+        <dgm:presLayoutVars>
+          <dgm:bulletEnabled val="1"/>
+        </dgm:presLayoutVars>
+      </dgm:prSet>
+      <dgm:spPr/>
+    </dgm:pt>
+    <dgm:pt modelId="{664CBEB5-8AEC-4738-B043-E00297DC65D5}" type="pres">
+      <dgm:prSet presAssocID="{4CB6AEBB-F278-4F93-898E-E8798D6B2B0A}" presName="ThreeNodes_2_text" presStyleLbl="node1" presStyleIdx="2" presStyleCnt="3">
+        <dgm:presLayoutVars>
+          <dgm:bulletEnabled val="1"/>
+        </dgm:presLayoutVars>
+      </dgm:prSet>
+      <dgm:spPr/>
+    </dgm:pt>
+    <dgm:pt modelId="{A57B771D-FD29-483A-8A7A-F8249C04E78E}" type="pres">
+      <dgm:prSet presAssocID="{4CB6AEBB-F278-4F93-898E-E8798D6B2B0A}" presName="ThreeNodes_3_text" presStyleLbl="node1" presStyleIdx="2" presStyleCnt="3">
+        <dgm:presLayoutVars>
+          <dgm:bulletEnabled val="1"/>
+        </dgm:presLayoutVars>
+      </dgm:prSet>
+      <dgm:spPr/>
+    </dgm:pt>
+  </dgm:ptLst>
+  <dgm:cxnLst>
+    <dgm:cxn modelId="{46688218-EAF5-4693-A1DD-383F1D4359E7}" type="presOf" srcId="{4710FF1C-A93A-46D3-8BDC-A8428D3EDB30}" destId="{664CBEB5-8AEC-4738-B043-E00297DC65D5}" srcOrd="1" destOrd="0" presId="urn:microsoft.com/office/officeart/2005/8/layout/vProcess5"/>
+    <dgm:cxn modelId="{32EBE627-31AF-4034-B196-7DB1AF0EF109}" type="presOf" srcId="{E262C5AC-7561-498E-9C1A-EF4E4D917D04}" destId="{A57B771D-FD29-483A-8A7A-F8249C04E78E}" srcOrd="1" destOrd="0" presId="urn:microsoft.com/office/officeart/2005/8/layout/vProcess5"/>
+    <dgm:cxn modelId="{A90A4840-98E2-4578-A5BB-89F864C2297C}" type="presOf" srcId="{F1023162-6DCB-45CB-807C-7E7F86707C21}" destId="{3897EBFF-5A54-42A2-A83D-673070B9F4FD}" srcOrd="1" destOrd="0" presId="urn:microsoft.com/office/officeart/2005/8/layout/vProcess5"/>
+    <dgm:cxn modelId="{C734E250-22A6-4AA8-AAA5-A4A02D26FB96}" type="presOf" srcId="{E262C5AC-7561-498E-9C1A-EF4E4D917D04}" destId="{A932477E-AB46-4A8C-8814-E95903A48031}" srcOrd="0" destOrd="0" presId="urn:microsoft.com/office/officeart/2005/8/layout/vProcess5"/>
+    <dgm:cxn modelId="{2C14BB8F-6904-4C2A-80D2-441938792BBA}" type="presOf" srcId="{62D14014-B478-42C9-963A-BD05E1274BF8}" destId="{1B0C56C6-C555-464A-B7A2-472DAAD7CC10}" srcOrd="0" destOrd="0" presId="urn:microsoft.com/office/officeart/2005/8/layout/vProcess5"/>
+    <dgm:cxn modelId="{F8A79E91-D88F-4D7C-9AD2-1B4E310FEEDF}" srcId="{4CB6AEBB-F278-4F93-898E-E8798D6B2B0A}" destId="{F1023162-6DCB-45CB-807C-7E7F86707C21}" srcOrd="0" destOrd="0" parTransId="{7FB00DAC-8F02-47E6-BE78-05F7538FC510}" sibTransId="{ABF0EA19-A2D8-4513-B78F-6579C2069CEC}"/>
+    <dgm:cxn modelId="{2309F3AE-EA1C-48DD-A5A6-68F68A274BEC}" type="presOf" srcId="{F1023162-6DCB-45CB-807C-7E7F86707C21}" destId="{0D52E125-2C14-4BEA-88C2-D572B1B48A4F}" srcOrd="0" destOrd="0" presId="urn:microsoft.com/office/officeart/2005/8/layout/vProcess5"/>
+    <dgm:cxn modelId="{9DFAA0CB-952F-45A3-AAEA-F7BF61D4D7F8}" srcId="{4CB6AEBB-F278-4F93-898E-E8798D6B2B0A}" destId="{4710FF1C-A93A-46D3-8BDC-A8428D3EDB30}" srcOrd="1" destOrd="0" parTransId="{8BB01E1B-2332-4602-B4D3-877EC28F3B31}" sibTransId="{62D14014-B478-42C9-963A-BD05E1274BF8}"/>
+    <dgm:cxn modelId="{8F536ECF-6312-4CA9-8586-84C59594A27E}" srcId="{4CB6AEBB-F278-4F93-898E-E8798D6B2B0A}" destId="{E262C5AC-7561-498E-9C1A-EF4E4D917D04}" srcOrd="2" destOrd="0" parTransId="{C5FC5375-01F6-4B30-B235-7CE0EDD10823}" sibTransId="{E667D1D1-37BD-4345-A772-1A95106092C6}"/>
+    <dgm:cxn modelId="{1366B0D7-442B-4134-9936-895B99DC224B}" type="presOf" srcId="{ABF0EA19-A2D8-4513-B78F-6579C2069CEC}" destId="{53CDA584-78A7-48A8-B232-2524B2C65FAB}" srcOrd="0" destOrd="0" presId="urn:microsoft.com/office/officeart/2005/8/layout/vProcess5"/>
+    <dgm:cxn modelId="{15BD44D8-45DB-49AD-B81D-50B10C06A0C2}" type="presOf" srcId="{4710FF1C-A93A-46D3-8BDC-A8428D3EDB30}" destId="{3A7ABAAB-9714-46BE-9027-F346C10609A8}" srcOrd="0" destOrd="0" presId="urn:microsoft.com/office/officeart/2005/8/layout/vProcess5"/>
+    <dgm:cxn modelId="{D226FBDE-20D4-4695-B925-3C35610E7F4B}" type="presOf" srcId="{4CB6AEBB-F278-4F93-898E-E8798D6B2B0A}" destId="{EBA5706D-E173-480E-A20F-99B5FF621210}" srcOrd="0" destOrd="0" presId="urn:microsoft.com/office/officeart/2005/8/layout/vProcess5"/>
+    <dgm:cxn modelId="{66EC028A-D551-49FF-A97A-A1CE7F1F70B1}" type="presParOf" srcId="{EBA5706D-E173-480E-A20F-99B5FF621210}" destId="{060AB026-D41B-4332-8D8D-AA809D32252B}" srcOrd="0" destOrd="0" presId="urn:microsoft.com/office/officeart/2005/8/layout/vProcess5"/>
+    <dgm:cxn modelId="{17F49429-E6CE-426C-B213-EE0BECE2C309}" type="presParOf" srcId="{EBA5706D-E173-480E-A20F-99B5FF621210}" destId="{0D52E125-2C14-4BEA-88C2-D572B1B48A4F}" srcOrd="1" destOrd="0" presId="urn:microsoft.com/office/officeart/2005/8/layout/vProcess5"/>
+    <dgm:cxn modelId="{61DFD9E8-06A2-448A-8CB5-1A51D1A87166}" type="presParOf" srcId="{EBA5706D-E173-480E-A20F-99B5FF621210}" destId="{3A7ABAAB-9714-46BE-9027-F346C10609A8}" srcOrd="2" destOrd="0" presId="urn:microsoft.com/office/officeart/2005/8/layout/vProcess5"/>
+    <dgm:cxn modelId="{EFCD20E8-EC6B-482A-A9A8-AAE80248A2C4}" type="presParOf" srcId="{EBA5706D-E173-480E-A20F-99B5FF621210}" destId="{A932477E-AB46-4A8C-8814-E95903A48031}" srcOrd="3" destOrd="0" presId="urn:microsoft.com/office/officeart/2005/8/layout/vProcess5"/>
+    <dgm:cxn modelId="{B8ED9322-D812-4D65-869C-BFBC9DD8B31D}" type="presParOf" srcId="{EBA5706D-E173-480E-A20F-99B5FF621210}" destId="{53CDA584-78A7-48A8-B232-2524B2C65FAB}" srcOrd="4" destOrd="0" presId="urn:microsoft.com/office/officeart/2005/8/layout/vProcess5"/>
+    <dgm:cxn modelId="{3A5F6A49-476C-46DB-B729-69F8EE2FFE3D}" type="presParOf" srcId="{EBA5706D-E173-480E-A20F-99B5FF621210}" destId="{1B0C56C6-C555-464A-B7A2-472DAAD7CC10}" srcOrd="5" destOrd="0" presId="urn:microsoft.com/office/officeart/2005/8/layout/vProcess5"/>
+    <dgm:cxn modelId="{5031E1FE-B422-46CF-BA7B-7CB396251139}" type="presParOf" srcId="{EBA5706D-E173-480E-A20F-99B5FF621210}" destId="{3897EBFF-5A54-42A2-A83D-673070B9F4FD}" srcOrd="6" destOrd="0" presId="urn:microsoft.com/office/officeart/2005/8/layout/vProcess5"/>
+    <dgm:cxn modelId="{04949251-667F-4A97-8F2A-9BB838BC3976}" type="presParOf" srcId="{EBA5706D-E173-480E-A20F-99B5FF621210}" destId="{664CBEB5-8AEC-4738-B043-E00297DC65D5}" srcOrd="7" destOrd="0" presId="urn:microsoft.com/office/officeart/2005/8/layout/vProcess5"/>
+    <dgm:cxn modelId="{DA008225-4501-463C-9777-A0478DCD8D0A}" type="presParOf" srcId="{EBA5706D-E173-480E-A20F-99B5FF621210}" destId="{A57B771D-FD29-483A-8A7A-F8249C04E78E}" srcOrd="8" destOrd="0" presId="urn:microsoft.com/office/officeart/2005/8/layout/vProcess5"/>
+  </dgm:cxnLst>
+  <dgm:bg/>
+  <dgm:whole/>
+  <dgm:extLst>
+    <a:ext uri="http://schemas.microsoft.com/office/drawing/2008/diagram">
+      <dsp:dataModelExt xmlns:dsp="http://schemas.microsoft.com/office/drawing/2008/diagram" relId="rId7" minVer="http://schemas.openxmlformats.org/drawingml/2006/diagram"/>
     </a:ext>
   </dgm:extLst>
 </dgm:dataModel>
@@ -5713,180 +7712,6 @@
       <dsp:cNvGrpSpPr/>
     </dsp:nvGrpSpPr>
     <dsp:grpSpPr/>
-    <dsp:sp modelId="{DD984884-7F4D-4076-9183-08F7E1151363}">
-      <dsp:nvSpPr>
-        <dsp:cNvPr id="0" name=""/>
-        <dsp:cNvSpPr/>
-      </dsp:nvSpPr>
-      <dsp:spPr>
-        <a:xfrm>
-          <a:off x="1158" y="905206"/>
-          <a:ext cx="4215371" cy="2107685"/>
-        </a:xfrm>
-        <a:prstGeom prst="roundRect">
-          <a:avLst>
-            <a:gd name="adj" fmla="val 10000"/>
-          </a:avLst>
-        </a:prstGeom>
-        <a:solidFill>
-          <a:schemeClr val="accent1">
-            <a:hueOff val="0"/>
-            <a:satOff val="0"/>
-            <a:lumOff val="0"/>
-            <a:alphaOff val="0"/>
-          </a:schemeClr>
-        </a:solidFill>
-        <a:ln w="12700" cap="flat" cmpd="sng" algn="ctr">
-          <a:solidFill>
-            <a:schemeClr val="lt1">
-              <a:hueOff val="0"/>
-              <a:satOff val="0"/>
-              <a:lumOff val="0"/>
-              <a:alphaOff val="0"/>
-            </a:schemeClr>
-          </a:solidFill>
-          <a:prstDash val="solid"/>
-          <a:miter lim="800000"/>
-        </a:ln>
-        <a:effectLst/>
-      </dsp:spPr>
-      <dsp:style>
-        <a:lnRef idx="2">
-          <a:scrgbClr r="0" g="0" b="0"/>
-        </a:lnRef>
-        <a:fillRef idx="1">
-          <a:scrgbClr r="0" g="0" b="0"/>
-        </a:fillRef>
-        <a:effectRef idx="0">
-          <a:scrgbClr r="0" g="0" b="0"/>
-        </a:effectRef>
-        <a:fontRef idx="minor">
-          <a:schemeClr val="lt1"/>
-        </a:fontRef>
-      </dsp:style>
-      <dsp:txBody>
-        <a:bodyPr spcFirstLastPara="0" vert="horz" wrap="square" lIns="89535" tIns="59690" rIns="89535" bIns="59690" numCol="1" spcCol="1270" anchor="ctr" anchorCtr="0">
-          <a:noAutofit/>
-        </a:bodyPr>
-        <a:lstStyle/>
-        <a:p>
-          <a:pPr marL="0" lvl="0" indent="0" algn="ctr" defTabSz="2089150">
-            <a:lnSpc>
-              <a:spcPct val="90000"/>
-            </a:lnSpc>
-            <a:spcBef>
-              <a:spcPct val="0"/>
-            </a:spcBef>
-            <a:spcAft>
-              <a:spcPct val="35000"/>
-            </a:spcAft>
-            <a:buNone/>
-          </a:pPr>
-          <a:r>
-            <a:rPr lang="he-IL" sz="4700" kern="1200" dirty="0"/>
-            <a:t>האלגוריתם פועל לפי סטטיסטיקה</a:t>
-          </a:r>
-          <a:endParaRPr lang="en-US" sz="4700" kern="1200" dirty="0"/>
-        </a:p>
-      </dsp:txBody>
-      <dsp:txXfrm>
-        <a:off x="62890" y="966938"/>
-        <a:ext cx="4091907" cy="1984221"/>
-      </dsp:txXfrm>
-    </dsp:sp>
-    <dsp:sp modelId="{A76D7601-E288-4C30-844B-92667BA145B7}">
-      <dsp:nvSpPr>
-        <dsp:cNvPr id="0" name=""/>
-        <dsp:cNvSpPr/>
-      </dsp:nvSpPr>
-      <dsp:spPr>
-        <a:xfrm>
-          <a:off x="5270371" y="905206"/>
-          <a:ext cx="4215371" cy="2107685"/>
-        </a:xfrm>
-        <a:prstGeom prst="roundRect">
-          <a:avLst>
-            <a:gd name="adj" fmla="val 10000"/>
-          </a:avLst>
-        </a:prstGeom>
-        <a:solidFill>
-          <a:schemeClr val="accent1">
-            <a:hueOff val="0"/>
-            <a:satOff val="0"/>
-            <a:lumOff val="0"/>
-            <a:alphaOff val="0"/>
-          </a:schemeClr>
-        </a:solidFill>
-        <a:ln w="12700" cap="flat" cmpd="sng" algn="ctr">
-          <a:solidFill>
-            <a:schemeClr val="lt1">
-              <a:hueOff val="0"/>
-              <a:satOff val="0"/>
-              <a:lumOff val="0"/>
-              <a:alphaOff val="0"/>
-            </a:schemeClr>
-          </a:solidFill>
-          <a:prstDash val="solid"/>
-          <a:miter lim="800000"/>
-        </a:ln>
-        <a:effectLst/>
-      </dsp:spPr>
-      <dsp:style>
-        <a:lnRef idx="2">
-          <a:scrgbClr r="0" g="0" b="0"/>
-        </a:lnRef>
-        <a:fillRef idx="1">
-          <a:scrgbClr r="0" g="0" b="0"/>
-        </a:fillRef>
-        <a:effectRef idx="0">
-          <a:scrgbClr r="0" g="0" b="0"/>
-        </a:effectRef>
-        <a:fontRef idx="minor">
-          <a:schemeClr val="lt1"/>
-        </a:fontRef>
-      </dsp:style>
-      <dsp:txBody>
-        <a:bodyPr spcFirstLastPara="0" vert="horz" wrap="square" lIns="89535" tIns="59690" rIns="89535" bIns="59690" numCol="1" spcCol="1270" anchor="ctr" anchorCtr="0">
-          <a:noAutofit/>
-        </a:bodyPr>
-        <a:lstStyle/>
-        <a:p>
-          <a:pPr marL="0" lvl="0" indent="0" algn="ctr" defTabSz="2089150">
-            <a:lnSpc>
-              <a:spcPct val="90000"/>
-            </a:lnSpc>
-            <a:spcBef>
-              <a:spcPct val="0"/>
-            </a:spcBef>
-            <a:spcAft>
-              <a:spcPct val="35000"/>
-            </a:spcAft>
-            <a:buNone/>
-          </a:pPr>
-          <a:r>
-            <a:rPr lang="he-IL" sz="4700" kern="1200"/>
-            <a:t>הוא מייצר כמה ניחושים וממוצע שניתן לבחון</a:t>
-          </a:r>
-          <a:endParaRPr lang="en-US" sz="4700" kern="1200"/>
-        </a:p>
-      </dsp:txBody>
-      <dsp:txXfrm>
-        <a:off x="5332103" y="966938"/>
-        <a:ext cx="4091907" cy="1984221"/>
-      </dsp:txXfrm>
-    </dsp:sp>
-  </dsp:spTree>
-</dsp:drawing>
-</file>
-
-<file path=ppt/diagrams/drawing4.xml><?xml version="1.0" encoding="utf-8"?>
-<dsp:drawing xmlns:dgm="http://schemas.openxmlformats.org/drawingml/2006/diagram" xmlns:dsp="http://schemas.microsoft.com/office/drawing/2008/diagram" xmlns:a="http://schemas.openxmlformats.org/drawingml/2006/main">
-  <dsp:spTree>
-    <dsp:nvGrpSpPr>
-      <dsp:cNvPr id="0" name=""/>
-      <dsp:cNvGrpSpPr/>
-    </dsp:nvGrpSpPr>
-    <dsp:grpSpPr/>
     <dsp:sp modelId="{6F587749-F3BB-4F43-B2EB-57CA6617F946}">
       <dsp:nvSpPr>
         <dsp:cNvPr id="0" name=""/>
@@ -6125,7 +7950,608 @@
 </dsp:drawing>
 </file>
 
+<file path=ppt/diagrams/drawing4.xml><?xml version="1.0" encoding="utf-8"?>
+<dsp:drawing xmlns:dgm="http://schemas.openxmlformats.org/drawingml/2006/diagram" xmlns:dsp="http://schemas.microsoft.com/office/drawing/2008/diagram" xmlns:a="http://schemas.openxmlformats.org/drawingml/2006/main">
+  <dsp:spTree>
+    <dsp:nvGrpSpPr>
+      <dsp:cNvPr id="0" name=""/>
+      <dsp:cNvGrpSpPr/>
+    </dsp:nvGrpSpPr>
+    <dsp:grpSpPr/>
+    <dsp:sp modelId="{5D5F119E-B338-4DDB-BD8C-C54ABC987034}">
+      <dsp:nvSpPr>
+        <dsp:cNvPr id="0" name=""/>
+        <dsp:cNvSpPr/>
+      </dsp:nvSpPr>
+      <dsp:spPr>
+        <a:xfrm>
+          <a:off x="0" y="0"/>
+          <a:ext cx="5163095" cy="1175429"/>
+        </a:xfrm>
+        <a:prstGeom prst="roundRect">
+          <a:avLst>
+            <a:gd name="adj" fmla="val 10000"/>
+          </a:avLst>
+        </a:prstGeom>
+        <a:solidFill>
+          <a:schemeClr val="accent1">
+            <a:hueOff val="0"/>
+            <a:satOff val="0"/>
+            <a:lumOff val="0"/>
+            <a:alphaOff val="0"/>
+          </a:schemeClr>
+        </a:solidFill>
+        <a:ln w="12700" cap="flat" cmpd="sng" algn="ctr">
+          <a:solidFill>
+            <a:schemeClr val="lt1">
+              <a:hueOff val="0"/>
+              <a:satOff val="0"/>
+              <a:lumOff val="0"/>
+              <a:alphaOff val="0"/>
+            </a:schemeClr>
+          </a:solidFill>
+          <a:prstDash val="solid"/>
+          <a:miter lim="800000"/>
+        </a:ln>
+        <a:effectLst/>
+      </dsp:spPr>
+      <dsp:style>
+        <a:lnRef idx="2">
+          <a:scrgbClr r="0" g="0" b="0"/>
+        </a:lnRef>
+        <a:fillRef idx="1">
+          <a:scrgbClr r="0" g="0" b="0"/>
+        </a:fillRef>
+        <a:effectRef idx="0">
+          <a:scrgbClr r="0" g="0" b="0"/>
+        </a:effectRef>
+        <a:fontRef idx="minor">
+          <a:schemeClr val="lt1"/>
+        </a:fontRef>
+      </dsp:style>
+      <dsp:txBody>
+        <a:bodyPr spcFirstLastPara="0" vert="horz" wrap="square" lIns="87630" tIns="87630" rIns="87630" bIns="87630" numCol="1" spcCol="1270" anchor="ctr" anchorCtr="0">
+          <a:noAutofit/>
+        </a:bodyPr>
+        <a:lstStyle/>
+        <a:p>
+          <a:pPr marL="0" lvl="0" indent="0" algn="ctr" defTabSz="1022350" rtl="1">
+            <a:lnSpc>
+              <a:spcPct val="90000"/>
+            </a:lnSpc>
+            <a:spcBef>
+              <a:spcPct val="0"/>
+            </a:spcBef>
+            <a:spcAft>
+              <a:spcPct val="35000"/>
+            </a:spcAft>
+            <a:buNone/>
+          </a:pPr>
+          <a:r>
+            <a:rPr lang="he-IL" sz="2300" kern="1200" dirty="0"/>
+            <a:t>התמונה מחולקת לתמונות של פרצופים בגול אחיד</a:t>
+          </a:r>
+          <a:endParaRPr lang="en-US" sz="2300" kern="1200" dirty="0"/>
+        </a:p>
+      </dsp:txBody>
+      <dsp:txXfrm>
+        <a:off x="34427" y="34427"/>
+        <a:ext cx="3894715" cy="1106575"/>
+      </dsp:txXfrm>
+    </dsp:sp>
+    <dsp:sp modelId="{5501251D-7039-4D86-8A97-9DC9FF2783EC}">
+      <dsp:nvSpPr>
+        <dsp:cNvPr id="0" name=""/>
+        <dsp:cNvSpPr/>
+      </dsp:nvSpPr>
+      <dsp:spPr>
+        <a:xfrm>
+          <a:off x="455567" y="1371334"/>
+          <a:ext cx="5163095" cy="1175429"/>
+        </a:xfrm>
+        <a:prstGeom prst="roundRect">
+          <a:avLst>
+            <a:gd name="adj" fmla="val 10000"/>
+          </a:avLst>
+        </a:prstGeom>
+        <a:solidFill>
+          <a:schemeClr val="accent1">
+            <a:hueOff val="0"/>
+            <a:satOff val="0"/>
+            <a:lumOff val="0"/>
+            <a:alphaOff val="0"/>
+          </a:schemeClr>
+        </a:solidFill>
+        <a:ln w="12700" cap="flat" cmpd="sng" algn="ctr">
+          <a:solidFill>
+            <a:schemeClr val="lt1">
+              <a:hueOff val="0"/>
+              <a:satOff val="0"/>
+              <a:lumOff val="0"/>
+              <a:alphaOff val="0"/>
+            </a:schemeClr>
+          </a:solidFill>
+          <a:prstDash val="solid"/>
+          <a:miter lim="800000"/>
+        </a:ln>
+        <a:effectLst/>
+      </dsp:spPr>
+      <dsp:style>
+        <a:lnRef idx="2">
+          <a:scrgbClr r="0" g="0" b="0"/>
+        </a:lnRef>
+        <a:fillRef idx="1">
+          <a:scrgbClr r="0" g="0" b="0"/>
+        </a:fillRef>
+        <a:effectRef idx="0">
+          <a:scrgbClr r="0" g="0" b="0"/>
+        </a:effectRef>
+        <a:fontRef idx="minor">
+          <a:schemeClr val="lt1"/>
+        </a:fontRef>
+      </dsp:style>
+      <dsp:txBody>
+        <a:bodyPr spcFirstLastPara="0" vert="horz" wrap="square" lIns="87630" tIns="87630" rIns="87630" bIns="87630" numCol="1" spcCol="1270" anchor="ctr" anchorCtr="0">
+          <a:noAutofit/>
+        </a:bodyPr>
+        <a:lstStyle/>
+        <a:p>
+          <a:pPr marL="0" lvl="0" indent="0" algn="ctr" defTabSz="1022350" rtl="1">
+            <a:lnSpc>
+              <a:spcPct val="90000"/>
+            </a:lnSpc>
+            <a:spcBef>
+              <a:spcPct val="0"/>
+            </a:spcBef>
+            <a:spcAft>
+              <a:spcPct val="35000"/>
+            </a:spcAft>
+            <a:buNone/>
+          </a:pPr>
+          <a:r>
+            <a:rPr lang="he-IL" sz="2300" kern="1200" dirty="0"/>
+            <a:t>כל תמונה מעובדת על ידי אלגוריתם לזיהוי פנים שמחזיר וקטור</a:t>
+          </a:r>
+          <a:endParaRPr lang="en-US" sz="2300" kern="1200" dirty="0"/>
+        </a:p>
+      </dsp:txBody>
+      <dsp:txXfrm>
+        <a:off x="489994" y="1405761"/>
+        <a:ext cx="3874645" cy="1106575"/>
+      </dsp:txXfrm>
+    </dsp:sp>
+    <dsp:sp modelId="{25852BDA-B4C6-44E2-8806-508E6D099F55}">
+      <dsp:nvSpPr>
+        <dsp:cNvPr id="0" name=""/>
+        <dsp:cNvSpPr/>
+      </dsp:nvSpPr>
+      <dsp:spPr>
+        <a:xfrm>
+          <a:off x="911134" y="2742668"/>
+          <a:ext cx="5163095" cy="1175429"/>
+        </a:xfrm>
+        <a:prstGeom prst="roundRect">
+          <a:avLst>
+            <a:gd name="adj" fmla="val 10000"/>
+          </a:avLst>
+        </a:prstGeom>
+        <a:solidFill>
+          <a:schemeClr val="accent1">
+            <a:hueOff val="0"/>
+            <a:satOff val="0"/>
+            <a:lumOff val="0"/>
+            <a:alphaOff val="0"/>
+          </a:schemeClr>
+        </a:solidFill>
+        <a:ln w="12700" cap="flat" cmpd="sng" algn="ctr">
+          <a:solidFill>
+            <a:schemeClr val="lt1">
+              <a:hueOff val="0"/>
+              <a:satOff val="0"/>
+              <a:lumOff val="0"/>
+              <a:alphaOff val="0"/>
+            </a:schemeClr>
+          </a:solidFill>
+          <a:prstDash val="solid"/>
+          <a:miter lim="800000"/>
+        </a:ln>
+        <a:effectLst/>
+      </dsp:spPr>
+      <dsp:style>
+        <a:lnRef idx="2">
+          <a:scrgbClr r="0" g="0" b="0"/>
+        </a:lnRef>
+        <a:fillRef idx="1">
+          <a:scrgbClr r="0" g="0" b="0"/>
+        </a:fillRef>
+        <a:effectRef idx="0">
+          <a:scrgbClr r="0" g="0" b="0"/>
+        </a:effectRef>
+        <a:fontRef idx="minor">
+          <a:schemeClr val="lt1"/>
+        </a:fontRef>
+      </dsp:style>
+      <dsp:txBody>
+        <a:bodyPr spcFirstLastPara="0" vert="horz" wrap="square" lIns="87630" tIns="87630" rIns="87630" bIns="87630" numCol="1" spcCol="1270" anchor="ctr" anchorCtr="0">
+          <a:noAutofit/>
+        </a:bodyPr>
+        <a:lstStyle/>
+        <a:p>
+          <a:pPr marL="0" lvl="0" indent="0" algn="ctr" defTabSz="1022350" rtl="1">
+            <a:lnSpc>
+              <a:spcPct val="90000"/>
+            </a:lnSpc>
+            <a:spcBef>
+              <a:spcPct val="0"/>
+            </a:spcBef>
+            <a:spcAft>
+              <a:spcPct val="35000"/>
+            </a:spcAft>
+            <a:buNone/>
+          </a:pPr>
+          <a:r>
+            <a:rPr lang="he-IL" sz="2300" kern="1200" dirty="0"/>
+            <a:t>הווקטור נכנס לאלגוריתם ה</a:t>
+          </a:r>
+          <a:r>
+            <a:rPr lang="en-US" sz="2300" kern="1200" dirty="0"/>
+            <a:t>-</a:t>
+          </a:r>
+          <a:r>
+            <a:rPr lang="en-US" sz="2300" kern="1200" dirty="0" err="1"/>
+            <a:t>Hyperloglog</a:t>
+          </a:r>
+          <a:r>
+            <a:rPr lang="he-IL" sz="2300" kern="1200" dirty="0"/>
+            <a:t> </a:t>
+          </a:r>
+          <a:endParaRPr lang="en-US" sz="2300" kern="1200" dirty="0"/>
+        </a:p>
+      </dsp:txBody>
+      <dsp:txXfrm>
+        <a:off x="945561" y="2777095"/>
+        <a:ext cx="3874645" cy="1106575"/>
+      </dsp:txXfrm>
+    </dsp:sp>
+    <dsp:sp modelId="{A032D601-0F71-4608-87DA-2F13D7BA5BAA}">
+      <dsp:nvSpPr>
+        <dsp:cNvPr id="0" name=""/>
+        <dsp:cNvSpPr/>
+      </dsp:nvSpPr>
+      <dsp:spPr>
+        <a:xfrm>
+          <a:off x="4399066" y="891367"/>
+          <a:ext cx="764029" cy="764029"/>
+        </a:xfrm>
+        <a:prstGeom prst="downArrow">
+          <a:avLst>
+            <a:gd name="adj1" fmla="val 55000"/>
+            <a:gd name="adj2" fmla="val 45000"/>
+          </a:avLst>
+        </a:prstGeom>
+        <a:solidFill>
+          <a:schemeClr val="accent1">
+            <a:alpha val="90000"/>
+            <a:tint val="40000"/>
+            <a:hueOff val="0"/>
+            <a:satOff val="0"/>
+            <a:lumOff val="0"/>
+            <a:alphaOff val="0"/>
+          </a:schemeClr>
+        </a:solidFill>
+        <a:ln w="12700" cap="flat" cmpd="sng" algn="ctr">
+          <a:solidFill>
+            <a:schemeClr val="accent1">
+              <a:alpha val="90000"/>
+              <a:tint val="40000"/>
+              <a:hueOff val="0"/>
+              <a:satOff val="0"/>
+              <a:lumOff val="0"/>
+              <a:alphaOff val="0"/>
+            </a:schemeClr>
+          </a:solidFill>
+          <a:prstDash val="solid"/>
+          <a:miter lim="800000"/>
+        </a:ln>
+        <a:effectLst/>
+      </dsp:spPr>
+      <dsp:style>
+        <a:lnRef idx="2">
+          <a:scrgbClr r="0" g="0" b="0"/>
+        </a:lnRef>
+        <a:fillRef idx="1">
+          <a:scrgbClr r="0" g="0" b="0"/>
+        </a:fillRef>
+        <a:effectRef idx="0">
+          <a:scrgbClr r="0" g="0" b="0"/>
+        </a:effectRef>
+        <a:fontRef idx="minor"/>
+      </dsp:style>
+      <dsp:txBody>
+        <a:bodyPr spcFirstLastPara="0" vert="horz" wrap="square" lIns="45720" tIns="45720" rIns="45720" bIns="45720" numCol="1" spcCol="1270" anchor="ctr" anchorCtr="0">
+          <a:noAutofit/>
+        </a:bodyPr>
+        <a:lstStyle/>
+        <a:p>
+          <a:pPr marL="0" lvl="0" indent="0" algn="ctr" defTabSz="1600200">
+            <a:lnSpc>
+              <a:spcPct val="90000"/>
+            </a:lnSpc>
+            <a:spcBef>
+              <a:spcPct val="0"/>
+            </a:spcBef>
+            <a:spcAft>
+              <a:spcPct val="35000"/>
+            </a:spcAft>
+            <a:buNone/>
+          </a:pPr>
+          <a:endParaRPr lang="en-US" sz="3600" kern="1200"/>
+        </a:p>
+      </dsp:txBody>
+      <dsp:txXfrm>
+        <a:off x="4570973" y="891367"/>
+        <a:ext cx="420215" cy="574932"/>
+      </dsp:txXfrm>
+    </dsp:sp>
+    <dsp:sp modelId="{86436377-0DBB-476E-A659-1AC68EA680FC}">
+      <dsp:nvSpPr>
+        <dsp:cNvPr id="0" name=""/>
+        <dsp:cNvSpPr/>
+      </dsp:nvSpPr>
+      <dsp:spPr>
+        <a:xfrm>
+          <a:off x="4854633" y="2254865"/>
+          <a:ext cx="764029" cy="764029"/>
+        </a:xfrm>
+        <a:prstGeom prst="downArrow">
+          <a:avLst>
+            <a:gd name="adj1" fmla="val 55000"/>
+            <a:gd name="adj2" fmla="val 45000"/>
+          </a:avLst>
+        </a:prstGeom>
+        <a:solidFill>
+          <a:schemeClr val="accent1">
+            <a:alpha val="90000"/>
+            <a:tint val="40000"/>
+            <a:hueOff val="0"/>
+            <a:satOff val="0"/>
+            <a:lumOff val="0"/>
+            <a:alphaOff val="0"/>
+          </a:schemeClr>
+        </a:solidFill>
+        <a:ln w="12700" cap="flat" cmpd="sng" algn="ctr">
+          <a:solidFill>
+            <a:schemeClr val="accent1">
+              <a:alpha val="90000"/>
+              <a:tint val="40000"/>
+              <a:hueOff val="0"/>
+              <a:satOff val="0"/>
+              <a:lumOff val="0"/>
+              <a:alphaOff val="0"/>
+            </a:schemeClr>
+          </a:solidFill>
+          <a:prstDash val="solid"/>
+          <a:miter lim="800000"/>
+        </a:ln>
+        <a:effectLst/>
+      </dsp:spPr>
+      <dsp:style>
+        <a:lnRef idx="2">
+          <a:scrgbClr r="0" g="0" b="0"/>
+        </a:lnRef>
+        <a:fillRef idx="1">
+          <a:scrgbClr r="0" g="0" b="0"/>
+        </a:fillRef>
+        <a:effectRef idx="0">
+          <a:scrgbClr r="0" g="0" b="0"/>
+        </a:effectRef>
+        <a:fontRef idx="minor"/>
+      </dsp:style>
+      <dsp:txBody>
+        <a:bodyPr spcFirstLastPara="0" vert="horz" wrap="square" lIns="45720" tIns="45720" rIns="45720" bIns="45720" numCol="1" spcCol="1270" anchor="ctr" anchorCtr="0">
+          <a:noAutofit/>
+        </a:bodyPr>
+        <a:lstStyle/>
+        <a:p>
+          <a:pPr marL="0" lvl="0" indent="0" algn="ctr" defTabSz="1600200">
+            <a:lnSpc>
+              <a:spcPct val="90000"/>
+            </a:lnSpc>
+            <a:spcBef>
+              <a:spcPct val="0"/>
+            </a:spcBef>
+            <a:spcAft>
+              <a:spcPct val="35000"/>
+            </a:spcAft>
+            <a:buNone/>
+          </a:pPr>
+          <a:endParaRPr lang="en-US" sz="3600" kern="1200"/>
+        </a:p>
+      </dsp:txBody>
+      <dsp:txXfrm>
+        <a:off x="5026540" y="2254865"/>
+        <a:ext cx="420215" cy="574932"/>
+      </dsp:txXfrm>
+    </dsp:sp>
+  </dsp:spTree>
+</dsp:drawing>
+</file>
+
 <file path=ppt/diagrams/drawing5.xml><?xml version="1.0" encoding="utf-8"?>
+<dsp:drawing xmlns:dgm="http://schemas.openxmlformats.org/drawingml/2006/diagram" xmlns:dsp="http://schemas.microsoft.com/office/drawing/2008/diagram" xmlns:a="http://schemas.openxmlformats.org/drawingml/2006/main">
+  <dsp:spTree>
+    <dsp:nvGrpSpPr>
+      <dsp:cNvPr id="0" name=""/>
+      <dsp:cNvGrpSpPr/>
+    </dsp:nvGrpSpPr>
+    <dsp:grpSpPr/>
+    <dsp:sp modelId="{DD984884-7F4D-4076-9183-08F7E1151363}">
+      <dsp:nvSpPr>
+        <dsp:cNvPr id="0" name=""/>
+        <dsp:cNvSpPr/>
+      </dsp:nvSpPr>
+      <dsp:spPr>
+        <a:xfrm>
+          <a:off x="1158" y="905206"/>
+          <a:ext cx="4215371" cy="2107685"/>
+        </a:xfrm>
+        <a:prstGeom prst="roundRect">
+          <a:avLst>
+            <a:gd name="adj" fmla="val 10000"/>
+          </a:avLst>
+        </a:prstGeom>
+        <a:solidFill>
+          <a:schemeClr val="accent1">
+            <a:hueOff val="0"/>
+            <a:satOff val="0"/>
+            <a:lumOff val="0"/>
+            <a:alphaOff val="0"/>
+          </a:schemeClr>
+        </a:solidFill>
+        <a:ln w="12700" cap="flat" cmpd="sng" algn="ctr">
+          <a:solidFill>
+            <a:schemeClr val="lt1">
+              <a:hueOff val="0"/>
+              <a:satOff val="0"/>
+              <a:lumOff val="0"/>
+              <a:alphaOff val="0"/>
+            </a:schemeClr>
+          </a:solidFill>
+          <a:prstDash val="solid"/>
+          <a:miter lim="800000"/>
+        </a:ln>
+        <a:effectLst/>
+      </dsp:spPr>
+      <dsp:style>
+        <a:lnRef idx="2">
+          <a:scrgbClr r="0" g="0" b="0"/>
+        </a:lnRef>
+        <a:fillRef idx="1">
+          <a:scrgbClr r="0" g="0" b="0"/>
+        </a:fillRef>
+        <a:effectRef idx="0">
+          <a:scrgbClr r="0" g="0" b="0"/>
+        </a:effectRef>
+        <a:fontRef idx="minor">
+          <a:schemeClr val="lt1"/>
+        </a:fontRef>
+      </dsp:style>
+      <dsp:txBody>
+        <a:bodyPr spcFirstLastPara="0" vert="horz" wrap="square" lIns="89535" tIns="59690" rIns="89535" bIns="59690" numCol="1" spcCol="1270" anchor="ctr" anchorCtr="0">
+          <a:noAutofit/>
+        </a:bodyPr>
+        <a:lstStyle/>
+        <a:p>
+          <a:pPr marL="0" lvl="0" indent="0" algn="ctr" defTabSz="2089150">
+            <a:lnSpc>
+              <a:spcPct val="90000"/>
+            </a:lnSpc>
+            <a:spcBef>
+              <a:spcPct val="0"/>
+            </a:spcBef>
+            <a:spcAft>
+              <a:spcPct val="35000"/>
+            </a:spcAft>
+            <a:buNone/>
+          </a:pPr>
+          <a:r>
+            <a:rPr lang="he-IL" sz="4700" kern="1200" dirty="0"/>
+            <a:t>האלגוריתם פועל לפי סטטיסטיקה</a:t>
+          </a:r>
+          <a:endParaRPr lang="en-US" sz="4700" kern="1200" dirty="0"/>
+        </a:p>
+      </dsp:txBody>
+      <dsp:txXfrm>
+        <a:off x="62890" y="966938"/>
+        <a:ext cx="4091907" cy="1984221"/>
+      </dsp:txXfrm>
+    </dsp:sp>
+    <dsp:sp modelId="{A76D7601-E288-4C30-844B-92667BA145B7}">
+      <dsp:nvSpPr>
+        <dsp:cNvPr id="0" name=""/>
+        <dsp:cNvSpPr/>
+      </dsp:nvSpPr>
+      <dsp:spPr>
+        <a:xfrm>
+          <a:off x="5270371" y="905206"/>
+          <a:ext cx="4215371" cy="2107685"/>
+        </a:xfrm>
+        <a:prstGeom prst="roundRect">
+          <a:avLst>
+            <a:gd name="adj" fmla="val 10000"/>
+          </a:avLst>
+        </a:prstGeom>
+        <a:solidFill>
+          <a:schemeClr val="accent1">
+            <a:hueOff val="0"/>
+            <a:satOff val="0"/>
+            <a:lumOff val="0"/>
+            <a:alphaOff val="0"/>
+          </a:schemeClr>
+        </a:solidFill>
+        <a:ln w="12700" cap="flat" cmpd="sng" algn="ctr">
+          <a:solidFill>
+            <a:schemeClr val="lt1">
+              <a:hueOff val="0"/>
+              <a:satOff val="0"/>
+              <a:lumOff val="0"/>
+              <a:alphaOff val="0"/>
+            </a:schemeClr>
+          </a:solidFill>
+          <a:prstDash val="solid"/>
+          <a:miter lim="800000"/>
+        </a:ln>
+        <a:effectLst/>
+      </dsp:spPr>
+      <dsp:style>
+        <a:lnRef idx="2">
+          <a:scrgbClr r="0" g="0" b="0"/>
+        </a:lnRef>
+        <a:fillRef idx="1">
+          <a:scrgbClr r="0" g="0" b="0"/>
+        </a:fillRef>
+        <a:effectRef idx="0">
+          <a:scrgbClr r="0" g="0" b="0"/>
+        </a:effectRef>
+        <a:fontRef idx="minor">
+          <a:schemeClr val="lt1"/>
+        </a:fontRef>
+      </dsp:style>
+      <dsp:txBody>
+        <a:bodyPr spcFirstLastPara="0" vert="horz" wrap="square" lIns="89535" tIns="59690" rIns="89535" bIns="59690" numCol="1" spcCol="1270" anchor="ctr" anchorCtr="0">
+          <a:noAutofit/>
+        </a:bodyPr>
+        <a:lstStyle/>
+        <a:p>
+          <a:pPr marL="0" lvl="0" indent="0" algn="ctr" defTabSz="2089150">
+            <a:lnSpc>
+              <a:spcPct val="90000"/>
+            </a:lnSpc>
+            <a:spcBef>
+              <a:spcPct val="0"/>
+            </a:spcBef>
+            <a:spcAft>
+              <a:spcPct val="35000"/>
+            </a:spcAft>
+            <a:buNone/>
+          </a:pPr>
+          <a:r>
+            <a:rPr lang="he-IL" sz="4700" kern="1200"/>
+            <a:t>הוא מייצר כמה ניחושים וממוצע שניתן לבחון</a:t>
+          </a:r>
+          <a:endParaRPr lang="en-US" sz="4700" kern="1200"/>
+        </a:p>
+      </dsp:txBody>
+      <dsp:txXfrm>
+        <a:off x="5332103" y="966938"/>
+        <a:ext cx="4091907" cy="1984221"/>
+      </dsp:txXfrm>
+    </dsp:sp>
+  </dsp:spTree>
+</dsp:drawing>
+</file>
+
+<file path=ppt/diagrams/drawing6.xml><?xml version="1.0" encoding="utf-8"?>
 <dsp:drawing xmlns:dgm="http://schemas.openxmlformats.org/drawingml/2006/diagram" xmlns:dsp="http://schemas.microsoft.com/office/drawing/2008/diagram" xmlns:a="http://schemas.openxmlformats.org/drawingml/2006/main">
   <dsp:spTree>
     <dsp:nvGrpSpPr>
@@ -6395,6 +8821,506 @@
       <dsp:txXfrm>
         <a:off x="3899790" y="661780"/>
         <a:ext cx="2776722" cy="1724063"/>
+      </dsp:txXfrm>
+    </dsp:sp>
+  </dsp:spTree>
+</dsp:drawing>
+</file>
+
+<file path=ppt/diagrams/drawing7.xml><?xml version="1.0" encoding="utf-8"?>
+<dsp:drawing xmlns:dgm="http://schemas.openxmlformats.org/drawingml/2006/diagram" xmlns:dsp="http://schemas.microsoft.com/office/drawing/2008/diagram" xmlns:a="http://schemas.openxmlformats.org/drawingml/2006/main">
+  <dsp:spTree>
+    <dsp:nvGrpSpPr>
+      <dsp:cNvPr id="0" name=""/>
+      <dsp:cNvGrpSpPr/>
+    </dsp:nvGrpSpPr>
+    <dsp:grpSpPr/>
+    <dsp:sp modelId="{0D52E125-2C14-4BEA-88C2-D572B1B48A4F}">
+      <dsp:nvSpPr>
+        <dsp:cNvPr id="0" name=""/>
+        <dsp:cNvSpPr/>
+      </dsp:nvSpPr>
+      <dsp:spPr>
+        <a:xfrm>
+          <a:off x="0" y="0"/>
+          <a:ext cx="2882264" cy="1350498"/>
+        </a:xfrm>
+        <a:prstGeom prst="roundRect">
+          <a:avLst>
+            <a:gd name="adj" fmla="val 10000"/>
+          </a:avLst>
+        </a:prstGeom>
+        <a:gradFill rotWithShape="0">
+          <a:gsLst>
+            <a:gs pos="0">
+              <a:schemeClr val="dk2">
+                <a:hueOff val="0"/>
+                <a:satOff val="0"/>
+                <a:lumOff val="0"/>
+                <a:alphaOff val="0"/>
+                <a:satMod val="103000"/>
+                <a:lumMod val="102000"/>
+                <a:tint val="94000"/>
+              </a:schemeClr>
+            </a:gs>
+            <a:gs pos="50000">
+              <a:schemeClr val="dk2">
+                <a:hueOff val="0"/>
+                <a:satOff val="0"/>
+                <a:lumOff val="0"/>
+                <a:alphaOff val="0"/>
+                <a:satMod val="110000"/>
+                <a:lumMod val="100000"/>
+                <a:shade val="100000"/>
+              </a:schemeClr>
+            </a:gs>
+            <a:gs pos="100000">
+              <a:schemeClr val="dk2">
+                <a:hueOff val="0"/>
+                <a:satOff val="0"/>
+                <a:lumOff val="0"/>
+                <a:alphaOff val="0"/>
+                <a:lumMod val="99000"/>
+                <a:satMod val="120000"/>
+                <a:shade val="78000"/>
+              </a:schemeClr>
+            </a:gs>
+          </a:gsLst>
+          <a:lin ang="5400000" scaled="0"/>
+        </a:gradFill>
+        <a:ln>
+          <a:noFill/>
+        </a:ln>
+        <a:effectLst>
+          <a:outerShdw blurRad="57150" dist="19050" dir="5400000" algn="ctr" rotWithShape="0">
+            <a:srgbClr val="000000">
+              <a:alpha val="63000"/>
+            </a:srgbClr>
+          </a:outerShdw>
+        </a:effectLst>
+      </dsp:spPr>
+      <dsp:style>
+        <a:lnRef idx="0">
+          <a:scrgbClr r="0" g="0" b="0"/>
+        </a:lnRef>
+        <a:fillRef idx="3">
+          <a:scrgbClr r="0" g="0" b="0"/>
+        </a:fillRef>
+        <a:effectRef idx="3">
+          <a:scrgbClr r="0" g="0" b="0"/>
+        </a:effectRef>
+        <a:fontRef idx="minor">
+          <a:schemeClr val="lt1"/>
+        </a:fontRef>
+      </dsp:style>
+      <dsp:txBody>
+        <a:bodyPr spcFirstLastPara="0" vert="horz" wrap="square" lIns="80010" tIns="80010" rIns="80010" bIns="80010" numCol="1" spcCol="1270" anchor="ctr" anchorCtr="0">
+          <a:noAutofit/>
+        </a:bodyPr>
+        <a:lstStyle/>
+        <a:p>
+          <a:pPr marL="0" lvl="0" indent="0" algn="ctr" defTabSz="933450" rtl="1">
+            <a:lnSpc>
+              <a:spcPct val="90000"/>
+            </a:lnSpc>
+            <a:spcBef>
+              <a:spcPct val="0"/>
+            </a:spcBef>
+            <a:spcAft>
+              <a:spcPct val="35000"/>
+            </a:spcAft>
+            <a:buNone/>
+          </a:pPr>
+          <a:r>
+            <a:rPr lang="he-IL" sz="2100" kern="1200" dirty="0"/>
+            <a:t>התמונות עוברות תהליך זיהוי פרצופים</a:t>
+          </a:r>
+          <a:endParaRPr lang="en-US" sz="2100" kern="1200" dirty="0"/>
+        </a:p>
+      </dsp:txBody>
+      <dsp:txXfrm>
+        <a:off x="39555" y="39555"/>
+        <a:ext cx="1424970" cy="1271388"/>
+      </dsp:txXfrm>
+    </dsp:sp>
+    <dsp:sp modelId="{3A7ABAAB-9714-46BE-9027-F346C10609A8}">
+      <dsp:nvSpPr>
+        <dsp:cNvPr id="0" name=""/>
+        <dsp:cNvSpPr/>
+      </dsp:nvSpPr>
+      <dsp:spPr>
+        <a:xfrm>
+          <a:off x="254317" y="1575581"/>
+          <a:ext cx="2882264" cy="1350498"/>
+        </a:xfrm>
+        <a:prstGeom prst="roundRect">
+          <a:avLst>
+            <a:gd name="adj" fmla="val 10000"/>
+          </a:avLst>
+        </a:prstGeom>
+        <a:gradFill rotWithShape="0">
+          <a:gsLst>
+            <a:gs pos="0">
+              <a:schemeClr val="dk2">
+                <a:hueOff val="0"/>
+                <a:satOff val="0"/>
+                <a:lumOff val="0"/>
+                <a:alphaOff val="0"/>
+                <a:satMod val="103000"/>
+                <a:lumMod val="102000"/>
+                <a:tint val="94000"/>
+              </a:schemeClr>
+            </a:gs>
+            <a:gs pos="50000">
+              <a:schemeClr val="dk2">
+                <a:hueOff val="0"/>
+                <a:satOff val="0"/>
+                <a:lumOff val="0"/>
+                <a:alphaOff val="0"/>
+                <a:satMod val="110000"/>
+                <a:lumMod val="100000"/>
+                <a:shade val="100000"/>
+              </a:schemeClr>
+            </a:gs>
+            <a:gs pos="100000">
+              <a:schemeClr val="dk2">
+                <a:hueOff val="0"/>
+                <a:satOff val="0"/>
+                <a:lumOff val="0"/>
+                <a:alphaOff val="0"/>
+                <a:lumMod val="99000"/>
+                <a:satMod val="120000"/>
+                <a:shade val="78000"/>
+              </a:schemeClr>
+            </a:gs>
+          </a:gsLst>
+          <a:lin ang="5400000" scaled="0"/>
+        </a:gradFill>
+        <a:ln>
+          <a:noFill/>
+        </a:ln>
+        <a:effectLst>
+          <a:outerShdw blurRad="57150" dist="19050" dir="5400000" algn="ctr" rotWithShape="0">
+            <a:srgbClr val="000000">
+              <a:alpha val="63000"/>
+            </a:srgbClr>
+          </a:outerShdw>
+        </a:effectLst>
+      </dsp:spPr>
+      <dsp:style>
+        <a:lnRef idx="0">
+          <a:scrgbClr r="0" g="0" b="0"/>
+        </a:lnRef>
+        <a:fillRef idx="3">
+          <a:scrgbClr r="0" g="0" b="0"/>
+        </a:fillRef>
+        <a:effectRef idx="3">
+          <a:scrgbClr r="0" g="0" b="0"/>
+        </a:effectRef>
+        <a:fontRef idx="minor">
+          <a:schemeClr val="lt1"/>
+        </a:fontRef>
+      </dsp:style>
+      <dsp:txBody>
+        <a:bodyPr spcFirstLastPara="0" vert="horz" wrap="square" lIns="80010" tIns="80010" rIns="80010" bIns="80010" numCol="1" spcCol="1270" anchor="ctr" anchorCtr="0">
+          <a:noAutofit/>
+        </a:bodyPr>
+        <a:lstStyle/>
+        <a:p>
+          <a:pPr marL="0" lvl="0" indent="0" algn="ctr" defTabSz="933450" rtl="1">
+            <a:lnSpc>
+              <a:spcPct val="90000"/>
+            </a:lnSpc>
+            <a:spcBef>
+              <a:spcPct val="0"/>
+            </a:spcBef>
+            <a:spcAft>
+              <a:spcPct val="35000"/>
+            </a:spcAft>
+            <a:buNone/>
+          </a:pPr>
+          <a:r>
+            <a:rPr lang="he-IL" sz="2100" kern="1200" dirty="0"/>
+            <a:t>התוצאות נשלחות לשרת ראשי</a:t>
+          </a:r>
+          <a:endParaRPr lang="en-US" sz="2100" kern="1200" dirty="0"/>
+        </a:p>
+      </dsp:txBody>
+      <dsp:txXfrm>
+        <a:off x="293872" y="1615136"/>
+        <a:ext cx="1671012" cy="1271388"/>
+      </dsp:txXfrm>
+    </dsp:sp>
+    <dsp:sp modelId="{A932477E-AB46-4A8C-8814-E95903A48031}">
+      <dsp:nvSpPr>
+        <dsp:cNvPr id="0" name=""/>
+        <dsp:cNvSpPr/>
+      </dsp:nvSpPr>
+      <dsp:spPr>
+        <a:xfrm>
+          <a:off x="508634" y="3151163"/>
+          <a:ext cx="2882264" cy="1350498"/>
+        </a:xfrm>
+        <a:prstGeom prst="roundRect">
+          <a:avLst>
+            <a:gd name="adj" fmla="val 10000"/>
+          </a:avLst>
+        </a:prstGeom>
+        <a:gradFill rotWithShape="0">
+          <a:gsLst>
+            <a:gs pos="0">
+              <a:schemeClr val="dk2">
+                <a:hueOff val="0"/>
+                <a:satOff val="0"/>
+                <a:lumOff val="0"/>
+                <a:alphaOff val="0"/>
+                <a:satMod val="103000"/>
+                <a:lumMod val="102000"/>
+                <a:tint val="94000"/>
+              </a:schemeClr>
+            </a:gs>
+            <a:gs pos="50000">
+              <a:schemeClr val="dk2">
+                <a:hueOff val="0"/>
+                <a:satOff val="0"/>
+                <a:lumOff val="0"/>
+                <a:alphaOff val="0"/>
+                <a:satMod val="110000"/>
+                <a:lumMod val="100000"/>
+                <a:shade val="100000"/>
+              </a:schemeClr>
+            </a:gs>
+            <a:gs pos="100000">
+              <a:schemeClr val="dk2">
+                <a:hueOff val="0"/>
+                <a:satOff val="0"/>
+                <a:lumOff val="0"/>
+                <a:alphaOff val="0"/>
+                <a:lumMod val="99000"/>
+                <a:satMod val="120000"/>
+                <a:shade val="78000"/>
+              </a:schemeClr>
+            </a:gs>
+          </a:gsLst>
+          <a:lin ang="5400000" scaled="0"/>
+        </a:gradFill>
+        <a:ln>
+          <a:noFill/>
+        </a:ln>
+        <a:effectLst>
+          <a:outerShdw blurRad="57150" dist="19050" dir="5400000" algn="ctr" rotWithShape="0">
+            <a:srgbClr val="000000">
+              <a:alpha val="63000"/>
+            </a:srgbClr>
+          </a:outerShdw>
+        </a:effectLst>
+      </dsp:spPr>
+      <dsp:style>
+        <a:lnRef idx="0">
+          <a:scrgbClr r="0" g="0" b="0"/>
+        </a:lnRef>
+        <a:fillRef idx="3">
+          <a:scrgbClr r="0" g="0" b="0"/>
+        </a:fillRef>
+        <a:effectRef idx="3">
+          <a:scrgbClr r="0" g="0" b="0"/>
+        </a:effectRef>
+        <a:fontRef idx="minor">
+          <a:schemeClr val="lt1"/>
+        </a:fontRef>
+      </dsp:style>
+      <dsp:txBody>
+        <a:bodyPr spcFirstLastPara="0" vert="horz" wrap="square" lIns="80010" tIns="80010" rIns="80010" bIns="80010" numCol="1" spcCol="1270" anchor="ctr" anchorCtr="0">
+          <a:noAutofit/>
+        </a:bodyPr>
+        <a:lstStyle/>
+        <a:p>
+          <a:pPr marL="0" lvl="0" indent="0" algn="ctr" defTabSz="933450" rtl="1">
+            <a:lnSpc>
+              <a:spcPct val="90000"/>
+            </a:lnSpc>
+            <a:spcBef>
+              <a:spcPct val="0"/>
+            </a:spcBef>
+            <a:spcAft>
+              <a:spcPct val="35000"/>
+            </a:spcAft>
+            <a:buNone/>
+          </a:pPr>
+          <a:r>
+            <a:rPr lang="he-IL" sz="2100" kern="1200" dirty="0"/>
+            <a:t>השרת מכניס את שקיבל ל-</a:t>
+          </a:r>
+          <a:r>
+            <a:rPr lang="en-US" sz="2100" kern="1200" dirty="0" err="1"/>
+            <a:t>Hyperloglog</a:t>
+          </a:r>
+          <a:endParaRPr lang="en-US" sz="2100" kern="1200" dirty="0"/>
+        </a:p>
+      </dsp:txBody>
+      <dsp:txXfrm>
+        <a:off x="548189" y="3190718"/>
+        <a:ext cx="1671012" cy="1271388"/>
+      </dsp:txXfrm>
+    </dsp:sp>
+    <dsp:sp modelId="{53CDA584-78A7-48A8-B232-2524B2C65FAB}">
+      <dsp:nvSpPr>
+        <dsp:cNvPr id="0" name=""/>
+        <dsp:cNvSpPr/>
+      </dsp:nvSpPr>
+      <dsp:spPr>
+        <a:xfrm>
+          <a:off x="2004440" y="1024128"/>
+          <a:ext cx="877824" cy="877824"/>
+        </a:xfrm>
+        <a:prstGeom prst="downArrow">
+          <a:avLst>
+            <a:gd name="adj1" fmla="val 55000"/>
+            <a:gd name="adj2" fmla="val 45000"/>
+          </a:avLst>
+        </a:prstGeom>
+        <a:solidFill>
+          <a:schemeClr val="dk2">
+            <a:alpha val="90000"/>
+            <a:tint val="40000"/>
+            <a:hueOff val="0"/>
+            <a:satOff val="0"/>
+            <a:lumOff val="0"/>
+            <a:alphaOff val="0"/>
+          </a:schemeClr>
+        </a:solidFill>
+        <a:ln w="6350" cap="flat" cmpd="sng" algn="ctr">
+          <a:solidFill>
+            <a:schemeClr val="dk2">
+              <a:alpha val="90000"/>
+              <a:tint val="40000"/>
+              <a:hueOff val="0"/>
+              <a:satOff val="0"/>
+              <a:lumOff val="0"/>
+              <a:alphaOff val="0"/>
+            </a:schemeClr>
+          </a:solidFill>
+          <a:prstDash val="solid"/>
+          <a:miter lim="800000"/>
+        </a:ln>
+        <a:effectLst/>
+      </dsp:spPr>
+      <dsp:style>
+        <a:lnRef idx="1">
+          <a:scrgbClr r="0" g="0" b="0"/>
+        </a:lnRef>
+        <a:fillRef idx="1">
+          <a:scrgbClr r="0" g="0" b="0"/>
+        </a:fillRef>
+        <a:effectRef idx="2">
+          <a:scrgbClr r="0" g="0" b="0"/>
+        </a:effectRef>
+        <a:fontRef idx="minor"/>
+      </dsp:style>
+      <dsp:txBody>
+        <a:bodyPr spcFirstLastPara="0" vert="horz" wrap="square" lIns="45720" tIns="45720" rIns="45720" bIns="45720" numCol="1" spcCol="1270" anchor="ctr" anchorCtr="0">
+          <a:noAutofit/>
+        </a:bodyPr>
+        <a:lstStyle/>
+        <a:p>
+          <a:pPr marL="0" lvl="0" indent="0" algn="ctr" defTabSz="1600200">
+            <a:lnSpc>
+              <a:spcPct val="90000"/>
+            </a:lnSpc>
+            <a:spcBef>
+              <a:spcPct val="0"/>
+            </a:spcBef>
+            <a:spcAft>
+              <a:spcPct val="35000"/>
+            </a:spcAft>
+            <a:buNone/>
+          </a:pPr>
+          <a:endParaRPr lang="en-US" sz="3600" kern="1200"/>
+        </a:p>
+      </dsp:txBody>
+      <dsp:txXfrm>
+        <a:off x="2201950" y="1024128"/>
+        <a:ext cx="482804" cy="660563"/>
+      </dsp:txXfrm>
+    </dsp:sp>
+    <dsp:sp modelId="{1B0C56C6-C555-464A-B7A2-472DAAD7CC10}">
+      <dsp:nvSpPr>
+        <dsp:cNvPr id="0" name=""/>
+        <dsp:cNvSpPr/>
+      </dsp:nvSpPr>
+      <dsp:spPr>
+        <a:xfrm>
+          <a:off x="2258757" y="2590706"/>
+          <a:ext cx="877824" cy="877824"/>
+        </a:xfrm>
+        <a:prstGeom prst="downArrow">
+          <a:avLst>
+            <a:gd name="adj1" fmla="val 55000"/>
+            <a:gd name="adj2" fmla="val 45000"/>
+          </a:avLst>
+        </a:prstGeom>
+        <a:solidFill>
+          <a:schemeClr val="dk2">
+            <a:alpha val="90000"/>
+            <a:tint val="40000"/>
+            <a:hueOff val="0"/>
+            <a:satOff val="0"/>
+            <a:lumOff val="0"/>
+            <a:alphaOff val="0"/>
+          </a:schemeClr>
+        </a:solidFill>
+        <a:ln w="6350" cap="flat" cmpd="sng" algn="ctr">
+          <a:solidFill>
+            <a:schemeClr val="dk2">
+              <a:alpha val="90000"/>
+              <a:tint val="40000"/>
+              <a:hueOff val="0"/>
+              <a:satOff val="0"/>
+              <a:lumOff val="0"/>
+              <a:alphaOff val="0"/>
+            </a:schemeClr>
+          </a:solidFill>
+          <a:prstDash val="solid"/>
+          <a:miter lim="800000"/>
+        </a:ln>
+        <a:effectLst/>
+      </dsp:spPr>
+      <dsp:style>
+        <a:lnRef idx="1">
+          <a:scrgbClr r="0" g="0" b="0"/>
+        </a:lnRef>
+        <a:fillRef idx="1">
+          <a:scrgbClr r="0" g="0" b="0"/>
+        </a:fillRef>
+        <a:effectRef idx="2">
+          <a:scrgbClr r="0" g="0" b="0"/>
+        </a:effectRef>
+        <a:fontRef idx="minor"/>
+      </dsp:style>
+      <dsp:txBody>
+        <a:bodyPr spcFirstLastPara="0" vert="horz" wrap="square" lIns="45720" tIns="45720" rIns="45720" bIns="45720" numCol="1" spcCol="1270" anchor="ctr" anchorCtr="0">
+          <a:noAutofit/>
+        </a:bodyPr>
+        <a:lstStyle/>
+        <a:p>
+          <a:pPr marL="0" lvl="0" indent="0" algn="ctr" defTabSz="1600200">
+            <a:lnSpc>
+              <a:spcPct val="90000"/>
+            </a:lnSpc>
+            <a:spcBef>
+              <a:spcPct val="0"/>
+            </a:spcBef>
+            <a:spcAft>
+              <a:spcPct val="35000"/>
+            </a:spcAft>
+            <a:buNone/>
+          </a:pPr>
+          <a:endParaRPr lang="en-US" sz="3600" kern="1200"/>
+        </a:p>
+      </dsp:txBody>
+      <dsp:txXfrm>
+        <a:off x="2456267" y="2590706"/>
+        <a:ext cx="482804" cy="660563"/>
       </dsp:txXfrm>
     </dsp:sp>
   </dsp:spTree>
@@ -6817,6 +9743,1422 @@
 </file>
 
 <file path=ppt/diagrams/layout3.xml><?xml version="1.0" encoding="utf-8"?>
+<dgm:layoutDef xmlns:dgm="http://schemas.openxmlformats.org/drawingml/2006/diagram" xmlns:a="http://schemas.openxmlformats.org/drawingml/2006/main" uniqueId="urn:microsoft.com/office/officeart/2018/2/layout/IconLabelList">
+  <dgm:title val="Icon Label List"/>
+  <dgm:desc val="Use to show non-sequential or grouped chunks of information accompanied by a related visuals. Works best with icons or small pictures with short text captions."/>
+  <dgm:catLst>
+    <dgm:cat type="icon" pri="500"/>
+  </dgm:catLst>
+  <dgm:sampData useDef="1">
+    <dgm:dataModel>
+      <dgm:ptLst/>
+      <dgm:bg/>
+      <dgm:whole/>
+    </dgm:dataModel>
+  </dgm:sampData>
+  <dgm:styleData useDef="1">
+    <dgm:dataModel>
+      <dgm:ptLst/>
+      <dgm:bg/>
+      <dgm:whole/>
+    </dgm:dataModel>
+  </dgm:styleData>
+  <dgm:clrData useDef="1">
+    <dgm:dataModel>
+      <dgm:ptLst/>
+      <dgm:bg/>
+      <dgm:whole/>
+    </dgm:dataModel>
+  </dgm:clrData>
+  <dgm:layoutNode name="root">
+    <dgm:varLst>
+      <dgm:dir/>
+      <dgm:resizeHandles val="exact"/>
+    </dgm:varLst>
+    <dgm:choose name="Name0">
+      <dgm:if name="Name1" axis="self" func="var" arg="dir" op="equ" val="norm">
+        <dgm:alg type="snake">
+          <dgm:param type="grDir" val="tL"/>
+          <dgm:param type="flowDir" val="row"/>
+          <dgm:param type="contDir" val="sameDir"/>
+          <dgm:param type="off" val="ctr"/>
+          <dgm:param type="vertAlign" val="mid"/>
+          <dgm:param type="horzAlign" val="ctr"/>
+        </dgm:alg>
+      </dgm:if>
+      <dgm:else name="Name2">
+        <dgm:alg type="snake">
+          <dgm:param type="grDir" val="tR"/>
+          <dgm:param type="flowDir" val="row"/>
+          <dgm:param type="contDir" val="sameDir"/>
+          <dgm:param type="off" val="ctr"/>
+          <dgm:param type="vertAlign" val="mid"/>
+          <dgm:param type="horzAlign" val="ctr"/>
+        </dgm:alg>
+      </dgm:else>
+    </dgm:choose>
+    <dgm:shape xmlns:r="http://schemas.openxmlformats.org/officeDocument/2006/relationships" r:blip="">
+      <dgm:adjLst/>
+    </dgm:shape>
+    <dgm:presOf/>
+    <dgm:choose name="Name3">
+      <dgm:if name="Name4" axis="ch" ptType="node" func="cnt" op="lte" val="2">
+        <dgm:constrLst>
+          <dgm:constr type="h" for="ch" forName="compNode" refType="h" fact="0.4"/>
+          <dgm:constr type="w" for="ch" forName="compNode" val="120"/>
+          <dgm:constr type="w" for="ch" forName="sibTrans" refType="w" refFor="ch" refForName="compNode" fact="0.175"/>
+          <dgm:constr type="sp" refType="w" refFor="ch" refForName="compNode" op="equ" fact="0.25"/>
+          <dgm:constr type="primFontSz" for="des" ptType="node" op="equ" val="50"/>
+          <dgm:constr type="h" for="des" forName="compNode" op="equ"/>
+          <dgm:constr type="h" for="des" forName="textRect" op="equ"/>
+        </dgm:constrLst>
+      </dgm:if>
+      <dgm:if name="Name5" axis="ch" ptType="node" func="cnt" op="lte" val="4">
+        <dgm:constrLst>
+          <dgm:constr type="h" for="ch" forName="compNode" refType="h" fact="0.4"/>
+          <dgm:constr type="w" for="ch" forName="compNode" refType="w"/>
+          <dgm:constr type="w" for="ch" forName="sibTrans" refType="w" refFor="ch" refForName="compNode" fact="0.175"/>
+          <dgm:constr type="sp" refType="w" refFor="ch" refForName="compNode" op="equ" fact="0.25"/>
+          <dgm:constr type="primFontSz" for="des" ptType="node" op="equ" val="36"/>
+          <dgm:constr type="h" for="des" forName="compNode" op="equ"/>
+          <dgm:constr type="h" for="des" forName="textRect" op="equ"/>
+        </dgm:constrLst>
+      </dgm:if>
+      <dgm:else name="Name6">
+        <dgm:constrLst>
+          <dgm:constr type="h" for="ch" forName="compNode" refType="h" fact="0.4"/>
+          <dgm:constr type="w" for="ch" forName="compNode" refType="w"/>
+          <dgm:constr type="w" for="ch" forName="sibTrans" refType="w" refFor="ch" refForName="compNode" fact="0.175"/>
+          <dgm:constr type="sp" refType="w" refFor="ch" refForName="compNode" op="equ" fact="0.25"/>
+          <dgm:constr type="primFontSz" for="des" ptType="node" op="equ" val="24"/>
+          <dgm:constr type="h" for="des" forName="compNode" op="equ"/>
+          <dgm:constr type="h" for="des" forName="textRect" op="equ"/>
+        </dgm:constrLst>
+      </dgm:else>
+    </dgm:choose>
+    <dgm:ruleLst>
+      <dgm:rule type="w" for="ch" forName="compNode" val="50" fact="NaN" max="NaN"/>
+    </dgm:ruleLst>
+    <dgm:forEach name="Name7" axis="ch" ptType="node">
+      <dgm:layoutNode name="compNode">
+        <dgm:alg type="composite"/>
+        <dgm:shape xmlns:r="http://schemas.openxmlformats.org/officeDocument/2006/relationships" r:blip="">
+          <dgm:adjLst/>
+        </dgm:shape>
+        <dgm:presOf axis="self"/>
+        <dgm:constrLst>
+          <dgm:constr type="w" for="ch" forName="iconRect" refType="w" fact="0.45"/>
+          <dgm:constr type="h" for="ch" forName="iconRect" refType="w" refFor="ch" refForName="iconRect"/>
+          <dgm:constr type="ctrX" for="ch" forName="iconRect" refType="w" fact="0.5"/>
+          <dgm:constr type="t" for="ch" forName="iconRect"/>
+          <dgm:constr type="h" for="ch" forName="spaceRect" refType="h" fact="0.15"/>
+          <dgm:constr type="w" for="ch" forName="spaceRect" refType="w"/>
+          <dgm:constr type="l" for="ch" forName="spaceRect"/>
+          <dgm:constr type="t" for="ch" forName="spaceRect" refType="b" refFor="ch" refForName="iconRect"/>
+          <dgm:constr type="h" for="ch" forName="textRect" val="20"/>
+          <dgm:constr type="w" for="ch" forName="textRect" refType="w"/>
+          <dgm:constr type="l" for="ch" forName="textRect"/>
+          <dgm:constr type="t" for="ch" forName="textRect" refType="b" refFor="ch" refForName="spaceRect"/>
+        </dgm:constrLst>
+        <dgm:ruleLst>
+          <dgm:rule type="h" val="INF" fact="NaN" max="NaN"/>
+        </dgm:ruleLst>
+        <dgm:layoutNode name="iconRect" styleLbl="node1">
+          <dgm:alg type="sp"/>
+          <dgm:shape xmlns:r="http://schemas.openxmlformats.org/officeDocument/2006/relationships" type="rect" r:blip="" blipPhldr="1">
+            <dgm:adjLst/>
+          </dgm:shape>
+          <dgm:presOf/>
+          <dgm:constrLst/>
+          <dgm:ruleLst/>
+        </dgm:layoutNode>
+        <dgm:layoutNode name="spaceRect">
+          <dgm:alg type="sp"/>
+          <dgm:shape xmlns:r="http://schemas.openxmlformats.org/officeDocument/2006/relationships" r:blip="">
+            <dgm:adjLst/>
+          </dgm:shape>
+          <dgm:presOf/>
+          <dgm:constrLst/>
+          <dgm:ruleLst/>
+        </dgm:layoutNode>
+        <dgm:layoutNode name="textRect" styleLbl="revTx">
+          <dgm:varLst>
+            <dgm:chMax val="1"/>
+            <dgm:chPref val="1"/>
+          </dgm:varLst>
+          <dgm:alg type="tx">
+            <dgm:param type="txAnchorVert" val="t"/>
+          </dgm:alg>
+          <dgm:shape xmlns:r="http://schemas.openxmlformats.org/officeDocument/2006/relationships" type="rect" r:blip="">
+            <dgm:adjLst/>
+          </dgm:shape>
+          <dgm:presOf axis="self" ptType="node"/>
+          <dgm:constrLst>
+            <dgm:constr type="lMarg"/>
+            <dgm:constr type="rMarg"/>
+            <dgm:constr type="tMarg"/>
+            <dgm:constr type="bMarg"/>
+          </dgm:constrLst>
+          <dgm:ruleLst>
+            <dgm:rule type="primFontSz" val="11" fact="NaN" max="NaN"/>
+            <dgm:rule type="h" val="INF" fact="NaN" max="NaN"/>
+          </dgm:ruleLst>
+        </dgm:layoutNode>
+      </dgm:layoutNode>
+      <dgm:forEach name="Name8" axis="followSib" ptType="sibTrans" cnt="1">
+        <dgm:layoutNode name="sibTrans">
+          <dgm:alg type="sp"/>
+          <dgm:shape xmlns:r="http://schemas.openxmlformats.org/officeDocument/2006/relationships" r:blip="">
+            <dgm:adjLst/>
+          </dgm:shape>
+          <dgm:presOf axis="self"/>
+          <dgm:constrLst/>
+          <dgm:ruleLst/>
+        </dgm:layoutNode>
+      </dgm:forEach>
+    </dgm:forEach>
+  </dgm:layoutNode>
+  <dgm:extLst>
+    <a:ext uri="{68A01E43-0DF5-4B5B-8FA6-DAF915123BFB}">
+      <dgm1612:lstStyle xmlns:dgm1612="http://schemas.microsoft.com/office/drawing/2016/12/diagram">
+        <a:lvl1pPr>
+          <a:lnSpc>
+            <a:spcPct val="100000"/>
+          </a:lnSpc>
+        </a:lvl1pPr>
+      </dgm1612:lstStyle>
+    </a:ext>
+  </dgm:extLst>
+</dgm:layoutDef>
+</file>
+
+<file path=ppt/diagrams/layout4.xml><?xml version="1.0" encoding="utf-8"?>
+<dgm:layoutDef xmlns:dgm="http://schemas.openxmlformats.org/drawingml/2006/diagram" xmlns:a="http://schemas.openxmlformats.org/drawingml/2006/main" uniqueId="urn:microsoft.com/office/officeart/2005/8/layout/vProcess5">
+  <dgm:title val=""/>
+  <dgm:desc val=""/>
+  <dgm:catLst>
+    <dgm:cat type="process" pri="14000"/>
+  </dgm:catLst>
+  <dgm:sampData>
+    <dgm:dataModel>
+      <dgm:ptLst>
+        <dgm:pt modelId="0" type="doc"/>
+        <dgm:pt modelId="1">
+          <dgm:prSet phldr="1"/>
+        </dgm:pt>
+        <dgm:pt modelId="2">
+          <dgm:prSet phldr="1"/>
+        </dgm:pt>
+        <dgm:pt modelId="3">
+          <dgm:prSet phldr="1"/>
+        </dgm:pt>
+      </dgm:ptLst>
+      <dgm:cxnLst>
+        <dgm:cxn modelId="5" srcId="0" destId="1" srcOrd="0" destOrd="0"/>
+        <dgm:cxn modelId="6" srcId="0" destId="2" srcOrd="1" destOrd="0"/>
+        <dgm:cxn modelId="7" srcId="0" destId="3" srcOrd="2" destOrd="0"/>
+      </dgm:cxnLst>
+      <dgm:bg/>
+      <dgm:whole/>
+    </dgm:dataModel>
+  </dgm:sampData>
+  <dgm:styleData>
+    <dgm:dataModel>
+      <dgm:ptLst>
+        <dgm:pt modelId="0" type="doc"/>
+        <dgm:pt modelId="1"/>
+        <dgm:pt modelId="2"/>
+      </dgm:ptLst>
+      <dgm:cxnLst>
+        <dgm:cxn modelId="3" srcId="0" destId="1" srcOrd="0" destOrd="0"/>
+        <dgm:cxn modelId="4" srcId="0" destId="2" srcOrd="1" destOrd="0"/>
+      </dgm:cxnLst>
+      <dgm:bg/>
+      <dgm:whole/>
+    </dgm:dataModel>
+  </dgm:styleData>
+  <dgm:clrData>
+    <dgm:dataModel>
+      <dgm:ptLst>
+        <dgm:pt modelId="0" type="doc"/>
+        <dgm:pt modelId="1"/>
+        <dgm:pt modelId="2"/>
+        <dgm:pt modelId="3"/>
+        <dgm:pt modelId="4"/>
+      </dgm:ptLst>
+      <dgm:cxnLst>
+        <dgm:cxn modelId="6" srcId="0" destId="1" srcOrd="0" destOrd="0"/>
+        <dgm:cxn modelId="7" srcId="0" destId="2" srcOrd="1" destOrd="0"/>
+        <dgm:cxn modelId="8" srcId="0" destId="3" srcOrd="2" destOrd="0"/>
+        <dgm:cxn modelId="9" srcId="0" destId="4" srcOrd="3" destOrd="0"/>
+      </dgm:cxnLst>
+      <dgm:bg/>
+      <dgm:whole/>
+    </dgm:dataModel>
+  </dgm:clrData>
+  <dgm:layoutNode name="outerComposite">
+    <dgm:varLst>
+      <dgm:chMax val="5"/>
+      <dgm:dir/>
+      <dgm:resizeHandles val="exact"/>
+    </dgm:varLst>
+    <dgm:alg type="composite"/>
+    <dgm:shape xmlns:r="http://schemas.openxmlformats.org/officeDocument/2006/relationships" r:blip="">
+      <dgm:adjLst/>
+    </dgm:shape>
+    <dgm:presOf/>
+    <dgm:choose name="Name0">
+      <dgm:if name="Name1" func="var" arg="dir" op="equ" val="norm">
+        <dgm:constrLst>
+          <dgm:constr type="primFontSz" for="ch" ptType="node" op="equ" val="65"/>
+          <dgm:constr type="w" for="ch" forName="dummyMaxCanvas" refType="w"/>
+          <dgm:constr type="h" for="ch" forName="dummyMaxCanvas" refType="h"/>
+          <dgm:constr type="w" for="ch" forName="OneNode_1" refType="w"/>
+          <dgm:constr type="h" for="ch" forName="OneNode_1" refType="h" fact="0.5"/>
+          <dgm:constr type="ctrY" for="ch" forName="OneNode_1" refType="h" fact="0.5"/>
+          <dgm:constr type="w" for="ch" forName="TwoNodes_1" refType="w" fact="0.85"/>
+          <dgm:constr type="h" for="ch" forName="TwoNodes_1" refType="h" fact="0.45"/>
+          <dgm:constr type="t" for="ch" forName="TwoNodes_1"/>
+          <dgm:constr type="l" for="ch" forName="TwoNodes_1"/>
+          <dgm:constr type="w" for="ch" forName="TwoNodes_2" refType="w" fact="0.85"/>
+          <dgm:constr type="h" for="ch" forName="TwoNodes_2" refType="h" fact="0.45"/>
+          <dgm:constr type="b" for="ch" forName="TwoNodes_2" refType="h"/>
+          <dgm:constr type="r" for="ch" forName="TwoNodes_2" refType="w"/>
+          <dgm:constr type="w" for="ch" forName="TwoConn_1-2" refType="h" refFor="ch" refForName="TwoNodes_1" fact="0.65"/>
+          <dgm:constr type="h" for="ch" forName="TwoConn_1-2" refType="h" refFor="ch" refForName="TwoNodes_1" fact="0.65"/>
+          <dgm:constr type="ctrY" for="ch" forName="TwoConn_1-2" refType="h" fact="0.5"/>
+          <dgm:constr type="r" for="ch" forName="TwoConn_1-2" refType="r" refFor="ch" refForName="TwoNodes_1"/>
+          <dgm:constr type="r" for="ch" forName="TwoNodes_1_text" refType="l" refFor="ch" refForName="TwoConn_1-2"/>
+          <dgm:constr type="rOff" for="ch" forName="TwoNodes_1_text" refType="w" refFor="ch" refForName="TwoConn_1-2" fact="-0.5"/>
+          <dgm:constr type="t" for="ch" forName="TwoNodes_1_text" refType="t" refFor="ch" refForName="TwoNodes_1"/>
+          <dgm:constr type="b" for="ch" forName="TwoNodes_1_text" refType="b" refFor="ch" refForName="TwoNodes_1"/>
+          <dgm:constr type="l" for="ch" forName="TwoNodes_1_text" refType="l" refFor="ch" refForName="TwoNodes_1"/>
+          <dgm:constr type="r" for="ch" forName="TwoNodes_2_text" refType="l" refFor="ch" refForName="TwoConn_1-2"/>
+          <dgm:constr type="t" for="ch" forName="TwoNodes_2_text" refType="t" refFor="ch" refForName="TwoNodes_2"/>
+          <dgm:constr type="b" for="ch" forName="TwoNodes_2_text" refType="b" refFor="ch" refForName="TwoNodes_2"/>
+          <dgm:constr type="l" for="ch" forName="TwoNodes_2_text" refType="l" refFor="ch" refForName="TwoNodes_2"/>
+          <dgm:constr type="w" for="ch" forName="ThreeNodes_1" refType="w" fact="0.85"/>
+          <dgm:constr type="h" for="ch" forName="ThreeNodes_1" refType="h" fact="0.3"/>
+          <dgm:constr type="t" for="ch" forName="ThreeNodes_1"/>
+          <dgm:constr type="l" for="ch" forName="ThreeNodes_1"/>
+          <dgm:constr type="w" for="ch" forName="ThreeNodes_2" refType="w" fact="0.85"/>
+          <dgm:constr type="h" for="ch" forName="ThreeNodes_2" refType="h" fact="0.3"/>
+          <dgm:constr type="ctrY" for="ch" forName="ThreeNodes_2" refType="h" fact="0.5"/>
+          <dgm:constr type="ctrX" for="ch" forName="ThreeNodes_2" refType="w" fact="0.5"/>
+          <dgm:constr type="w" for="ch" forName="ThreeNodes_3" refType="w" fact="0.85"/>
+          <dgm:constr type="h" for="ch" forName="ThreeNodes_3" refType="h" fact="0.3"/>
+          <dgm:constr type="b" for="ch" forName="ThreeNodes_3" refType="h"/>
+          <dgm:constr type="r" for="ch" forName="ThreeNodes_3" refType="w"/>
+          <dgm:constr type="w" for="ch" forName="ThreeConn_1-2" refType="h" refFor="ch" refForName="ThreeNodes_1" fact="0.65"/>
+          <dgm:constr type="h" for="ch" forName="ThreeConn_1-2" refType="h" refFor="ch" refForName="ThreeNodes_1" fact="0.65"/>
+          <dgm:constr type="ctrY" for="ch" forName="ThreeConn_1-2" refType="h" fact="0.325"/>
+          <dgm:constr type="r" for="ch" forName="ThreeConn_1-2" refType="r" refFor="ch" refForName="ThreeNodes_1"/>
+          <dgm:constr type="w" for="ch" forName="ThreeConn_2-3" refType="h" refFor="ch" refForName="ThreeNodes_2" fact="0.65"/>
+          <dgm:constr type="h" for="ch" forName="ThreeConn_2-3" refType="h" refFor="ch" refForName="ThreeNodes_2" fact="0.65"/>
+          <dgm:constr type="ctrY" for="ch" forName="ThreeConn_2-3" refType="h" fact="0.673"/>
+          <dgm:constr type="r" for="ch" forName="ThreeConn_2-3" refType="r" refFor="ch" refForName="ThreeNodes_2"/>
+          <dgm:constr type="r" for="ch" forName="ThreeNodes_1_text" refType="l" refFor="ch" refForName="ThreeConn_1-2"/>
+          <dgm:constr type="rOff" for="ch" forName="ThreeNodes_1_text" refType="w" refFor="ch" refForName="ThreeConn_1-2" fact="-0.57"/>
+          <dgm:constr type="t" for="ch" forName="ThreeNodes_1_text" refType="t" refFor="ch" refForName="ThreeNodes_1"/>
+          <dgm:constr type="b" for="ch" forName="ThreeNodes_1_text" refType="b" refFor="ch" refForName="ThreeNodes_1"/>
+          <dgm:constr type="l" for="ch" forName="ThreeNodes_1_text" refType="l" refFor="ch" refForName="ThreeNodes_1"/>
+          <dgm:constr type="r" for="ch" forName="ThreeNodes_2_text" refType="l" refFor="ch" refForName="ThreeConn_1-2"/>
+          <dgm:constr type="t" for="ch" forName="ThreeNodes_2_text" refType="t" refFor="ch" refForName="ThreeNodes_2"/>
+          <dgm:constr type="b" for="ch" forName="ThreeNodes_2_text" refType="b" refFor="ch" refForName="ThreeNodes_2"/>
+          <dgm:constr type="l" for="ch" forName="ThreeNodes_2_text" refType="l" refFor="ch" refForName="ThreeNodes_2"/>
+          <dgm:constr type="r" for="ch" forName="ThreeNodes_3_text" refType="l" refFor="ch" refForName="ThreeConn_2-3"/>
+          <dgm:constr type="t" for="ch" forName="ThreeNodes_3_text" refType="t" refFor="ch" refForName="ThreeNodes_3"/>
+          <dgm:constr type="b" for="ch" forName="ThreeNodes_3_text" refType="b" refFor="ch" refForName="ThreeNodes_3"/>
+          <dgm:constr type="l" for="ch" forName="ThreeNodes_3_text" refType="l" refFor="ch" refForName="ThreeNodes_3"/>
+          <dgm:constr type="w" for="ch" forName="FourNodes_1" refType="w" fact="0.8"/>
+          <dgm:constr type="h" for="ch" forName="FourNodes_1" refType="h" fact="0.22"/>
+          <dgm:constr type="t" for="ch" forName="FourNodes_1"/>
+          <dgm:constr type="l" for="ch" forName="FourNodes_1"/>
+          <dgm:constr type="w" for="ch" forName="FourNodes_2" refType="w" fact="0.8"/>
+          <dgm:constr type="h" for="ch" forName="FourNodes_2" refType="h" fact="0.22"/>
+          <dgm:constr type="ctrY" for="ch" forName="FourNodes_2" refType="h" fact="0.37"/>
+          <dgm:constr type="ctrX" for="ch" forName="FourNodes_2" refType="w" fact="0.467"/>
+          <dgm:constr type="w" for="ch" forName="FourNodes_3" refType="w" fact="0.8"/>
+          <dgm:constr type="h" for="ch" forName="FourNodes_3" refType="h" fact="0.22"/>
+          <dgm:constr type="ctrY" for="ch" forName="FourNodes_3" refType="h" fact="0.63"/>
+          <dgm:constr type="ctrX" for="ch" forName="FourNodes_3" refType="w" fact="0.533"/>
+          <dgm:constr type="w" for="ch" forName="FourNodes_4" refType="w" fact="0.8"/>
+          <dgm:constr type="h" for="ch" forName="FourNodes_4" refType="h" fact="0.22"/>
+          <dgm:constr type="b" for="ch" forName="FourNodes_4" refType="h"/>
+          <dgm:constr type="r" for="ch" forName="FourNodes_4" refType="w"/>
+          <dgm:constr type="w" for="ch" forName="FourConn_1-2" refType="h" refFor="ch" refForName="FourNodes_1" fact="0.65"/>
+          <dgm:constr type="h" for="ch" forName="FourConn_1-2" refType="h" refFor="ch" refForName="FourNodes_1" fact="0.65"/>
+          <dgm:constr type="ctrY" for="ch" forName="FourConn_1-2" refType="h" fact="0.24"/>
+          <dgm:constr type="r" for="ch" forName="FourConn_1-2" refType="r" refFor="ch" refForName="FourNodes_1"/>
+          <dgm:constr type="w" for="ch" forName="FourConn_2-3" refType="h" refFor="ch" refForName="FourNodes_2" fact="0.65"/>
+          <dgm:constr type="h" for="ch" forName="FourConn_2-3" refType="h" refFor="ch" refForName="FourNodes_2" fact="0.65"/>
+          <dgm:constr type="ctrY" for="ch" forName="FourConn_2-3" refType="h" fact="0.5"/>
+          <dgm:constr type="r" for="ch" forName="FourConn_2-3" refType="r" refFor="ch" refForName="FourNodes_2"/>
+          <dgm:constr type="w" for="ch" forName="FourConn_3-4" refType="h" refFor="ch" refForName="FourNodes_3" fact="0.65"/>
+          <dgm:constr type="h" for="ch" forName="FourConn_3-4" refType="h" refFor="ch" refForName="FourNodes_3" fact="0.65"/>
+          <dgm:constr type="ctrY" for="ch" forName="FourConn_3-4" refType="h" fact="0.76"/>
+          <dgm:constr type="r" for="ch" forName="FourConn_3-4" refType="r" refFor="ch" refForName="FourNodes_3"/>
+          <dgm:constr type="r" for="ch" forName="FourNodes_1_text" refType="l" refFor="ch" refForName="FourConn_1-2"/>
+          <dgm:constr type="rOff" for="ch" forName="FourNodes_1_text" refType="w" refFor="ch" refForName="FourConn_1-2" fact="-0.7"/>
+          <dgm:constr type="t" for="ch" forName="FourNodes_1_text" refType="t" refFor="ch" refForName="FourNodes_1"/>
+          <dgm:constr type="b" for="ch" forName="FourNodes_1_text" refType="b" refFor="ch" refForName="FourNodes_1"/>
+          <dgm:constr type="l" for="ch" forName="FourNodes_1_text" refType="l" refFor="ch" refForName="FourNodes_1"/>
+          <dgm:constr type="r" for="ch" forName="FourNodes_2_text" refType="l" refFor="ch" refForName="FourConn_1-2"/>
+          <dgm:constr type="t" for="ch" forName="FourNodes_2_text" refType="t" refFor="ch" refForName="FourNodes_2"/>
+          <dgm:constr type="b" for="ch" forName="FourNodes_2_text" refType="b" refFor="ch" refForName="FourNodes_2"/>
+          <dgm:constr type="l" for="ch" forName="FourNodes_2_text" refType="l" refFor="ch" refForName="FourNodes_2"/>
+          <dgm:constr type="r" for="ch" forName="FourNodes_3_text" refType="l" refFor="ch" refForName="FourConn_2-3"/>
+          <dgm:constr type="t" for="ch" forName="FourNodes_3_text" refType="t" refFor="ch" refForName="FourNodes_3"/>
+          <dgm:constr type="b" for="ch" forName="FourNodes_3_text" refType="b" refFor="ch" refForName="FourNodes_3"/>
+          <dgm:constr type="l" for="ch" forName="FourNodes_3_text" refType="l" refFor="ch" refForName="FourNodes_3"/>
+          <dgm:constr type="r" for="ch" forName="FourNodes_4_text" refType="l" refFor="ch" refForName="FourConn_3-4"/>
+          <dgm:constr type="t" for="ch" forName="FourNodes_4_text" refType="t" refFor="ch" refForName="FourNodes_4"/>
+          <dgm:constr type="b" for="ch" forName="FourNodes_4_text" refType="b" refFor="ch" refForName="FourNodes_4"/>
+          <dgm:constr type="l" for="ch" forName="FourNodes_4_text" refType="l" refFor="ch" refForName="FourNodes_4"/>
+          <dgm:constr type="w" for="ch" forName="FiveNodes_1" refType="w" fact="0.77"/>
+          <dgm:constr type="h" for="ch" forName="FiveNodes_1" refType="h" fact="0.18"/>
+          <dgm:constr type="t" for="ch" forName="FiveNodes_1"/>
+          <dgm:constr type="l" for="ch" forName="FiveNodes_1"/>
+          <dgm:constr type="w" for="ch" forName="FiveNodes_2" refType="w" fact="0.77"/>
+          <dgm:constr type="h" for="ch" forName="FiveNodes_2" refType="h" fact="0.18"/>
+          <dgm:constr type="ctrY" for="ch" forName="FiveNodes_2" refType="h" fact="0.295"/>
+          <dgm:constr type="ctrX" for="ch" forName="FiveNodes_2" refType="w" fact="0.4425"/>
+          <dgm:constr type="w" for="ch" forName="FiveNodes_3" refType="w" fact="0.77"/>
+          <dgm:constr type="h" for="ch" forName="FiveNodes_3" refType="h" fact="0.18"/>
+          <dgm:constr type="ctrY" for="ch" forName="FiveNodes_3" refType="h" fact="0.5"/>
+          <dgm:constr type="ctrX" for="ch" forName="FiveNodes_3" refType="w" fact="0.5"/>
+          <dgm:constr type="w" for="ch" forName="FiveNodes_4" refType="w" fact="0.77"/>
+          <dgm:constr type="h" for="ch" forName="FiveNodes_4" refType="h" fact="0.18"/>
+          <dgm:constr type="ctrY" for="ch" forName="FiveNodes_4" refType="h" fact="0.705"/>
+          <dgm:constr type="ctrX" for="ch" forName="FiveNodes_4" refType="w" fact="0.5575"/>
+          <dgm:constr type="w" for="ch" forName="FiveNodes_5" refType="w" fact="0.77"/>
+          <dgm:constr type="h" for="ch" forName="FiveNodes_5" refType="h" fact="0.18"/>
+          <dgm:constr type="b" for="ch" forName="FiveNodes_5" refType="h"/>
+          <dgm:constr type="r" for="ch" forName="FiveNodes_5" refType="w"/>
+          <dgm:constr type="w" for="ch" forName="FiveConn_1-2" refType="h" refFor="ch" refForName="FiveNodes_1" fact="0.65"/>
+          <dgm:constr type="h" for="ch" forName="FiveConn_1-2" refType="h" refFor="ch" refForName="FiveNodes_1" fact="0.65"/>
+          <dgm:constr type="ctrY" for="ch" forName="FiveConn_1-2" refType="h" fact="0.19"/>
+          <dgm:constr type="r" for="ch" forName="FiveConn_1-2" refType="r" refFor="ch" refForName="FiveNodes_1"/>
+          <dgm:constr type="w" for="ch" forName="FiveConn_2-3" refType="h" refFor="ch" refForName="FiveNodes_2" fact="0.65"/>
+          <dgm:constr type="h" for="ch" forName="FiveConn_2-3" refType="h" refFor="ch" refForName="FiveNodes_2" fact="0.65"/>
+          <dgm:constr type="ctrY" for="ch" forName="FiveConn_2-3" refType="h" fact="0.395"/>
+          <dgm:constr type="r" for="ch" forName="FiveConn_2-3" refType="r" refFor="ch" refForName="FiveNodes_2"/>
+          <dgm:constr type="w" for="ch" forName="FiveConn_3-4" refType="h" refFor="ch" refForName="FiveNodes_3" fact="0.65"/>
+          <dgm:constr type="h" for="ch" forName="FiveConn_3-4" refType="h" refFor="ch" refForName="FiveNodes_3" fact="0.65"/>
+          <dgm:constr type="ctrY" for="ch" forName="FiveConn_3-4" refType="h" fact="0.597"/>
+          <dgm:constr type="r" for="ch" forName="FiveConn_3-4" refType="r" refFor="ch" refForName="FiveNodes_3"/>
+          <dgm:constr type="w" for="ch" forName="FiveConn_4-5" refType="h" refFor="ch" refForName="FiveNodes_4" fact="0.65"/>
+          <dgm:constr type="h" for="ch" forName="FiveConn_4-5" refType="h" refFor="ch" refForName="FiveNodes_4" fact="0.65"/>
+          <dgm:constr type="ctrY" for="ch" forName="FiveConn_4-5" refType="h" fact="0.804"/>
+          <dgm:constr type="r" for="ch" forName="FiveConn_4-5" refType="r" refFor="ch" refForName="FiveNodes_4"/>
+          <dgm:constr type="r" for="ch" forName="FiveNodes_1_text" refType="l" refFor="ch" refForName="FiveConn_1-2"/>
+          <dgm:constr type="rOff" for="ch" forName="FiveNodes_1_text" refType="w" refFor="ch" refForName="FiveConn_1-2" fact="-0.75"/>
+          <dgm:constr type="t" for="ch" forName="FiveNodes_1_text" refType="t" refFor="ch" refForName="FiveNodes_1"/>
+          <dgm:constr type="b" for="ch" forName="FiveNodes_1_text" refType="b" refFor="ch" refForName="FiveNodes_1"/>
+          <dgm:constr type="l" for="ch" forName="FiveNodes_1_text" refType="l" refFor="ch" refForName="FiveNodes_1"/>
+          <dgm:constr type="r" for="ch" forName="FiveNodes_2_text" refType="l" refFor="ch" refForName="FiveConn_1-2"/>
+          <dgm:constr type="t" for="ch" forName="FiveNodes_2_text" refType="t" refFor="ch" refForName="FiveNodes_2"/>
+          <dgm:constr type="b" for="ch" forName="FiveNodes_2_text" refType="b" refFor="ch" refForName="FiveNodes_2"/>
+          <dgm:constr type="l" for="ch" forName="FiveNodes_2_text" refType="l" refFor="ch" refForName="FiveNodes_2"/>
+          <dgm:constr type="r" for="ch" forName="FiveNodes_3_text" refType="l" refFor="ch" refForName="FiveConn_2-3"/>
+          <dgm:constr type="t" for="ch" forName="FiveNodes_3_text" refType="t" refFor="ch" refForName="FiveNodes_3"/>
+          <dgm:constr type="b" for="ch" forName="FiveNodes_3_text" refType="b" refFor="ch" refForName="FiveNodes_3"/>
+          <dgm:constr type="l" for="ch" forName="FiveNodes_3_text" refType="l" refFor="ch" refForName="FiveNodes_3"/>
+          <dgm:constr type="r" for="ch" forName="FiveNodes_4_text" refType="l" refFor="ch" refForName="FiveConn_3-4"/>
+          <dgm:constr type="t" for="ch" forName="FiveNodes_4_text" refType="t" refFor="ch" refForName="FiveNodes_4"/>
+          <dgm:constr type="b" for="ch" forName="FiveNodes_4_text" refType="b" refFor="ch" refForName="FiveNodes_4"/>
+          <dgm:constr type="l" for="ch" forName="FiveNodes_4_text" refType="l" refFor="ch" refForName="FiveNodes_4"/>
+          <dgm:constr type="r" for="ch" forName="FiveNodes_5_text" refType="l" refFor="ch" refForName="FiveConn_4-5"/>
+          <dgm:constr type="t" for="ch" forName="FiveNodes_5_text" refType="t" refFor="ch" refForName="FiveNodes_5"/>
+          <dgm:constr type="b" for="ch" forName="FiveNodes_5_text" refType="b" refFor="ch" refForName="FiveNodes_5"/>
+          <dgm:constr type="l" for="ch" forName="FiveNodes_5_text" refType="l" refFor="ch" refForName="FiveNodes_5"/>
+        </dgm:constrLst>
+      </dgm:if>
+      <dgm:else name="Name2">
+        <dgm:constrLst>
+          <dgm:constr type="primFontSz" for="ch" ptType="node" op="equ" val="65"/>
+          <dgm:constr type="w" for="ch" forName="dummyMaxCanvas" refType="w"/>
+          <dgm:constr type="h" for="ch" forName="dummyMaxCanvas" refType="h"/>
+          <dgm:constr type="w" for="ch" forName="OneNode_1" refType="w"/>
+          <dgm:constr type="h" for="ch" forName="OneNode_1" refType="h" fact="0.5"/>
+          <dgm:constr type="ctrY" for="ch" forName="OneNode_1" refType="h" fact="0.5"/>
+          <dgm:constr type="w" for="ch" forName="TwoNodes_1" refType="w" fact="0.85"/>
+          <dgm:constr type="h" for="ch" forName="TwoNodes_1" refType="h" fact="0.45"/>
+          <dgm:constr type="t" for="ch" forName="TwoNodes_1"/>
+          <dgm:constr type="r" for="ch" forName="TwoNodes_1" refType="w"/>
+          <dgm:constr type="w" for="ch" forName="TwoNodes_2" refType="w" fact="0.85"/>
+          <dgm:constr type="h" for="ch" forName="TwoNodes_2" refType="h" fact="0.45"/>
+          <dgm:constr type="b" for="ch" forName="TwoNodes_2" refType="h"/>
+          <dgm:constr type="l" for="ch" forName="TwoNodes_2"/>
+          <dgm:constr type="w" for="ch" forName="TwoConn_1-2" refType="h" refFor="ch" refForName="TwoNodes_1" fact="0.65"/>
+          <dgm:constr type="h" for="ch" forName="TwoConn_1-2" refType="h" refFor="ch" refForName="TwoNodes_1" fact="0.65"/>
+          <dgm:constr type="ctrY" for="ch" forName="TwoConn_1-2" refType="h" fact="0.5"/>
+          <dgm:constr type="l" for="ch" forName="TwoConn_1-2" refType="l" refFor="ch" refForName="TwoNodes_1"/>
+          <dgm:constr type="l" for="ch" forName="TwoNodes_1_text" refType="r" refFor="ch" refForName="TwoConn_1-2"/>
+          <dgm:constr type="lOff" for="ch" forName="TwoNodes_1_text" refType="w" refFor="ch" refForName="TwoConn_1-2" fact="0.5"/>
+          <dgm:constr type="t" for="ch" forName="TwoNodes_1_text" refType="t" refFor="ch" refForName="TwoNodes_1"/>
+          <dgm:constr type="b" for="ch" forName="TwoNodes_1_text" refType="b" refFor="ch" refForName="TwoNodes_1"/>
+          <dgm:constr type="r" for="ch" forName="TwoNodes_1_text" refType="r" refFor="ch" refForName="TwoNodes_1"/>
+          <dgm:constr type="l" for="ch" forName="TwoNodes_2_text" refType="r" refFor="ch" refForName="TwoConn_1-2"/>
+          <dgm:constr type="t" for="ch" forName="TwoNodes_2_text" refType="t" refFor="ch" refForName="TwoNodes_2"/>
+          <dgm:constr type="b" for="ch" forName="TwoNodes_2_text" refType="b" refFor="ch" refForName="TwoNodes_2"/>
+          <dgm:constr type="r" for="ch" forName="TwoNodes_2_text" refType="r" refFor="ch" refForName="TwoNodes_2"/>
+          <dgm:constr type="w" for="ch" forName="ThreeNodes_1" refType="w" fact="0.85"/>
+          <dgm:constr type="h" for="ch" forName="ThreeNodes_1" refType="h" fact="0.3"/>
+          <dgm:constr type="t" for="ch" forName="ThreeNodes_1"/>
+          <dgm:constr type="r" for="ch" forName="ThreeNodes_1" refType="w"/>
+          <dgm:constr type="w" for="ch" forName="ThreeNodes_2" refType="w" fact="0.85"/>
+          <dgm:constr type="h" for="ch" forName="ThreeNodes_2" refType="h" fact="0.3"/>
+          <dgm:constr type="ctrY" for="ch" forName="ThreeNodes_2" refType="h" fact="0.5"/>
+          <dgm:constr type="ctrX" for="ch" forName="ThreeNodes_2" refType="w" fact="0.5"/>
+          <dgm:constr type="w" for="ch" forName="ThreeNodes_3" refType="w" fact="0.85"/>
+          <dgm:constr type="h" for="ch" forName="ThreeNodes_3" refType="h" fact="0.3"/>
+          <dgm:constr type="b" for="ch" forName="ThreeNodes_3" refType="h"/>
+          <dgm:constr type="l" for="ch" forName="ThreeNodes_3"/>
+          <dgm:constr type="w" for="ch" forName="ThreeConn_1-2" refType="h" refFor="ch" refForName="ThreeNodes_1" fact="0.65"/>
+          <dgm:constr type="h" for="ch" forName="ThreeConn_1-2" refType="h" refFor="ch" refForName="ThreeNodes_1" fact="0.65"/>
+          <dgm:constr type="ctrY" for="ch" forName="ThreeConn_1-2" refType="h" fact="0.325"/>
+          <dgm:constr type="l" for="ch" forName="ThreeConn_1-2" refType="l" refFor="ch" refForName="ThreeNodes_1"/>
+          <dgm:constr type="w" for="ch" forName="ThreeConn_2-3" refType="h" refFor="ch" refForName="ThreeNodes_2" fact="0.65"/>
+          <dgm:constr type="h" for="ch" forName="ThreeConn_2-3" refType="h" refFor="ch" refForName="ThreeNodes_2" fact="0.65"/>
+          <dgm:constr type="ctrY" for="ch" forName="ThreeConn_2-3" refType="h" fact="0.673"/>
+          <dgm:constr type="l" for="ch" forName="ThreeConn_2-3" refType="l" refFor="ch" refForName="ThreeNodes_2"/>
+          <dgm:constr type="l" for="ch" forName="ThreeNodes_1_text" refType="r" refFor="ch" refForName="ThreeConn_1-2"/>
+          <dgm:constr type="lOff" for="ch" forName="ThreeNodes_1_text" refType="w" refFor="ch" refForName="ThreeConn_1-2" fact="0.55"/>
+          <dgm:constr type="t" for="ch" forName="ThreeNodes_1_text" refType="t" refFor="ch" refForName="ThreeNodes_1"/>
+          <dgm:constr type="b" for="ch" forName="ThreeNodes_1_text" refType="b" refFor="ch" refForName="ThreeNodes_1"/>
+          <dgm:constr type="r" for="ch" forName="ThreeNodes_1_text" refType="r" refFor="ch" refForName="ThreeNodes_1"/>
+          <dgm:constr type="l" for="ch" forName="ThreeNodes_2_text" refType="r" refFor="ch" refForName="ThreeConn_1-2"/>
+          <dgm:constr type="t" for="ch" forName="ThreeNodes_2_text" refType="t" refFor="ch" refForName="ThreeNodes_2"/>
+          <dgm:constr type="b" for="ch" forName="ThreeNodes_2_text" refType="b" refFor="ch" refForName="ThreeNodes_2"/>
+          <dgm:constr type="r" for="ch" forName="ThreeNodes_2_text" refType="r" refFor="ch" refForName="ThreeNodes_2"/>
+          <dgm:constr type="l" for="ch" forName="ThreeNodes_3_text" refType="r" refFor="ch" refForName="ThreeConn_2-3"/>
+          <dgm:constr type="t" for="ch" forName="ThreeNodes_3_text" refType="t" refFor="ch" refForName="ThreeNodes_3"/>
+          <dgm:constr type="b" for="ch" forName="ThreeNodes_3_text" refType="b" refFor="ch" refForName="ThreeNodes_3"/>
+          <dgm:constr type="r" for="ch" forName="ThreeNodes_3_text" refType="r" refFor="ch" refForName="ThreeNodes_3"/>
+          <dgm:constr type="w" for="ch" forName="FourNodes_1" refType="w" fact="0.8"/>
+          <dgm:constr type="h" for="ch" forName="FourNodes_1" refType="h" fact="0.22"/>
+          <dgm:constr type="t" for="ch" forName="FourNodes_1"/>
+          <dgm:constr type="r" for="ch" forName="FourNodes_1" refType="w"/>
+          <dgm:constr type="w" for="ch" forName="FourNodes_2" refType="w" fact="0.8"/>
+          <dgm:constr type="h" for="ch" forName="FourNodes_2" refType="h" fact="0.22"/>
+          <dgm:constr type="ctrY" for="ch" forName="FourNodes_2" refType="h" fact="0.37"/>
+          <dgm:constr type="ctrX" for="ch" forName="FourNodes_2" refType="w" fact="0.533"/>
+          <dgm:constr type="w" for="ch" forName="FourNodes_3" refType="w" fact="0.8"/>
+          <dgm:constr type="h" for="ch" forName="FourNodes_3" refType="h" fact="0.22"/>
+          <dgm:constr type="ctrY" for="ch" forName="FourNodes_3" refType="h" fact="0.63"/>
+          <dgm:constr type="ctrX" for="ch" forName="FourNodes_3" refType="w" fact="0.467"/>
+          <dgm:constr type="w" for="ch" forName="FourNodes_4" refType="w" fact="0.8"/>
+          <dgm:constr type="h" for="ch" forName="FourNodes_4" refType="h" fact="0.22"/>
+          <dgm:constr type="b" for="ch" forName="FourNodes_4" refType="h"/>
+          <dgm:constr type="l" for="ch" forName="FourNodes_4"/>
+          <dgm:constr type="w" for="ch" forName="FourConn_1-2" refType="h" refFor="ch" refForName="FourNodes_1" fact="0.65"/>
+          <dgm:constr type="h" for="ch" forName="FourConn_1-2" refType="h" refFor="ch" refForName="FourNodes_1" fact="0.65"/>
+          <dgm:constr type="ctrY" for="ch" forName="FourConn_1-2" refType="h" fact="0.24"/>
+          <dgm:constr type="l" for="ch" forName="FourConn_1-2" refType="l" refFor="ch" refForName="FourNodes_1"/>
+          <dgm:constr type="w" for="ch" forName="FourConn_2-3" refType="h" refFor="ch" refForName="FourNodes_2" fact="0.65"/>
+          <dgm:constr type="h" for="ch" forName="FourConn_2-3" refType="h" refFor="ch" refForName="FourNodes_2" fact="0.65"/>
+          <dgm:constr type="ctrY" for="ch" forName="FourConn_2-3" refType="h" fact="0.5"/>
+          <dgm:constr type="l" for="ch" forName="FourConn_2-3" refType="l" refFor="ch" refForName="FourNodes_2"/>
+          <dgm:constr type="w" for="ch" forName="FourConn_3-4" refType="h" refFor="ch" refForName="FourNodes_3" fact="0.65"/>
+          <dgm:constr type="h" for="ch" forName="FourConn_3-4" refType="h" refFor="ch" refForName="FourNodes_3" fact="0.65"/>
+          <dgm:constr type="ctrY" for="ch" forName="FourConn_3-4" refType="h" fact="0.76"/>
+          <dgm:constr type="l" for="ch" forName="FourConn_3-4" refType="l" refFor="ch" refForName="FourNodes_3"/>
+          <dgm:constr type="l" for="ch" forName="FourNodes_1_text" refType="r" refFor="ch" refForName="FourConn_1-2"/>
+          <dgm:constr type="lOff" for="ch" forName="FourNodes_1_text" refType="w" refFor="ch" refForName="FourConn_1-2" fact="0.69"/>
+          <dgm:constr type="t" for="ch" forName="FourNodes_1_text" refType="t" refFor="ch" refForName="FourNodes_1"/>
+          <dgm:constr type="b" for="ch" forName="FourNodes_1_text" refType="b" refFor="ch" refForName="FourNodes_1"/>
+          <dgm:constr type="r" for="ch" forName="FourNodes_1_text" refType="r" refFor="ch" refForName="FourNodes_1"/>
+          <dgm:constr type="l" for="ch" forName="FourNodes_2_text" refType="r" refFor="ch" refForName="FourConn_1-2"/>
+          <dgm:constr type="t" for="ch" forName="FourNodes_2_text" refType="t" refFor="ch" refForName="FourNodes_2"/>
+          <dgm:constr type="b" for="ch" forName="FourNodes_2_text" refType="b" refFor="ch" refForName="FourNodes_2"/>
+          <dgm:constr type="r" for="ch" forName="FourNodes_2_text" refType="r" refFor="ch" refForName="FourNodes_2"/>
+          <dgm:constr type="l" for="ch" forName="FourNodes_3_text" refType="r" refFor="ch" refForName="FourConn_2-3"/>
+          <dgm:constr type="t" for="ch" forName="FourNodes_3_text" refType="t" refFor="ch" refForName="FourNodes_3"/>
+          <dgm:constr type="b" for="ch" forName="FourNodes_3_text" refType="b" refFor="ch" refForName="FourNodes_3"/>
+          <dgm:constr type="r" for="ch" forName="FourNodes_3_text" refType="r" refFor="ch" refForName="FourNodes_3"/>
+          <dgm:constr type="l" for="ch" forName="FourNodes_4_text" refType="r" refFor="ch" refForName="FourConn_3-4"/>
+          <dgm:constr type="t" for="ch" forName="FourNodes_4_text" refType="t" refFor="ch" refForName="FourNodes_4"/>
+          <dgm:constr type="b" for="ch" forName="FourNodes_4_text" refType="b" refFor="ch" refForName="FourNodes_4"/>
+          <dgm:constr type="r" for="ch" forName="FourNodes_4_text" refType="r" refFor="ch" refForName="FourNodes_4"/>
+          <dgm:constr type="w" for="ch" forName="FiveNodes_1" refType="w" fact="0.77"/>
+          <dgm:constr type="h" for="ch" forName="FiveNodes_1" refType="h" fact="0.18"/>
+          <dgm:constr type="t" for="ch" forName="FiveNodes_1"/>
+          <dgm:constr type="r" for="ch" forName="FiveNodes_1" refType="w"/>
+          <dgm:constr type="w" for="ch" forName="FiveNodes_2" refType="w" fact="0.77"/>
+          <dgm:constr type="h" for="ch" forName="FiveNodes_2" refType="h" fact="0.18"/>
+          <dgm:constr type="ctrY" for="ch" forName="FiveNodes_2" refType="h" fact="0.295"/>
+          <dgm:constr type="ctrX" for="ch" forName="FiveNodes_2" refType="w" fact="0.5575"/>
+          <dgm:constr type="w" for="ch" forName="FiveNodes_3" refType="w" fact="0.77"/>
+          <dgm:constr type="h" for="ch" forName="FiveNodes_3" refType="h" fact="0.18"/>
+          <dgm:constr type="ctrY" for="ch" forName="FiveNodes_3" refType="h" fact="0.5"/>
+          <dgm:constr type="ctrX" for="ch" forName="FiveNodes_3" refType="w" fact="0.5"/>
+          <dgm:constr type="w" for="ch" forName="FiveNodes_4" refType="w" fact="0.77"/>
+          <dgm:constr type="h" for="ch" forName="FiveNodes_4" refType="h" fact="0.18"/>
+          <dgm:constr type="ctrY" for="ch" forName="FiveNodes_4" refType="h" fact="0.705"/>
+          <dgm:constr type="ctrX" for="ch" forName="FiveNodes_4" refType="w" fact="0.4425"/>
+          <dgm:constr type="w" for="ch" forName="FiveNodes_5" refType="w" fact="0.77"/>
+          <dgm:constr type="h" for="ch" forName="FiveNodes_5" refType="h" fact="0.18"/>
+          <dgm:constr type="b" for="ch" forName="FiveNodes_5" refType="h"/>
+          <dgm:constr type="l" for="ch" forName="FiveNodes_5"/>
+          <dgm:constr type="w" for="ch" forName="FiveConn_1-2" refType="h" refFor="ch" refForName="FiveNodes_1" fact="0.65"/>
+          <dgm:constr type="h" for="ch" forName="FiveConn_1-2" refType="h" refFor="ch" refForName="FiveNodes_1" fact="0.65"/>
+          <dgm:constr type="ctrY" for="ch" forName="FiveConn_1-2" refType="h" fact="0.19"/>
+          <dgm:constr type="l" for="ch" forName="FiveConn_1-2" refType="l" refFor="ch" refForName="FiveNodes_1"/>
+          <dgm:constr type="w" for="ch" forName="FiveConn_2-3" refType="h" refFor="ch" refForName="FiveNodes_2" fact="0.65"/>
+          <dgm:constr type="h" for="ch" forName="FiveConn_2-3" refType="h" refFor="ch" refForName="FiveNodes_2" fact="0.65"/>
+          <dgm:constr type="ctrY" for="ch" forName="FiveConn_2-3" refType="h" fact="0.395"/>
+          <dgm:constr type="l" for="ch" forName="FiveConn_2-3" refType="l" refFor="ch" refForName="FiveNodes_2"/>
+          <dgm:constr type="w" for="ch" forName="FiveConn_3-4" refType="h" refFor="ch" refForName="FiveNodes_3" fact="0.65"/>
+          <dgm:constr type="h" for="ch" forName="FiveConn_3-4" refType="h" refFor="ch" refForName="FiveNodes_3" fact="0.65"/>
+          <dgm:constr type="ctrY" for="ch" forName="FiveConn_3-4" refType="h" fact="0.597"/>
+          <dgm:constr type="l" for="ch" forName="FiveConn_3-4" refType="l" refFor="ch" refForName="FiveNodes_3"/>
+          <dgm:constr type="w" for="ch" forName="FiveConn_4-5" refType="h" refFor="ch" refForName="FiveNodes_4" fact="0.65"/>
+          <dgm:constr type="h" for="ch" forName="FiveConn_4-5" refType="h" refFor="ch" refForName="FiveNodes_4" fact="0.65"/>
+          <dgm:constr type="ctrY" for="ch" forName="FiveConn_4-5" refType="h" fact="0.804"/>
+          <dgm:constr type="l" for="ch" forName="FiveConn_4-5" refType="l" refFor="ch" refForName="FiveNodes_4"/>
+          <dgm:constr type="l" for="ch" forName="FiveNodes_1_text" refType="r" refFor="ch" refForName="FiveConn_1-2"/>
+          <dgm:constr type="lOff" for="ch" forName="FiveNodes_1_text" refType="w" refFor="ch" refForName="FiveConn_1-2" fact="0.73"/>
+          <dgm:constr type="t" for="ch" forName="FiveNodes_1_text" refType="t" refFor="ch" refForName="FiveNodes_1"/>
+          <dgm:constr type="b" for="ch" forName="FiveNodes_1_text" refType="b" refFor="ch" refForName="FiveNodes_1"/>
+          <dgm:constr type="r" for="ch" forName="FiveNodes_1_text" refType="r" refFor="ch" refForName="FiveNodes_1"/>
+          <dgm:constr type="l" for="ch" forName="FiveNodes_2_text" refType="r" refFor="ch" refForName="FiveConn_1-2"/>
+          <dgm:constr type="t" for="ch" forName="FiveNodes_2_text" refType="t" refFor="ch" refForName="FiveNodes_2"/>
+          <dgm:constr type="b" for="ch" forName="FiveNodes_2_text" refType="b" refFor="ch" refForName="FiveNodes_2"/>
+          <dgm:constr type="r" for="ch" forName="FiveNodes_2_text" refType="r" refFor="ch" refForName="FiveNodes_2"/>
+          <dgm:constr type="l" for="ch" forName="FiveNodes_3_text" refType="r" refFor="ch" refForName="FiveConn_2-3"/>
+          <dgm:constr type="t" for="ch" forName="FiveNodes_3_text" refType="t" refFor="ch" refForName="FiveNodes_3"/>
+          <dgm:constr type="b" for="ch" forName="FiveNodes_3_text" refType="b" refFor="ch" refForName="FiveNodes_3"/>
+          <dgm:constr type="r" for="ch" forName="FiveNodes_3_text" refType="r" refFor="ch" refForName="FiveNodes_3"/>
+          <dgm:constr type="l" for="ch" forName="FiveNodes_4_text" refType="r" refFor="ch" refForName="FiveConn_3-4"/>
+          <dgm:constr type="t" for="ch" forName="FiveNodes_4_text" refType="t" refFor="ch" refForName="FiveNodes_4"/>
+          <dgm:constr type="b" for="ch" forName="FiveNodes_4_text" refType="b" refFor="ch" refForName="FiveNodes_4"/>
+          <dgm:constr type="r" for="ch" forName="FiveNodes_4_text" refType="r" refFor="ch" refForName="FiveNodes_4"/>
+          <dgm:constr type="l" for="ch" forName="FiveNodes_5_text" refType="r" refFor="ch" refForName="FiveConn_4-5"/>
+          <dgm:constr type="t" for="ch" forName="FiveNodes_5_text" refType="t" refFor="ch" refForName="FiveNodes_5"/>
+          <dgm:constr type="b" for="ch" forName="FiveNodes_5_text" refType="b" refFor="ch" refForName="FiveNodes_5"/>
+          <dgm:constr type="r" for="ch" forName="FiveNodes_5_text" refType="r" refFor="ch" refForName="FiveNodes_5"/>
+        </dgm:constrLst>
+      </dgm:else>
+    </dgm:choose>
+    <dgm:ruleLst/>
+    <dgm:layoutNode name="dummyMaxCanvas">
+      <dgm:varLst/>
+      <dgm:alg type="sp"/>
+      <dgm:shape xmlns:r="http://schemas.openxmlformats.org/officeDocument/2006/relationships" r:blip="">
+        <dgm:adjLst/>
+      </dgm:shape>
+      <dgm:presOf/>
+      <dgm:constrLst/>
+      <dgm:ruleLst/>
+    </dgm:layoutNode>
+    <dgm:choose name="Name3">
+      <dgm:if name="Name4" axis="ch" ptType="node" func="cnt" op="equ" val="1">
+        <dgm:layoutNode name="OneNode_1">
+          <dgm:varLst>
+            <dgm:bulletEnabled val="1"/>
+          </dgm:varLst>
+          <dgm:alg type="tx"/>
+          <dgm:shape xmlns:r="http://schemas.openxmlformats.org/officeDocument/2006/relationships" type="roundRect" r:blip="">
+            <dgm:adjLst>
+              <dgm:adj idx="1" val="0.1"/>
+            </dgm:adjLst>
+          </dgm:shape>
+          <dgm:presOf axis="ch desOrSelf" ptType="node node" st="1 1" cnt="1 0"/>
+          <dgm:constrLst>
+            <dgm:constr type="lMarg" refType="primFontSz" fact="0.3"/>
+            <dgm:constr type="rMarg" refType="primFontSz" fact="0.3"/>
+            <dgm:constr type="tMarg" refType="primFontSz" fact="0.3"/>
+            <dgm:constr type="bMarg" refType="primFontSz" fact="0.3"/>
+          </dgm:constrLst>
+          <dgm:ruleLst>
+            <dgm:rule type="primFontSz" val="5" fact="NaN" max="NaN"/>
+          </dgm:ruleLst>
+        </dgm:layoutNode>
+      </dgm:if>
+      <dgm:else name="Name5">
+        <dgm:choose name="Name6">
+          <dgm:if name="Name7" axis="ch" ptType="node" func="cnt" op="equ" val="2">
+            <dgm:layoutNode name="TwoNodes_1">
+              <dgm:varLst>
+                <dgm:bulletEnabled val="1"/>
+              </dgm:varLst>
+              <dgm:alg type="sp"/>
+              <dgm:shape xmlns:r="http://schemas.openxmlformats.org/officeDocument/2006/relationships" type="roundRect" r:blip="">
+                <dgm:adjLst>
+                  <dgm:adj idx="1" val="0.1"/>
+                </dgm:adjLst>
+              </dgm:shape>
+              <dgm:presOf axis="ch desOrSelf" ptType="node node" st="1 1" cnt="1 0"/>
+              <dgm:constrLst/>
+              <dgm:ruleLst/>
+            </dgm:layoutNode>
+            <dgm:layoutNode name="TwoNodes_2">
+              <dgm:varLst>
+                <dgm:bulletEnabled val="1"/>
+              </dgm:varLst>
+              <dgm:alg type="sp"/>
+              <dgm:shape xmlns:r="http://schemas.openxmlformats.org/officeDocument/2006/relationships" type="roundRect" r:blip="">
+                <dgm:adjLst>
+                  <dgm:adj idx="1" val="0.1"/>
+                </dgm:adjLst>
+              </dgm:shape>
+              <dgm:presOf axis="ch desOrSelf" ptType="node node" st="2 1" cnt="1 0"/>
+              <dgm:constrLst/>
+              <dgm:ruleLst/>
+            </dgm:layoutNode>
+            <dgm:layoutNode name="TwoConn_1-2" styleLbl="fgAccFollowNode1">
+              <dgm:varLst>
+                <dgm:bulletEnabled val="1"/>
+              </dgm:varLst>
+              <dgm:alg type="tx"/>
+              <dgm:shape xmlns:r="http://schemas.openxmlformats.org/officeDocument/2006/relationships" type="downArrow" r:blip="">
+                <dgm:adjLst>
+                  <dgm:adj idx="1" val="0.55"/>
+                  <dgm:adj idx="2" val="0.45"/>
+                </dgm:adjLst>
+              </dgm:shape>
+              <dgm:presOf axis="ch" ptType="sibTrans" cnt="1"/>
+              <dgm:constrLst>
+                <dgm:constr type="lMarg" refType="primFontSz" fact="0.1"/>
+                <dgm:constr type="rMarg" refType="primFontSz" fact="0.1"/>
+                <dgm:constr type="tMarg" refType="primFontSz" fact="0.1"/>
+                <dgm:constr type="bMarg" refType="primFontSz" fact="0.1"/>
+              </dgm:constrLst>
+              <dgm:ruleLst>
+                <dgm:rule type="primFontSz" val="5" fact="NaN" max="NaN"/>
+              </dgm:ruleLst>
+            </dgm:layoutNode>
+            <dgm:layoutNode name="TwoNodes_1_text">
+              <dgm:varLst>
+                <dgm:bulletEnabled val="1"/>
+              </dgm:varLst>
+              <dgm:alg type="tx">
+                <dgm:param type="parTxLTRAlign" val="l"/>
+                <dgm:param type="txAnchorVertCh" val="mid"/>
+              </dgm:alg>
+              <dgm:shape xmlns:r="http://schemas.openxmlformats.org/officeDocument/2006/relationships" type="roundRect" r:blip="" hideGeom="1">
+                <dgm:adjLst>
+                  <dgm:adj idx="1" val="0.1"/>
+                </dgm:adjLst>
+              </dgm:shape>
+              <dgm:presOf axis="ch desOrSelf" ptType="node node" st="1 1" cnt="1 0"/>
+              <dgm:constrLst>
+                <dgm:constr type="lMarg" refType="primFontSz" fact="0.3"/>
+                <dgm:constr type="rMarg" refType="primFontSz" fact="0.3"/>
+                <dgm:constr type="tMarg" refType="primFontSz" fact="0.3"/>
+                <dgm:constr type="bMarg" refType="primFontSz" fact="0.3"/>
+              </dgm:constrLst>
+              <dgm:ruleLst>
+                <dgm:rule type="primFontSz" val="5" fact="NaN" max="NaN"/>
+              </dgm:ruleLst>
+            </dgm:layoutNode>
+            <dgm:layoutNode name="TwoNodes_2_text">
+              <dgm:varLst>
+                <dgm:bulletEnabled val="1"/>
+              </dgm:varLst>
+              <dgm:alg type="tx">
+                <dgm:param type="parTxLTRAlign" val="l"/>
+                <dgm:param type="txAnchorVertCh" val="mid"/>
+              </dgm:alg>
+              <dgm:shape xmlns:r="http://schemas.openxmlformats.org/officeDocument/2006/relationships" type="roundRect" r:blip="" hideGeom="1">
+                <dgm:adjLst>
+                  <dgm:adj idx="1" val="0.1"/>
+                </dgm:adjLst>
+              </dgm:shape>
+              <dgm:presOf axis="ch desOrSelf" ptType="node node" st="2 1" cnt="1 0"/>
+              <dgm:constrLst>
+                <dgm:constr type="lMarg" refType="primFontSz" fact="0.3"/>
+                <dgm:constr type="rMarg" refType="primFontSz" fact="0.3"/>
+                <dgm:constr type="tMarg" refType="primFontSz" fact="0.3"/>
+                <dgm:constr type="bMarg" refType="primFontSz" fact="0.3"/>
+              </dgm:constrLst>
+              <dgm:ruleLst>
+                <dgm:rule type="primFontSz" val="5" fact="NaN" max="NaN"/>
+              </dgm:ruleLst>
+            </dgm:layoutNode>
+          </dgm:if>
+          <dgm:else name="Name8">
+            <dgm:choose name="Name9">
+              <dgm:if name="Name10" axis="ch" ptType="node" func="cnt" op="equ" val="3">
+                <dgm:layoutNode name="ThreeNodes_1">
+                  <dgm:varLst>
+                    <dgm:bulletEnabled val="1"/>
+                  </dgm:varLst>
+                  <dgm:alg type="sp"/>
+                  <dgm:shape xmlns:r="http://schemas.openxmlformats.org/officeDocument/2006/relationships" type="roundRect" r:blip="">
+                    <dgm:adjLst>
+                      <dgm:adj idx="1" val="0.1"/>
+                    </dgm:adjLst>
+                  </dgm:shape>
+                  <dgm:presOf axis="ch desOrSelf" ptType="node node" st="1 1" cnt="1 0"/>
+                  <dgm:constrLst/>
+                  <dgm:ruleLst/>
+                </dgm:layoutNode>
+                <dgm:layoutNode name="ThreeNodes_2">
+                  <dgm:varLst>
+                    <dgm:bulletEnabled val="1"/>
+                  </dgm:varLst>
+                  <dgm:alg type="sp"/>
+                  <dgm:shape xmlns:r="http://schemas.openxmlformats.org/officeDocument/2006/relationships" type="roundRect" r:blip="">
+                    <dgm:adjLst>
+                      <dgm:adj idx="1" val="0.1"/>
+                    </dgm:adjLst>
+                  </dgm:shape>
+                  <dgm:presOf axis="ch desOrSelf" ptType="node node" st="2 1" cnt="1 0"/>
+                  <dgm:constrLst/>
+                  <dgm:ruleLst/>
+                </dgm:layoutNode>
+                <dgm:layoutNode name="ThreeNodes_3">
+                  <dgm:varLst>
+                    <dgm:bulletEnabled val="1"/>
+                  </dgm:varLst>
+                  <dgm:alg type="sp"/>
+                  <dgm:shape xmlns:r="http://schemas.openxmlformats.org/officeDocument/2006/relationships" type="roundRect" r:blip="">
+                    <dgm:adjLst>
+                      <dgm:adj idx="1" val="0.1"/>
+                    </dgm:adjLst>
+                  </dgm:shape>
+                  <dgm:presOf axis="ch desOrSelf" ptType="node node" st="3 1" cnt="1 0"/>
+                  <dgm:constrLst/>
+                  <dgm:ruleLst/>
+                </dgm:layoutNode>
+                <dgm:layoutNode name="ThreeConn_1-2" styleLbl="fgAccFollowNode1">
+                  <dgm:varLst>
+                    <dgm:bulletEnabled val="1"/>
+                  </dgm:varLst>
+                  <dgm:alg type="tx"/>
+                  <dgm:shape xmlns:r="http://schemas.openxmlformats.org/officeDocument/2006/relationships" type="downArrow" r:blip="">
+                    <dgm:adjLst>
+                      <dgm:adj idx="1" val="0.55"/>
+                      <dgm:adj idx="2" val="0.45"/>
+                    </dgm:adjLst>
+                  </dgm:shape>
+                  <dgm:presOf axis="ch" ptType="sibTrans" cnt="1"/>
+                  <dgm:constrLst>
+                    <dgm:constr type="lMarg" refType="primFontSz" fact="0.1"/>
+                    <dgm:constr type="rMarg" refType="primFontSz" fact="0.1"/>
+                    <dgm:constr type="tMarg" refType="primFontSz" fact="0.1"/>
+                    <dgm:constr type="bMarg" refType="primFontSz" fact="0.1"/>
+                  </dgm:constrLst>
+                  <dgm:ruleLst>
+                    <dgm:rule type="primFontSz" val="5" fact="NaN" max="NaN"/>
+                  </dgm:ruleLst>
+                </dgm:layoutNode>
+                <dgm:layoutNode name="ThreeConn_2-3" styleLbl="fgAccFollowNode1">
+                  <dgm:varLst>
+                    <dgm:bulletEnabled val="1"/>
+                  </dgm:varLst>
+                  <dgm:alg type="tx"/>
+                  <dgm:shape xmlns:r="http://schemas.openxmlformats.org/officeDocument/2006/relationships" type="downArrow" r:blip="">
+                    <dgm:adjLst>
+                      <dgm:adj idx="1" val="0.55"/>
+                      <dgm:adj idx="2" val="0.45"/>
+                    </dgm:adjLst>
+                  </dgm:shape>
+                  <dgm:presOf axis="ch" ptType="sibTrans" st="2" cnt="1"/>
+                  <dgm:constrLst>
+                    <dgm:constr type="lMarg" refType="primFontSz" fact="0.1"/>
+                    <dgm:constr type="rMarg" refType="primFontSz" fact="0.1"/>
+                    <dgm:constr type="tMarg" refType="primFontSz" fact="0.1"/>
+                    <dgm:constr type="bMarg" refType="primFontSz" fact="0.1"/>
+                  </dgm:constrLst>
+                  <dgm:ruleLst>
+                    <dgm:rule type="primFontSz" val="5" fact="NaN" max="NaN"/>
+                  </dgm:ruleLst>
+                </dgm:layoutNode>
+                <dgm:layoutNode name="ThreeNodes_1_text">
+                  <dgm:varLst>
+                    <dgm:bulletEnabled val="1"/>
+                  </dgm:varLst>
+                  <dgm:alg type="tx">
+                    <dgm:param type="parTxLTRAlign" val="l"/>
+                    <dgm:param type="txAnchorVertCh" val="mid"/>
+                  </dgm:alg>
+                  <dgm:shape xmlns:r="http://schemas.openxmlformats.org/officeDocument/2006/relationships" type="roundRect" r:blip="" hideGeom="1">
+                    <dgm:adjLst>
+                      <dgm:adj idx="1" val="0.1"/>
+                    </dgm:adjLst>
+                  </dgm:shape>
+                  <dgm:presOf axis="ch desOrSelf" ptType="node node" st="1 1" cnt="1 0"/>
+                  <dgm:constrLst>
+                    <dgm:constr type="lMarg" refType="primFontSz" fact="0.3"/>
+                    <dgm:constr type="rMarg" refType="primFontSz" fact="0.3"/>
+                    <dgm:constr type="tMarg" refType="primFontSz" fact="0.3"/>
+                    <dgm:constr type="bMarg" refType="primFontSz" fact="0.3"/>
+                  </dgm:constrLst>
+                  <dgm:ruleLst>
+                    <dgm:rule type="primFontSz" val="5" fact="NaN" max="NaN"/>
+                  </dgm:ruleLst>
+                </dgm:layoutNode>
+                <dgm:layoutNode name="ThreeNodes_2_text">
+                  <dgm:varLst>
+                    <dgm:bulletEnabled val="1"/>
+                  </dgm:varLst>
+                  <dgm:alg type="tx">
+                    <dgm:param type="parTxLTRAlign" val="l"/>
+                    <dgm:param type="txAnchorVertCh" val="mid"/>
+                  </dgm:alg>
+                  <dgm:shape xmlns:r="http://schemas.openxmlformats.org/officeDocument/2006/relationships" type="roundRect" r:blip="" hideGeom="1">
+                    <dgm:adjLst>
+                      <dgm:adj idx="1" val="0.1"/>
+                    </dgm:adjLst>
+                  </dgm:shape>
+                  <dgm:presOf axis="ch desOrSelf" ptType="node node" st="2 1" cnt="1 0"/>
+                  <dgm:constrLst>
+                    <dgm:constr type="lMarg" refType="primFontSz" fact="0.3"/>
+                    <dgm:constr type="rMarg" refType="primFontSz" fact="0.3"/>
+                    <dgm:constr type="tMarg" refType="primFontSz" fact="0.3"/>
+                    <dgm:constr type="bMarg" refType="primFontSz" fact="0.3"/>
+                  </dgm:constrLst>
+                  <dgm:ruleLst>
+                    <dgm:rule type="primFontSz" val="5" fact="NaN" max="NaN"/>
+                  </dgm:ruleLst>
+                </dgm:layoutNode>
+                <dgm:layoutNode name="ThreeNodes_3_text">
+                  <dgm:varLst>
+                    <dgm:bulletEnabled val="1"/>
+                  </dgm:varLst>
+                  <dgm:alg type="tx">
+                    <dgm:param type="parTxLTRAlign" val="l"/>
+                    <dgm:param type="txAnchorVertCh" val="mid"/>
+                  </dgm:alg>
+                  <dgm:shape xmlns:r="http://schemas.openxmlformats.org/officeDocument/2006/relationships" type="roundRect" r:blip="" hideGeom="1">
+                    <dgm:adjLst>
+                      <dgm:adj idx="1" val="0.1"/>
+                    </dgm:adjLst>
+                  </dgm:shape>
+                  <dgm:presOf axis="ch desOrSelf" ptType="node node" st="3 1" cnt="1 0"/>
+                  <dgm:constrLst>
+                    <dgm:constr type="lMarg" refType="primFontSz" fact="0.3"/>
+                    <dgm:constr type="rMarg" refType="primFontSz" fact="0.3"/>
+                    <dgm:constr type="tMarg" refType="primFontSz" fact="0.3"/>
+                    <dgm:constr type="bMarg" refType="primFontSz" fact="0.3"/>
+                  </dgm:constrLst>
+                  <dgm:ruleLst>
+                    <dgm:rule type="primFontSz" val="5" fact="NaN" max="NaN"/>
+                  </dgm:ruleLst>
+                </dgm:layoutNode>
+              </dgm:if>
+              <dgm:else name="Name11">
+                <dgm:choose name="Name12">
+                  <dgm:if name="Name13" axis="ch" ptType="node" func="cnt" op="equ" val="4">
+                    <dgm:layoutNode name="FourNodes_1">
+                      <dgm:varLst>
+                        <dgm:bulletEnabled val="1"/>
+                      </dgm:varLst>
+                      <dgm:alg type="sp"/>
+                      <dgm:shape xmlns:r="http://schemas.openxmlformats.org/officeDocument/2006/relationships" type="roundRect" r:blip="">
+                        <dgm:adjLst>
+                          <dgm:adj idx="1" val="0.1"/>
+                        </dgm:adjLst>
+                      </dgm:shape>
+                      <dgm:presOf axis="ch desOrSelf" ptType="node node" st="1 1" cnt="1 0"/>
+                      <dgm:constrLst/>
+                      <dgm:ruleLst/>
+                    </dgm:layoutNode>
+                    <dgm:layoutNode name="FourNodes_2">
+                      <dgm:varLst>
+                        <dgm:bulletEnabled val="1"/>
+                      </dgm:varLst>
+                      <dgm:alg type="sp"/>
+                      <dgm:shape xmlns:r="http://schemas.openxmlformats.org/officeDocument/2006/relationships" type="roundRect" r:blip="">
+                        <dgm:adjLst>
+                          <dgm:adj idx="1" val="0.1"/>
+                        </dgm:adjLst>
+                      </dgm:shape>
+                      <dgm:presOf axis="ch desOrSelf" ptType="node node" st="2 1" cnt="1 0"/>
+                      <dgm:constrLst/>
+                      <dgm:ruleLst/>
+                    </dgm:layoutNode>
+                    <dgm:layoutNode name="FourNodes_3">
+                      <dgm:varLst>
+                        <dgm:bulletEnabled val="1"/>
+                      </dgm:varLst>
+                      <dgm:alg type="sp"/>
+                      <dgm:shape xmlns:r="http://schemas.openxmlformats.org/officeDocument/2006/relationships" type="roundRect" r:blip="">
+                        <dgm:adjLst>
+                          <dgm:adj idx="1" val="0.1"/>
+                        </dgm:adjLst>
+                      </dgm:shape>
+                      <dgm:presOf axis="ch desOrSelf" ptType="node node" st="3 1" cnt="1 0"/>
+                      <dgm:constrLst/>
+                      <dgm:ruleLst/>
+                    </dgm:layoutNode>
+                    <dgm:layoutNode name="FourNodes_4">
+                      <dgm:varLst>
+                        <dgm:bulletEnabled val="1"/>
+                      </dgm:varLst>
+                      <dgm:alg type="sp"/>
+                      <dgm:shape xmlns:r="http://schemas.openxmlformats.org/officeDocument/2006/relationships" type="roundRect" r:blip="">
+                        <dgm:adjLst>
+                          <dgm:adj idx="1" val="0.1"/>
+                        </dgm:adjLst>
+                      </dgm:shape>
+                      <dgm:presOf axis="ch desOrSelf" ptType="node node" st="4 1" cnt="1 0"/>
+                      <dgm:constrLst/>
+                      <dgm:ruleLst/>
+                    </dgm:layoutNode>
+                    <dgm:layoutNode name="FourConn_1-2" styleLbl="fgAccFollowNode1">
+                      <dgm:varLst>
+                        <dgm:bulletEnabled val="1"/>
+                      </dgm:varLst>
+                      <dgm:alg type="tx"/>
+                      <dgm:shape xmlns:r="http://schemas.openxmlformats.org/officeDocument/2006/relationships" type="downArrow" r:blip="">
+                        <dgm:adjLst>
+                          <dgm:adj idx="1" val="0.55"/>
+                          <dgm:adj idx="2" val="0.45"/>
+                        </dgm:adjLst>
+                      </dgm:shape>
+                      <dgm:presOf axis="ch" ptType="sibTrans" cnt="1"/>
+                      <dgm:constrLst>
+                        <dgm:constr type="lMarg" refType="primFontSz" fact="0.1"/>
+                        <dgm:constr type="rMarg" refType="primFontSz" fact="0.1"/>
+                        <dgm:constr type="tMarg" refType="primFontSz" fact="0.1"/>
+                        <dgm:constr type="bMarg" refType="primFontSz" fact="0.1"/>
+                      </dgm:constrLst>
+                      <dgm:ruleLst>
+                        <dgm:rule type="primFontSz" val="5" fact="NaN" max="NaN"/>
+                      </dgm:ruleLst>
+                    </dgm:layoutNode>
+                    <dgm:layoutNode name="FourConn_2-3" styleLbl="fgAccFollowNode1">
+                      <dgm:varLst>
+                        <dgm:bulletEnabled val="1"/>
+                      </dgm:varLst>
+                      <dgm:alg type="tx"/>
+                      <dgm:shape xmlns:r="http://schemas.openxmlformats.org/officeDocument/2006/relationships" type="downArrow" r:blip="">
+                        <dgm:adjLst>
+                          <dgm:adj idx="1" val="0.55"/>
+                          <dgm:adj idx="2" val="0.45"/>
+                        </dgm:adjLst>
+                      </dgm:shape>
+                      <dgm:presOf axis="ch" ptType="sibTrans" st="2" cnt="1"/>
+                      <dgm:constrLst>
+                        <dgm:constr type="lMarg" refType="primFontSz" fact="0.1"/>
+                        <dgm:constr type="rMarg" refType="primFontSz" fact="0.1"/>
+                        <dgm:constr type="tMarg" refType="primFontSz" fact="0.1"/>
+                        <dgm:constr type="bMarg" refType="primFontSz" fact="0.1"/>
+                      </dgm:constrLst>
+                      <dgm:ruleLst>
+                        <dgm:rule type="primFontSz" val="5" fact="NaN" max="NaN"/>
+                      </dgm:ruleLst>
+                    </dgm:layoutNode>
+                    <dgm:layoutNode name="FourConn_3-4" styleLbl="fgAccFollowNode1">
+                      <dgm:varLst>
+                        <dgm:bulletEnabled val="1"/>
+                      </dgm:varLst>
+                      <dgm:alg type="tx"/>
+                      <dgm:shape xmlns:r="http://schemas.openxmlformats.org/officeDocument/2006/relationships" type="downArrow" r:blip="">
+                        <dgm:adjLst>
+                          <dgm:adj idx="1" val="0.55"/>
+                          <dgm:adj idx="2" val="0.45"/>
+                        </dgm:adjLst>
+                      </dgm:shape>
+                      <dgm:presOf axis="ch" ptType="sibTrans" st="3" cnt="1"/>
+                      <dgm:constrLst>
+                        <dgm:constr type="lMarg" refType="primFontSz" fact="0.1"/>
+                        <dgm:constr type="rMarg" refType="primFontSz" fact="0.1"/>
+                        <dgm:constr type="tMarg" refType="primFontSz" fact="0.1"/>
+                        <dgm:constr type="bMarg" refType="primFontSz" fact="0.1"/>
+                      </dgm:constrLst>
+                      <dgm:ruleLst>
+                        <dgm:rule type="primFontSz" val="5" fact="NaN" max="NaN"/>
+                      </dgm:ruleLst>
+                    </dgm:layoutNode>
+                    <dgm:layoutNode name="FourNodes_1_text">
+                      <dgm:varLst>
+                        <dgm:bulletEnabled val="1"/>
+                      </dgm:varLst>
+                      <dgm:alg type="tx">
+                        <dgm:param type="parTxLTRAlign" val="l"/>
+                        <dgm:param type="txAnchorVertCh" val="mid"/>
+                      </dgm:alg>
+                      <dgm:shape xmlns:r="http://schemas.openxmlformats.org/officeDocument/2006/relationships" type="roundRect" r:blip="" hideGeom="1">
+                        <dgm:adjLst>
+                          <dgm:adj idx="1" val="0.1"/>
+                        </dgm:adjLst>
+                      </dgm:shape>
+                      <dgm:presOf axis="ch desOrSelf" ptType="node node" st="1 1" cnt="1 0"/>
+                      <dgm:constrLst>
+                        <dgm:constr type="lMarg" refType="primFontSz" fact="0.3"/>
+                        <dgm:constr type="rMarg" refType="primFontSz" fact="0.3"/>
+                        <dgm:constr type="tMarg" refType="primFontSz" fact="0.3"/>
+                        <dgm:constr type="bMarg" refType="primFontSz" fact="0.3"/>
+                      </dgm:constrLst>
+                      <dgm:ruleLst>
+                        <dgm:rule type="primFontSz" val="5" fact="NaN" max="NaN"/>
+                      </dgm:ruleLst>
+                    </dgm:layoutNode>
+                    <dgm:layoutNode name="FourNodes_2_text">
+                      <dgm:varLst>
+                        <dgm:bulletEnabled val="1"/>
+                      </dgm:varLst>
+                      <dgm:alg type="tx">
+                        <dgm:param type="parTxLTRAlign" val="l"/>
+                        <dgm:param type="txAnchorVertCh" val="mid"/>
+                      </dgm:alg>
+                      <dgm:shape xmlns:r="http://schemas.openxmlformats.org/officeDocument/2006/relationships" type="roundRect" r:blip="" hideGeom="1">
+                        <dgm:adjLst>
+                          <dgm:adj idx="1" val="0.1"/>
+                        </dgm:adjLst>
+                      </dgm:shape>
+                      <dgm:presOf axis="ch desOrSelf" ptType="node node" st="2 1" cnt="1 0"/>
+                      <dgm:constrLst>
+                        <dgm:constr type="lMarg" refType="primFontSz" fact="0.3"/>
+                        <dgm:constr type="rMarg" refType="primFontSz" fact="0.3"/>
+                        <dgm:constr type="tMarg" refType="primFontSz" fact="0.3"/>
+                        <dgm:constr type="bMarg" refType="primFontSz" fact="0.3"/>
+                      </dgm:constrLst>
+                      <dgm:ruleLst>
+                        <dgm:rule type="primFontSz" val="5" fact="NaN" max="NaN"/>
+                      </dgm:ruleLst>
+                    </dgm:layoutNode>
+                    <dgm:layoutNode name="FourNodes_3_text">
+                      <dgm:varLst>
+                        <dgm:bulletEnabled val="1"/>
+                      </dgm:varLst>
+                      <dgm:alg type="tx">
+                        <dgm:param type="parTxLTRAlign" val="l"/>
+                        <dgm:param type="txAnchorVertCh" val="mid"/>
+                      </dgm:alg>
+                      <dgm:shape xmlns:r="http://schemas.openxmlformats.org/officeDocument/2006/relationships" type="roundRect" r:blip="" hideGeom="1">
+                        <dgm:adjLst>
+                          <dgm:adj idx="1" val="0.1"/>
+                        </dgm:adjLst>
+                      </dgm:shape>
+                      <dgm:presOf axis="ch desOrSelf" ptType="node node" st="3 1" cnt="1 0"/>
+                      <dgm:constrLst>
+                        <dgm:constr type="lMarg" refType="primFontSz" fact="0.3"/>
+                        <dgm:constr type="rMarg" refType="primFontSz" fact="0.3"/>
+                        <dgm:constr type="tMarg" refType="primFontSz" fact="0.3"/>
+                        <dgm:constr type="bMarg" refType="primFontSz" fact="0.3"/>
+                      </dgm:constrLst>
+                      <dgm:ruleLst>
+                        <dgm:rule type="primFontSz" val="5" fact="NaN" max="NaN"/>
+                      </dgm:ruleLst>
+                    </dgm:layoutNode>
+                    <dgm:layoutNode name="FourNodes_4_text">
+                      <dgm:varLst>
+                        <dgm:bulletEnabled val="1"/>
+                      </dgm:varLst>
+                      <dgm:alg type="tx">
+                        <dgm:param type="parTxLTRAlign" val="l"/>
+                        <dgm:param type="txAnchorVertCh" val="mid"/>
+                      </dgm:alg>
+                      <dgm:shape xmlns:r="http://schemas.openxmlformats.org/officeDocument/2006/relationships" type="roundRect" r:blip="" hideGeom="1">
+                        <dgm:adjLst>
+                          <dgm:adj idx="1" val="0.1"/>
+                        </dgm:adjLst>
+                      </dgm:shape>
+                      <dgm:presOf axis="ch desOrSelf" ptType="node node" st="4 1" cnt="1 0"/>
+                      <dgm:constrLst>
+                        <dgm:constr type="lMarg" refType="primFontSz" fact="0.3"/>
+                        <dgm:constr type="rMarg" refType="primFontSz" fact="0.3"/>
+                        <dgm:constr type="tMarg" refType="primFontSz" fact="0.3"/>
+                        <dgm:constr type="bMarg" refType="primFontSz" fact="0.3"/>
+                      </dgm:constrLst>
+                      <dgm:ruleLst>
+                        <dgm:rule type="primFontSz" val="5" fact="NaN" max="NaN"/>
+                      </dgm:ruleLst>
+                    </dgm:layoutNode>
+                  </dgm:if>
+                  <dgm:else name="Name14">
+                    <dgm:choose name="Name15">
+                      <dgm:if name="Name16" axis="ch" ptType="node" func="cnt" op="gte" val="5">
+                        <dgm:layoutNode name="FiveNodes_1">
+                          <dgm:varLst>
+                            <dgm:bulletEnabled val="1"/>
+                          </dgm:varLst>
+                          <dgm:alg type="sp"/>
+                          <dgm:shape xmlns:r="http://schemas.openxmlformats.org/officeDocument/2006/relationships" type="roundRect" r:blip="">
+                            <dgm:adjLst>
+                              <dgm:adj idx="1" val="0.1"/>
+                            </dgm:adjLst>
+                          </dgm:shape>
+                          <dgm:presOf axis="ch desOrSelf" ptType="node node" st="1 1" cnt="1 0"/>
+                          <dgm:constrLst/>
+                          <dgm:ruleLst/>
+                        </dgm:layoutNode>
+                        <dgm:layoutNode name="FiveNodes_2">
+                          <dgm:varLst>
+                            <dgm:bulletEnabled val="1"/>
+                          </dgm:varLst>
+                          <dgm:alg type="sp"/>
+                          <dgm:shape xmlns:r="http://schemas.openxmlformats.org/officeDocument/2006/relationships" type="roundRect" r:blip="">
+                            <dgm:adjLst>
+                              <dgm:adj idx="1" val="0.1"/>
+                            </dgm:adjLst>
+                          </dgm:shape>
+                          <dgm:presOf axis="ch desOrSelf" ptType="node node" st="2 1" cnt="1 0"/>
+                          <dgm:constrLst/>
+                          <dgm:ruleLst/>
+                        </dgm:layoutNode>
+                        <dgm:layoutNode name="FiveNodes_3">
+                          <dgm:varLst>
+                            <dgm:bulletEnabled val="1"/>
+                          </dgm:varLst>
+                          <dgm:alg type="sp"/>
+                          <dgm:shape xmlns:r="http://schemas.openxmlformats.org/officeDocument/2006/relationships" type="roundRect" r:blip="">
+                            <dgm:adjLst>
+                              <dgm:adj idx="1" val="0.1"/>
+                            </dgm:adjLst>
+                          </dgm:shape>
+                          <dgm:presOf axis="ch desOrSelf" ptType="node node" st="3 1" cnt="1 0"/>
+                          <dgm:constrLst/>
+                          <dgm:ruleLst/>
+                        </dgm:layoutNode>
+                        <dgm:layoutNode name="FiveNodes_4">
+                          <dgm:varLst>
+                            <dgm:bulletEnabled val="1"/>
+                          </dgm:varLst>
+                          <dgm:alg type="sp"/>
+                          <dgm:shape xmlns:r="http://schemas.openxmlformats.org/officeDocument/2006/relationships" type="roundRect" r:blip="">
+                            <dgm:adjLst>
+                              <dgm:adj idx="1" val="0.1"/>
+                            </dgm:adjLst>
+                          </dgm:shape>
+                          <dgm:presOf axis="ch desOrSelf" ptType="node node" st="4 1" cnt="1 0"/>
+                          <dgm:constrLst/>
+                          <dgm:ruleLst/>
+                        </dgm:layoutNode>
+                        <dgm:layoutNode name="FiveNodes_5">
+                          <dgm:varLst>
+                            <dgm:bulletEnabled val="1"/>
+                          </dgm:varLst>
+                          <dgm:alg type="sp"/>
+                          <dgm:shape xmlns:r="http://schemas.openxmlformats.org/officeDocument/2006/relationships" type="roundRect" r:blip="">
+                            <dgm:adjLst>
+                              <dgm:adj idx="1" val="0.1"/>
+                            </dgm:adjLst>
+                          </dgm:shape>
+                          <dgm:presOf axis="ch desOrSelf" ptType="node node" st="5 1" cnt="1 0"/>
+                          <dgm:constrLst/>
+                          <dgm:ruleLst/>
+                        </dgm:layoutNode>
+                        <dgm:layoutNode name="FiveConn_1-2" styleLbl="fgAccFollowNode1">
+                          <dgm:varLst>
+                            <dgm:bulletEnabled val="1"/>
+                          </dgm:varLst>
+                          <dgm:alg type="tx"/>
+                          <dgm:shape xmlns:r="http://schemas.openxmlformats.org/officeDocument/2006/relationships" type="downArrow" r:blip="">
+                            <dgm:adjLst>
+                              <dgm:adj idx="1" val="0.55"/>
+                              <dgm:adj idx="2" val="0.45"/>
+                            </dgm:adjLst>
+                          </dgm:shape>
+                          <dgm:presOf axis="ch" ptType="sibTrans" cnt="1"/>
+                          <dgm:constrLst>
+                            <dgm:constr type="lMarg" refType="primFontSz" fact="0.1"/>
+                            <dgm:constr type="rMarg" refType="primFontSz" fact="0.1"/>
+                            <dgm:constr type="tMarg" refType="primFontSz" fact="0.1"/>
+                            <dgm:constr type="bMarg" refType="primFontSz" fact="0.1"/>
+                          </dgm:constrLst>
+                          <dgm:ruleLst>
+                            <dgm:rule type="primFontSz" val="5" fact="NaN" max="NaN"/>
+                          </dgm:ruleLst>
+                        </dgm:layoutNode>
+                        <dgm:layoutNode name="FiveConn_2-3" styleLbl="fgAccFollowNode1">
+                          <dgm:varLst>
+                            <dgm:bulletEnabled val="1"/>
+                          </dgm:varLst>
+                          <dgm:alg type="tx"/>
+                          <dgm:shape xmlns:r="http://schemas.openxmlformats.org/officeDocument/2006/relationships" type="downArrow" r:blip="">
+                            <dgm:adjLst>
+                              <dgm:adj idx="1" val="0.55"/>
+                              <dgm:adj idx="2" val="0.45"/>
+                            </dgm:adjLst>
+                          </dgm:shape>
+                          <dgm:presOf axis="ch" ptType="sibTrans" st="2" cnt="1"/>
+                          <dgm:constrLst>
+                            <dgm:constr type="lMarg" refType="primFontSz" fact="0.1"/>
+                            <dgm:constr type="rMarg" refType="primFontSz" fact="0.1"/>
+                            <dgm:constr type="tMarg" refType="primFontSz" fact="0.1"/>
+                            <dgm:constr type="bMarg" refType="primFontSz" fact="0.1"/>
+                          </dgm:constrLst>
+                          <dgm:ruleLst>
+                            <dgm:rule type="primFontSz" val="5" fact="NaN" max="NaN"/>
+                          </dgm:ruleLst>
+                        </dgm:layoutNode>
+                        <dgm:layoutNode name="FiveConn_3-4" styleLbl="fgAccFollowNode1">
+                          <dgm:varLst>
+                            <dgm:bulletEnabled val="1"/>
+                          </dgm:varLst>
+                          <dgm:alg type="tx"/>
+                          <dgm:shape xmlns:r="http://schemas.openxmlformats.org/officeDocument/2006/relationships" type="downArrow" r:blip="">
+                            <dgm:adjLst>
+                              <dgm:adj idx="1" val="0.55"/>
+                              <dgm:adj idx="2" val="0.45"/>
+                            </dgm:adjLst>
+                          </dgm:shape>
+                          <dgm:presOf axis="ch" ptType="sibTrans" st="3" cnt="1"/>
+                          <dgm:constrLst>
+                            <dgm:constr type="lMarg" refType="primFontSz" fact="0.1"/>
+                            <dgm:constr type="rMarg" refType="primFontSz" fact="0.1"/>
+                            <dgm:constr type="tMarg" refType="primFontSz" fact="0.1"/>
+                            <dgm:constr type="bMarg" refType="primFontSz" fact="0.1"/>
+                          </dgm:constrLst>
+                          <dgm:ruleLst>
+                            <dgm:rule type="primFontSz" val="5" fact="NaN" max="NaN"/>
+                          </dgm:ruleLst>
+                        </dgm:layoutNode>
+                        <dgm:layoutNode name="FiveConn_4-5" styleLbl="fgAccFollowNode1">
+                          <dgm:varLst>
+                            <dgm:bulletEnabled val="1"/>
+                          </dgm:varLst>
+                          <dgm:alg type="tx"/>
+                          <dgm:shape xmlns:r="http://schemas.openxmlformats.org/officeDocument/2006/relationships" type="downArrow" r:blip="">
+                            <dgm:adjLst>
+                              <dgm:adj idx="1" val="0.55"/>
+                              <dgm:adj idx="2" val="0.45"/>
+                            </dgm:adjLst>
+                          </dgm:shape>
+                          <dgm:presOf axis="ch" ptType="sibTrans" st="4" cnt="1"/>
+                          <dgm:constrLst>
+                            <dgm:constr type="lMarg" refType="primFontSz" fact="0.1"/>
+                            <dgm:constr type="rMarg" refType="primFontSz" fact="0.1"/>
+                            <dgm:constr type="tMarg" refType="primFontSz" fact="0.1"/>
+                            <dgm:constr type="bMarg" refType="primFontSz" fact="0.1"/>
+                          </dgm:constrLst>
+                          <dgm:ruleLst>
+                            <dgm:rule type="primFontSz" val="5" fact="NaN" max="NaN"/>
+                          </dgm:ruleLst>
+                        </dgm:layoutNode>
+                        <dgm:layoutNode name="FiveNodes_1_text">
+                          <dgm:varLst>
+                            <dgm:bulletEnabled val="1"/>
+                          </dgm:varLst>
+                          <dgm:alg type="tx">
+                            <dgm:param type="parTxLTRAlign" val="l"/>
+                            <dgm:param type="txAnchorVertCh" val="mid"/>
+                          </dgm:alg>
+                          <dgm:shape xmlns:r="http://schemas.openxmlformats.org/officeDocument/2006/relationships" type="roundRect" r:blip="" hideGeom="1">
+                            <dgm:adjLst>
+                              <dgm:adj idx="1" val="0.1"/>
+                            </dgm:adjLst>
+                          </dgm:shape>
+                          <dgm:presOf axis="ch desOrSelf" ptType="node node" st="1 1" cnt="1 0"/>
+                          <dgm:constrLst>
+                            <dgm:constr type="lMarg" refType="primFontSz" fact="0.3"/>
+                            <dgm:constr type="rMarg" refType="primFontSz" fact="0.3"/>
+                            <dgm:constr type="tMarg" refType="primFontSz" fact="0.3"/>
+                            <dgm:constr type="bMarg" refType="primFontSz" fact="0.3"/>
+                          </dgm:constrLst>
+                          <dgm:ruleLst>
+                            <dgm:rule type="primFontSz" val="5" fact="NaN" max="NaN"/>
+                          </dgm:ruleLst>
+                        </dgm:layoutNode>
+                        <dgm:layoutNode name="FiveNodes_2_text">
+                          <dgm:varLst>
+                            <dgm:bulletEnabled val="1"/>
+                          </dgm:varLst>
+                          <dgm:alg type="tx">
+                            <dgm:param type="parTxLTRAlign" val="l"/>
+                            <dgm:param type="txAnchorVertCh" val="mid"/>
+                          </dgm:alg>
+                          <dgm:shape xmlns:r="http://schemas.openxmlformats.org/officeDocument/2006/relationships" type="roundRect" r:blip="" hideGeom="1">
+                            <dgm:adjLst>
+                              <dgm:adj idx="1" val="0.1"/>
+                            </dgm:adjLst>
+                          </dgm:shape>
+                          <dgm:presOf axis="ch desOrSelf" ptType="node node" st="2 1" cnt="1 0"/>
+                          <dgm:constrLst>
+                            <dgm:constr type="lMarg" refType="primFontSz" fact="0.3"/>
+                            <dgm:constr type="rMarg" refType="primFontSz" fact="0.3"/>
+                            <dgm:constr type="tMarg" refType="primFontSz" fact="0.3"/>
+                            <dgm:constr type="bMarg" refType="primFontSz" fact="0.3"/>
+                          </dgm:constrLst>
+                          <dgm:ruleLst>
+                            <dgm:rule type="primFontSz" val="5" fact="NaN" max="NaN"/>
+                          </dgm:ruleLst>
+                        </dgm:layoutNode>
+                        <dgm:layoutNode name="FiveNodes_3_text">
+                          <dgm:varLst>
+                            <dgm:bulletEnabled val="1"/>
+                          </dgm:varLst>
+                          <dgm:alg type="tx">
+                            <dgm:param type="parTxLTRAlign" val="l"/>
+                            <dgm:param type="txAnchorVertCh" val="mid"/>
+                          </dgm:alg>
+                          <dgm:shape xmlns:r="http://schemas.openxmlformats.org/officeDocument/2006/relationships" type="roundRect" r:blip="" hideGeom="1">
+                            <dgm:adjLst>
+                              <dgm:adj idx="1" val="0.1"/>
+                            </dgm:adjLst>
+                          </dgm:shape>
+                          <dgm:presOf axis="ch desOrSelf" ptType="node node" st="3 1" cnt="1 0"/>
+                          <dgm:constrLst>
+                            <dgm:constr type="lMarg" refType="primFontSz" fact="0.3"/>
+                            <dgm:constr type="rMarg" refType="primFontSz" fact="0.3"/>
+                            <dgm:constr type="tMarg" refType="primFontSz" fact="0.3"/>
+                            <dgm:constr type="bMarg" refType="primFontSz" fact="0.3"/>
+                          </dgm:constrLst>
+                          <dgm:ruleLst>
+                            <dgm:rule type="primFontSz" val="5" fact="NaN" max="NaN"/>
+                          </dgm:ruleLst>
+                        </dgm:layoutNode>
+                        <dgm:layoutNode name="FiveNodes_4_text">
+                          <dgm:varLst>
+                            <dgm:bulletEnabled val="1"/>
+                          </dgm:varLst>
+                          <dgm:alg type="tx">
+                            <dgm:param type="parTxLTRAlign" val="l"/>
+                            <dgm:param type="txAnchorVertCh" val="mid"/>
+                          </dgm:alg>
+                          <dgm:shape xmlns:r="http://schemas.openxmlformats.org/officeDocument/2006/relationships" type="roundRect" r:blip="" hideGeom="1">
+                            <dgm:adjLst>
+                              <dgm:adj idx="1" val="0.1"/>
+                            </dgm:adjLst>
+                          </dgm:shape>
+                          <dgm:presOf axis="ch desOrSelf" ptType="node node" st="4 1" cnt="1 0"/>
+                          <dgm:constrLst>
+                            <dgm:constr type="lMarg" refType="primFontSz" fact="0.3"/>
+                            <dgm:constr type="rMarg" refType="primFontSz" fact="0.3"/>
+                            <dgm:constr type="tMarg" refType="primFontSz" fact="0.3"/>
+                            <dgm:constr type="bMarg" refType="primFontSz" fact="0.3"/>
+                          </dgm:constrLst>
+                          <dgm:ruleLst>
+                            <dgm:rule type="primFontSz" val="5" fact="NaN" max="NaN"/>
+                          </dgm:ruleLst>
+                        </dgm:layoutNode>
+                        <dgm:layoutNode name="FiveNodes_5_text">
+                          <dgm:varLst>
+                            <dgm:bulletEnabled val="1"/>
+                          </dgm:varLst>
+                          <dgm:alg type="tx">
+                            <dgm:param type="parTxLTRAlign" val="l"/>
+                            <dgm:param type="txAnchorVertCh" val="mid"/>
+                          </dgm:alg>
+                          <dgm:shape xmlns:r="http://schemas.openxmlformats.org/officeDocument/2006/relationships" type="roundRect" r:blip="" hideGeom="1">
+                            <dgm:adjLst>
+                              <dgm:adj idx="1" val="0.1"/>
+                            </dgm:adjLst>
+                          </dgm:shape>
+                          <dgm:presOf axis="ch desOrSelf" ptType="node node" st="5 1" cnt="1 0"/>
+                          <dgm:constrLst>
+                            <dgm:constr type="lMarg" refType="primFontSz" fact="0.3"/>
+                            <dgm:constr type="rMarg" refType="primFontSz" fact="0.3"/>
+                            <dgm:constr type="tMarg" refType="primFontSz" fact="0.3"/>
+                            <dgm:constr type="bMarg" refType="primFontSz" fact="0.3"/>
+                          </dgm:constrLst>
+                          <dgm:ruleLst>
+                            <dgm:rule type="primFontSz" val="5" fact="NaN" max="NaN"/>
+                          </dgm:ruleLst>
+                        </dgm:layoutNode>
+                      </dgm:if>
+                      <dgm:else name="Name17"/>
+                    </dgm:choose>
+                  </dgm:else>
+                </dgm:choose>
+              </dgm:else>
+            </dgm:choose>
+          </dgm:else>
+        </dgm:choose>
+      </dgm:else>
+    </dgm:choose>
+  </dgm:layoutNode>
+</dgm:layoutDef>
+</file>
+
+<file path=ppt/diagrams/layout5.xml><?xml version="1.0" encoding="utf-8"?>
 <dgm:layoutDef xmlns:dgm="http://schemas.openxmlformats.org/drawingml/2006/diagram" xmlns:a="http://schemas.openxmlformats.org/drawingml/2006/main" uniqueId="urn:microsoft.com/office/officeart/2005/8/layout/hierarchy3">
   <dgm:title val=""/>
   <dgm:desc val=""/>
@@ -7108,197 +11450,7 @@
 </dgm:layoutDef>
 </file>
 
-<file path=ppt/diagrams/layout4.xml><?xml version="1.0" encoding="utf-8"?>
-<dgm:layoutDef xmlns:dgm="http://schemas.openxmlformats.org/drawingml/2006/diagram" xmlns:a="http://schemas.openxmlformats.org/drawingml/2006/main" uniqueId="urn:microsoft.com/office/officeart/2018/2/layout/IconLabelList">
-  <dgm:title val="Icon Label List"/>
-  <dgm:desc val="Use to show non-sequential or grouped chunks of information accompanied by a related visuals. Works best with icons or small pictures with short text captions."/>
-  <dgm:catLst>
-    <dgm:cat type="icon" pri="500"/>
-  </dgm:catLst>
-  <dgm:sampData useDef="1">
-    <dgm:dataModel>
-      <dgm:ptLst/>
-      <dgm:bg/>
-      <dgm:whole/>
-    </dgm:dataModel>
-  </dgm:sampData>
-  <dgm:styleData useDef="1">
-    <dgm:dataModel>
-      <dgm:ptLst/>
-      <dgm:bg/>
-      <dgm:whole/>
-    </dgm:dataModel>
-  </dgm:styleData>
-  <dgm:clrData useDef="1">
-    <dgm:dataModel>
-      <dgm:ptLst/>
-      <dgm:bg/>
-      <dgm:whole/>
-    </dgm:dataModel>
-  </dgm:clrData>
-  <dgm:layoutNode name="root">
-    <dgm:varLst>
-      <dgm:dir/>
-      <dgm:resizeHandles val="exact"/>
-    </dgm:varLst>
-    <dgm:choose name="Name0">
-      <dgm:if name="Name1" axis="self" func="var" arg="dir" op="equ" val="norm">
-        <dgm:alg type="snake">
-          <dgm:param type="grDir" val="tL"/>
-          <dgm:param type="flowDir" val="row"/>
-          <dgm:param type="contDir" val="sameDir"/>
-          <dgm:param type="off" val="ctr"/>
-          <dgm:param type="vertAlign" val="mid"/>
-          <dgm:param type="horzAlign" val="ctr"/>
-        </dgm:alg>
-      </dgm:if>
-      <dgm:else name="Name2">
-        <dgm:alg type="snake">
-          <dgm:param type="grDir" val="tR"/>
-          <dgm:param type="flowDir" val="row"/>
-          <dgm:param type="contDir" val="sameDir"/>
-          <dgm:param type="off" val="ctr"/>
-          <dgm:param type="vertAlign" val="mid"/>
-          <dgm:param type="horzAlign" val="ctr"/>
-        </dgm:alg>
-      </dgm:else>
-    </dgm:choose>
-    <dgm:shape xmlns:r="http://schemas.openxmlformats.org/officeDocument/2006/relationships" r:blip="">
-      <dgm:adjLst/>
-    </dgm:shape>
-    <dgm:presOf/>
-    <dgm:choose name="Name3">
-      <dgm:if name="Name4" axis="ch" ptType="node" func="cnt" op="lte" val="2">
-        <dgm:constrLst>
-          <dgm:constr type="h" for="ch" forName="compNode" refType="h" fact="0.4"/>
-          <dgm:constr type="w" for="ch" forName="compNode" val="120"/>
-          <dgm:constr type="w" for="ch" forName="sibTrans" refType="w" refFor="ch" refForName="compNode" fact="0.175"/>
-          <dgm:constr type="sp" refType="w" refFor="ch" refForName="compNode" op="equ" fact="0.25"/>
-          <dgm:constr type="primFontSz" for="des" ptType="node" op="equ" val="50"/>
-          <dgm:constr type="h" for="des" forName="compNode" op="equ"/>
-          <dgm:constr type="h" for="des" forName="textRect" op="equ"/>
-        </dgm:constrLst>
-      </dgm:if>
-      <dgm:if name="Name5" axis="ch" ptType="node" func="cnt" op="lte" val="4">
-        <dgm:constrLst>
-          <dgm:constr type="h" for="ch" forName="compNode" refType="h" fact="0.4"/>
-          <dgm:constr type="w" for="ch" forName="compNode" refType="w"/>
-          <dgm:constr type="w" for="ch" forName="sibTrans" refType="w" refFor="ch" refForName="compNode" fact="0.175"/>
-          <dgm:constr type="sp" refType="w" refFor="ch" refForName="compNode" op="equ" fact="0.25"/>
-          <dgm:constr type="primFontSz" for="des" ptType="node" op="equ" val="36"/>
-          <dgm:constr type="h" for="des" forName="compNode" op="equ"/>
-          <dgm:constr type="h" for="des" forName="textRect" op="equ"/>
-        </dgm:constrLst>
-      </dgm:if>
-      <dgm:else name="Name6">
-        <dgm:constrLst>
-          <dgm:constr type="h" for="ch" forName="compNode" refType="h" fact="0.4"/>
-          <dgm:constr type="w" for="ch" forName="compNode" refType="w"/>
-          <dgm:constr type="w" for="ch" forName="sibTrans" refType="w" refFor="ch" refForName="compNode" fact="0.175"/>
-          <dgm:constr type="sp" refType="w" refFor="ch" refForName="compNode" op="equ" fact="0.25"/>
-          <dgm:constr type="primFontSz" for="des" ptType="node" op="equ" val="24"/>
-          <dgm:constr type="h" for="des" forName="compNode" op="equ"/>
-          <dgm:constr type="h" for="des" forName="textRect" op="equ"/>
-        </dgm:constrLst>
-      </dgm:else>
-    </dgm:choose>
-    <dgm:ruleLst>
-      <dgm:rule type="w" for="ch" forName="compNode" val="50" fact="NaN" max="NaN"/>
-    </dgm:ruleLst>
-    <dgm:forEach name="Name7" axis="ch" ptType="node">
-      <dgm:layoutNode name="compNode">
-        <dgm:alg type="composite"/>
-        <dgm:shape xmlns:r="http://schemas.openxmlformats.org/officeDocument/2006/relationships" r:blip="">
-          <dgm:adjLst/>
-        </dgm:shape>
-        <dgm:presOf axis="self"/>
-        <dgm:constrLst>
-          <dgm:constr type="w" for="ch" forName="iconRect" refType="w" fact="0.45"/>
-          <dgm:constr type="h" for="ch" forName="iconRect" refType="w" refFor="ch" refForName="iconRect"/>
-          <dgm:constr type="ctrX" for="ch" forName="iconRect" refType="w" fact="0.5"/>
-          <dgm:constr type="t" for="ch" forName="iconRect"/>
-          <dgm:constr type="h" for="ch" forName="spaceRect" refType="h" fact="0.15"/>
-          <dgm:constr type="w" for="ch" forName="spaceRect" refType="w"/>
-          <dgm:constr type="l" for="ch" forName="spaceRect"/>
-          <dgm:constr type="t" for="ch" forName="spaceRect" refType="b" refFor="ch" refForName="iconRect"/>
-          <dgm:constr type="h" for="ch" forName="textRect" val="20"/>
-          <dgm:constr type="w" for="ch" forName="textRect" refType="w"/>
-          <dgm:constr type="l" for="ch" forName="textRect"/>
-          <dgm:constr type="t" for="ch" forName="textRect" refType="b" refFor="ch" refForName="spaceRect"/>
-        </dgm:constrLst>
-        <dgm:ruleLst>
-          <dgm:rule type="h" val="INF" fact="NaN" max="NaN"/>
-        </dgm:ruleLst>
-        <dgm:layoutNode name="iconRect" styleLbl="node1">
-          <dgm:alg type="sp"/>
-          <dgm:shape xmlns:r="http://schemas.openxmlformats.org/officeDocument/2006/relationships" type="rect" r:blip="" blipPhldr="1">
-            <dgm:adjLst/>
-          </dgm:shape>
-          <dgm:presOf/>
-          <dgm:constrLst/>
-          <dgm:ruleLst/>
-        </dgm:layoutNode>
-        <dgm:layoutNode name="spaceRect">
-          <dgm:alg type="sp"/>
-          <dgm:shape xmlns:r="http://schemas.openxmlformats.org/officeDocument/2006/relationships" r:blip="">
-            <dgm:adjLst/>
-          </dgm:shape>
-          <dgm:presOf/>
-          <dgm:constrLst/>
-          <dgm:ruleLst/>
-        </dgm:layoutNode>
-        <dgm:layoutNode name="textRect" styleLbl="revTx">
-          <dgm:varLst>
-            <dgm:chMax val="1"/>
-            <dgm:chPref val="1"/>
-          </dgm:varLst>
-          <dgm:alg type="tx">
-            <dgm:param type="txAnchorVert" val="t"/>
-          </dgm:alg>
-          <dgm:shape xmlns:r="http://schemas.openxmlformats.org/officeDocument/2006/relationships" type="rect" r:blip="">
-            <dgm:adjLst/>
-          </dgm:shape>
-          <dgm:presOf axis="self" ptType="node"/>
-          <dgm:constrLst>
-            <dgm:constr type="lMarg"/>
-            <dgm:constr type="rMarg"/>
-            <dgm:constr type="tMarg"/>
-            <dgm:constr type="bMarg"/>
-          </dgm:constrLst>
-          <dgm:ruleLst>
-            <dgm:rule type="primFontSz" val="11" fact="NaN" max="NaN"/>
-            <dgm:rule type="h" val="INF" fact="NaN" max="NaN"/>
-          </dgm:ruleLst>
-        </dgm:layoutNode>
-      </dgm:layoutNode>
-      <dgm:forEach name="Name8" axis="followSib" ptType="sibTrans" cnt="1">
-        <dgm:layoutNode name="sibTrans">
-          <dgm:alg type="sp"/>
-          <dgm:shape xmlns:r="http://schemas.openxmlformats.org/officeDocument/2006/relationships" r:blip="">
-            <dgm:adjLst/>
-          </dgm:shape>
-          <dgm:presOf axis="self"/>
-          <dgm:constrLst/>
-          <dgm:ruleLst/>
-        </dgm:layoutNode>
-      </dgm:forEach>
-    </dgm:forEach>
-  </dgm:layoutNode>
-  <dgm:extLst>
-    <a:ext uri="{68A01E43-0DF5-4B5B-8FA6-DAF915123BFB}">
-      <dgm1612:lstStyle xmlns:dgm1612="http://schemas.microsoft.com/office/drawing/2016/12/diagram">
-        <a:lvl1pPr>
-          <a:lnSpc>
-            <a:spcPct val="100000"/>
-          </a:lnSpc>
-        </a:lvl1pPr>
-      </dgm1612:lstStyle>
-    </a:ext>
-  </dgm:extLst>
-</dgm:layoutDef>
-</file>
-
-<file path=ppt/diagrams/layout5.xml><?xml version="1.0" encoding="utf-8"?>
+<file path=ppt/diagrams/layout6.xml><?xml version="1.0" encoding="utf-8"?>
 <dgm:layoutDef xmlns:dgm="http://schemas.openxmlformats.org/drawingml/2006/diagram" xmlns:a="http://schemas.openxmlformats.org/drawingml/2006/main" uniqueId="urn:microsoft.com/office/officeart/2005/8/layout/hierarchy1">
   <dgm:title val=""/>
   <dgm:desc val=""/>
@@ -7861,6 +12013,1232 @@
 </dgm:layoutDef>
 </file>
 
+<file path=ppt/diagrams/layout7.xml><?xml version="1.0" encoding="utf-8"?>
+<dgm:layoutDef xmlns:dgm="http://schemas.openxmlformats.org/drawingml/2006/diagram" xmlns:a="http://schemas.openxmlformats.org/drawingml/2006/main" uniqueId="urn:microsoft.com/office/officeart/2005/8/layout/vProcess5">
+  <dgm:title val=""/>
+  <dgm:desc val=""/>
+  <dgm:catLst>
+    <dgm:cat type="process" pri="14000"/>
+  </dgm:catLst>
+  <dgm:sampData>
+    <dgm:dataModel>
+      <dgm:ptLst>
+        <dgm:pt modelId="0" type="doc"/>
+        <dgm:pt modelId="1">
+          <dgm:prSet phldr="1"/>
+        </dgm:pt>
+        <dgm:pt modelId="2">
+          <dgm:prSet phldr="1"/>
+        </dgm:pt>
+        <dgm:pt modelId="3">
+          <dgm:prSet phldr="1"/>
+        </dgm:pt>
+      </dgm:ptLst>
+      <dgm:cxnLst>
+        <dgm:cxn modelId="5" srcId="0" destId="1" srcOrd="0" destOrd="0"/>
+        <dgm:cxn modelId="6" srcId="0" destId="2" srcOrd="1" destOrd="0"/>
+        <dgm:cxn modelId="7" srcId="0" destId="3" srcOrd="2" destOrd="0"/>
+      </dgm:cxnLst>
+      <dgm:bg/>
+      <dgm:whole/>
+    </dgm:dataModel>
+  </dgm:sampData>
+  <dgm:styleData>
+    <dgm:dataModel>
+      <dgm:ptLst>
+        <dgm:pt modelId="0" type="doc"/>
+        <dgm:pt modelId="1"/>
+        <dgm:pt modelId="2"/>
+      </dgm:ptLst>
+      <dgm:cxnLst>
+        <dgm:cxn modelId="3" srcId="0" destId="1" srcOrd="0" destOrd="0"/>
+        <dgm:cxn modelId="4" srcId="0" destId="2" srcOrd="1" destOrd="0"/>
+      </dgm:cxnLst>
+      <dgm:bg/>
+      <dgm:whole/>
+    </dgm:dataModel>
+  </dgm:styleData>
+  <dgm:clrData>
+    <dgm:dataModel>
+      <dgm:ptLst>
+        <dgm:pt modelId="0" type="doc"/>
+        <dgm:pt modelId="1"/>
+        <dgm:pt modelId="2"/>
+        <dgm:pt modelId="3"/>
+        <dgm:pt modelId="4"/>
+      </dgm:ptLst>
+      <dgm:cxnLst>
+        <dgm:cxn modelId="6" srcId="0" destId="1" srcOrd="0" destOrd="0"/>
+        <dgm:cxn modelId="7" srcId="0" destId="2" srcOrd="1" destOrd="0"/>
+        <dgm:cxn modelId="8" srcId="0" destId="3" srcOrd="2" destOrd="0"/>
+        <dgm:cxn modelId="9" srcId="0" destId="4" srcOrd="3" destOrd="0"/>
+      </dgm:cxnLst>
+      <dgm:bg/>
+      <dgm:whole/>
+    </dgm:dataModel>
+  </dgm:clrData>
+  <dgm:layoutNode name="outerComposite">
+    <dgm:varLst>
+      <dgm:chMax val="5"/>
+      <dgm:dir/>
+      <dgm:resizeHandles val="exact"/>
+    </dgm:varLst>
+    <dgm:alg type="composite"/>
+    <dgm:shape xmlns:r="http://schemas.openxmlformats.org/officeDocument/2006/relationships" r:blip="">
+      <dgm:adjLst/>
+    </dgm:shape>
+    <dgm:presOf/>
+    <dgm:choose name="Name0">
+      <dgm:if name="Name1" func="var" arg="dir" op="equ" val="norm">
+        <dgm:constrLst>
+          <dgm:constr type="primFontSz" for="ch" ptType="node" op="equ" val="65"/>
+          <dgm:constr type="w" for="ch" forName="dummyMaxCanvas" refType="w"/>
+          <dgm:constr type="h" for="ch" forName="dummyMaxCanvas" refType="h"/>
+          <dgm:constr type="w" for="ch" forName="OneNode_1" refType="w"/>
+          <dgm:constr type="h" for="ch" forName="OneNode_1" refType="h" fact="0.5"/>
+          <dgm:constr type="ctrY" for="ch" forName="OneNode_1" refType="h" fact="0.5"/>
+          <dgm:constr type="w" for="ch" forName="TwoNodes_1" refType="w" fact="0.85"/>
+          <dgm:constr type="h" for="ch" forName="TwoNodes_1" refType="h" fact="0.45"/>
+          <dgm:constr type="t" for="ch" forName="TwoNodes_1"/>
+          <dgm:constr type="l" for="ch" forName="TwoNodes_1"/>
+          <dgm:constr type="w" for="ch" forName="TwoNodes_2" refType="w" fact="0.85"/>
+          <dgm:constr type="h" for="ch" forName="TwoNodes_2" refType="h" fact="0.45"/>
+          <dgm:constr type="b" for="ch" forName="TwoNodes_2" refType="h"/>
+          <dgm:constr type="r" for="ch" forName="TwoNodes_2" refType="w"/>
+          <dgm:constr type="w" for="ch" forName="TwoConn_1-2" refType="h" refFor="ch" refForName="TwoNodes_1" fact="0.65"/>
+          <dgm:constr type="h" for="ch" forName="TwoConn_1-2" refType="h" refFor="ch" refForName="TwoNodes_1" fact="0.65"/>
+          <dgm:constr type="ctrY" for="ch" forName="TwoConn_1-2" refType="h" fact="0.5"/>
+          <dgm:constr type="r" for="ch" forName="TwoConn_1-2" refType="r" refFor="ch" refForName="TwoNodes_1"/>
+          <dgm:constr type="r" for="ch" forName="TwoNodes_1_text" refType="l" refFor="ch" refForName="TwoConn_1-2"/>
+          <dgm:constr type="rOff" for="ch" forName="TwoNodes_1_text" refType="w" refFor="ch" refForName="TwoConn_1-2" fact="-0.5"/>
+          <dgm:constr type="t" for="ch" forName="TwoNodes_1_text" refType="t" refFor="ch" refForName="TwoNodes_1"/>
+          <dgm:constr type="b" for="ch" forName="TwoNodes_1_text" refType="b" refFor="ch" refForName="TwoNodes_1"/>
+          <dgm:constr type="l" for="ch" forName="TwoNodes_1_text" refType="l" refFor="ch" refForName="TwoNodes_1"/>
+          <dgm:constr type="r" for="ch" forName="TwoNodes_2_text" refType="l" refFor="ch" refForName="TwoConn_1-2"/>
+          <dgm:constr type="t" for="ch" forName="TwoNodes_2_text" refType="t" refFor="ch" refForName="TwoNodes_2"/>
+          <dgm:constr type="b" for="ch" forName="TwoNodes_2_text" refType="b" refFor="ch" refForName="TwoNodes_2"/>
+          <dgm:constr type="l" for="ch" forName="TwoNodes_2_text" refType="l" refFor="ch" refForName="TwoNodes_2"/>
+          <dgm:constr type="w" for="ch" forName="ThreeNodes_1" refType="w" fact="0.85"/>
+          <dgm:constr type="h" for="ch" forName="ThreeNodes_1" refType="h" fact="0.3"/>
+          <dgm:constr type="t" for="ch" forName="ThreeNodes_1"/>
+          <dgm:constr type="l" for="ch" forName="ThreeNodes_1"/>
+          <dgm:constr type="w" for="ch" forName="ThreeNodes_2" refType="w" fact="0.85"/>
+          <dgm:constr type="h" for="ch" forName="ThreeNodes_2" refType="h" fact="0.3"/>
+          <dgm:constr type="ctrY" for="ch" forName="ThreeNodes_2" refType="h" fact="0.5"/>
+          <dgm:constr type="ctrX" for="ch" forName="ThreeNodes_2" refType="w" fact="0.5"/>
+          <dgm:constr type="w" for="ch" forName="ThreeNodes_3" refType="w" fact="0.85"/>
+          <dgm:constr type="h" for="ch" forName="ThreeNodes_3" refType="h" fact="0.3"/>
+          <dgm:constr type="b" for="ch" forName="ThreeNodes_3" refType="h"/>
+          <dgm:constr type="r" for="ch" forName="ThreeNodes_3" refType="w"/>
+          <dgm:constr type="w" for="ch" forName="ThreeConn_1-2" refType="h" refFor="ch" refForName="ThreeNodes_1" fact="0.65"/>
+          <dgm:constr type="h" for="ch" forName="ThreeConn_1-2" refType="h" refFor="ch" refForName="ThreeNodes_1" fact="0.65"/>
+          <dgm:constr type="ctrY" for="ch" forName="ThreeConn_1-2" refType="h" fact="0.325"/>
+          <dgm:constr type="r" for="ch" forName="ThreeConn_1-2" refType="r" refFor="ch" refForName="ThreeNodes_1"/>
+          <dgm:constr type="w" for="ch" forName="ThreeConn_2-3" refType="h" refFor="ch" refForName="ThreeNodes_2" fact="0.65"/>
+          <dgm:constr type="h" for="ch" forName="ThreeConn_2-3" refType="h" refFor="ch" refForName="ThreeNodes_2" fact="0.65"/>
+          <dgm:constr type="ctrY" for="ch" forName="ThreeConn_2-3" refType="h" fact="0.673"/>
+          <dgm:constr type="r" for="ch" forName="ThreeConn_2-3" refType="r" refFor="ch" refForName="ThreeNodes_2"/>
+          <dgm:constr type="r" for="ch" forName="ThreeNodes_1_text" refType="l" refFor="ch" refForName="ThreeConn_1-2"/>
+          <dgm:constr type="rOff" for="ch" forName="ThreeNodes_1_text" refType="w" refFor="ch" refForName="ThreeConn_1-2" fact="-0.57"/>
+          <dgm:constr type="t" for="ch" forName="ThreeNodes_1_text" refType="t" refFor="ch" refForName="ThreeNodes_1"/>
+          <dgm:constr type="b" for="ch" forName="ThreeNodes_1_text" refType="b" refFor="ch" refForName="ThreeNodes_1"/>
+          <dgm:constr type="l" for="ch" forName="ThreeNodes_1_text" refType="l" refFor="ch" refForName="ThreeNodes_1"/>
+          <dgm:constr type="r" for="ch" forName="ThreeNodes_2_text" refType="l" refFor="ch" refForName="ThreeConn_1-2"/>
+          <dgm:constr type="t" for="ch" forName="ThreeNodes_2_text" refType="t" refFor="ch" refForName="ThreeNodes_2"/>
+          <dgm:constr type="b" for="ch" forName="ThreeNodes_2_text" refType="b" refFor="ch" refForName="ThreeNodes_2"/>
+          <dgm:constr type="l" for="ch" forName="ThreeNodes_2_text" refType="l" refFor="ch" refForName="ThreeNodes_2"/>
+          <dgm:constr type="r" for="ch" forName="ThreeNodes_3_text" refType="l" refFor="ch" refForName="ThreeConn_2-3"/>
+          <dgm:constr type="t" for="ch" forName="ThreeNodes_3_text" refType="t" refFor="ch" refForName="ThreeNodes_3"/>
+          <dgm:constr type="b" for="ch" forName="ThreeNodes_3_text" refType="b" refFor="ch" refForName="ThreeNodes_3"/>
+          <dgm:constr type="l" for="ch" forName="ThreeNodes_3_text" refType="l" refFor="ch" refForName="ThreeNodes_3"/>
+          <dgm:constr type="w" for="ch" forName="FourNodes_1" refType="w" fact="0.8"/>
+          <dgm:constr type="h" for="ch" forName="FourNodes_1" refType="h" fact="0.22"/>
+          <dgm:constr type="t" for="ch" forName="FourNodes_1"/>
+          <dgm:constr type="l" for="ch" forName="FourNodes_1"/>
+          <dgm:constr type="w" for="ch" forName="FourNodes_2" refType="w" fact="0.8"/>
+          <dgm:constr type="h" for="ch" forName="FourNodes_2" refType="h" fact="0.22"/>
+          <dgm:constr type="ctrY" for="ch" forName="FourNodes_2" refType="h" fact="0.37"/>
+          <dgm:constr type="ctrX" for="ch" forName="FourNodes_2" refType="w" fact="0.467"/>
+          <dgm:constr type="w" for="ch" forName="FourNodes_3" refType="w" fact="0.8"/>
+          <dgm:constr type="h" for="ch" forName="FourNodes_3" refType="h" fact="0.22"/>
+          <dgm:constr type="ctrY" for="ch" forName="FourNodes_3" refType="h" fact="0.63"/>
+          <dgm:constr type="ctrX" for="ch" forName="FourNodes_3" refType="w" fact="0.533"/>
+          <dgm:constr type="w" for="ch" forName="FourNodes_4" refType="w" fact="0.8"/>
+          <dgm:constr type="h" for="ch" forName="FourNodes_4" refType="h" fact="0.22"/>
+          <dgm:constr type="b" for="ch" forName="FourNodes_4" refType="h"/>
+          <dgm:constr type="r" for="ch" forName="FourNodes_4" refType="w"/>
+          <dgm:constr type="w" for="ch" forName="FourConn_1-2" refType="h" refFor="ch" refForName="FourNodes_1" fact="0.65"/>
+          <dgm:constr type="h" for="ch" forName="FourConn_1-2" refType="h" refFor="ch" refForName="FourNodes_1" fact="0.65"/>
+          <dgm:constr type="ctrY" for="ch" forName="FourConn_1-2" refType="h" fact="0.24"/>
+          <dgm:constr type="r" for="ch" forName="FourConn_1-2" refType="r" refFor="ch" refForName="FourNodes_1"/>
+          <dgm:constr type="w" for="ch" forName="FourConn_2-3" refType="h" refFor="ch" refForName="FourNodes_2" fact="0.65"/>
+          <dgm:constr type="h" for="ch" forName="FourConn_2-3" refType="h" refFor="ch" refForName="FourNodes_2" fact="0.65"/>
+          <dgm:constr type="ctrY" for="ch" forName="FourConn_2-3" refType="h" fact="0.5"/>
+          <dgm:constr type="r" for="ch" forName="FourConn_2-3" refType="r" refFor="ch" refForName="FourNodes_2"/>
+          <dgm:constr type="w" for="ch" forName="FourConn_3-4" refType="h" refFor="ch" refForName="FourNodes_3" fact="0.65"/>
+          <dgm:constr type="h" for="ch" forName="FourConn_3-4" refType="h" refFor="ch" refForName="FourNodes_3" fact="0.65"/>
+          <dgm:constr type="ctrY" for="ch" forName="FourConn_3-4" refType="h" fact="0.76"/>
+          <dgm:constr type="r" for="ch" forName="FourConn_3-4" refType="r" refFor="ch" refForName="FourNodes_3"/>
+          <dgm:constr type="r" for="ch" forName="FourNodes_1_text" refType="l" refFor="ch" refForName="FourConn_1-2"/>
+          <dgm:constr type="rOff" for="ch" forName="FourNodes_1_text" refType="w" refFor="ch" refForName="FourConn_1-2" fact="-0.7"/>
+          <dgm:constr type="t" for="ch" forName="FourNodes_1_text" refType="t" refFor="ch" refForName="FourNodes_1"/>
+          <dgm:constr type="b" for="ch" forName="FourNodes_1_text" refType="b" refFor="ch" refForName="FourNodes_1"/>
+          <dgm:constr type="l" for="ch" forName="FourNodes_1_text" refType="l" refFor="ch" refForName="FourNodes_1"/>
+          <dgm:constr type="r" for="ch" forName="FourNodes_2_text" refType="l" refFor="ch" refForName="FourConn_1-2"/>
+          <dgm:constr type="t" for="ch" forName="FourNodes_2_text" refType="t" refFor="ch" refForName="FourNodes_2"/>
+          <dgm:constr type="b" for="ch" forName="FourNodes_2_text" refType="b" refFor="ch" refForName="FourNodes_2"/>
+          <dgm:constr type="l" for="ch" forName="FourNodes_2_text" refType="l" refFor="ch" refForName="FourNodes_2"/>
+          <dgm:constr type="r" for="ch" forName="FourNodes_3_text" refType="l" refFor="ch" refForName="FourConn_2-3"/>
+          <dgm:constr type="t" for="ch" forName="FourNodes_3_text" refType="t" refFor="ch" refForName="FourNodes_3"/>
+          <dgm:constr type="b" for="ch" forName="FourNodes_3_text" refType="b" refFor="ch" refForName="FourNodes_3"/>
+          <dgm:constr type="l" for="ch" forName="FourNodes_3_text" refType="l" refFor="ch" refForName="FourNodes_3"/>
+          <dgm:constr type="r" for="ch" forName="FourNodes_4_text" refType="l" refFor="ch" refForName="FourConn_3-4"/>
+          <dgm:constr type="t" for="ch" forName="FourNodes_4_text" refType="t" refFor="ch" refForName="FourNodes_4"/>
+          <dgm:constr type="b" for="ch" forName="FourNodes_4_text" refType="b" refFor="ch" refForName="FourNodes_4"/>
+          <dgm:constr type="l" for="ch" forName="FourNodes_4_text" refType="l" refFor="ch" refForName="FourNodes_4"/>
+          <dgm:constr type="w" for="ch" forName="FiveNodes_1" refType="w" fact="0.77"/>
+          <dgm:constr type="h" for="ch" forName="FiveNodes_1" refType="h" fact="0.18"/>
+          <dgm:constr type="t" for="ch" forName="FiveNodes_1"/>
+          <dgm:constr type="l" for="ch" forName="FiveNodes_1"/>
+          <dgm:constr type="w" for="ch" forName="FiveNodes_2" refType="w" fact="0.77"/>
+          <dgm:constr type="h" for="ch" forName="FiveNodes_2" refType="h" fact="0.18"/>
+          <dgm:constr type="ctrY" for="ch" forName="FiveNodes_2" refType="h" fact="0.295"/>
+          <dgm:constr type="ctrX" for="ch" forName="FiveNodes_2" refType="w" fact="0.4425"/>
+          <dgm:constr type="w" for="ch" forName="FiveNodes_3" refType="w" fact="0.77"/>
+          <dgm:constr type="h" for="ch" forName="FiveNodes_3" refType="h" fact="0.18"/>
+          <dgm:constr type="ctrY" for="ch" forName="FiveNodes_3" refType="h" fact="0.5"/>
+          <dgm:constr type="ctrX" for="ch" forName="FiveNodes_3" refType="w" fact="0.5"/>
+          <dgm:constr type="w" for="ch" forName="FiveNodes_4" refType="w" fact="0.77"/>
+          <dgm:constr type="h" for="ch" forName="FiveNodes_4" refType="h" fact="0.18"/>
+          <dgm:constr type="ctrY" for="ch" forName="FiveNodes_4" refType="h" fact="0.705"/>
+          <dgm:constr type="ctrX" for="ch" forName="FiveNodes_4" refType="w" fact="0.5575"/>
+          <dgm:constr type="w" for="ch" forName="FiveNodes_5" refType="w" fact="0.77"/>
+          <dgm:constr type="h" for="ch" forName="FiveNodes_5" refType="h" fact="0.18"/>
+          <dgm:constr type="b" for="ch" forName="FiveNodes_5" refType="h"/>
+          <dgm:constr type="r" for="ch" forName="FiveNodes_5" refType="w"/>
+          <dgm:constr type="w" for="ch" forName="FiveConn_1-2" refType="h" refFor="ch" refForName="FiveNodes_1" fact="0.65"/>
+          <dgm:constr type="h" for="ch" forName="FiveConn_1-2" refType="h" refFor="ch" refForName="FiveNodes_1" fact="0.65"/>
+          <dgm:constr type="ctrY" for="ch" forName="FiveConn_1-2" refType="h" fact="0.19"/>
+          <dgm:constr type="r" for="ch" forName="FiveConn_1-2" refType="r" refFor="ch" refForName="FiveNodes_1"/>
+          <dgm:constr type="w" for="ch" forName="FiveConn_2-3" refType="h" refFor="ch" refForName="FiveNodes_2" fact="0.65"/>
+          <dgm:constr type="h" for="ch" forName="FiveConn_2-3" refType="h" refFor="ch" refForName="FiveNodes_2" fact="0.65"/>
+          <dgm:constr type="ctrY" for="ch" forName="FiveConn_2-3" refType="h" fact="0.395"/>
+          <dgm:constr type="r" for="ch" forName="FiveConn_2-3" refType="r" refFor="ch" refForName="FiveNodes_2"/>
+          <dgm:constr type="w" for="ch" forName="FiveConn_3-4" refType="h" refFor="ch" refForName="FiveNodes_3" fact="0.65"/>
+          <dgm:constr type="h" for="ch" forName="FiveConn_3-4" refType="h" refFor="ch" refForName="FiveNodes_3" fact="0.65"/>
+          <dgm:constr type="ctrY" for="ch" forName="FiveConn_3-4" refType="h" fact="0.597"/>
+          <dgm:constr type="r" for="ch" forName="FiveConn_3-4" refType="r" refFor="ch" refForName="FiveNodes_3"/>
+          <dgm:constr type="w" for="ch" forName="FiveConn_4-5" refType="h" refFor="ch" refForName="FiveNodes_4" fact="0.65"/>
+          <dgm:constr type="h" for="ch" forName="FiveConn_4-5" refType="h" refFor="ch" refForName="FiveNodes_4" fact="0.65"/>
+          <dgm:constr type="ctrY" for="ch" forName="FiveConn_4-5" refType="h" fact="0.804"/>
+          <dgm:constr type="r" for="ch" forName="FiveConn_4-5" refType="r" refFor="ch" refForName="FiveNodes_4"/>
+          <dgm:constr type="r" for="ch" forName="FiveNodes_1_text" refType="l" refFor="ch" refForName="FiveConn_1-2"/>
+          <dgm:constr type="rOff" for="ch" forName="FiveNodes_1_text" refType="w" refFor="ch" refForName="FiveConn_1-2" fact="-0.75"/>
+          <dgm:constr type="t" for="ch" forName="FiveNodes_1_text" refType="t" refFor="ch" refForName="FiveNodes_1"/>
+          <dgm:constr type="b" for="ch" forName="FiveNodes_1_text" refType="b" refFor="ch" refForName="FiveNodes_1"/>
+          <dgm:constr type="l" for="ch" forName="FiveNodes_1_text" refType="l" refFor="ch" refForName="FiveNodes_1"/>
+          <dgm:constr type="r" for="ch" forName="FiveNodes_2_text" refType="l" refFor="ch" refForName="FiveConn_1-2"/>
+          <dgm:constr type="t" for="ch" forName="FiveNodes_2_text" refType="t" refFor="ch" refForName="FiveNodes_2"/>
+          <dgm:constr type="b" for="ch" forName="FiveNodes_2_text" refType="b" refFor="ch" refForName="FiveNodes_2"/>
+          <dgm:constr type="l" for="ch" forName="FiveNodes_2_text" refType="l" refFor="ch" refForName="FiveNodes_2"/>
+          <dgm:constr type="r" for="ch" forName="FiveNodes_3_text" refType="l" refFor="ch" refForName="FiveConn_2-3"/>
+          <dgm:constr type="t" for="ch" forName="FiveNodes_3_text" refType="t" refFor="ch" refForName="FiveNodes_3"/>
+          <dgm:constr type="b" for="ch" forName="FiveNodes_3_text" refType="b" refFor="ch" refForName="FiveNodes_3"/>
+          <dgm:constr type="l" for="ch" forName="FiveNodes_3_text" refType="l" refFor="ch" refForName="FiveNodes_3"/>
+          <dgm:constr type="r" for="ch" forName="FiveNodes_4_text" refType="l" refFor="ch" refForName="FiveConn_3-4"/>
+          <dgm:constr type="t" for="ch" forName="FiveNodes_4_text" refType="t" refFor="ch" refForName="FiveNodes_4"/>
+          <dgm:constr type="b" for="ch" forName="FiveNodes_4_text" refType="b" refFor="ch" refForName="FiveNodes_4"/>
+          <dgm:constr type="l" for="ch" forName="FiveNodes_4_text" refType="l" refFor="ch" refForName="FiveNodes_4"/>
+          <dgm:constr type="r" for="ch" forName="FiveNodes_5_text" refType="l" refFor="ch" refForName="FiveConn_4-5"/>
+          <dgm:constr type="t" for="ch" forName="FiveNodes_5_text" refType="t" refFor="ch" refForName="FiveNodes_5"/>
+          <dgm:constr type="b" for="ch" forName="FiveNodes_5_text" refType="b" refFor="ch" refForName="FiveNodes_5"/>
+          <dgm:constr type="l" for="ch" forName="FiveNodes_5_text" refType="l" refFor="ch" refForName="FiveNodes_5"/>
+        </dgm:constrLst>
+      </dgm:if>
+      <dgm:else name="Name2">
+        <dgm:constrLst>
+          <dgm:constr type="primFontSz" for="ch" ptType="node" op="equ" val="65"/>
+          <dgm:constr type="w" for="ch" forName="dummyMaxCanvas" refType="w"/>
+          <dgm:constr type="h" for="ch" forName="dummyMaxCanvas" refType="h"/>
+          <dgm:constr type="w" for="ch" forName="OneNode_1" refType="w"/>
+          <dgm:constr type="h" for="ch" forName="OneNode_1" refType="h" fact="0.5"/>
+          <dgm:constr type="ctrY" for="ch" forName="OneNode_1" refType="h" fact="0.5"/>
+          <dgm:constr type="w" for="ch" forName="TwoNodes_1" refType="w" fact="0.85"/>
+          <dgm:constr type="h" for="ch" forName="TwoNodes_1" refType="h" fact="0.45"/>
+          <dgm:constr type="t" for="ch" forName="TwoNodes_1"/>
+          <dgm:constr type="r" for="ch" forName="TwoNodes_1" refType="w"/>
+          <dgm:constr type="w" for="ch" forName="TwoNodes_2" refType="w" fact="0.85"/>
+          <dgm:constr type="h" for="ch" forName="TwoNodes_2" refType="h" fact="0.45"/>
+          <dgm:constr type="b" for="ch" forName="TwoNodes_2" refType="h"/>
+          <dgm:constr type="l" for="ch" forName="TwoNodes_2"/>
+          <dgm:constr type="w" for="ch" forName="TwoConn_1-2" refType="h" refFor="ch" refForName="TwoNodes_1" fact="0.65"/>
+          <dgm:constr type="h" for="ch" forName="TwoConn_1-2" refType="h" refFor="ch" refForName="TwoNodes_1" fact="0.65"/>
+          <dgm:constr type="ctrY" for="ch" forName="TwoConn_1-2" refType="h" fact="0.5"/>
+          <dgm:constr type="l" for="ch" forName="TwoConn_1-2" refType="l" refFor="ch" refForName="TwoNodes_1"/>
+          <dgm:constr type="l" for="ch" forName="TwoNodes_1_text" refType="r" refFor="ch" refForName="TwoConn_1-2"/>
+          <dgm:constr type="lOff" for="ch" forName="TwoNodes_1_text" refType="w" refFor="ch" refForName="TwoConn_1-2" fact="0.5"/>
+          <dgm:constr type="t" for="ch" forName="TwoNodes_1_text" refType="t" refFor="ch" refForName="TwoNodes_1"/>
+          <dgm:constr type="b" for="ch" forName="TwoNodes_1_text" refType="b" refFor="ch" refForName="TwoNodes_1"/>
+          <dgm:constr type="r" for="ch" forName="TwoNodes_1_text" refType="r" refFor="ch" refForName="TwoNodes_1"/>
+          <dgm:constr type="l" for="ch" forName="TwoNodes_2_text" refType="r" refFor="ch" refForName="TwoConn_1-2"/>
+          <dgm:constr type="t" for="ch" forName="TwoNodes_2_text" refType="t" refFor="ch" refForName="TwoNodes_2"/>
+          <dgm:constr type="b" for="ch" forName="TwoNodes_2_text" refType="b" refFor="ch" refForName="TwoNodes_2"/>
+          <dgm:constr type="r" for="ch" forName="TwoNodes_2_text" refType="r" refFor="ch" refForName="TwoNodes_2"/>
+          <dgm:constr type="w" for="ch" forName="ThreeNodes_1" refType="w" fact="0.85"/>
+          <dgm:constr type="h" for="ch" forName="ThreeNodes_1" refType="h" fact="0.3"/>
+          <dgm:constr type="t" for="ch" forName="ThreeNodes_1"/>
+          <dgm:constr type="r" for="ch" forName="ThreeNodes_1" refType="w"/>
+          <dgm:constr type="w" for="ch" forName="ThreeNodes_2" refType="w" fact="0.85"/>
+          <dgm:constr type="h" for="ch" forName="ThreeNodes_2" refType="h" fact="0.3"/>
+          <dgm:constr type="ctrY" for="ch" forName="ThreeNodes_2" refType="h" fact="0.5"/>
+          <dgm:constr type="ctrX" for="ch" forName="ThreeNodes_2" refType="w" fact="0.5"/>
+          <dgm:constr type="w" for="ch" forName="ThreeNodes_3" refType="w" fact="0.85"/>
+          <dgm:constr type="h" for="ch" forName="ThreeNodes_3" refType="h" fact="0.3"/>
+          <dgm:constr type="b" for="ch" forName="ThreeNodes_3" refType="h"/>
+          <dgm:constr type="l" for="ch" forName="ThreeNodes_3"/>
+          <dgm:constr type="w" for="ch" forName="ThreeConn_1-2" refType="h" refFor="ch" refForName="ThreeNodes_1" fact="0.65"/>
+          <dgm:constr type="h" for="ch" forName="ThreeConn_1-2" refType="h" refFor="ch" refForName="ThreeNodes_1" fact="0.65"/>
+          <dgm:constr type="ctrY" for="ch" forName="ThreeConn_1-2" refType="h" fact="0.325"/>
+          <dgm:constr type="l" for="ch" forName="ThreeConn_1-2" refType="l" refFor="ch" refForName="ThreeNodes_1"/>
+          <dgm:constr type="w" for="ch" forName="ThreeConn_2-3" refType="h" refFor="ch" refForName="ThreeNodes_2" fact="0.65"/>
+          <dgm:constr type="h" for="ch" forName="ThreeConn_2-3" refType="h" refFor="ch" refForName="ThreeNodes_2" fact="0.65"/>
+          <dgm:constr type="ctrY" for="ch" forName="ThreeConn_2-3" refType="h" fact="0.673"/>
+          <dgm:constr type="l" for="ch" forName="ThreeConn_2-3" refType="l" refFor="ch" refForName="ThreeNodes_2"/>
+          <dgm:constr type="l" for="ch" forName="ThreeNodes_1_text" refType="r" refFor="ch" refForName="ThreeConn_1-2"/>
+          <dgm:constr type="lOff" for="ch" forName="ThreeNodes_1_text" refType="w" refFor="ch" refForName="ThreeConn_1-2" fact="0.55"/>
+          <dgm:constr type="t" for="ch" forName="ThreeNodes_1_text" refType="t" refFor="ch" refForName="ThreeNodes_1"/>
+          <dgm:constr type="b" for="ch" forName="ThreeNodes_1_text" refType="b" refFor="ch" refForName="ThreeNodes_1"/>
+          <dgm:constr type="r" for="ch" forName="ThreeNodes_1_text" refType="r" refFor="ch" refForName="ThreeNodes_1"/>
+          <dgm:constr type="l" for="ch" forName="ThreeNodes_2_text" refType="r" refFor="ch" refForName="ThreeConn_1-2"/>
+          <dgm:constr type="t" for="ch" forName="ThreeNodes_2_text" refType="t" refFor="ch" refForName="ThreeNodes_2"/>
+          <dgm:constr type="b" for="ch" forName="ThreeNodes_2_text" refType="b" refFor="ch" refForName="ThreeNodes_2"/>
+          <dgm:constr type="r" for="ch" forName="ThreeNodes_2_text" refType="r" refFor="ch" refForName="ThreeNodes_2"/>
+          <dgm:constr type="l" for="ch" forName="ThreeNodes_3_text" refType="r" refFor="ch" refForName="ThreeConn_2-3"/>
+          <dgm:constr type="t" for="ch" forName="ThreeNodes_3_text" refType="t" refFor="ch" refForName="ThreeNodes_3"/>
+          <dgm:constr type="b" for="ch" forName="ThreeNodes_3_text" refType="b" refFor="ch" refForName="ThreeNodes_3"/>
+          <dgm:constr type="r" for="ch" forName="ThreeNodes_3_text" refType="r" refFor="ch" refForName="ThreeNodes_3"/>
+          <dgm:constr type="w" for="ch" forName="FourNodes_1" refType="w" fact="0.8"/>
+          <dgm:constr type="h" for="ch" forName="FourNodes_1" refType="h" fact="0.22"/>
+          <dgm:constr type="t" for="ch" forName="FourNodes_1"/>
+          <dgm:constr type="r" for="ch" forName="FourNodes_1" refType="w"/>
+          <dgm:constr type="w" for="ch" forName="FourNodes_2" refType="w" fact="0.8"/>
+          <dgm:constr type="h" for="ch" forName="FourNodes_2" refType="h" fact="0.22"/>
+          <dgm:constr type="ctrY" for="ch" forName="FourNodes_2" refType="h" fact="0.37"/>
+          <dgm:constr type="ctrX" for="ch" forName="FourNodes_2" refType="w" fact="0.533"/>
+          <dgm:constr type="w" for="ch" forName="FourNodes_3" refType="w" fact="0.8"/>
+          <dgm:constr type="h" for="ch" forName="FourNodes_3" refType="h" fact="0.22"/>
+          <dgm:constr type="ctrY" for="ch" forName="FourNodes_3" refType="h" fact="0.63"/>
+          <dgm:constr type="ctrX" for="ch" forName="FourNodes_3" refType="w" fact="0.467"/>
+          <dgm:constr type="w" for="ch" forName="FourNodes_4" refType="w" fact="0.8"/>
+          <dgm:constr type="h" for="ch" forName="FourNodes_4" refType="h" fact="0.22"/>
+          <dgm:constr type="b" for="ch" forName="FourNodes_4" refType="h"/>
+          <dgm:constr type="l" for="ch" forName="FourNodes_4"/>
+          <dgm:constr type="w" for="ch" forName="FourConn_1-2" refType="h" refFor="ch" refForName="FourNodes_1" fact="0.65"/>
+          <dgm:constr type="h" for="ch" forName="FourConn_1-2" refType="h" refFor="ch" refForName="FourNodes_1" fact="0.65"/>
+          <dgm:constr type="ctrY" for="ch" forName="FourConn_1-2" refType="h" fact="0.24"/>
+          <dgm:constr type="l" for="ch" forName="FourConn_1-2" refType="l" refFor="ch" refForName="FourNodes_1"/>
+          <dgm:constr type="w" for="ch" forName="FourConn_2-3" refType="h" refFor="ch" refForName="FourNodes_2" fact="0.65"/>
+          <dgm:constr type="h" for="ch" forName="FourConn_2-3" refType="h" refFor="ch" refForName="FourNodes_2" fact="0.65"/>
+          <dgm:constr type="ctrY" for="ch" forName="FourConn_2-3" refType="h" fact="0.5"/>
+          <dgm:constr type="l" for="ch" forName="FourConn_2-3" refType="l" refFor="ch" refForName="FourNodes_2"/>
+          <dgm:constr type="w" for="ch" forName="FourConn_3-4" refType="h" refFor="ch" refForName="FourNodes_3" fact="0.65"/>
+          <dgm:constr type="h" for="ch" forName="FourConn_3-4" refType="h" refFor="ch" refForName="FourNodes_3" fact="0.65"/>
+          <dgm:constr type="ctrY" for="ch" forName="FourConn_3-4" refType="h" fact="0.76"/>
+          <dgm:constr type="l" for="ch" forName="FourConn_3-4" refType="l" refFor="ch" refForName="FourNodes_3"/>
+          <dgm:constr type="l" for="ch" forName="FourNodes_1_text" refType="r" refFor="ch" refForName="FourConn_1-2"/>
+          <dgm:constr type="lOff" for="ch" forName="FourNodes_1_text" refType="w" refFor="ch" refForName="FourConn_1-2" fact="0.69"/>
+          <dgm:constr type="t" for="ch" forName="FourNodes_1_text" refType="t" refFor="ch" refForName="FourNodes_1"/>
+          <dgm:constr type="b" for="ch" forName="FourNodes_1_text" refType="b" refFor="ch" refForName="FourNodes_1"/>
+          <dgm:constr type="r" for="ch" forName="FourNodes_1_text" refType="r" refFor="ch" refForName="FourNodes_1"/>
+          <dgm:constr type="l" for="ch" forName="FourNodes_2_text" refType="r" refFor="ch" refForName="FourConn_1-2"/>
+          <dgm:constr type="t" for="ch" forName="FourNodes_2_text" refType="t" refFor="ch" refForName="FourNodes_2"/>
+          <dgm:constr type="b" for="ch" forName="FourNodes_2_text" refType="b" refFor="ch" refForName="FourNodes_2"/>
+          <dgm:constr type="r" for="ch" forName="FourNodes_2_text" refType="r" refFor="ch" refForName="FourNodes_2"/>
+          <dgm:constr type="l" for="ch" forName="FourNodes_3_text" refType="r" refFor="ch" refForName="FourConn_2-3"/>
+          <dgm:constr type="t" for="ch" forName="FourNodes_3_text" refType="t" refFor="ch" refForName="FourNodes_3"/>
+          <dgm:constr type="b" for="ch" forName="FourNodes_3_text" refType="b" refFor="ch" refForName="FourNodes_3"/>
+          <dgm:constr type="r" for="ch" forName="FourNodes_3_text" refType="r" refFor="ch" refForName="FourNodes_3"/>
+          <dgm:constr type="l" for="ch" forName="FourNodes_4_text" refType="r" refFor="ch" refForName="FourConn_3-4"/>
+          <dgm:constr type="t" for="ch" forName="FourNodes_4_text" refType="t" refFor="ch" refForName="FourNodes_4"/>
+          <dgm:constr type="b" for="ch" forName="FourNodes_4_text" refType="b" refFor="ch" refForName="FourNodes_4"/>
+          <dgm:constr type="r" for="ch" forName="FourNodes_4_text" refType="r" refFor="ch" refForName="FourNodes_4"/>
+          <dgm:constr type="w" for="ch" forName="FiveNodes_1" refType="w" fact="0.77"/>
+          <dgm:constr type="h" for="ch" forName="FiveNodes_1" refType="h" fact="0.18"/>
+          <dgm:constr type="t" for="ch" forName="FiveNodes_1"/>
+          <dgm:constr type="r" for="ch" forName="FiveNodes_1" refType="w"/>
+          <dgm:constr type="w" for="ch" forName="FiveNodes_2" refType="w" fact="0.77"/>
+          <dgm:constr type="h" for="ch" forName="FiveNodes_2" refType="h" fact="0.18"/>
+          <dgm:constr type="ctrY" for="ch" forName="FiveNodes_2" refType="h" fact="0.295"/>
+          <dgm:constr type="ctrX" for="ch" forName="FiveNodes_2" refType="w" fact="0.5575"/>
+          <dgm:constr type="w" for="ch" forName="FiveNodes_3" refType="w" fact="0.77"/>
+          <dgm:constr type="h" for="ch" forName="FiveNodes_3" refType="h" fact="0.18"/>
+          <dgm:constr type="ctrY" for="ch" forName="FiveNodes_3" refType="h" fact="0.5"/>
+          <dgm:constr type="ctrX" for="ch" forName="FiveNodes_3" refType="w" fact="0.5"/>
+          <dgm:constr type="w" for="ch" forName="FiveNodes_4" refType="w" fact="0.77"/>
+          <dgm:constr type="h" for="ch" forName="FiveNodes_4" refType="h" fact="0.18"/>
+          <dgm:constr type="ctrY" for="ch" forName="FiveNodes_4" refType="h" fact="0.705"/>
+          <dgm:constr type="ctrX" for="ch" forName="FiveNodes_4" refType="w" fact="0.4425"/>
+          <dgm:constr type="w" for="ch" forName="FiveNodes_5" refType="w" fact="0.77"/>
+          <dgm:constr type="h" for="ch" forName="FiveNodes_5" refType="h" fact="0.18"/>
+          <dgm:constr type="b" for="ch" forName="FiveNodes_5" refType="h"/>
+          <dgm:constr type="l" for="ch" forName="FiveNodes_5"/>
+          <dgm:constr type="w" for="ch" forName="FiveConn_1-2" refType="h" refFor="ch" refForName="FiveNodes_1" fact="0.65"/>
+          <dgm:constr type="h" for="ch" forName="FiveConn_1-2" refType="h" refFor="ch" refForName="FiveNodes_1" fact="0.65"/>
+          <dgm:constr type="ctrY" for="ch" forName="FiveConn_1-2" refType="h" fact="0.19"/>
+          <dgm:constr type="l" for="ch" forName="FiveConn_1-2" refType="l" refFor="ch" refForName="FiveNodes_1"/>
+          <dgm:constr type="w" for="ch" forName="FiveConn_2-3" refType="h" refFor="ch" refForName="FiveNodes_2" fact="0.65"/>
+          <dgm:constr type="h" for="ch" forName="FiveConn_2-3" refType="h" refFor="ch" refForName="FiveNodes_2" fact="0.65"/>
+          <dgm:constr type="ctrY" for="ch" forName="FiveConn_2-3" refType="h" fact="0.395"/>
+          <dgm:constr type="l" for="ch" forName="FiveConn_2-3" refType="l" refFor="ch" refForName="FiveNodes_2"/>
+          <dgm:constr type="w" for="ch" forName="FiveConn_3-4" refType="h" refFor="ch" refForName="FiveNodes_3" fact="0.65"/>
+          <dgm:constr type="h" for="ch" forName="FiveConn_3-4" refType="h" refFor="ch" refForName="FiveNodes_3" fact="0.65"/>
+          <dgm:constr type="ctrY" for="ch" forName="FiveConn_3-4" refType="h" fact="0.597"/>
+          <dgm:constr type="l" for="ch" forName="FiveConn_3-4" refType="l" refFor="ch" refForName="FiveNodes_3"/>
+          <dgm:constr type="w" for="ch" forName="FiveConn_4-5" refType="h" refFor="ch" refForName="FiveNodes_4" fact="0.65"/>
+          <dgm:constr type="h" for="ch" forName="FiveConn_4-5" refType="h" refFor="ch" refForName="FiveNodes_4" fact="0.65"/>
+          <dgm:constr type="ctrY" for="ch" forName="FiveConn_4-5" refType="h" fact="0.804"/>
+          <dgm:constr type="l" for="ch" forName="FiveConn_4-5" refType="l" refFor="ch" refForName="FiveNodes_4"/>
+          <dgm:constr type="l" for="ch" forName="FiveNodes_1_text" refType="r" refFor="ch" refForName="FiveConn_1-2"/>
+          <dgm:constr type="lOff" for="ch" forName="FiveNodes_1_text" refType="w" refFor="ch" refForName="FiveConn_1-2" fact="0.73"/>
+          <dgm:constr type="t" for="ch" forName="FiveNodes_1_text" refType="t" refFor="ch" refForName="FiveNodes_1"/>
+          <dgm:constr type="b" for="ch" forName="FiveNodes_1_text" refType="b" refFor="ch" refForName="FiveNodes_1"/>
+          <dgm:constr type="r" for="ch" forName="FiveNodes_1_text" refType="r" refFor="ch" refForName="FiveNodes_1"/>
+          <dgm:constr type="l" for="ch" forName="FiveNodes_2_text" refType="r" refFor="ch" refForName="FiveConn_1-2"/>
+          <dgm:constr type="t" for="ch" forName="FiveNodes_2_text" refType="t" refFor="ch" refForName="FiveNodes_2"/>
+          <dgm:constr type="b" for="ch" forName="FiveNodes_2_text" refType="b" refFor="ch" refForName="FiveNodes_2"/>
+          <dgm:constr type="r" for="ch" forName="FiveNodes_2_text" refType="r" refFor="ch" refForName="FiveNodes_2"/>
+          <dgm:constr type="l" for="ch" forName="FiveNodes_3_text" refType="r" refFor="ch" refForName="FiveConn_2-3"/>
+          <dgm:constr type="t" for="ch" forName="FiveNodes_3_text" refType="t" refFor="ch" refForName="FiveNodes_3"/>
+          <dgm:constr type="b" for="ch" forName="FiveNodes_3_text" refType="b" refFor="ch" refForName="FiveNodes_3"/>
+          <dgm:constr type="r" for="ch" forName="FiveNodes_3_text" refType="r" refFor="ch" refForName="FiveNodes_3"/>
+          <dgm:constr type="l" for="ch" forName="FiveNodes_4_text" refType="r" refFor="ch" refForName="FiveConn_3-4"/>
+          <dgm:constr type="t" for="ch" forName="FiveNodes_4_text" refType="t" refFor="ch" refForName="FiveNodes_4"/>
+          <dgm:constr type="b" for="ch" forName="FiveNodes_4_text" refType="b" refFor="ch" refForName="FiveNodes_4"/>
+          <dgm:constr type="r" for="ch" forName="FiveNodes_4_text" refType="r" refFor="ch" refForName="FiveNodes_4"/>
+          <dgm:constr type="l" for="ch" forName="FiveNodes_5_text" refType="r" refFor="ch" refForName="FiveConn_4-5"/>
+          <dgm:constr type="t" for="ch" forName="FiveNodes_5_text" refType="t" refFor="ch" refForName="FiveNodes_5"/>
+          <dgm:constr type="b" for="ch" forName="FiveNodes_5_text" refType="b" refFor="ch" refForName="FiveNodes_5"/>
+          <dgm:constr type="r" for="ch" forName="FiveNodes_5_text" refType="r" refFor="ch" refForName="FiveNodes_5"/>
+        </dgm:constrLst>
+      </dgm:else>
+    </dgm:choose>
+    <dgm:ruleLst/>
+    <dgm:layoutNode name="dummyMaxCanvas">
+      <dgm:varLst/>
+      <dgm:alg type="sp"/>
+      <dgm:shape xmlns:r="http://schemas.openxmlformats.org/officeDocument/2006/relationships" r:blip="">
+        <dgm:adjLst/>
+      </dgm:shape>
+      <dgm:presOf/>
+      <dgm:constrLst/>
+      <dgm:ruleLst/>
+    </dgm:layoutNode>
+    <dgm:choose name="Name3">
+      <dgm:if name="Name4" axis="ch" ptType="node" func="cnt" op="equ" val="1">
+        <dgm:layoutNode name="OneNode_1">
+          <dgm:varLst>
+            <dgm:bulletEnabled val="1"/>
+          </dgm:varLst>
+          <dgm:alg type="tx"/>
+          <dgm:shape xmlns:r="http://schemas.openxmlformats.org/officeDocument/2006/relationships" type="roundRect" r:blip="">
+            <dgm:adjLst>
+              <dgm:adj idx="1" val="0.1"/>
+            </dgm:adjLst>
+          </dgm:shape>
+          <dgm:presOf axis="ch desOrSelf" ptType="node node" st="1 1" cnt="1 0"/>
+          <dgm:constrLst>
+            <dgm:constr type="lMarg" refType="primFontSz" fact="0.3"/>
+            <dgm:constr type="rMarg" refType="primFontSz" fact="0.3"/>
+            <dgm:constr type="tMarg" refType="primFontSz" fact="0.3"/>
+            <dgm:constr type="bMarg" refType="primFontSz" fact="0.3"/>
+          </dgm:constrLst>
+          <dgm:ruleLst>
+            <dgm:rule type="primFontSz" val="5" fact="NaN" max="NaN"/>
+          </dgm:ruleLst>
+        </dgm:layoutNode>
+      </dgm:if>
+      <dgm:else name="Name5">
+        <dgm:choose name="Name6">
+          <dgm:if name="Name7" axis="ch" ptType="node" func="cnt" op="equ" val="2">
+            <dgm:layoutNode name="TwoNodes_1">
+              <dgm:varLst>
+                <dgm:bulletEnabled val="1"/>
+              </dgm:varLst>
+              <dgm:alg type="sp"/>
+              <dgm:shape xmlns:r="http://schemas.openxmlformats.org/officeDocument/2006/relationships" type="roundRect" r:blip="">
+                <dgm:adjLst>
+                  <dgm:adj idx="1" val="0.1"/>
+                </dgm:adjLst>
+              </dgm:shape>
+              <dgm:presOf axis="ch desOrSelf" ptType="node node" st="1 1" cnt="1 0"/>
+              <dgm:constrLst/>
+              <dgm:ruleLst/>
+            </dgm:layoutNode>
+            <dgm:layoutNode name="TwoNodes_2">
+              <dgm:varLst>
+                <dgm:bulletEnabled val="1"/>
+              </dgm:varLst>
+              <dgm:alg type="sp"/>
+              <dgm:shape xmlns:r="http://schemas.openxmlformats.org/officeDocument/2006/relationships" type="roundRect" r:blip="">
+                <dgm:adjLst>
+                  <dgm:adj idx="1" val="0.1"/>
+                </dgm:adjLst>
+              </dgm:shape>
+              <dgm:presOf axis="ch desOrSelf" ptType="node node" st="2 1" cnt="1 0"/>
+              <dgm:constrLst/>
+              <dgm:ruleLst/>
+            </dgm:layoutNode>
+            <dgm:layoutNode name="TwoConn_1-2" styleLbl="fgAccFollowNode1">
+              <dgm:varLst>
+                <dgm:bulletEnabled val="1"/>
+              </dgm:varLst>
+              <dgm:alg type="tx"/>
+              <dgm:shape xmlns:r="http://schemas.openxmlformats.org/officeDocument/2006/relationships" type="downArrow" r:blip="">
+                <dgm:adjLst>
+                  <dgm:adj idx="1" val="0.55"/>
+                  <dgm:adj idx="2" val="0.45"/>
+                </dgm:adjLst>
+              </dgm:shape>
+              <dgm:presOf axis="ch" ptType="sibTrans" cnt="1"/>
+              <dgm:constrLst>
+                <dgm:constr type="lMarg" refType="primFontSz" fact="0.1"/>
+                <dgm:constr type="rMarg" refType="primFontSz" fact="0.1"/>
+                <dgm:constr type="tMarg" refType="primFontSz" fact="0.1"/>
+                <dgm:constr type="bMarg" refType="primFontSz" fact="0.1"/>
+              </dgm:constrLst>
+              <dgm:ruleLst>
+                <dgm:rule type="primFontSz" val="5" fact="NaN" max="NaN"/>
+              </dgm:ruleLst>
+            </dgm:layoutNode>
+            <dgm:layoutNode name="TwoNodes_1_text">
+              <dgm:varLst>
+                <dgm:bulletEnabled val="1"/>
+              </dgm:varLst>
+              <dgm:alg type="tx">
+                <dgm:param type="parTxLTRAlign" val="l"/>
+                <dgm:param type="txAnchorVertCh" val="mid"/>
+              </dgm:alg>
+              <dgm:shape xmlns:r="http://schemas.openxmlformats.org/officeDocument/2006/relationships" type="roundRect" r:blip="" hideGeom="1">
+                <dgm:adjLst>
+                  <dgm:adj idx="1" val="0.1"/>
+                </dgm:adjLst>
+              </dgm:shape>
+              <dgm:presOf axis="ch desOrSelf" ptType="node node" st="1 1" cnt="1 0"/>
+              <dgm:constrLst>
+                <dgm:constr type="lMarg" refType="primFontSz" fact="0.3"/>
+                <dgm:constr type="rMarg" refType="primFontSz" fact="0.3"/>
+                <dgm:constr type="tMarg" refType="primFontSz" fact="0.3"/>
+                <dgm:constr type="bMarg" refType="primFontSz" fact="0.3"/>
+              </dgm:constrLst>
+              <dgm:ruleLst>
+                <dgm:rule type="primFontSz" val="5" fact="NaN" max="NaN"/>
+              </dgm:ruleLst>
+            </dgm:layoutNode>
+            <dgm:layoutNode name="TwoNodes_2_text">
+              <dgm:varLst>
+                <dgm:bulletEnabled val="1"/>
+              </dgm:varLst>
+              <dgm:alg type="tx">
+                <dgm:param type="parTxLTRAlign" val="l"/>
+                <dgm:param type="txAnchorVertCh" val="mid"/>
+              </dgm:alg>
+              <dgm:shape xmlns:r="http://schemas.openxmlformats.org/officeDocument/2006/relationships" type="roundRect" r:blip="" hideGeom="1">
+                <dgm:adjLst>
+                  <dgm:adj idx="1" val="0.1"/>
+                </dgm:adjLst>
+              </dgm:shape>
+              <dgm:presOf axis="ch desOrSelf" ptType="node node" st="2 1" cnt="1 0"/>
+              <dgm:constrLst>
+                <dgm:constr type="lMarg" refType="primFontSz" fact="0.3"/>
+                <dgm:constr type="rMarg" refType="primFontSz" fact="0.3"/>
+                <dgm:constr type="tMarg" refType="primFontSz" fact="0.3"/>
+                <dgm:constr type="bMarg" refType="primFontSz" fact="0.3"/>
+              </dgm:constrLst>
+              <dgm:ruleLst>
+                <dgm:rule type="primFontSz" val="5" fact="NaN" max="NaN"/>
+              </dgm:ruleLst>
+            </dgm:layoutNode>
+          </dgm:if>
+          <dgm:else name="Name8">
+            <dgm:choose name="Name9">
+              <dgm:if name="Name10" axis="ch" ptType="node" func="cnt" op="equ" val="3">
+                <dgm:layoutNode name="ThreeNodes_1">
+                  <dgm:varLst>
+                    <dgm:bulletEnabled val="1"/>
+                  </dgm:varLst>
+                  <dgm:alg type="sp"/>
+                  <dgm:shape xmlns:r="http://schemas.openxmlformats.org/officeDocument/2006/relationships" type="roundRect" r:blip="">
+                    <dgm:adjLst>
+                      <dgm:adj idx="1" val="0.1"/>
+                    </dgm:adjLst>
+                  </dgm:shape>
+                  <dgm:presOf axis="ch desOrSelf" ptType="node node" st="1 1" cnt="1 0"/>
+                  <dgm:constrLst/>
+                  <dgm:ruleLst/>
+                </dgm:layoutNode>
+                <dgm:layoutNode name="ThreeNodes_2">
+                  <dgm:varLst>
+                    <dgm:bulletEnabled val="1"/>
+                  </dgm:varLst>
+                  <dgm:alg type="sp"/>
+                  <dgm:shape xmlns:r="http://schemas.openxmlformats.org/officeDocument/2006/relationships" type="roundRect" r:blip="">
+                    <dgm:adjLst>
+                      <dgm:adj idx="1" val="0.1"/>
+                    </dgm:adjLst>
+                  </dgm:shape>
+                  <dgm:presOf axis="ch desOrSelf" ptType="node node" st="2 1" cnt="1 0"/>
+                  <dgm:constrLst/>
+                  <dgm:ruleLst/>
+                </dgm:layoutNode>
+                <dgm:layoutNode name="ThreeNodes_3">
+                  <dgm:varLst>
+                    <dgm:bulletEnabled val="1"/>
+                  </dgm:varLst>
+                  <dgm:alg type="sp"/>
+                  <dgm:shape xmlns:r="http://schemas.openxmlformats.org/officeDocument/2006/relationships" type="roundRect" r:blip="">
+                    <dgm:adjLst>
+                      <dgm:adj idx="1" val="0.1"/>
+                    </dgm:adjLst>
+                  </dgm:shape>
+                  <dgm:presOf axis="ch desOrSelf" ptType="node node" st="3 1" cnt="1 0"/>
+                  <dgm:constrLst/>
+                  <dgm:ruleLst/>
+                </dgm:layoutNode>
+                <dgm:layoutNode name="ThreeConn_1-2" styleLbl="fgAccFollowNode1">
+                  <dgm:varLst>
+                    <dgm:bulletEnabled val="1"/>
+                  </dgm:varLst>
+                  <dgm:alg type="tx"/>
+                  <dgm:shape xmlns:r="http://schemas.openxmlformats.org/officeDocument/2006/relationships" type="downArrow" r:blip="">
+                    <dgm:adjLst>
+                      <dgm:adj idx="1" val="0.55"/>
+                      <dgm:adj idx="2" val="0.45"/>
+                    </dgm:adjLst>
+                  </dgm:shape>
+                  <dgm:presOf axis="ch" ptType="sibTrans" cnt="1"/>
+                  <dgm:constrLst>
+                    <dgm:constr type="lMarg" refType="primFontSz" fact="0.1"/>
+                    <dgm:constr type="rMarg" refType="primFontSz" fact="0.1"/>
+                    <dgm:constr type="tMarg" refType="primFontSz" fact="0.1"/>
+                    <dgm:constr type="bMarg" refType="primFontSz" fact="0.1"/>
+                  </dgm:constrLst>
+                  <dgm:ruleLst>
+                    <dgm:rule type="primFontSz" val="5" fact="NaN" max="NaN"/>
+                  </dgm:ruleLst>
+                </dgm:layoutNode>
+                <dgm:layoutNode name="ThreeConn_2-3" styleLbl="fgAccFollowNode1">
+                  <dgm:varLst>
+                    <dgm:bulletEnabled val="1"/>
+                  </dgm:varLst>
+                  <dgm:alg type="tx"/>
+                  <dgm:shape xmlns:r="http://schemas.openxmlformats.org/officeDocument/2006/relationships" type="downArrow" r:blip="">
+                    <dgm:adjLst>
+                      <dgm:adj idx="1" val="0.55"/>
+                      <dgm:adj idx="2" val="0.45"/>
+                    </dgm:adjLst>
+                  </dgm:shape>
+                  <dgm:presOf axis="ch" ptType="sibTrans" st="2" cnt="1"/>
+                  <dgm:constrLst>
+                    <dgm:constr type="lMarg" refType="primFontSz" fact="0.1"/>
+                    <dgm:constr type="rMarg" refType="primFontSz" fact="0.1"/>
+                    <dgm:constr type="tMarg" refType="primFontSz" fact="0.1"/>
+                    <dgm:constr type="bMarg" refType="primFontSz" fact="0.1"/>
+                  </dgm:constrLst>
+                  <dgm:ruleLst>
+                    <dgm:rule type="primFontSz" val="5" fact="NaN" max="NaN"/>
+                  </dgm:ruleLst>
+                </dgm:layoutNode>
+                <dgm:layoutNode name="ThreeNodes_1_text">
+                  <dgm:varLst>
+                    <dgm:bulletEnabled val="1"/>
+                  </dgm:varLst>
+                  <dgm:alg type="tx">
+                    <dgm:param type="parTxLTRAlign" val="l"/>
+                    <dgm:param type="txAnchorVertCh" val="mid"/>
+                  </dgm:alg>
+                  <dgm:shape xmlns:r="http://schemas.openxmlformats.org/officeDocument/2006/relationships" type="roundRect" r:blip="" hideGeom="1">
+                    <dgm:adjLst>
+                      <dgm:adj idx="1" val="0.1"/>
+                    </dgm:adjLst>
+                  </dgm:shape>
+                  <dgm:presOf axis="ch desOrSelf" ptType="node node" st="1 1" cnt="1 0"/>
+                  <dgm:constrLst>
+                    <dgm:constr type="lMarg" refType="primFontSz" fact="0.3"/>
+                    <dgm:constr type="rMarg" refType="primFontSz" fact="0.3"/>
+                    <dgm:constr type="tMarg" refType="primFontSz" fact="0.3"/>
+                    <dgm:constr type="bMarg" refType="primFontSz" fact="0.3"/>
+                  </dgm:constrLst>
+                  <dgm:ruleLst>
+                    <dgm:rule type="primFontSz" val="5" fact="NaN" max="NaN"/>
+                  </dgm:ruleLst>
+                </dgm:layoutNode>
+                <dgm:layoutNode name="ThreeNodes_2_text">
+                  <dgm:varLst>
+                    <dgm:bulletEnabled val="1"/>
+                  </dgm:varLst>
+                  <dgm:alg type="tx">
+                    <dgm:param type="parTxLTRAlign" val="l"/>
+                    <dgm:param type="txAnchorVertCh" val="mid"/>
+                  </dgm:alg>
+                  <dgm:shape xmlns:r="http://schemas.openxmlformats.org/officeDocument/2006/relationships" type="roundRect" r:blip="" hideGeom="1">
+                    <dgm:adjLst>
+                      <dgm:adj idx="1" val="0.1"/>
+                    </dgm:adjLst>
+                  </dgm:shape>
+                  <dgm:presOf axis="ch desOrSelf" ptType="node node" st="2 1" cnt="1 0"/>
+                  <dgm:constrLst>
+                    <dgm:constr type="lMarg" refType="primFontSz" fact="0.3"/>
+                    <dgm:constr type="rMarg" refType="primFontSz" fact="0.3"/>
+                    <dgm:constr type="tMarg" refType="primFontSz" fact="0.3"/>
+                    <dgm:constr type="bMarg" refType="primFontSz" fact="0.3"/>
+                  </dgm:constrLst>
+                  <dgm:ruleLst>
+                    <dgm:rule type="primFontSz" val="5" fact="NaN" max="NaN"/>
+                  </dgm:ruleLst>
+                </dgm:layoutNode>
+                <dgm:layoutNode name="ThreeNodes_3_text">
+                  <dgm:varLst>
+                    <dgm:bulletEnabled val="1"/>
+                  </dgm:varLst>
+                  <dgm:alg type="tx">
+                    <dgm:param type="parTxLTRAlign" val="l"/>
+                    <dgm:param type="txAnchorVertCh" val="mid"/>
+                  </dgm:alg>
+                  <dgm:shape xmlns:r="http://schemas.openxmlformats.org/officeDocument/2006/relationships" type="roundRect" r:blip="" hideGeom="1">
+                    <dgm:adjLst>
+                      <dgm:adj idx="1" val="0.1"/>
+                    </dgm:adjLst>
+                  </dgm:shape>
+                  <dgm:presOf axis="ch desOrSelf" ptType="node node" st="3 1" cnt="1 0"/>
+                  <dgm:constrLst>
+                    <dgm:constr type="lMarg" refType="primFontSz" fact="0.3"/>
+                    <dgm:constr type="rMarg" refType="primFontSz" fact="0.3"/>
+                    <dgm:constr type="tMarg" refType="primFontSz" fact="0.3"/>
+                    <dgm:constr type="bMarg" refType="primFontSz" fact="0.3"/>
+                  </dgm:constrLst>
+                  <dgm:ruleLst>
+                    <dgm:rule type="primFontSz" val="5" fact="NaN" max="NaN"/>
+                  </dgm:ruleLst>
+                </dgm:layoutNode>
+              </dgm:if>
+              <dgm:else name="Name11">
+                <dgm:choose name="Name12">
+                  <dgm:if name="Name13" axis="ch" ptType="node" func="cnt" op="equ" val="4">
+                    <dgm:layoutNode name="FourNodes_1">
+                      <dgm:varLst>
+                        <dgm:bulletEnabled val="1"/>
+                      </dgm:varLst>
+                      <dgm:alg type="sp"/>
+                      <dgm:shape xmlns:r="http://schemas.openxmlformats.org/officeDocument/2006/relationships" type="roundRect" r:blip="">
+                        <dgm:adjLst>
+                          <dgm:adj idx="1" val="0.1"/>
+                        </dgm:adjLst>
+                      </dgm:shape>
+                      <dgm:presOf axis="ch desOrSelf" ptType="node node" st="1 1" cnt="1 0"/>
+                      <dgm:constrLst/>
+                      <dgm:ruleLst/>
+                    </dgm:layoutNode>
+                    <dgm:layoutNode name="FourNodes_2">
+                      <dgm:varLst>
+                        <dgm:bulletEnabled val="1"/>
+                      </dgm:varLst>
+                      <dgm:alg type="sp"/>
+                      <dgm:shape xmlns:r="http://schemas.openxmlformats.org/officeDocument/2006/relationships" type="roundRect" r:blip="">
+                        <dgm:adjLst>
+                          <dgm:adj idx="1" val="0.1"/>
+                        </dgm:adjLst>
+                      </dgm:shape>
+                      <dgm:presOf axis="ch desOrSelf" ptType="node node" st="2 1" cnt="1 0"/>
+                      <dgm:constrLst/>
+                      <dgm:ruleLst/>
+                    </dgm:layoutNode>
+                    <dgm:layoutNode name="FourNodes_3">
+                      <dgm:varLst>
+                        <dgm:bulletEnabled val="1"/>
+                      </dgm:varLst>
+                      <dgm:alg type="sp"/>
+                      <dgm:shape xmlns:r="http://schemas.openxmlformats.org/officeDocument/2006/relationships" type="roundRect" r:blip="">
+                        <dgm:adjLst>
+                          <dgm:adj idx="1" val="0.1"/>
+                        </dgm:adjLst>
+                      </dgm:shape>
+                      <dgm:presOf axis="ch desOrSelf" ptType="node node" st="3 1" cnt="1 0"/>
+                      <dgm:constrLst/>
+                      <dgm:ruleLst/>
+                    </dgm:layoutNode>
+                    <dgm:layoutNode name="FourNodes_4">
+                      <dgm:varLst>
+                        <dgm:bulletEnabled val="1"/>
+                      </dgm:varLst>
+                      <dgm:alg type="sp"/>
+                      <dgm:shape xmlns:r="http://schemas.openxmlformats.org/officeDocument/2006/relationships" type="roundRect" r:blip="">
+                        <dgm:adjLst>
+                          <dgm:adj idx="1" val="0.1"/>
+                        </dgm:adjLst>
+                      </dgm:shape>
+                      <dgm:presOf axis="ch desOrSelf" ptType="node node" st="4 1" cnt="1 0"/>
+                      <dgm:constrLst/>
+                      <dgm:ruleLst/>
+                    </dgm:layoutNode>
+                    <dgm:layoutNode name="FourConn_1-2" styleLbl="fgAccFollowNode1">
+                      <dgm:varLst>
+                        <dgm:bulletEnabled val="1"/>
+                      </dgm:varLst>
+                      <dgm:alg type="tx"/>
+                      <dgm:shape xmlns:r="http://schemas.openxmlformats.org/officeDocument/2006/relationships" type="downArrow" r:blip="">
+                        <dgm:adjLst>
+                          <dgm:adj idx="1" val="0.55"/>
+                          <dgm:adj idx="2" val="0.45"/>
+                        </dgm:adjLst>
+                      </dgm:shape>
+                      <dgm:presOf axis="ch" ptType="sibTrans" cnt="1"/>
+                      <dgm:constrLst>
+                        <dgm:constr type="lMarg" refType="primFontSz" fact="0.1"/>
+                        <dgm:constr type="rMarg" refType="primFontSz" fact="0.1"/>
+                        <dgm:constr type="tMarg" refType="primFontSz" fact="0.1"/>
+                        <dgm:constr type="bMarg" refType="primFontSz" fact="0.1"/>
+                      </dgm:constrLst>
+                      <dgm:ruleLst>
+                        <dgm:rule type="primFontSz" val="5" fact="NaN" max="NaN"/>
+                      </dgm:ruleLst>
+                    </dgm:layoutNode>
+                    <dgm:layoutNode name="FourConn_2-3" styleLbl="fgAccFollowNode1">
+                      <dgm:varLst>
+                        <dgm:bulletEnabled val="1"/>
+                      </dgm:varLst>
+                      <dgm:alg type="tx"/>
+                      <dgm:shape xmlns:r="http://schemas.openxmlformats.org/officeDocument/2006/relationships" type="downArrow" r:blip="">
+                        <dgm:adjLst>
+                          <dgm:adj idx="1" val="0.55"/>
+                          <dgm:adj idx="2" val="0.45"/>
+                        </dgm:adjLst>
+                      </dgm:shape>
+                      <dgm:presOf axis="ch" ptType="sibTrans" st="2" cnt="1"/>
+                      <dgm:constrLst>
+                        <dgm:constr type="lMarg" refType="primFontSz" fact="0.1"/>
+                        <dgm:constr type="rMarg" refType="primFontSz" fact="0.1"/>
+                        <dgm:constr type="tMarg" refType="primFontSz" fact="0.1"/>
+                        <dgm:constr type="bMarg" refType="primFontSz" fact="0.1"/>
+                      </dgm:constrLst>
+                      <dgm:ruleLst>
+                        <dgm:rule type="primFontSz" val="5" fact="NaN" max="NaN"/>
+                      </dgm:ruleLst>
+                    </dgm:layoutNode>
+                    <dgm:layoutNode name="FourConn_3-4" styleLbl="fgAccFollowNode1">
+                      <dgm:varLst>
+                        <dgm:bulletEnabled val="1"/>
+                      </dgm:varLst>
+                      <dgm:alg type="tx"/>
+                      <dgm:shape xmlns:r="http://schemas.openxmlformats.org/officeDocument/2006/relationships" type="downArrow" r:blip="">
+                        <dgm:adjLst>
+                          <dgm:adj idx="1" val="0.55"/>
+                          <dgm:adj idx="2" val="0.45"/>
+                        </dgm:adjLst>
+                      </dgm:shape>
+                      <dgm:presOf axis="ch" ptType="sibTrans" st="3" cnt="1"/>
+                      <dgm:constrLst>
+                        <dgm:constr type="lMarg" refType="primFontSz" fact="0.1"/>
+                        <dgm:constr type="rMarg" refType="primFontSz" fact="0.1"/>
+                        <dgm:constr type="tMarg" refType="primFontSz" fact="0.1"/>
+                        <dgm:constr type="bMarg" refType="primFontSz" fact="0.1"/>
+                      </dgm:constrLst>
+                      <dgm:ruleLst>
+                        <dgm:rule type="primFontSz" val="5" fact="NaN" max="NaN"/>
+                      </dgm:ruleLst>
+                    </dgm:layoutNode>
+                    <dgm:layoutNode name="FourNodes_1_text">
+                      <dgm:varLst>
+                        <dgm:bulletEnabled val="1"/>
+                      </dgm:varLst>
+                      <dgm:alg type="tx">
+                        <dgm:param type="parTxLTRAlign" val="l"/>
+                        <dgm:param type="txAnchorVertCh" val="mid"/>
+                      </dgm:alg>
+                      <dgm:shape xmlns:r="http://schemas.openxmlformats.org/officeDocument/2006/relationships" type="roundRect" r:blip="" hideGeom="1">
+                        <dgm:adjLst>
+                          <dgm:adj idx="1" val="0.1"/>
+                        </dgm:adjLst>
+                      </dgm:shape>
+                      <dgm:presOf axis="ch desOrSelf" ptType="node node" st="1 1" cnt="1 0"/>
+                      <dgm:constrLst>
+                        <dgm:constr type="lMarg" refType="primFontSz" fact="0.3"/>
+                        <dgm:constr type="rMarg" refType="primFontSz" fact="0.3"/>
+                        <dgm:constr type="tMarg" refType="primFontSz" fact="0.3"/>
+                        <dgm:constr type="bMarg" refType="primFontSz" fact="0.3"/>
+                      </dgm:constrLst>
+                      <dgm:ruleLst>
+                        <dgm:rule type="primFontSz" val="5" fact="NaN" max="NaN"/>
+                      </dgm:ruleLst>
+                    </dgm:layoutNode>
+                    <dgm:layoutNode name="FourNodes_2_text">
+                      <dgm:varLst>
+                        <dgm:bulletEnabled val="1"/>
+                      </dgm:varLst>
+                      <dgm:alg type="tx">
+                        <dgm:param type="parTxLTRAlign" val="l"/>
+                        <dgm:param type="txAnchorVertCh" val="mid"/>
+                      </dgm:alg>
+                      <dgm:shape xmlns:r="http://schemas.openxmlformats.org/officeDocument/2006/relationships" type="roundRect" r:blip="" hideGeom="1">
+                        <dgm:adjLst>
+                          <dgm:adj idx="1" val="0.1"/>
+                        </dgm:adjLst>
+                      </dgm:shape>
+                      <dgm:presOf axis="ch desOrSelf" ptType="node node" st="2 1" cnt="1 0"/>
+                      <dgm:constrLst>
+                        <dgm:constr type="lMarg" refType="primFontSz" fact="0.3"/>
+                        <dgm:constr type="rMarg" refType="primFontSz" fact="0.3"/>
+                        <dgm:constr type="tMarg" refType="primFontSz" fact="0.3"/>
+                        <dgm:constr type="bMarg" refType="primFontSz" fact="0.3"/>
+                      </dgm:constrLst>
+                      <dgm:ruleLst>
+                        <dgm:rule type="primFontSz" val="5" fact="NaN" max="NaN"/>
+                      </dgm:ruleLst>
+                    </dgm:layoutNode>
+                    <dgm:layoutNode name="FourNodes_3_text">
+                      <dgm:varLst>
+                        <dgm:bulletEnabled val="1"/>
+                      </dgm:varLst>
+                      <dgm:alg type="tx">
+                        <dgm:param type="parTxLTRAlign" val="l"/>
+                        <dgm:param type="txAnchorVertCh" val="mid"/>
+                      </dgm:alg>
+                      <dgm:shape xmlns:r="http://schemas.openxmlformats.org/officeDocument/2006/relationships" type="roundRect" r:blip="" hideGeom="1">
+                        <dgm:adjLst>
+                          <dgm:adj idx="1" val="0.1"/>
+                        </dgm:adjLst>
+                      </dgm:shape>
+                      <dgm:presOf axis="ch desOrSelf" ptType="node node" st="3 1" cnt="1 0"/>
+                      <dgm:constrLst>
+                        <dgm:constr type="lMarg" refType="primFontSz" fact="0.3"/>
+                        <dgm:constr type="rMarg" refType="primFontSz" fact="0.3"/>
+                        <dgm:constr type="tMarg" refType="primFontSz" fact="0.3"/>
+                        <dgm:constr type="bMarg" refType="primFontSz" fact="0.3"/>
+                      </dgm:constrLst>
+                      <dgm:ruleLst>
+                        <dgm:rule type="primFontSz" val="5" fact="NaN" max="NaN"/>
+                      </dgm:ruleLst>
+                    </dgm:layoutNode>
+                    <dgm:layoutNode name="FourNodes_4_text">
+                      <dgm:varLst>
+                        <dgm:bulletEnabled val="1"/>
+                      </dgm:varLst>
+                      <dgm:alg type="tx">
+                        <dgm:param type="parTxLTRAlign" val="l"/>
+                        <dgm:param type="txAnchorVertCh" val="mid"/>
+                      </dgm:alg>
+                      <dgm:shape xmlns:r="http://schemas.openxmlformats.org/officeDocument/2006/relationships" type="roundRect" r:blip="" hideGeom="1">
+                        <dgm:adjLst>
+                          <dgm:adj idx="1" val="0.1"/>
+                        </dgm:adjLst>
+                      </dgm:shape>
+                      <dgm:presOf axis="ch desOrSelf" ptType="node node" st="4 1" cnt="1 0"/>
+                      <dgm:constrLst>
+                        <dgm:constr type="lMarg" refType="primFontSz" fact="0.3"/>
+                        <dgm:constr type="rMarg" refType="primFontSz" fact="0.3"/>
+                        <dgm:constr type="tMarg" refType="primFontSz" fact="0.3"/>
+                        <dgm:constr type="bMarg" refType="primFontSz" fact="0.3"/>
+                      </dgm:constrLst>
+                      <dgm:ruleLst>
+                        <dgm:rule type="primFontSz" val="5" fact="NaN" max="NaN"/>
+                      </dgm:ruleLst>
+                    </dgm:layoutNode>
+                  </dgm:if>
+                  <dgm:else name="Name14">
+                    <dgm:choose name="Name15">
+                      <dgm:if name="Name16" axis="ch" ptType="node" func="cnt" op="gte" val="5">
+                        <dgm:layoutNode name="FiveNodes_1">
+                          <dgm:varLst>
+                            <dgm:bulletEnabled val="1"/>
+                          </dgm:varLst>
+                          <dgm:alg type="sp"/>
+                          <dgm:shape xmlns:r="http://schemas.openxmlformats.org/officeDocument/2006/relationships" type="roundRect" r:blip="">
+                            <dgm:adjLst>
+                              <dgm:adj idx="1" val="0.1"/>
+                            </dgm:adjLst>
+                          </dgm:shape>
+                          <dgm:presOf axis="ch desOrSelf" ptType="node node" st="1 1" cnt="1 0"/>
+                          <dgm:constrLst/>
+                          <dgm:ruleLst/>
+                        </dgm:layoutNode>
+                        <dgm:layoutNode name="FiveNodes_2">
+                          <dgm:varLst>
+                            <dgm:bulletEnabled val="1"/>
+                          </dgm:varLst>
+                          <dgm:alg type="sp"/>
+                          <dgm:shape xmlns:r="http://schemas.openxmlformats.org/officeDocument/2006/relationships" type="roundRect" r:blip="">
+                            <dgm:adjLst>
+                              <dgm:adj idx="1" val="0.1"/>
+                            </dgm:adjLst>
+                          </dgm:shape>
+                          <dgm:presOf axis="ch desOrSelf" ptType="node node" st="2 1" cnt="1 0"/>
+                          <dgm:constrLst/>
+                          <dgm:ruleLst/>
+                        </dgm:layoutNode>
+                        <dgm:layoutNode name="FiveNodes_3">
+                          <dgm:varLst>
+                            <dgm:bulletEnabled val="1"/>
+                          </dgm:varLst>
+                          <dgm:alg type="sp"/>
+                          <dgm:shape xmlns:r="http://schemas.openxmlformats.org/officeDocument/2006/relationships" type="roundRect" r:blip="">
+                            <dgm:adjLst>
+                              <dgm:adj idx="1" val="0.1"/>
+                            </dgm:adjLst>
+                          </dgm:shape>
+                          <dgm:presOf axis="ch desOrSelf" ptType="node node" st="3 1" cnt="1 0"/>
+                          <dgm:constrLst/>
+                          <dgm:ruleLst/>
+                        </dgm:layoutNode>
+                        <dgm:layoutNode name="FiveNodes_4">
+                          <dgm:varLst>
+                            <dgm:bulletEnabled val="1"/>
+                          </dgm:varLst>
+                          <dgm:alg type="sp"/>
+                          <dgm:shape xmlns:r="http://schemas.openxmlformats.org/officeDocument/2006/relationships" type="roundRect" r:blip="">
+                            <dgm:adjLst>
+                              <dgm:adj idx="1" val="0.1"/>
+                            </dgm:adjLst>
+                          </dgm:shape>
+                          <dgm:presOf axis="ch desOrSelf" ptType="node node" st="4 1" cnt="1 0"/>
+                          <dgm:constrLst/>
+                          <dgm:ruleLst/>
+                        </dgm:layoutNode>
+                        <dgm:layoutNode name="FiveNodes_5">
+                          <dgm:varLst>
+                            <dgm:bulletEnabled val="1"/>
+                          </dgm:varLst>
+                          <dgm:alg type="sp"/>
+                          <dgm:shape xmlns:r="http://schemas.openxmlformats.org/officeDocument/2006/relationships" type="roundRect" r:blip="">
+                            <dgm:adjLst>
+                              <dgm:adj idx="1" val="0.1"/>
+                            </dgm:adjLst>
+                          </dgm:shape>
+                          <dgm:presOf axis="ch desOrSelf" ptType="node node" st="5 1" cnt="1 0"/>
+                          <dgm:constrLst/>
+                          <dgm:ruleLst/>
+                        </dgm:layoutNode>
+                        <dgm:layoutNode name="FiveConn_1-2" styleLbl="fgAccFollowNode1">
+                          <dgm:varLst>
+                            <dgm:bulletEnabled val="1"/>
+                          </dgm:varLst>
+                          <dgm:alg type="tx"/>
+                          <dgm:shape xmlns:r="http://schemas.openxmlformats.org/officeDocument/2006/relationships" type="downArrow" r:blip="">
+                            <dgm:adjLst>
+                              <dgm:adj idx="1" val="0.55"/>
+                              <dgm:adj idx="2" val="0.45"/>
+                            </dgm:adjLst>
+                          </dgm:shape>
+                          <dgm:presOf axis="ch" ptType="sibTrans" cnt="1"/>
+                          <dgm:constrLst>
+                            <dgm:constr type="lMarg" refType="primFontSz" fact="0.1"/>
+                            <dgm:constr type="rMarg" refType="primFontSz" fact="0.1"/>
+                            <dgm:constr type="tMarg" refType="primFontSz" fact="0.1"/>
+                            <dgm:constr type="bMarg" refType="primFontSz" fact="0.1"/>
+                          </dgm:constrLst>
+                          <dgm:ruleLst>
+                            <dgm:rule type="primFontSz" val="5" fact="NaN" max="NaN"/>
+                          </dgm:ruleLst>
+                        </dgm:layoutNode>
+                        <dgm:layoutNode name="FiveConn_2-3" styleLbl="fgAccFollowNode1">
+                          <dgm:varLst>
+                            <dgm:bulletEnabled val="1"/>
+                          </dgm:varLst>
+                          <dgm:alg type="tx"/>
+                          <dgm:shape xmlns:r="http://schemas.openxmlformats.org/officeDocument/2006/relationships" type="downArrow" r:blip="">
+                            <dgm:adjLst>
+                              <dgm:adj idx="1" val="0.55"/>
+                              <dgm:adj idx="2" val="0.45"/>
+                            </dgm:adjLst>
+                          </dgm:shape>
+                          <dgm:presOf axis="ch" ptType="sibTrans" st="2" cnt="1"/>
+                          <dgm:constrLst>
+                            <dgm:constr type="lMarg" refType="primFontSz" fact="0.1"/>
+                            <dgm:constr type="rMarg" refType="primFontSz" fact="0.1"/>
+                            <dgm:constr type="tMarg" refType="primFontSz" fact="0.1"/>
+                            <dgm:constr type="bMarg" refType="primFontSz" fact="0.1"/>
+                          </dgm:constrLst>
+                          <dgm:ruleLst>
+                            <dgm:rule type="primFontSz" val="5" fact="NaN" max="NaN"/>
+                          </dgm:ruleLst>
+                        </dgm:layoutNode>
+                        <dgm:layoutNode name="FiveConn_3-4" styleLbl="fgAccFollowNode1">
+                          <dgm:varLst>
+                            <dgm:bulletEnabled val="1"/>
+                          </dgm:varLst>
+                          <dgm:alg type="tx"/>
+                          <dgm:shape xmlns:r="http://schemas.openxmlformats.org/officeDocument/2006/relationships" type="downArrow" r:blip="">
+                            <dgm:adjLst>
+                              <dgm:adj idx="1" val="0.55"/>
+                              <dgm:adj idx="2" val="0.45"/>
+                            </dgm:adjLst>
+                          </dgm:shape>
+                          <dgm:presOf axis="ch" ptType="sibTrans" st="3" cnt="1"/>
+                          <dgm:constrLst>
+                            <dgm:constr type="lMarg" refType="primFontSz" fact="0.1"/>
+                            <dgm:constr type="rMarg" refType="primFontSz" fact="0.1"/>
+                            <dgm:constr type="tMarg" refType="primFontSz" fact="0.1"/>
+                            <dgm:constr type="bMarg" refType="primFontSz" fact="0.1"/>
+                          </dgm:constrLst>
+                          <dgm:ruleLst>
+                            <dgm:rule type="primFontSz" val="5" fact="NaN" max="NaN"/>
+                          </dgm:ruleLst>
+                        </dgm:layoutNode>
+                        <dgm:layoutNode name="FiveConn_4-5" styleLbl="fgAccFollowNode1">
+                          <dgm:varLst>
+                            <dgm:bulletEnabled val="1"/>
+                          </dgm:varLst>
+                          <dgm:alg type="tx"/>
+                          <dgm:shape xmlns:r="http://schemas.openxmlformats.org/officeDocument/2006/relationships" type="downArrow" r:blip="">
+                            <dgm:adjLst>
+                              <dgm:adj idx="1" val="0.55"/>
+                              <dgm:adj idx="2" val="0.45"/>
+                            </dgm:adjLst>
+                          </dgm:shape>
+                          <dgm:presOf axis="ch" ptType="sibTrans" st="4" cnt="1"/>
+                          <dgm:constrLst>
+                            <dgm:constr type="lMarg" refType="primFontSz" fact="0.1"/>
+                            <dgm:constr type="rMarg" refType="primFontSz" fact="0.1"/>
+                            <dgm:constr type="tMarg" refType="primFontSz" fact="0.1"/>
+                            <dgm:constr type="bMarg" refType="primFontSz" fact="0.1"/>
+                          </dgm:constrLst>
+                          <dgm:ruleLst>
+                            <dgm:rule type="primFontSz" val="5" fact="NaN" max="NaN"/>
+                          </dgm:ruleLst>
+                        </dgm:layoutNode>
+                        <dgm:layoutNode name="FiveNodes_1_text">
+                          <dgm:varLst>
+                            <dgm:bulletEnabled val="1"/>
+                          </dgm:varLst>
+                          <dgm:alg type="tx">
+                            <dgm:param type="parTxLTRAlign" val="l"/>
+                            <dgm:param type="txAnchorVertCh" val="mid"/>
+                          </dgm:alg>
+                          <dgm:shape xmlns:r="http://schemas.openxmlformats.org/officeDocument/2006/relationships" type="roundRect" r:blip="" hideGeom="1">
+                            <dgm:adjLst>
+                              <dgm:adj idx="1" val="0.1"/>
+                            </dgm:adjLst>
+                          </dgm:shape>
+                          <dgm:presOf axis="ch desOrSelf" ptType="node node" st="1 1" cnt="1 0"/>
+                          <dgm:constrLst>
+                            <dgm:constr type="lMarg" refType="primFontSz" fact="0.3"/>
+                            <dgm:constr type="rMarg" refType="primFontSz" fact="0.3"/>
+                            <dgm:constr type="tMarg" refType="primFontSz" fact="0.3"/>
+                            <dgm:constr type="bMarg" refType="primFontSz" fact="0.3"/>
+                          </dgm:constrLst>
+                          <dgm:ruleLst>
+                            <dgm:rule type="primFontSz" val="5" fact="NaN" max="NaN"/>
+                          </dgm:ruleLst>
+                        </dgm:layoutNode>
+                        <dgm:layoutNode name="FiveNodes_2_text">
+                          <dgm:varLst>
+                            <dgm:bulletEnabled val="1"/>
+                          </dgm:varLst>
+                          <dgm:alg type="tx">
+                            <dgm:param type="parTxLTRAlign" val="l"/>
+                            <dgm:param type="txAnchorVertCh" val="mid"/>
+                          </dgm:alg>
+                          <dgm:shape xmlns:r="http://schemas.openxmlformats.org/officeDocument/2006/relationships" type="roundRect" r:blip="" hideGeom="1">
+                            <dgm:adjLst>
+                              <dgm:adj idx="1" val="0.1"/>
+                            </dgm:adjLst>
+                          </dgm:shape>
+                          <dgm:presOf axis="ch desOrSelf" ptType="node node" st="2 1" cnt="1 0"/>
+                          <dgm:constrLst>
+                            <dgm:constr type="lMarg" refType="primFontSz" fact="0.3"/>
+                            <dgm:constr type="rMarg" refType="primFontSz" fact="0.3"/>
+                            <dgm:constr type="tMarg" refType="primFontSz" fact="0.3"/>
+                            <dgm:constr type="bMarg" refType="primFontSz" fact="0.3"/>
+                          </dgm:constrLst>
+                          <dgm:ruleLst>
+                            <dgm:rule type="primFontSz" val="5" fact="NaN" max="NaN"/>
+                          </dgm:ruleLst>
+                        </dgm:layoutNode>
+                        <dgm:layoutNode name="FiveNodes_3_text">
+                          <dgm:varLst>
+                            <dgm:bulletEnabled val="1"/>
+                          </dgm:varLst>
+                          <dgm:alg type="tx">
+                            <dgm:param type="parTxLTRAlign" val="l"/>
+                            <dgm:param type="txAnchorVertCh" val="mid"/>
+                          </dgm:alg>
+                          <dgm:shape xmlns:r="http://schemas.openxmlformats.org/officeDocument/2006/relationships" type="roundRect" r:blip="" hideGeom="1">
+                            <dgm:adjLst>
+                              <dgm:adj idx="1" val="0.1"/>
+                            </dgm:adjLst>
+                          </dgm:shape>
+                          <dgm:presOf axis="ch desOrSelf" ptType="node node" st="3 1" cnt="1 0"/>
+                          <dgm:constrLst>
+                            <dgm:constr type="lMarg" refType="primFontSz" fact="0.3"/>
+                            <dgm:constr type="rMarg" refType="primFontSz" fact="0.3"/>
+                            <dgm:constr type="tMarg" refType="primFontSz" fact="0.3"/>
+                            <dgm:constr type="bMarg" refType="primFontSz" fact="0.3"/>
+                          </dgm:constrLst>
+                          <dgm:ruleLst>
+                            <dgm:rule type="primFontSz" val="5" fact="NaN" max="NaN"/>
+                          </dgm:ruleLst>
+                        </dgm:layoutNode>
+                        <dgm:layoutNode name="FiveNodes_4_text">
+                          <dgm:varLst>
+                            <dgm:bulletEnabled val="1"/>
+                          </dgm:varLst>
+                          <dgm:alg type="tx">
+                            <dgm:param type="parTxLTRAlign" val="l"/>
+                            <dgm:param type="txAnchorVertCh" val="mid"/>
+                          </dgm:alg>
+                          <dgm:shape xmlns:r="http://schemas.openxmlformats.org/officeDocument/2006/relationships" type="roundRect" r:blip="" hideGeom="1">
+                            <dgm:adjLst>
+                              <dgm:adj idx="1" val="0.1"/>
+                            </dgm:adjLst>
+                          </dgm:shape>
+                          <dgm:presOf axis="ch desOrSelf" ptType="node node" st="4 1" cnt="1 0"/>
+                          <dgm:constrLst>
+                            <dgm:constr type="lMarg" refType="primFontSz" fact="0.3"/>
+                            <dgm:constr type="rMarg" refType="primFontSz" fact="0.3"/>
+                            <dgm:constr type="tMarg" refType="primFontSz" fact="0.3"/>
+                            <dgm:constr type="bMarg" refType="primFontSz" fact="0.3"/>
+                          </dgm:constrLst>
+                          <dgm:ruleLst>
+                            <dgm:rule type="primFontSz" val="5" fact="NaN" max="NaN"/>
+                          </dgm:ruleLst>
+                        </dgm:layoutNode>
+                        <dgm:layoutNode name="FiveNodes_5_text">
+                          <dgm:varLst>
+                            <dgm:bulletEnabled val="1"/>
+                          </dgm:varLst>
+                          <dgm:alg type="tx">
+                            <dgm:param type="parTxLTRAlign" val="l"/>
+                            <dgm:param type="txAnchorVertCh" val="mid"/>
+                          </dgm:alg>
+                          <dgm:shape xmlns:r="http://schemas.openxmlformats.org/officeDocument/2006/relationships" type="roundRect" r:blip="" hideGeom="1">
+                            <dgm:adjLst>
+                              <dgm:adj idx="1" val="0.1"/>
+                            </dgm:adjLst>
+                          </dgm:shape>
+                          <dgm:presOf axis="ch desOrSelf" ptType="node node" st="5 1" cnt="1 0"/>
+                          <dgm:constrLst>
+                            <dgm:constr type="lMarg" refType="primFontSz" fact="0.3"/>
+                            <dgm:constr type="rMarg" refType="primFontSz" fact="0.3"/>
+                            <dgm:constr type="tMarg" refType="primFontSz" fact="0.3"/>
+                            <dgm:constr type="bMarg" refType="primFontSz" fact="0.3"/>
+                          </dgm:constrLst>
+                          <dgm:ruleLst>
+                            <dgm:rule type="primFontSz" val="5" fact="NaN" max="NaN"/>
+                          </dgm:ruleLst>
+                        </dgm:layoutNode>
+                      </dgm:if>
+                      <dgm:else name="Name17"/>
+                    </dgm:choose>
+                  </dgm:else>
+                </dgm:choose>
+              </dgm:else>
+            </dgm:choose>
+          </dgm:else>
+        </dgm:choose>
+      </dgm:else>
+    </dgm:choose>
+  </dgm:layoutNode>
+</dgm:layoutDef>
+</file>
+
 <file path=ppt/diagrams/quickStyle1.xml><?xml version="1.0" encoding="utf-8"?>
 <dgm:styleDef xmlns:dgm="http://schemas.openxmlformats.org/drawingml/2006/diagram" xmlns:a="http://schemas.openxmlformats.org/drawingml/2006/main" uniqueId="urn:microsoft.com/office/officeart/2005/8/quickstyle/simple1">
   <dgm:title val=""/>
@@ -13003,6 +18381,2074 @@
         <a:scrgbClr r="0" g="0" b="0"/>
       </a:fillRef>
       <a:effectRef idx="0">
+        <a:scrgbClr r="0" g="0" b="0"/>
+      </a:effectRef>
+      <a:fontRef idx="minor"/>
+    </dgm:style>
+  </dgm:styleLbl>
+  <dgm:styleLbl name="revTx">
+    <dgm:scene3d>
+      <a:camera prst="orthographicFront"/>
+      <a:lightRig rig="threePt" dir="t"/>
+    </dgm:scene3d>
+    <dgm:sp3d/>
+    <dgm:txPr/>
+    <dgm:style>
+      <a:lnRef idx="0">
+        <a:scrgbClr r="0" g="0" b="0"/>
+      </a:lnRef>
+      <a:fillRef idx="0">
+        <a:scrgbClr r="0" g="0" b="0"/>
+      </a:fillRef>
+      <a:effectRef idx="0">
+        <a:scrgbClr r="0" g="0" b="0"/>
+      </a:effectRef>
+      <a:fontRef idx="minor"/>
+    </dgm:style>
+  </dgm:styleLbl>
+</dgm:styleDef>
+</file>
+
+<file path=ppt/diagrams/quickStyle6.xml><?xml version="1.0" encoding="utf-8"?>
+<dgm:styleDef xmlns:dgm="http://schemas.openxmlformats.org/drawingml/2006/diagram" xmlns:a="http://schemas.openxmlformats.org/drawingml/2006/main" uniqueId="urn:microsoft.com/office/officeart/2005/8/quickstyle/simple1">
+  <dgm:title val=""/>
+  <dgm:desc val=""/>
+  <dgm:catLst>
+    <dgm:cat type="simple" pri="10100"/>
+  </dgm:catLst>
+  <dgm:scene3d>
+    <a:camera prst="orthographicFront"/>
+    <a:lightRig rig="threePt" dir="t"/>
+  </dgm:scene3d>
+  <dgm:styleLbl name="node0">
+    <dgm:scene3d>
+      <a:camera prst="orthographicFront"/>
+      <a:lightRig rig="threePt" dir="t"/>
+    </dgm:scene3d>
+    <dgm:sp3d/>
+    <dgm:txPr/>
+    <dgm:style>
+      <a:lnRef idx="2">
+        <a:scrgbClr r="0" g="0" b="0"/>
+      </a:lnRef>
+      <a:fillRef idx="1">
+        <a:scrgbClr r="0" g="0" b="0"/>
+      </a:fillRef>
+      <a:effectRef idx="0">
+        <a:scrgbClr r="0" g="0" b="0"/>
+      </a:effectRef>
+      <a:fontRef idx="minor">
+        <a:schemeClr val="lt1"/>
+      </a:fontRef>
+    </dgm:style>
+  </dgm:styleLbl>
+  <dgm:styleLbl name="lnNode1">
+    <dgm:scene3d>
+      <a:camera prst="orthographicFront"/>
+      <a:lightRig rig="threePt" dir="t"/>
+    </dgm:scene3d>
+    <dgm:sp3d/>
+    <dgm:txPr/>
+    <dgm:style>
+      <a:lnRef idx="2">
+        <a:scrgbClr r="0" g="0" b="0"/>
+      </a:lnRef>
+      <a:fillRef idx="1">
+        <a:scrgbClr r="0" g="0" b="0"/>
+      </a:fillRef>
+      <a:effectRef idx="0">
+        <a:scrgbClr r="0" g="0" b="0"/>
+      </a:effectRef>
+      <a:fontRef idx="minor">
+        <a:schemeClr val="lt1"/>
+      </a:fontRef>
+    </dgm:style>
+  </dgm:styleLbl>
+  <dgm:styleLbl name="vennNode1">
+    <dgm:scene3d>
+      <a:camera prst="orthographicFront"/>
+      <a:lightRig rig="threePt" dir="t"/>
+    </dgm:scene3d>
+    <dgm:sp3d/>
+    <dgm:txPr/>
+    <dgm:style>
+      <a:lnRef idx="2">
+        <a:scrgbClr r="0" g="0" b="0"/>
+      </a:lnRef>
+      <a:fillRef idx="1">
+        <a:scrgbClr r="0" g="0" b="0"/>
+      </a:fillRef>
+      <a:effectRef idx="0">
+        <a:scrgbClr r="0" g="0" b="0"/>
+      </a:effectRef>
+      <a:fontRef idx="minor">
+        <a:schemeClr val="tx1"/>
+      </a:fontRef>
+    </dgm:style>
+  </dgm:styleLbl>
+  <dgm:styleLbl name="alignNode1">
+    <dgm:scene3d>
+      <a:camera prst="orthographicFront"/>
+      <a:lightRig rig="threePt" dir="t"/>
+    </dgm:scene3d>
+    <dgm:sp3d/>
+    <dgm:txPr/>
+    <dgm:style>
+      <a:lnRef idx="2">
+        <a:scrgbClr r="0" g="0" b="0"/>
+      </a:lnRef>
+      <a:fillRef idx="1">
+        <a:scrgbClr r="0" g="0" b="0"/>
+      </a:fillRef>
+      <a:effectRef idx="0">
+        <a:scrgbClr r="0" g="0" b="0"/>
+      </a:effectRef>
+      <a:fontRef idx="minor">
+        <a:schemeClr val="lt1"/>
+      </a:fontRef>
+    </dgm:style>
+  </dgm:styleLbl>
+  <dgm:styleLbl name="node1">
+    <dgm:scene3d>
+      <a:camera prst="orthographicFront"/>
+      <a:lightRig rig="threePt" dir="t"/>
+    </dgm:scene3d>
+    <dgm:sp3d/>
+    <dgm:txPr/>
+    <dgm:style>
+      <a:lnRef idx="2">
+        <a:scrgbClr r="0" g="0" b="0"/>
+      </a:lnRef>
+      <a:fillRef idx="1">
+        <a:scrgbClr r="0" g="0" b="0"/>
+      </a:fillRef>
+      <a:effectRef idx="0">
+        <a:scrgbClr r="0" g="0" b="0"/>
+      </a:effectRef>
+      <a:fontRef idx="minor">
+        <a:schemeClr val="lt1"/>
+      </a:fontRef>
+    </dgm:style>
+  </dgm:styleLbl>
+  <dgm:styleLbl name="node2">
+    <dgm:scene3d>
+      <a:camera prst="orthographicFront"/>
+      <a:lightRig rig="threePt" dir="t"/>
+    </dgm:scene3d>
+    <dgm:sp3d/>
+    <dgm:txPr/>
+    <dgm:style>
+      <a:lnRef idx="2">
+        <a:scrgbClr r="0" g="0" b="0"/>
+      </a:lnRef>
+      <a:fillRef idx="1">
+        <a:scrgbClr r="0" g="0" b="0"/>
+      </a:fillRef>
+      <a:effectRef idx="0">
+        <a:scrgbClr r="0" g="0" b="0"/>
+      </a:effectRef>
+      <a:fontRef idx="minor">
+        <a:schemeClr val="lt1"/>
+      </a:fontRef>
+    </dgm:style>
+  </dgm:styleLbl>
+  <dgm:styleLbl name="node3">
+    <dgm:scene3d>
+      <a:camera prst="orthographicFront"/>
+      <a:lightRig rig="threePt" dir="t"/>
+    </dgm:scene3d>
+    <dgm:sp3d/>
+    <dgm:txPr/>
+    <dgm:style>
+      <a:lnRef idx="2">
+        <a:scrgbClr r="0" g="0" b="0"/>
+      </a:lnRef>
+      <a:fillRef idx="1">
+        <a:scrgbClr r="0" g="0" b="0"/>
+      </a:fillRef>
+      <a:effectRef idx="0">
+        <a:scrgbClr r="0" g="0" b="0"/>
+      </a:effectRef>
+      <a:fontRef idx="minor">
+        <a:schemeClr val="lt1"/>
+      </a:fontRef>
+    </dgm:style>
+  </dgm:styleLbl>
+  <dgm:styleLbl name="node4">
+    <dgm:scene3d>
+      <a:camera prst="orthographicFront"/>
+      <a:lightRig rig="threePt" dir="t"/>
+    </dgm:scene3d>
+    <dgm:sp3d/>
+    <dgm:txPr/>
+    <dgm:style>
+      <a:lnRef idx="2">
+        <a:scrgbClr r="0" g="0" b="0"/>
+      </a:lnRef>
+      <a:fillRef idx="1">
+        <a:scrgbClr r="0" g="0" b="0"/>
+      </a:fillRef>
+      <a:effectRef idx="0">
+        <a:scrgbClr r="0" g="0" b="0"/>
+      </a:effectRef>
+      <a:fontRef idx="minor">
+        <a:schemeClr val="lt1"/>
+      </a:fontRef>
+    </dgm:style>
+  </dgm:styleLbl>
+  <dgm:styleLbl name="fgImgPlace1">
+    <dgm:scene3d>
+      <a:camera prst="orthographicFront"/>
+      <a:lightRig rig="threePt" dir="t"/>
+    </dgm:scene3d>
+    <dgm:sp3d/>
+    <dgm:txPr/>
+    <dgm:style>
+      <a:lnRef idx="2">
+        <a:scrgbClr r="0" g="0" b="0"/>
+      </a:lnRef>
+      <a:fillRef idx="1">
+        <a:scrgbClr r="0" g="0" b="0"/>
+      </a:fillRef>
+      <a:effectRef idx="0">
+        <a:scrgbClr r="0" g="0" b="0"/>
+      </a:effectRef>
+      <a:fontRef idx="minor"/>
+    </dgm:style>
+  </dgm:styleLbl>
+  <dgm:styleLbl name="alignImgPlace1">
+    <dgm:scene3d>
+      <a:camera prst="orthographicFront"/>
+      <a:lightRig rig="threePt" dir="t"/>
+    </dgm:scene3d>
+    <dgm:sp3d/>
+    <dgm:txPr/>
+    <dgm:style>
+      <a:lnRef idx="2">
+        <a:scrgbClr r="0" g="0" b="0"/>
+      </a:lnRef>
+      <a:fillRef idx="1">
+        <a:scrgbClr r="0" g="0" b="0"/>
+      </a:fillRef>
+      <a:effectRef idx="0">
+        <a:scrgbClr r="0" g="0" b="0"/>
+      </a:effectRef>
+      <a:fontRef idx="minor"/>
+    </dgm:style>
+  </dgm:styleLbl>
+  <dgm:styleLbl name="bgImgPlace1">
+    <dgm:scene3d>
+      <a:camera prst="orthographicFront"/>
+      <a:lightRig rig="threePt" dir="t"/>
+    </dgm:scene3d>
+    <dgm:sp3d/>
+    <dgm:txPr/>
+    <dgm:style>
+      <a:lnRef idx="2">
+        <a:scrgbClr r="0" g="0" b="0"/>
+      </a:lnRef>
+      <a:fillRef idx="1">
+        <a:scrgbClr r="0" g="0" b="0"/>
+      </a:fillRef>
+      <a:effectRef idx="0">
+        <a:scrgbClr r="0" g="0" b="0"/>
+      </a:effectRef>
+      <a:fontRef idx="minor"/>
+    </dgm:style>
+  </dgm:styleLbl>
+  <dgm:styleLbl name="sibTrans2D1">
+    <dgm:scene3d>
+      <a:camera prst="orthographicFront"/>
+      <a:lightRig rig="threePt" dir="t"/>
+    </dgm:scene3d>
+    <dgm:sp3d/>
+    <dgm:txPr/>
+    <dgm:style>
+      <a:lnRef idx="0">
+        <a:scrgbClr r="0" g="0" b="0"/>
+      </a:lnRef>
+      <a:fillRef idx="1">
+        <a:scrgbClr r="0" g="0" b="0"/>
+      </a:fillRef>
+      <a:effectRef idx="0">
+        <a:scrgbClr r="0" g="0" b="0"/>
+      </a:effectRef>
+      <a:fontRef idx="minor">
+        <a:schemeClr val="lt1"/>
+      </a:fontRef>
+    </dgm:style>
+  </dgm:styleLbl>
+  <dgm:styleLbl name="fgSibTrans2D1">
+    <dgm:scene3d>
+      <a:camera prst="orthographicFront"/>
+      <a:lightRig rig="threePt" dir="t"/>
+    </dgm:scene3d>
+    <dgm:sp3d/>
+    <dgm:txPr/>
+    <dgm:style>
+      <a:lnRef idx="0">
+        <a:scrgbClr r="0" g="0" b="0"/>
+      </a:lnRef>
+      <a:fillRef idx="1">
+        <a:scrgbClr r="0" g="0" b="0"/>
+      </a:fillRef>
+      <a:effectRef idx="0">
+        <a:scrgbClr r="0" g="0" b="0"/>
+      </a:effectRef>
+      <a:fontRef idx="minor">
+        <a:schemeClr val="lt1"/>
+      </a:fontRef>
+    </dgm:style>
+  </dgm:styleLbl>
+  <dgm:styleLbl name="bgSibTrans2D1">
+    <dgm:scene3d>
+      <a:camera prst="orthographicFront"/>
+      <a:lightRig rig="threePt" dir="t"/>
+    </dgm:scene3d>
+    <dgm:sp3d/>
+    <dgm:txPr/>
+    <dgm:style>
+      <a:lnRef idx="0">
+        <a:scrgbClr r="0" g="0" b="0"/>
+      </a:lnRef>
+      <a:fillRef idx="1">
+        <a:scrgbClr r="0" g="0" b="0"/>
+      </a:fillRef>
+      <a:effectRef idx="0">
+        <a:scrgbClr r="0" g="0" b="0"/>
+      </a:effectRef>
+      <a:fontRef idx="minor">
+        <a:schemeClr val="lt1"/>
+      </a:fontRef>
+    </dgm:style>
+  </dgm:styleLbl>
+  <dgm:styleLbl name="sibTrans1D1">
+    <dgm:scene3d>
+      <a:camera prst="orthographicFront"/>
+      <a:lightRig rig="threePt" dir="t"/>
+    </dgm:scene3d>
+    <dgm:sp3d/>
+    <dgm:txPr/>
+    <dgm:style>
+      <a:lnRef idx="1">
+        <a:scrgbClr r="0" g="0" b="0"/>
+      </a:lnRef>
+      <a:fillRef idx="0">
+        <a:scrgbClr r="0" g="0" b="0"/>
+      </a:fillRef>
+      <a:effectRef idx="0">
+        <a:scrgbClr r="0" g="0" b="0"/>
+      </a:effectRef>
+      <a:fontRef idx="minor"/>
+    </dgm:style>
+  </dgm:styleLbl>
+  <dgm:styleLbl name="callout">
+    <dgm:scene3d>
+      <a:camera prst="orthographicFront"/>
+      <a:lightRig rig="threePt" dir="t"/>
+    </dgm:scene3d>
+    <dgm:sp3d/>
+    <dgm:txPr/>
+    <dgm:style>
+      <a:lnRef idx="2">
+        <a:scrgbClr r="0" g="0" b="0"/>
+      </a:lnRef>
+      <a:fillRef idx="1">
+        <a:scrgbClr r="0" g="0" b="0"/>
+      </a:fillRef>
+      <a:effectRef idx="0">
+        <a:scrgbClr r="0" g="0" b="0"/>
+      </a:effectRef>
+      <a:fontRef idx="minor"/>
+    </dgm:style>
+  </dgm:styleLbl>
+  <dgm:styleLbl name="asst0">
+    <dgm:scene3d>
+      <a:camera prst="orthographicFront"/>
+      <a:lightRig rig="threePt" dir="t"/>
+    </dgm:scene3d>
+    <dgm:sp3d/>
+    <dgm:txPr/>
+    <dgm:style>
+      <a:lnRef idx="2">
+        <a:scrgbClr r="0" g="0" b="0"/>
+      </a:lnRef>
+      <a:fillRef idx="1">
+        <a:scrgbClr r="0" g="0" b="0"/>
+      </a:fillRef>
+      <a:effectRef idx="0">
+        <a:scrgbClr r="0" g="0" b="0"/>
+      </a:effectRef>
+      <a:fontRef idx="minor">
+        <a:schemeClr val="lt1"/>
+      </a:fontRef>
+    </dgm:style>
+  </dgm:styleLbl>
+  <dgm:styleLbl name="asst1">
+    <dgm:scene3d>
+      <a:camera prst="orthographicFront"/>
+      <a:lightRig rig="threePt" dir="t"/>
+    </dgm:scene3d>
+    <dgm:sp3d/>
+    <dgm:txPr/>
+    <dgm:style>
+      <a:lnRef idx="2">
+        <a:scrgbClr r="0" g="0" b="0"/>
+      </a:lnRef>
+      <a:fillRef idx="1">
+        <a:scrgbClr r="0" g="0" b="0"/>
+      </a:fillRef>
+      <a:effectRef idx="0">
+        <a:scrgbClr r="0" g="0" b="0"/>
+      </a:effectRef>
+      <a:fontRef idx="minor">
+        <a:schemeClr val="lt1"/>
+      </a:fontRef>
+    </dgm:style>
+  </dgm:styleLbl>
+  <dgm:styleLbl name="asst2">
+    <dgm:scene3d>
+      <a:camera prst="orthographicFront"/>
+      <a:lightRig rig="threePt" dir="t"/>
+    </dgm:scene3d>
+    <dgm:sp3d/>
+    <dgm:txPr/>
+    <dgm:style>
+      <a:lnRef idx="2">
+        <a:scrgbClr r="0" g="0" b="0"/>
+      </a:lnRef>
+      <a:fillRef idx="1">
+        <a:scrgbClr r="0" g="0" b="0"/>
+      </a:fillRef>
+      <a:effectRef idx="0">
+        <a:scrgbClr r="0" g="0" b="0"/>
+      </a:effectRef>
+      <a:fontRef idx="minor">
+        <a:schemeClr val="lt1"/>
+      </a:fontRef>
+    </dgm:style>
+  </dgm:styleLbl>
+  <dgm:styleLbl name="asst3">
+    <dgm:scene3d>
+      <a:camera prst="orthographicFront"/>
+      <a:lightRig rig="threePt" dir="t"/>
+    </dgm:scene3d>
+    <dgm:sp3d/>
+    <dgm:txPr/>
+    <dgm:style>
+      <a:lnRef idx="2">
+        <a:scrgbClr r="0" g="0" b="0"/>
+      </a:lnRef>
+      <a:fillRef idx="1">
+        <a:scrgbClr r="0" g="0" b="0"/>
+      </a:fillRef>
+      <a:effectRef idx="0">
+        <a:scrgbClr r="0" g="0" b="0"/>
+      </a:effectRef>
+      <a:fontRef idx="minor">
+        <a:schemeClr val="lt1"/>
+      </a:fontRef>
+    </dgm:style>
+  </dgm:styleLbl>
+  <dgm:styleLbl name="asst4">
+    <dgm:scene3d>
+      <a:camera prst="orthographicFront"/>
+      <a:lightRig rig="threePt" dir="t"/>
+    </dgm:scene3d>
+    <dgm:sp3d/>
+    <dgm:txPr/>
+    <dgm:style>
+      <a:lnRef idx="2">
+        <a:scrgbClr r="0" g="0" b="0"/>
+      </a:lnRef>
+      <a:fillRef idx="1">
+        <a:scrgbClr r="0" g="0" b="0"/>
+      </a:fillRef>
+      <a:effectRef idx="0">
+        <a:scrgbClr r="0" g="0" b="0"/>
+      </a:effectRef>
+      <a:fontRef idx="minor">
+        <a:schemeClr val="lt1"/>
+      </a:fontRef>
+    </dgm:style>
+  </dgm:styleLbl>
+  <dgm:styleLbl name="parChTrans2D1">
+    <dgm:scene3d>
+      <a:camera prst="orthographicFront"/>
+      <a:lightRig rig="threePt" dir="t"/>
+    </dgm:scene3d>
+    <dgm:sp3d/>
+    <dgm:txPr/>
+    <dgm:style>
+      <a:lnRef idx="2">
+        <a:scrgbClr r="0" g="0" b="0"/>
+      </a:lnRef>
+      <a:fillRef idx="1">
+        <a:scrgbClr r="0" g="0" b="0"/>
+      </a:fillRef>
+      <a:effectRef idx="0">
+        <a:scrgbClr r="0" g="0" b="0"/>
+      </a:effectRef>
+      <a:fontRef idx="minor">
+        <a:schemeClr val="lt1"/>
+      </a:fontRef>
+    </dgm:style>
+  </dgm:styleLbl>
+  <dgm:styleLbl name="parChTrans2D2">
+    <dgm:scene3d>
+      <a:camera prst="orthographicFront"/>
+      <a:lightRig rig="threePt" dir="t"/>
+    </dgm:scene3d>
+    <dgm:sp3d/>
+    <dgm:txPr/>
+    <dgm:style>
+      <a:lnRef idx="2">
+        <a:scrgbClr r="0" g="0" b="0"/>
+      </a:lnRef>
+      <a:fillRef idx="1">
+        <a:scrgbClr r="0" g="0" b="0"/>
+      </a:fillRef>
+      <a:effectRef idx="0">
+        <a:scrgbClr r="0" g="0" b="0"/>
+      </a:effectRef>
+      <a:fontRef idx="minor">
+        <a:schemeClr val="lt1"/>
+      </a:fontRef>
+    </dgm:style>
+  </dgm:styleLbl>
+  <dgm:styleLbl name="parChTrans2D3">
+    <dgm:scene3d>
+      <a:camera prst="orthographicFront"/>
+      <a:lightRig rig="threePt" dir="t"/>
+    </dgm:scene3d>
+    <dgm:sp3d/>
+    <dgm:txPr/>
+    <dgm:style>
+      <a:lnRef idx="2">
+        <a:scrgbClr r="0" g="0" b="0"/>
+      </a:lnRef>
+      <a:fillRef idx="1">
+        <a:scrgbClr r="0" g="0" b="0"/>
+      </a:fillRef>
+      <a:effectRef idx="0">
+        <a:scrgbClr r="0" g="0" b="0"/>
+      </a:effectRef>
+      <a:fontRef idx="minor">
+        <a:schemeClr val="lt1"/>
+      </a:fontRef>
+    </dgm:style>
+  </dgm:styleLbl>
+  <dgm:styleLbl name="parChTrans2D4">
+    <dgm:scene3d>
+      <a:camera prst="orthographicFront"/>
+      <a:lightRig rig="threePt" dir="t"/>
+    </dgm:scene3d>
+    <dgm:sp3d/>
+    <dgm:txPr/>
+    <dgm:style>
+      <a:lnRef idx="2">
+        <a:scrgbClr r="0" g="0" b="0"/>
+      </a:lnRef>
+      <a:fillRef idx="1">
+        <a:scrgbClr r="0" g="0" b="0"/>
+      </a:fillRef>
+      <a:effectRef idx="0">
+        <a:scrgbClr r="0" g="0" b="0"/>
+      </a:effectRef>
+      <a:fontRef idx="minor">
+        <a:schemeClr val="lt1"/>
+      </a:fontRef>
+    </dgm:style>
+  </dgm:styleLbl>
+  <dgm:styleLbl name="parChTrans1D1">
+    <dgm:scene3d>
+      <a:camera prst="orthographicFront"/>
+      <a:lightRig rig="threePt" dir="t"/>
+    </dgm:scene3d>
+    <dgm:sp3d/>
+    <dgm:txPr/>
+    <dgm:style>
+      <a:lnRef idx="2">
+        <a:scrgbClr r="0" g="0" b="0"/>
+      </a:lnRef>
+      <a:fillRef idx="0">
+        <a:scrgbClr r="0" g="0" b="0"/>
+      </a:fillRef>
+      <a:effectRef idx="0">
+        <a:scrgbClr r="0" g="0" b="0"/>
+      </a:effectRef>
+      <a:fontRef idx="minor"/>
+    </dgm:style>
+  </dgm:styleLbl>
+  <dgm:styleLbl name="parChTrans1D2">
+    <dgm:scene3d>
+      <a:camera prst="orthographicFront"/>
+      <a:lightRig rig="threePt" dir="t"/>
+    </dgm:scene3d>
+    <dgm:sp3d/>
+    <dgm:txPr/>
+    <dgm:style>
+      <a:lnRef idx="2">
+        <a:scrgbClr r="0" g="0" b="0"/>
+      </a:lnRef>
+      <a:fillRef idx="0">
+        <a:scrgbClr r="0" g="0" b="0"/>
+      </a:fillRef>
+      <a:effectRef idx="0">
+        <a:scrgbClr r="0" g="0" b="0"/>
+      </a:effectRef>
+      <a:fontRef idx="minor"/>
+    </dgm:style>
+  </dgm:styleLbl>
+  <dgm:styleLbl name="parChTrans1D3">
+    <dgm:scene3d>
+      <a:camera prst="orthographicFront"/>
+      <a:lightRig rig="threePt" dir="t"/>
+    </dgm:scene3d>
+    <dgm:sp3d/>
+    <dgm:txPr/>
+    <dgm:style>
+      <a:lnRef idx="2">
+        <a:scrgbClr r="0" g="0" b="0"/>
+      </a:lnRef>
+      <a:fillRef idx="0">
+        <a:scrgbClr r="0" g="0" b="0"/>
+      </a:fillRef>
+      <a:effectRef idx="0">
+        <a:scrgbClr r="0" g="0" b="0"/>
+      </a:effectRef>
+      <a:fontRef idx="minor"/>
+    </dgm:style>
+  </dgm:styleLbl>
+  <dgm:styleLbl name="parChTrans1D4">
+    <dgm:scene3d>
+      <a:camera prst="orthographicFront"/>
+      <a:lightRig rig="threePt" dir="t"/>
+    </dgm:scene3d>
+    <dgm:sp3d/>
+    <dgm:txPr/>
+    <dgm:style>
+      <a:lnRef idx="2">
+        <a:scrgbClr r="0" g="0" b="0"/>
+      </a:lnRef>
+      <a:fillRef idx="0">
+        <a:scrgbClr r="0" g="0" b="0"/>
+      </a:fillRef>
+      <a:effectRef idx="0">
+        <a:scrgbClr r="0" g="0" b="0"/>
+      </a:effectRef>
+      <a:fontRef idx="minor"/>
+    </dgm:style>
+  </dgm:styleLbl>
+  <dgm:styleLbl name="fgAcc1">
+    <dgm:scene3d>
+      <a:camera prst="orthographicFront"/>
+      <a:lightRig rig="threePt" dir="t"/>
+    </dgm:scene3d>
+    <dgm:sp3d/>
+    <dgm:txPr/>
+    <dgm:style>
+      <a:lnRef idx="2">
+        <a:scrgbClr r="0" g="0" b="0"/>
+      </a:lnRef>
+      <a:fillRef idx="1">
+        <a:scrgbClr r="0" g="0" b="0"/>
+      </a:fillRef>
+      <a:effectRef idx="0">
+        <a:scrgbClr r="0" g="0" b="0"/>
+      </a:effectRef>
+      <a:fontRef idx="minor"/>
+    </dgm:style>
+  </dgm:styleLbl>
+  <dgm:styleLbl name="conFgAcc1">
+    <dgm:scene3d>
+      <a:camera prst="orthographicFront"/>
+      <a:lightRig rig="threePt" dir="t"/>
+    </dgm:scene3d>
+    <dgm:sp3d/>
+    <dgm:txPr/>
+    <dgm:style>
+      <a:lnRef idx="2">
+        <a:scrgbClr r="0" g="0" b="0"/>
+      </a:lnRef>
+      <a:fillRef idx="1">
+        <a:scrgbClr r="0" g="0" b="0"/>
+      </a:fillRef>
+      <a:effectRef idx="0">
+        <a:scrgbClr r="0" g="0" b="0"/>
+      </a:effectRef>
+      <a:fontRef idx="minor"/>
+    </dgm:style>
+  </dgm:styleLbl>
+  <dgm:styleLbl name="alignAcc1">
+    <dgm:scene3d>
+      <a:camera prst="orthographicFront"/>
+      <a:lightRig rig="threePt" dir="t"/>
+    </dgm:scene3d>
+    <dgm:sp3d/>
+    <dgm:txPr/>
+    <dgm:style>
+      <a:lnRef idx="2">
+        <a:scrgbClr r="0" g="0" b="0"/>
+      </a:lnRef>
+      <a:fillRef idx="1">
+        <a:scrgbClr r="0" g="0" b="0"/>
+      </a:fillRef>
+      <a:effectRef idx="0">
+        <a:scrgbClr r="0" g="0" b="0"/>
+      </a:effectRef>
+      <a:fontRef idx="minor"/>
+    </dgm:style>
+  </dgm:styleLbl>
+  <dgm:styleLbl name="trAlignAcc1">
+    <dgm:scene3d>
+      <a:camera prst="orthographicFront"/>
+      <a:lightRig rig="threePt" dir="t"/>
+    </dgm:scene3d>
+    <dgm:sp3d/>
+    <dgm:txPr/>
+    <dgm:style>
+      <a:lnRef idx="1">
+        <a:scrgbClr r="0" g="0" b="0"/>
+      </a:lnRef>
+      <a:fillRef idx="1">
+        <a:scrgbClr r="0" g="0" b="0"/>
+      </a:fillRef>
+      <a:effectRef idx="0">
+        <a:scrgbClr r="0" g="0" b="0"/>
+      </a:effectRef>
+      <a:fontRef idx="minor"/>
+    </dgm:style>
+  </dgm:styleLbl>
+  <dgm:styleLbl name="bgAcc1">
+    <dgm:scene3d>
+      <a:camera prst="orthographicFront"/>
+      <a:lightRig rig="threePt" dir="t"/>
+    </dgm:scene3d>
+    <dgm:sp3d/>
+    <dgm:txPr/>
+    <dgm:style>
+      <a:lnRef idx="2">
+        <a:scrgbClr r="0" g="0" b="0"/>
+      </a:lnRef>
+      <a:fillRef idx="1">
+        <a:scrgbClr r="0" g="0" b="0"/>
+      </a:fillRef>
+      <a:effectRef idx="0">
+        <a:scrgbClr r="0" g="0" b="0"/>
+      </a:effectRef>
+      <a:fontRef idx="minor"/>
+    </dgm:style>
+  </dgm:styleLbl>
+  <dgm:styleLbl name="solidFgAcc1">
+    <dgm:scene3d>
+      <a:camera prst="orthographicFront"/>
+      <a:lightRig rig="threePt" dir="t"/>
+    </dgm:scene3d>
+    <dgm:sp3d/>
+    <dgm:txPr/>
+    <dgm:style>
+      <a:lnRef idx="2">
+        <a:scrgbClr r="0" g="0" b="0"/>
+      </a:lnRef>
+      <a:fillRef idx="1">
+        <a:scrgbClr r="0" g="0" b="0"/>
+      </a:fillRef>
+      <a:effectRef idx="0">
+        <a:scrgbClr r="0" g="0" b="0"/>
+      </a:effectRef>
+      <a:fontRef idx="minor"/>
+    </dgm:style>
+  </dgm:styleLbl>
+  <dgm:styleLbl name="solidAlignAcc1">
+    <dgm:scene3d>
+      <a:camera prst="orthographicFront"/>
+      <a:lightRig rig="threePt" dir="t"/>
+    </dgm:scene3d>
+    <dgm:sp3d/>
+    <dgm:txPr/>
+    <dgm:style>
+      <a:lnRef idx="2">
+        <a:scrgbClr r="0" g="0" b="0"/>
+      </a:lnRef>
+      <a:fillRef idx="1">
+        <a:scrgbClr r="0" g="0" b="0"/>
+      </a:fillRef>
+      <a:effectRef idx="0">
+        <a:scrgbClr r="0" g="0" b="0"/>
+      </a:effectRef>
+      <a:fontRef idx="minor"/>
+    </dgm:style>
+  </dgm:styleLbl>
+  <dgm:styleLbl name="solidBgAcc1">
+    <dgm:scene3d>
+      <a:camera prst="orthographicFront"/>
+      <a:lightRig rig="threePt" dir="t"/>
+    </dgm:scene3d>
+    <dgm:sp3d/>
+    <dgm:txPr/>
+    <dgm:style>
+      <a:lnRef idx="2">
+        <a:scrgbClr r="0" g="0" b="0"/>
+      </a:lnRef>
+      <a:fillRef idx="1">
+        <a:scrgbClr r="0" g="0" b="0"/>
+      </a:fillRef>
+      <a:effectRef idx="0">
+        <a:scrgbClr r="0" g="0" b="0"/>
+      </a:effectRef>
+      <a:fontRef idx="minor"/>
+    </dgm:style>
+  </dgm:styleLbl>
+  <dgm:styleLbl name="fgAccFollowNode1">
+    <dgm:scene3d>
+      <a:camera prst="orthographicFront"/>
+      <a:lightRig rig="threePt" dir="t"/>
+    </dgm:scene3d>
+    <dgm:sp3d/>
+    <dgm:txPr/>
+    <dgm:style>
+      <a:lnRef idx="2">
+        <a:scrgbClr r="0" g="0" b="0"/>
+      </a:lnRef>
+      <a:fillRef idx="1">
+        <a:scrgbClr r="0" g="0" b="0"/>
+      </a:fillRef>
+      <a:effectRef idx="0">
+        <a:scrgbClr r="0" g="0" b="0"/>
+      </a:effectRef>
+      <a:fontRef idx="minor"/>
+    </dgm:style>
+  </dgm:styleLbl>
+  <dgm:styleLbl name="alignAccFollowNode1">
+    <dgm:scene3d>
+      <a:camera prst="orthographicFront"/>
+      <a:lightRig rig="threePt" dir="t"/>
+    </dgm:scene3d>
+    <dgm:sp3d/>
+    <dgm:txPr/>
+    <dgm:style>
+      <a:lnRef idx="2">
+        <a:scrgbClr r="0" g="0" b="0"/>
+      </a:lnRef>
+      <a:fillRef idx="1">
+        <a:scrgbClr r="0" g="0" b="0"/>
+      </a:fillRef>
+      <a:effectRef idx="0">
+        <a:scrgbClr r="0" g="0" b="0"/>
+      </a:effectRef>
+      <a:fontRef idx="minor"/>
+    </dgm:style>
+  </dgm:styleLbl>
+  <dgm:styleLbl name="bgAccFollowNode1">
+    <dgm:scene3d>
+      <a:camera prst="orthographicFront"/>
+      <a:lightRig rig="threePt" dir="t"/>
+    </dgm:scene3d>
+    <dgm:sp3d/>
+    <dgm:txPr/>
+    <dgm:style>
+      <a:lnRef idx="2">
+        <a:scrgbClr r="0" g="0" b="0"/>
+      </a:lnRef>
+      <a:fillRef idx="1">
+        <a:scrgbClr r="0" g="0" b="0"/>
+      </a:fillRef>
+      <a:effectRef idx="0">
+        <a:scrgbClr r="0" g="0" b="0"/>
+      </a:effectRef>
+      <a:fontRef idx="minor"/>
+    </dgm:style>
+  </dgm:styleLbl>
+  <dgm:styleLbl name="fgAcc0">
+    <dgm:scene3d>
+      <a:camera prst="orthographicFront"/>
+      <a:lightRig rig="threePt" dir="t"/>
+    </dgm:scene3d>
+    <dgm:sp3d/>
+    <dgm:txPr/>
+    <dgm:style>
+      <a:lnRef idx="2">
+        <a:scrgbClr r="0" g="0" b="0"/>
+      </a:lnRef>
+      <a:fillRef idx="1">
+        <a:scrgbClr r="0" g="0" b="0"/>
+      </a:fillRef>
+      <a:effectRef idx="0">
+        <a:scrgbClr r="0" g="0" b="0"/>
+      </a:effectRef>
+      <a:fontRef idx="minor"/>
+    </dgm:style>
+  </dgm:styleLbl>
+  <dgm:styleLbl name="fgAcc2">
+    <dgm:scene3d>
+      <a:camera prst="orthographicFront"/>
+      <a:lightRig rig="threePt" dir="t"/>
+    </dgm:scene3d>
+    <dgm:sp3d/>
+    <dgm:txPr/>
+    <dgm:style>
+      <a:lnRef idx="2">
+        <a:scrgbClr r="0" g="0" b="0"/>
+      </a:lnRef>
+      <a:fillRef idx="1">
+        <a:scrgbClr r="0" g="0" b="0"/>
+      </a:fillRef>
+      <a:effectRef idx="0">
+        <a:scrgbClr r="0" g="0" b="0"/>
+      </a:effectRef>
+      <a:fontRef idx="minor"/>
+    </dgm:style>
+  </dgm:styleLbl>
+  <dgm:styleLbl name="fgAcc3">
+    <dgm:scene3d>
+      <a:camera prst="orthographicFront"/>
+      <a:lightRig rig="threePt" dir="t"/>
+    </dgm:scene3d>
+    <dgm:sp3d/>
+    <dgm:txPr/>
+    <dgm:style>
+      <a:lnRef idx="2">
+        <a:scrgbClr r="0" g="0" b="0"/>
+      </a:lnRef>
+      <a:fillRef idx="1">
+        <a:scrgbClr r="0" g="0" b="0"/>
+      </a:fillRef>
+      <a:effectRef idx="0">
+        <a:scrgbClr r="0" g="0" b="0"/>
+      </a:effectRef>
+      <a:fontRef idx="minor"/>
+    </dgm:style>
+  </dgm:styleLbl>
+  <dgm:styleLbl name="fgAcc4">
+    <dgm:scene3d>
+      <a:camera prst="orthographicFront"/>
+      <a:lightRig rig="threePt" dir="t"/>
+    </dgm:scene3d>
+    <dgm:sp3d/>
+    <dgm:txPr/>
+    <dgm:style>
+      <a:lnRef idx="2">
+        <a:scrgbClr r="0" g="0" b="0"/>
+      </a:lnRef>
+      <a:fillRef idx="1">
+        <a:scrgbClr r="0" g="0" b="0"/>
+      </a:fillRef>
+      <a:effectRef idx="0">
+        <a:scrgbClr r="0" g="0" b="0"/>
+      </a:effectRef>
+      <a:fontRef idx="minor"/>
+    </dgm:style>
+  </dgm:styleLbl>
+  <dgm:styleLbl name="bgShp">
+    <dgm:scene3d>
+      <a:camera prst="orthographicFront"/>
+      <a:lightRig rig="threePt" dir="t"/>
+    </dgm:scene3d>
+    <dgm:sp3d/>
+    <dgm:txPr/>
+    <dgm:style>
+      <a:lnRef idx="0">
+        <a:scrgbClr r="0" g="0" b="0"/>
+      </a:lnRef>
+      <a:fillRef idx="1">
+        <a:scrgbClr r="0" g="0" b="0"/>
+      </a:fillRef>
+      <a:effectRef idx="0">
+        <a:scrgbClr r="0" g="0" b="0"/>
+      </a:effectRef>
+      <a:fontRef idx="minor"/>
+    </dgm:style>
+  </dgm:styleLbl>
+  <dgm:styleLbl name="dkBgShp">
+    <dgm:scene3d>
+      <a:camera prst="orthographicFront"/>
+      <a:lightRig rig="threePt" dir="t"/>
+    </dgm:scene3d>
+    <dgm:sp3d/>
+    <dgm:txPr/>
+    <dgm:style>
+      <a:lnRef idx="0">
+        <a:scrgbClr r="0" g="0" b="0"/>
+      </a:lnRef>
+      <a:fillRef idx="1">
+        <a:scrgbClr r="0" g="0" b="0"/>
+      </a:fillRef>
+      <a:effectRef idx="0">
+        <a:scrgbClr r="0" g="0" b="0"/>
+      </a:effectRef>
+      <a:fontRef idx="minor"/>
+    </dgm:style>
+  </dgm:styleLbl>
+  <dgm:styleLbl name="trBgShp">
+    <dgm:scene3d>
+      <a:camera prst="orthographicFront"/>
+      <a:lightRig rig="threePt" dir="t"/>
+    </dgm:scene3d>
+    <dgm:sp3d/>
+    <dgm:txPr/>
+    <dgm:style>
+      <a:lnRef idx="0">
+        <a:scrgbClr r="0" g="0" b="0"/>
+      </a:lnRef>
+      <a:fillRef idx="1">
+        <a:scrgbClr r="0" g="0" b="0"/>
+      </a:fillRef>
+      <a:effectRef idx="0">
+        <a:scrgbClr r="0" g="0" b="0"/>
+      </a:effectRef>
+      <a:fontRef idx="minor"/>
+    </dgm:style>
+  </dgm:styleLbl>
+  <dgm:styleLbl name="fgShp">
+    <dgm:scene3d>
+      <a:camera prst="orthographicFront"/>
+      <a:lightRig rig="threePt" dir="t"/>
+    </dgm:scene3d>
+    <dgm:sp3d/>
+    <dgm:txPr/>
+    <dgm:style>
+      <a:lnRef idx="2">
+        <a:scrgbClr r="0" g="0" b="0"/>
+      </a:lnRef>
+      <a:fillRef idx="1">
+        <a:scrgbClr r="0" g="0" b="0"/>
+      </a:fillRef>
+      <a:effectRef idx="0">
+        <a:scrgbClr r="0" g="0" b="0"/>
+      </a:effectRef>
+      <a:fontRef idx="minor"/>
+    </dgm:style>
+  </dgm:styleLbl>
+  <dgm:styleLbl name="revTx">
+    <dgm:scene3d>
+      <a:camera prst="orthographicFront"/>
+      <a:lightRig rig="threePt" dir="t"/>
+    </dgm:scene3d>
+    <dgm:sp3d/>
+    <dgm:txPr/>
+    <dgm:style>
+      <a:lnRef idx="0">
+        <a:scrgbClr r="0" g="0" b="0"/>
+      </a:lnRef>
+      <a:fillRef idx="0">
+        <a:scrgbClr r="0" g="0" b="0"/>
+      </a:fillRef>
+      <a:effectRef idx="0">
+        <a:scrgbClr r="0" g="0" b="0"/>
+      </a:effectRef>
+      <a:fontRef idx="minor"/>
+    </dgm:style>
+  </dgm:styleLbl>
+</dgm:styleDef>
+</file>
+
+<file path=ppt/diagrams/quickStyle7.xml><?xml version="1.0" encoding="utf-8"?>
+<dgm:styleDef xmlns:dgm="http://schemas.openxmlformats.org/drawingml/2006/diagram" xmlns:a="http://schemas.openxmlformats.org/drawingml/2006/main" uniqueId="urn:microsoft.com/office/officeart/2005/8/quickstyle/simple5">
+  <dgm:title val=""/>
+  <dgm:desc val=""/>
+  <dgm:catLst>
+    <dgm:cat type="simple" pri="10500"/>
+  </dgm:catLst>
+  <dgm:scene3d>
+    <a:camera prst="orthographicFront"/>
+    <a:lightRig rig="threePt" dir="t"/>
+  </dgm:scene3d>
+  <dgm:styleLbl name="node0">
+    <dgm:scene3d>
+      <a:camera prst="orthographicFront"/>
+      <a:lightRig rig="threePt" dir="t"/>
+    </dgm:scene3d>
+    <dgm:sp3d/>
+    <dgm:txPr/>
+    <dgm:style>
+      <a:lnRef idx="0">
+        <a:scrgbClr r="0" g="0" b="0"/>
+      </a:lnRef>
+      <a:fillRef idx="3">
+        <a:scrgbClr r="0" g="0" b="0"/>
+      </a:fillRef>
+      <a:effectRef idx="3">
+        <a:scrgbClr r="0" g="0" b="0"/>
+      </a:effectRef>
+      <a:fontRef idx="minor">
+        <a:schemeClr val="lt1"/>
+      </a:fontRef>
+    </dgm:style>
+  </dgm:styleLbl>
+  <dgm:styleLbl name="lnNode1">
+    <dgm:scene3d>
+      <a:camera prst="orthographicFront"/>
+      <a:lightRig rig="threePt" dir="t"/>
+    </dgm:scene3d>
+    <dgm:sp3d/>
+    <dgm:txPr/>
+    <dgm:style>
+      <a:lnRef idx="0">
+        <a:scrgbClr r="0" g="0" b="0"/>
+      </a:lnRef>
+      <a:fillRef idx="3">
+        <a:scrgbClr r="0" g="0" b="0"/>
+      </a:fillRef>
+      <a:effectRef idx="3">
+        <a:scrgbClr r="0" g="0" b="0"/>
+      </a:effectRef>
+      <a:fontRef idx="minor">
+        <a:schemeClr val="lt1"/>
+      </a:fontRef>
+    </dgm:style>
+  </dgm:styleLbl>
+  <dgm:styleLbl name="vennNode1">
+    <dgm:scene3d>
+      <a:camera prst="orthographicFront"/>
+      <a:lightRig rig="threePt" dir="t"/>
+    </dgm:scene3d>
+    <dgm:sp3d/>
+    <dgm:txPr/>
+    <dgm:style>
+      <a:lnRef idx="0">
+        <a:scrgbClr r="0" g="0" b="0"/>
+      </a:lnRef>
+      <a:fillRef idx="3">
+        <a:scrgbClr r="0" g="0" b="0"/>
+      </a:fillRef>
+      <a:effectRef idx="3">
+        <a:scrgbClr r="0" g="0" b="0"/>
+      </a:effectRef>
+      <a:fontRef idx="minor">
+        <a:schemeClr val="tx1"/>
+      </a:fontRef>
+    </dgm:style>
+  </dgm:styleLbl>
+  <dgm:styleLbl name="alignNode1">
+    <dgm:scene3d>
+      <a:camera prst="orthographicFront"/>
+      <a:lightRig rig="threePt" dir="t"/>
+    </dgm:scene3d>
+    <dgm:sp3d/>
+    <dgm:txPr/>
+    <dgm:style>
+      <a:lnRef idx="1">
+        <a:scrgbClr r="0" g="0" b="0"/>
+      </a:lnRef>
+      <a:fillRef idx="3">
+        <a:scrgbClr r="0" g="0" b="0"/>
+      </a:fillRef>
+      <a:effectRef idx="3">
+        <a:scrgbClr r="0" g="0" b="0"/>
+      </a:effectRef>
+      <a:fontRef idx="minor">
+        <a:schemeClr val="lt1"/>
+      </a:fontRef>
+    </dgm:style>
+  </dgm:styleLbl>
+  <dgm:styleLbl name="node1">
+    <dgm:scene3d>
+      <a:camera prst="orthographicFront"/>
+      <a:lightRig rig="threePt" dir="t"/>
+    </dgm:scene3d>
+    <dgm:sp3d/>
+    <dgm:txPr/>
+    <dgm:style>
+      <a:lnRef idx="0">
+        <a:scrgbClr r="0" g="0" b="0"/>
+      </a:lnRef>
+      <a:fillRef idx="3">
+        <a:scrgbClr r="0" g="0" b="0"/>
+      </a:fillRef>
+      <a:effectRef idx="3">
+        <a:scrgbClr r="0" g="0" b="0"/>
+      </a:effectRef>
+      <a:fontRef idx="minor">
+        <a:schemeClr val="lt1"/>
+      </a:fontRef>
+    </dgm:style>
+  </dgm:styleLbl>
+  <dgm:styleLbl name="node2">
+    <dgm:scene3d>
+      <a:camera prst="orthographicFront"/>
+      <a:lightRig rig="threePt" dir="t"/>
+    </dgm:scene3d>
+    <dgm:sp3d/>
+    <dgm:txPr/>
+    <dgm:style>
+      <a:lnRef idx="0">
+        <a:scrgbClr r="0" g="0" b="0"/>
+      </a:lnRef>
+      <a:fillRef idx="3">
+        <a:scrgbClr r="0" g="0" b="0"/>
+      </a:fillRef>
+      <a:effectRef idx="3">
+        <a:scrgbClr r="0" g="0" b="0"/>
+      </a:effectRef>
+      <a:fontRef idx="minor">
+        <a:schemeClr val="lt1"/>
+      </a:fontRef>
+    </dgm:style>
+  </dgm:styleLbl>
+  <dgm:styleLbl name="node3">
+    <dgm:scene3d>
+      <a:camera prst="orthographicFront"/>
+      <a:lightRig rig="threePt" dir="t"/>
+    </dgm:scene3d>
+    <dgm:sp3d/>
+    <dgm:txPr/>
+    <dgm:style>
+      <a:lnRef idx="0">
+        <a:scrgbClr r="0" g="0" b="0"/>
+      </a:lnRef>
+      <a:fillRef idx="3">
+        <a:scrgbClr r="0" g="0" b="0"/>
+      </a:fillRef>
+      <a:effectRef idx="3">
+        <a:scrgbClr r="0" g="0" b="0"/>
+      </a:effectRef>
+      <a:fontRef idx="minor">
+        <a:schemeClr val="lt1"/>
+      </a:fontRef>
+    </dgm:style>
+  </dgm:styleLbl>
+  <dgm:styleLbl name="node4">
+    <dgm:scene3d>
+      <a:camera prst="orthographicFront"/>
+      <a:lightRig rig="threePt" dir="t"/>
+    </dgm:scene3d>
+    <dgm:sp3d/>
+    <dgm:txPr/>
+    <dgm:style>
+      <a:lnRef idx="0">
+        <a:scrgbClr r="0" g="0" b="0"/>
+      </a:lnRef>
+      <a:fillRef idx="3">
+        <a:scrgbClr r="0" g="0" b="0"/>
+      </a:fillRef>
+      <a:effectRef idx="3">
+        <a:scrgbClr r="0" g="0" b="0"/>
+      </a:effectRef>
+      <a:fontRef idx="minor">
+        <a:schemeClr val="lt1"/>
+      </a:fontRef>
+    </dgm:style>
+  </dgm:styleLbl>
+  <dgm:styleLbl name="fgImgPlace1">
+    <dgm:scene3d>
+      <a:camera prst="orthographicFront"/>
+      <a:lightRig rig="threePt" dir="t"/>
+    </dgm:scene3d>
+    <dgm:sp3d/>
+    <dgm:txPr/>
+    <dgm:style>
+      <a:lnRef idx="0">
+        <a:scrgbClr r="0" g="0" b="0"/>
+      </a:lnRef>
+      <a:fillRef idx="1">
+        <a:scrgbClr r="0" g="0" b="0"/>
+      </a:fillRef>
+      <a:effectRef idx="3">
+        <a:scrgbClr r="0" g="0" b="0"/>
+      </a:effectRef>
+      <a:fontRef idx="minor"/>
+    </dgm:style>
+  </dgm:styleLbl>
+  <dgm:styleLbl name="alignImgPlace1">
+    <dgm:scene3d>
+      <a:camera prst="orthographicFront"/>
+      <a:lightRig rig="threePt" dir="t"/>
+    </dgm:scene3d>
+    <dgm:sp3d/>
+    <dgm:txPr/>
+    <dgm:style>
+      <a:lnRef idx="0">
+        <a:scrgbClr r="0" g="0" b="0"/>
+      </a:lnRef>
+      <a:fillRef idx="1">
+        <a:scrgbClr r="0" g="0" b="0"/>
+      </a:fillRef>
+      <a:effectRef idx="3">
+        <a:scrgbClr r="0" g="0" b="0"/>
+      </a:effectRef>
+      <a:fontRef idx="minor"/>
+    </dgm:style>
+  </dgm:styleLbl>
+  <dgm:styleLbl name="bgImgPlace1">
+    <dgm:scene3d>
+      <a:camera prst="orthographicFront"/>
+      <a:lightRig rig="threePt" dir="t"/>
+    </dgm:scene3d>
+    <dgm:sp3d/>
+    <dgm:txPr/>
+    <dgm:style>
+      <a:lnRef idx="0">
+        <a:scrgbClr r="0" g="0" b="0"/>
+      </a:lnRef>
+      <a:fillRef idx="1">
+        <a:scrgbClr r="0" g="0" b="0"/>
+      </a:fillRef>
+      <a:effectRef idx="3">
+        <a:scrgbClr r="0" g="0" b="0"/>
+      </a:effectRef>
+      <a:fontRef idx="minor"/>
+    </dgm:style>
+  </dgm:styleLbl>
+  <dgm:styleLbl name="sibTrans2D1">
+    <dgm:scene3d>
+      <a:camera prst="orthographicFront"/>
+      <a:lightRig rig="threePt" dir="t"/>
+    </dgm:scene3d>
+    <dgm:sp3d/>
+    <dgm:txPr/>
+    <dgm:style>
+      <a:lnRef idx="0">
+        <a:scrgbClr r="0" g="0" b="0"/>
+      </a:lnRef>
+      <a:fillRef idx="3">
+        <a:scrgbClr r="0" g="0" b="0"/>
+      </a:fillRef>
+      <a:effectRef idx="3">
+        <a:scrgbClr r="0" g="0" b="0"/>
+      </a:effectRef>
+      <a:fontRef idx="minor">
+        <a:schemeClr val="lt1"/>
+      </a:fontRef>
+    </dgm:style>
+  </dgm:styleLbl>
+  <dgm:styleLbl name="fgSibTrans2D1">
+    <dgm:scene3d>
+      <a:camera prst="orthographicFront"/>
+      <a:lightRig rig="threePt" dir="t"/>
+    </dgm:scene3d>
+    <dgm:sp3d/>
+    <dgm:txPr/>
+    <dgm:style>
+      <a:lnRef idx="0">
+        <a:scrgbClr r="0" g="0" b="0"/>
+      </a:lnRef>
+      <a:fillRef idx="3">
+        <a:scrgbClr r="0" g="0" b="0"/>
+      </a:fillRef>
+      <a:effectRef idx="3">
+        <a:scrgbClr r="0" g="0" b="0"/>
+      </a:effectRef>
+      <a:fontRef idx="minor">
+        <a:schemeClr val="lt1"/>
+      </a:fontRef>
+    </dgm:style>
+  </dgm:styleLbl>
+  <dgm:styleLbl name="bgSibTrans2D1">
+    <dgm:scene3d>
+      <a:camera prst="orthographicFront"/>
+      <a:lightRig rig="threePt" dir="t"/>
+    </dgm:scene3d>
+    <dgm:sp3d/>
+    <dgm:txPr/>
+    <dgm:style>
+      <a:lnRef idx="0">
+        <a:scrgbClr r="0" g="0" b="0"/>
+      </a:lnRef>
+      <a:fillRef idx="3">
+        <a:scrgbClr r="0" g="0" b="0"/>
+      </a:fillRef>
+      <a:effectRef idx="3">
+        <a:scrgbClr r="0" g="0" b="0"/>
+      </a:effectRef>
+      <a:fontRef idx="minor">
+        <a:schemeClr val="lt1"/>
+      </a:fontRef>
+    </dgm:style>
+  </dgm:styleLbl>
+  <dgm:styleLbl name="sibTrans1D1">
+    <dgm:scene3d>
+      <a:camera prst="orthographicFront"/>
+      <a:lightRig rig="threePt" dir="t"/>
+    </dgm:scene3d>
+    <dgm:sp3d/>
+    <dgm:txPr/>
+    <dgm:style>
+      <a:lnRef idx="1">
+        <a:scrgbClr r="0" g="0" b="0"/>
+      </a:lnRef>
+      <a:fillRef idx="0">
+        <a:scrgbClr r="0" g="0" b="0"/>
+      </a:fillRef>
+      <a:effectRef idx="0">
+        <a:scrgbClr r="0" g="0" b="0"/>
+      </a:effectRef>
+      <a:fontRef idx="minor"/>
+    </dgm:style>
+  </dgm:styleLbl>
+  <dgm:styleLbl name="callout">
+    <dgm:scene3d>
+      <a:camera prst="orthographicFront"/>
+      <a:lightRig rig="threePt" dir="t"/>
+    </dgm:scene3d>
+    <dgm:sp3d/>
+    <dgm:txPr/>
+    <dgm:style>
+      <a:lnRef idx="1">
+        <a:scrgbClr r="0" g="0" b="0"/>
+      </a:lnRef>
+      <a:fillRef idx="0">
+        <a:scrgbClr r="0" g="0" b="0"/>
+      </a:fillRef>
+      <a:effectRef idx="1">
+        <a:scrgbClr r="0" g="0" b="0"/>
+      </a:effectRef>
+      <a:fontRef idx="minor"/>
+    </dgm:style>
+  </dgm:styleLbl>
+  <dgm:styleLbl name="asst0">
+    <dgm:scene3d>
+      <a:camera prst="orthographicFront"/>
+      <a:lightRig rig="threePt" dir="t"/>
+    </dgm:scene3d>
+    <dgm:sp3d/>
+    <dgm:txPr/>
+    <dgm:style>
+      <a:lnRef idx="0">
+        <a:scrgbClr r="0" g="0" b="0"/>
+      </a:lnRef>
+      <a:fillRef idx="3">
+        <a:scrgbClr r="0" g="0" b="0"/>
+      </a:fillRef>
+      <a:effectRef idx="3">
+        <a:scrgbClr r="0" g="0" b="0"/>
+      </a:effectRef>
+      <a:fontRef idx="minor">
+        <a:schemeClr val="lt1"/>
+      </a:fontRef>
+    </dgm:style>
+  </dgm:styleLbl>
+  <dgm:styleLbl name="asst1">
+    <dgm:scene3d>
+      <a:camera prst="orthographicFront"/>
+      <a:lightRig rig="threePt" dir="t"/>
+    </dgm:scene3d>
+    <dgm:sp3d/>
+    <dgm:txPr/>
+    <dgm:style>
+      <a:lnRef idx="0">
+        <a:scrgbClr r="0" g="0" b="0"/>
+      </a:lnRef>
+      <a:fillRef idx="3">
+        <a:scrgbClr r="0" g="0" b="0"/>
+      </a:fillRef>
+      <a:effectRef idx="3">
+        <a:scrgbClr r="0" g="0" b="0"/>
+      </a:effectRef>
+      <a:fontRef idx="minor">
+        <a:schemeClr val="lt1"/>
+      </a:fontRef>
+    </dgm:style>
+  </dgm:styleLbl>
+  <dgm:styleLbl name="asst2">
+    <dgm:scene3d>
+      <a:camera prst="orthographicFront"/>
+      <a:lightRig rig="threePt" dir="t"/>
+    </dgm:scene3d>
+    <dgm:sp3d/>
+    <dgm:txPr/>
+    <dgm:style>
+      <a:lnRef idx="0">
+        <a:scrgbClr r="0" g="0" b="0"/>
+      </a:lnRef>
+      <a:fillRef idx="3">
+        <a:scrgbClr r="0" g="0" b="0"/>
+      </a:fillRef>
+      <a:effectRef idx="3">
+        <a:scrgbClr r="0" g="0" b="0"/>
+      </a:effectRef>
+      <a:fontRef idx="minor">
+        <a:schemeClr val="lt1"/>
+      </a:fontRef>
+    </dgm:style>
+  </dgm:styleLbl>
+  <dgm:styleLbl name="asst3">
+    <dgm:scene3d>
+      <a:camera prst="orthographicFront"/>
+      <a:lightRig rig="threePt" dir="t"/>
+    </dgm:scene3d>
+    <dgm:sp3d/>
+    <dgm:txPr/>
+    <dgm:style>
+      <a:lnRef idx="0">
+        <a:scrgbClr r="0" g="0" b="0"/>
+      </a:lnRef>
+      <a:fillRef idx="3">
+        <a:scrgbClr r="0" g="0" b="0"/>
+      </a:fillRef>
+      <a:effectRef idx="3">
+        <a:scrgbClr r="0" g="0" b="0"/>
+      </a:effectRef>
+      <a:fontRef idx="minor">
+        <a:schemeClr val="lt1"/>
+      </a:fontRef>
+    </dgm:style>
+  </dgm:styleLbl>
+  <dgm:styleLbl name="asst4">
+    <dgm:scene3d>
+      <a:camera prst="orthographicFront"/>
+      <a:lightRig rig="threePt" dir="t"/>
+    </dgm:scene3d>
+    <dgm:sp3d/>
+    <dgm:txPr/>
+    <dgm:style>
+      <a:lnRef idx="0">
+        <a:scrgbClr r="0" g="0" b="0"/>
+      </a:lnRef>
+      <a:fillRef idx="3">
+        <a:scrgbClr r="0" g="0" b="0"/>
+      </a:fillRef>
+      <a:effectRef idx="3">
+        <a:scrgbClr r="0" g="0" b="0"/>
+      </a:effectRef>
+      <a:fontRef idx="minor">
+        <a:schemeClr val="lt1"/>
+      </a:fontRef>
+    </dgm:style>
+  </dgm:styleLbl>
+  <dgm:styleLbl name="parChTrans2D1">
+    <dgm:scene3d>
+      <a:camera prst="orthographicFront"/>
+      <a:lightRig rig="threePt" dir="t"/>
+    </dgm:scene3d>
+    <dgm:sp3d/>
+    <dgm:txPr/>
+    <dgm:style>
+      <a:lnRef idx="0">
+        <a:scrgbClr r="0" g="0" b="0"/>
+      </a:lnRef>
+      <a:fillRef idx="3">
+        <a:scrgbClr r="0" g="0" b="0"/>
+      </a:fillRef>
+      <a:effectRef idx="3">
+        <a:scrgbClr r="0" g="0" b="0"/>
+      </a:effectRef>
+      <a:fontRef idx="minor">
+        <a:schemeClr val="lt1"/>
+      </a:fontRef>
+    </dgm:style>
+  </dgm:styleLbl>
+  <dgm:styleLbl name="parChTrans2D2">
+    <dgm:scene3d>
+      <a:camera prst="orthographicFront"/>
+      <a:lightRig rig="threePt" dir="t"/>
+    </dgm:scene3d>
+    <dgm:sp3d/>
+    <dgm:txPr/>
+    <dgm:style>
+      <a:lnRef idx="0">
+        <a:scrgbClr r="0" g="0" b="0"/>
+      </a:lnRef>
+      <a:fillRef idx="3">
+        <a:scrgbClr r="0" g="0" b="0"/>
+      </a:fillRef>
+      <a:effectRef idx="3">
+        <a:scrgbClr r="0" g="0" b="0"/>
+      </a:effectRef>
+      <a:fontRef idx="minor">
+        <a:schemeClr val="lt1"/>
+      </a:fontRef>
+    </dgm:style>
+  </dgm:styleLbl>
+  <dgm:styleLbl name="parChTrans2D3">
+    <dgm:scene3d>
+      <a:camera prst="orthographicFront"/>
+      <a:lightRig rig="threePt" dir="t"/>
+    </dgm:scene3d>
+    <dgm:sp3d/>
+    <dgm:txPr/>
+    <dgm:style>
+      <a:lnRef idx="0">
+        <a:scrgbClr r="0" g="0" b="0"/>
+      </a:lnRef>
+      <a:fillRef idx="3">
+        <a:scrgbClr r="0" g="0" b="0"/>
+      </a:fillRef>
+      <a:effectRef idx="3">
+        <a:scrgbClr r="0" g="0" b="0"/>
+      </a:effectRef>
+      <a:fontRef idx="minor">
+        <a:schemeClr val="lt1"/>
+      </a:fontRef>
+    </dgm:style>
+  </dgm:styleLbl>
+  <dgm:styleLbl name="parChTrans2D4">
+    <dgm:scene3d>
+      <a:camera prst="orthographicFront"/>
+      <a:lightRig rig="threePt" dir="t"/>
+    </dgm:scene3d>
+    <dgm:sp3d/>
+    <dgm:txPr/>
+    <dgm:style>
+      <a:lnRef idx="0">
+        <a:scrgbClr r="0" g="0" b="0"/>
+      </a:lnRef>
+      <a:fillRef idx="3">
+        <a:scrgbClr r="0" g="0" b="0"/>
+      </a:fillRef>
+      <a:effectRef idx="3">
+        <a:scrgbClr r="0" g="0" b="0"/>
+      </a:effectRef>
+      <a:fontRef idx="minor">
+        <a:schemeClr val="lt1"/>
+      </a:fontRef>
+    </dgm:style>
+  </dgm:styleLbl>
+  <dgm:styleLbl name="parChTrans1D1">
+    <dgm:scene3d>
+      <a:camera prst="orthographicFront"/>
+      <a:lightRig rig="threePt" dir="t"/>
+    </dgm:scene3d>
+    <dgm:sp3d/>
+    <dgm:txPr/>
+    <dgm:style>
+      <a:lnRef idx="2">
+        <a:scrgbClr r="0" g="0" b="0"/>
+      </a:lnRef>
+      <a:fillRef idx="0">
+        <a:scrgbClr r="0" g="0" b="0"/>
+      </a:fillRef>
+      <a:effectRef idx="0">
+        <a:scrgbClr r="0" g="0" b="0"/>
+      </a:effectRef>
+      <a:fontRef idx="minor"/>
+    </dgm:style>
+  </dgm:styleLbl>
+  <dgm:styleLbl name="parChTrans1D2">
+    <dgm:scene3d>
+      <a:camera prst="orthographicFront"/>
+      <a:lightRig rig="threePt" dir="t"/>
+    </dgm:scene3d>
+    <dgm:sp3d/>
+    <dgm:txPr/>
+    <dgm:style>
+      <a:lnRef idx="2">
+        <a:scrgbClr r="0" g="0" b="0"/>
+      </a:lnRef>
+      <a:fillRef idx="0">
+        <a:scrgbClr r="0" g="0" b="0"/>
+      </a:fillRef>
+      <a:effectRef idx="0">
+        <a:scrgbClr r="0" g="0" b="0"/>
+      </a:effectRef>
+      <a:fontRef idx="minor"/>
+    </dgm:style>
+  </dgm:styleLbl>
+  <dgm:styleLbl name="parChTrans1D3">
+    <dgm:scene3d>
+      <a:camera prst="orthographicFront"/>
+      <a:lightRig rig="threePt" dir="t"/>
+    </dgm:scene3d>
+    <dgm:sp3d/>
+    <dgm:txPr/>
+    <dgm:style>
+      <a:lnRef idx="2">
+        <a:scrgbClr r="0" g="0" b="0"/>
+      </a:lnRef>
+      <a:fillRef idx="0">
+        <a:scrgbClr r="0" g="0" b="0"/>
+      </a:fillRef>
+      <a:effectRef idx="0">
+        <a:scrgbClr r="0" g="0" b="0"/>
+      </a:effectRef>
+      <a:fontRef idx="minor"/>
+    </dgm:style>
+  </dgm:styleLbl>
+  <dgm:styleLbl name="parChTrans1D4">
+    <dgm:scene3d>
+      <a:camera prst="orthographicFront"/>
+      <a:lightRig rig="threePt" dir="t"/>
+    </dgm:scene3d>
+    <dgm:sp3d/>
+    <dgm:txPr/>
+    <dgm:style>
+      <a:lnRef idx="2">
+        <a:scrgbClr r="0" g="0" b="0"/>
+      </a:lnRef>
+      <a:fillRef idx="0">
+        <a:scrgbClr r="0" g="0" b="0"/>
+      </a:fillRef>
+      <a:effectRef idx="0">
+        <a:scrgbClr r="0" g="0" b="0"/>
+      </a:effectRef>
+      <a:fontRef idx="minor"/>
+    </dgm:style>
+  </dgm:styleLbl>
+  <dgm:styleLbl name="fgAcc1">
+    <dgm:scene3d>
+      <a:camera prst="orthographicFront"/>
+      <a:lightRig rig="threePt" dir="t"/>
+    </dgm:scene3d>
+    <dgm:sp3d/>
+    <dgm:txPr/>
+    <dgm:style>
+      <a:lnRef idx="1">
+        <a:scrgbClr r="0" g="0" b="0"/>
+      </a:lnRef>
+      <a:fillRef idx="1">
+        <a:scrgbClr r="0" g="0" b="0"/>
+      </a:fillRef>
+      <a:effectRef idx="2">
+        <a:scrgbClr r="0" g="0" b="0"/>
+      </a:effectRef>
+      <a:fontRef idx="minor"/>
+    </dgm:style>
+  </dgm:styleLbl>
+  <dgm:styleLbl name="conFgAcc1">
+    <dgm:scene3d>
+      <a:camera prst="orthographicFront"/>
+      <a:lightRig rig="threePt" dir="t"/>
+    </dgm:scene3d>
+    <dgm:sp3d/>
+    <dgm:txPr/>
+    <dgm:style>
+      <a:lnRef idx="1">
+        <a:scrgbClr r="0" g="0" b="0"/>
+      </a:lnRef>
+      <a:fillRef idx="1">
+        <a:scrgbClr r="0" g="0" b="0"/>
+      </a:fillRef>
+      <a:effectRef idx="2">
+        <a:scrgbClr r="0" g="0" b="0"/>
+      </a:effectRef>
+      <a:fontRef idx="minor"/>
+    </dgm:style>
+  </dgm:styleLbl>
+  <dgm:styleLbl name="alignAcc1">
+    <dgm:scene3d>
+      <a:camera prst="orthographicFront"/>
+      <a:lightRig rig="threePt" dir="t"/>
+    </dgm:scene3d>
+    <dgm:sp3d/>
+    <dgm:txPr/>
+    <dgm:style>
+      <a:lnRef idx="1">
+        <a:scrgbClr r="0" g="0" b="0"/>
+      </a:lnRef>
+      <a:fillRef idx="1">
+        <a:scrgbClr r="0" g="0" b="0"/>
+      </a:fillRef>
+      <a:effectRef idx="2">
+        <a:scrgbClr r="0" g="0" b="0"/>
+      </a:effectRef>
+      <a:fontRef idx="minor"/>
+    </dgm:style>
+  </dgm:styleLbl>
+  <dgm:styleLbl name="trAlignAcc1">
+    <dgm:scene3d>
+      <a:camera prst="orthographicFront"/>
+      <a:lightRig rig="threePt" dir="t"/>
+    </dgm:scene3d>
+    <dgm:sp3d/>
+    <dgm:txPr/>
+    <dgm:style>
+      <a:lnRef idx="1">
+        <a:scrgbClr r="0" g="0" b="0"/>
+      </a:lnRef>
+      <a:fillRef idx="1">
+        <a:scrgbClr r="0" g="0" b="0"/>
+      </a:fillRef>
+      <a:effectRef idx="0">
+        <a:scrgbClr r="0" g="0" b="0"/>
+      </a:effectRef>
+      <a:fontRef idx="minor"/>
+    </dgm:style>
+  </dgm:styleLbl>
+  <dgm:styleLbl name="bgAcc1">
+    <dgm:scene3d>
+      <a:camera prst="orthographicFront"/>
+      <a:lightRig rig="threePt" dir="t"/>
+    </dgm:scene3d>
+    <dgm:sp3d/>
+    <dgm:txPr/>
+    <dgm:style>
+      <a:lnRef idx="1">
+        <a:scrgbClr r="0" g="0" b="0"/>
+      </a:lnRef>
+      <a:fillRef idx="1">
+        <a:scrgbClr r="0" g="0" b="0"/>
+      </a:fillRef>
+      <a:effectRef idx="2">
+        <a:scrgbClr r="0" g="0" b="0"/>
+      </a:effectRef>
+      <a:fontRef idx="minor"/>
+    </dgm:style>
+  </dgm:styleLbl>
+  <dgm:styleLbl name="solidFgAcc1">
+    <dgm:scene3d>
+      <a:camera prst="orthographicFront"/>
+      <a:lightRig rig="threePt" dir="t"/>
+    </dgm:scene3d>
+    <dgm:sp3d/>
+    <dgm:txPr/>
+    <dgm:style>
+      <a:lnRef idx="1">
+        <a:scrgbClr r="0" g="0" b="0"/>
+      </a:lnRef>
+      <a:fillRef idx="1">
+        <a:scrgbClr r="0" g="0" b="0"/>
+      </a:fillRef>
+      <a:effectRef idx="2">
+        <a:scrgbClr r="0" g="0" b="0"/>
+      </a:effectRef>
+      <a:fontRef idx="minor"/>
+    </dgm:style>
+  </dgm:styleLbl>
+  <dgm:styleLbl name="solidAlignAcc1">
+    <dgm:scene3d>
+      <a:camera prst="orthographicFront"/>
+      <a:lightRig rig="threePt" dir="t"/>
+    </dgm:scene3d>
+    <dgm:sp3d/>
+    <dgm:txPr/>
+    <dgm:style>
+      <a:lnRef idx="1">
+        <a:scrgbClr r="0" g="0" b="0"/>
+      </a:lnRef>
+      <a:fillRef idx="1">
+        <a:scrgbClr r="0" g="0" b="0"/>
+      </a:fillRef>
+      <a:effectRef idx="3">
+        <a:scrgbClr r="0" g="0" b="0"/>
+      </a:effectRef>
+      <a:fontRef idx="minor"/>
+    </dgm:style>
+  </dgm:styleLbl>
+  <dgm:styleLbl name="solidBgAcc1">
+    <dgm:scene3d>
+      <a:camera prst="orthographicFront"/>
+      <a:lightRig rig="threePt" dir="t"/>
+    </dgm:scene3d>
+    <dgm:sp3d/>
+    <dgm:txPr/>
+    <dgm:style>
+      <a:lnRef idx="1">
+        <a:scrgbClr r="0" g="0" b="0"/>
+      </a:lnRef>
+      <a:fillRef idx="1">
+        <a:scrgbClr r="0" g="0" b="0"/>
+      </a:fillRef>
+      <a:effectRef idx="3">
+        <a:scrgbClr r="0" g="0" b="0"/>
+      </a:effectRef>
+      <a:fontRef idx="minor"/>
+    </dgm:style>
+  </dgm:styleLbl>
+  <dgm:styleLbl name="fgAccFollowNode1">
+    <dgm:scene3d>
+      <a:camera prst="orthographicFront"/>
+      <a:lightRig rig="threePt" dir="t"/>
+    </dgm:scene3d>
+    <dgm:sp3d/>
+    <dgm:txPr/>
+    <dgm:style>
+      <a:lnRef idx="1">
+        <a:scrgbClr r="0" g="0" b="0"/>
+      </a:lnRef>
+      <a:fillRef idx="1">
+        <a:scrgbClr r="0" g="0" b="0"/>
+      </a:fillRef>
+      <a:effectRef idx="2">
+        <a:scrgbClr r="0" g="0" b="0"/>
+      </a:effectRef>
+      <a:fontRef idx="minor"/>
+    </dgm:style>
+  </dgm:styleLbl>
+  <dgm:styleLbl name="alignAccFollowNode1">
+    <dgm:scene3d>
+      <a:camera prst="orthographicFront"/>
+      <a:lightRig rig="threePt" dir="t"/>
+    </dgm:scene3d>
+    <dgm:sp3d/>
+    <dgm:txPr/>
+    <dgm:style>
+      <a:lnRef idx="1">
+        <a:scrgbClr r="0" g="0" b="0"/>
+      </a:lnRef>
+      <a:fillRef idx="1">
+        <a:scrgbClr r="0" g="0" b="0"/>
+      </a:fillRef>
+      <a:effectRef idx="2">
+        <a:scrgbClr r="0" g="0" b="0"/>
+      </a:effectRef>
+      <a:fontRef idx="minor"/>
+    </dgm:style>
+  </dgm:styleLbl>
+  <dgm:styleLbl name="bgAccFollowNode1">
+    <dgm:scene3d>
+      <a:camera prst="orthographicFront"/>
+      <a:lightRig rig="threePt" dir="t"/>
+    </dgm:scene3d>
+    <dgm:sp3d/>
+    <dgm:txPr/>
+    <dgm:style>
+      <a:lnRef idx="1">
+        <a:scrgbClr r="0" g="0" b="0"/>
+      </a:lnRef>
+      <a:fillRef idx="1">
+        <a:scrgbClr r="0" g="0" b="0"/>
+      </a:fillRef>
+      <a:effectRef idx="2">
+        <a:scrgbClr r="0" g="0" b="0"/>
+      </a:effectRef>
+      <a:fontRef idx="minor"/>
+    </dgm:style>
+  </dgm:styleLbl>
+  <dgm:styleLbl name="fgAcc0">
+    <dgm:scene3d>
+      <a:camera prst="orthographicFront"/>
+      <a:lightRig rig="threePt" dir="t"/>
+    </dgm:scene3d>
+    <dgm:sp3d/>
+    <dgm:txPr/>
+    <dgm:style>
+      <a:lnRef idx="1">
+        <a:scrgbClr r="0" g="0" b="0"/>
+      </a:lnRef>
+      <a:fillRef idx="1">
+        <a:scrgbClr r="0" g="0" b="0"/>
+      </a:fillRef>
+      <a:effectRef idx="2">
+        <a:scrgbClr r="0" g="0" b="0"/>
+      </a:effectRef>
+      <a:fontRef idx="minor"/>
+    </dgm:style>
+  </dgm:styleLbl>
+  <dgm:styleLbl name="fgAcc2">
+    <dgm:scene3d>
+      <a:camera prst="orthographicFront"/>
+      <a:lightRig rig="threePt" dir="t"/>
+    </dgm:scene3d>
+    <dgm:sp3d/>
+    <dgm:txPr/>
+    <dgm:style>
+      <a:lnRef idx="1">
+        <a:scrgbClr r="0" g="0" b="0"/>
+      </a:lnRef>
+      <a:fillRef idx="1">
+        <a:scrgbClr r="0" g="0" b="0"/>
+      </a:fillRef>
+      <a:effectRef idx="2">
+        <a:scrgbClr r="0" g="0" b="0"/>
+      </a:effectRef>
+      <a:fontRef idx="minor"/>
+    </dgm:style>
+  </dgm:styleLbl>
+  <dgm:styleLbl name="fgAcc3">
+    <dgm:scene3d>
+      <a:camera prst="orthographicFront"/>
+      <a:lightRig rig="threePt" dir="t"/>
+    </dgm:scene3d>
+    <dgm:sp3d/>
+    <dgm:txPr/>
+    <dgm:style>
+      <a:lnRef idx="1">
+        <a:scrgbClr r="0" g="0" b="0"/>
+      </a:lnRef>
+      <a:fillRef idx="1">
+        <a:scrgbClr r="0" g="0" b="0"/>
+      </a:fillRef>
+      <a:effectRef idx="2">
+        <a:scrgbClr r="0" g="0" b="0"/>
+      </a:effectRef>
+      <a:fontRef idx="minor"/>
+    </dgm:style>
+  </dgm:styleLbl>
+  <dgm:styleLbl name="fgAcc4">
+    <dgm:scene3d>
+      <a:camera prst="orthographicFront"/>
+      <a:lightRig rig="threePt" dir="t"/>
+    </dgm:scene3d>
+    <dgm:sp3d/>
+    <dgm:txPr/>
+    <dgm:style>
+      <a:lnRef idx="1">
+        <a:scrgbClr r="0" g="0" b="0"/>
+      </a:lnRef>
+      <a:fillRef idx="1">
+        <a:scrgbClr r="0" g="0" b="0"/>
+      </a:fillRef>
+      <a:effectRef idx="2">
+        <a:scrgbClr r="0" g="0" b="0"/>
+      </a:effectRef>
+      <a:fontRef idx="minor"/>
+    </dgm:style>
+  </dgm:styleLbl>
+  <dgm:styleLbl name="bgShp">
+    <dgm:scene3d>
+      <a:camera prst="orthographicFront"/>
+      <a:lightRig rig="threePt" dir="t"/>
+    </dgm:scene3d>
+    <dgm:sp3d/>
+    <dgm:txPr/>
+    <dgm:style>
+      <a:lnRef idx="0">
+        <a:scrgbClr r="0" g="0" b="0"/>
+      </a:lnRef>
+      <a:fillRef idx="1">
+        <a:scrgbClr r="0" g="0" b="0"/>
+      </a:fillRef>
+      <a:effectRef idx="2">
+        <a:scrgbClr r="0" g="0" b="0"/>
+      </a:effectRef>
+      <a:fontRef idx="minor"/>
+    </dgm:style>
+  </dgm:styleLbl>
+  <dgm:styleLbl name="dkBgShp">
+    <dgm:scene3d>
+      <a:camera prst="orthographicFront"/>
+      <a:lightRig rig="threePt" dir="t"/>
+    </dgm:scene3d>
+    <dgm:sp3d/>
+    <dgm:txPr/>
+    <dgm:style>
+      <a:lnRef idx="0">
+        <a:scrgbClr r="0" g="0" b="0"/>
+      </a:lnRef>
+      <a:fillRef idx="1">
+        <a:scrgbClr r="0" g="0" b="0"/>
+      </a:fillRef>
+      <a:effectRef idx="3">
+        <a:scrgbClr r="0" g="0" b="0"/>
+      </a:effectRef>
+      <a:fontRef idx="minor"/>
+    </dgm:style>
+  </dgm:styleLbl>
+  <dgm:styleLbl name="trBgShp">
+    <dgm:scene3d>
+      <a:camera prst="orthographicFront"/>
+      <a:lightRig rig="threePt" dir="t"/>
+    </dgm:scene3d>
+    <dgm:sp3d/>
+    <dgm:txPr/>
+    <dgm:style>
+      <a:lnRef idx="0">
+        <a:scrgbClr r="0" g="0" b="0"/>
+      </a:lnRef>
+      <a:fillRef idx="1">
+        <a:scrgbClr r="0" g="0" b="0"/>
+      </a:fillRef>
+      <a:effectRef idx="0">
+        <a:scrgbClr r="0" g="0" b="0"/>
+      </a:effectRef>
+      <a:fontRef idx="minor"/>
+    </dgm:style>
+  </dgm:styleLbl>
+  <dgm:styleLbl name="fgShp">
+    <dgm:scene3d>
+      <a:camera prst="orthographicFront"/>
+      <a:lightRig rig="threePt" dir="t"/>
+    </dgm:scene3d>
+    <dgm:sp3d/>
+    <dgm:txPr/>
+    <dgm:style>
+      <a:lnRef idx="0">
+        <a:scrgbClr r="0" g="0" b="0"/>
+      </a:lnRef>
+      <a:fillRef idx="3">
+        <a:scrgbClr r="0" g="0" b="0"/>
+      </a:fillRef>
+      <a:effectRef idx="3">
         <a:scrgbClr r="0" g="0" b="0"/>
       </a:effectRef>
       <a:fontRef idx="minor"/>
@@ -16755,6 +24201,420 @@
 </p:sld>
 </file>
 
+<file path=ppt/slides/slide10.xml><?xml version="1.0" encoding="utf-8"?>
+<p:sld xmlns:a="http://schemas.openxmlformats.org/drawingml/2006/main" xmlns:r="http://schemas.openxmlformats.org/officeDocument/2006/relationships" xmlns:p="http://schemas.openxmlformats.org/presentationml/2006/main">
+  <p:cSld>
+    <p:bg>
+      <p:bgPr>
+        <a:solidFill>
+          <a:schemeClr val="bg1"/>
+        </a:solidFill>
+        <a:effectLst/>
+      </p:bgPr>
+    </p:bg>
+    <p:spTree>
+      <p:nvGrpSpPr>
+        <p:cNvPr id="1" name=""/>
+        <p:cNvGrpSpPr/>
+        <p:nvPr/>
+      </p:nvGrpSpPr>
+      <p:grpSpPr>
+        <a:xfrm>
+          <a:off x="0" y="0"/>
+          <a:ext cx="0" cy="0"/>
+          <a:chOff x="0" y="0"/>
+          <a:chExt cx="0" cy="0"/>
+        </a:xfrm>
+      </p:grpSpPr>
+      <p:sp useBgFill="1">
+        <p:nvSpPr>
+          <p:cNvPr id="8" name="Rectangle 7">
+            <a:extLst>
+              <a:ext uri="{FF2B5EF4-FFF2-40B4-BE49-F238E27FC236}">
+                <a16:creationId xmlns:a16="http://schemas.microsoft.com/office/drawing/2014/main" id="{27C836CD-47B2-4287-AE51-D866B8697AF0}"/>
+              </a:ext>
+              <a:ext uri="{C183D7F6-B498-43B3-948B-1728B52AA6E4}">
+                <adec:decorative xmlns:adec="http://schemas.microsoft.com/office/drawing/2017/decorative" val="1"/>
+              </a:ext>
+            </a:extLst>
+          </p:cNvPr>
+          <p:cNvSpPr>
+            <a:spLocks noGrp="1" noRot="1" noChangeAspect="1" noMove="1" noResize="1" noEditPoints="1" noAdjustHandles="1" noChangeArrowheads="1" noChangeShapeType="1" noTextEdit="1"/>
+          </p:cNvSpPr>
+          <p:nvPr>
+            <p:extLst>
+              <p:ext uri="{386F3935-93C4-4BCD-93E2-E3B085C9AB24}">
+                <p16:designElem xmlns:p16="http://schemas.microsoft.com/office/powerpoint/2015/main" val="1"/>
+              </p:ext>
+            </p:extLst>
+          </p:nvPr>
+        </p:nvSpPr>
+        <p:spPr>
+          <a:xfrm>
+            <a:off x="0" y="0"/>
+            <a:ext cx="12192000" cy="6858000"/>
+          </a:xfrm>
+          <a:prstGeom prst="rect">
+            <a:avLst/>
+          </a:prstGeom>
+          <a:ln w="12700" cap="flat" cmpd="sng" algn="ctr">
+            <a:noFill/>
+            <a:prstDash val="solid"/>
+            <a:miter lim="800000"/>
+          </a:ln>
+          <a:effectLst/>
+          <a:extLst>
+            <a:ext uri="{91240B29-F687-4F45-9708-019B960494DF}">
+              <a14:hiddenLine xmlns:a14="http://schemas.microsoft.com/office/drawing/2010/main" w="12700" cap="flat" cmpd="sng" algn="ctr">
+                <a:solidFill>
+                  <a:schemeClr val="accent1">
+                    <a:shade val="50000"/>
+                  </a:schemeClr>
+                </a:solidFill>
+                <a:prstDash val="solid"/>
+                <a:miter lim="800000"/>
+              </a14:hiddenLine>
+            </a:ext>
+          </a:extLst>
+        </p:spPr>
+        <p:style>
+          <a:lnRef idx="2">
+            <a:schemeClr val="accent1">
+              <a:shade val="50000"/>
+            </a:schemeClr>
+          </a:lnRef>
+          <a:fillRef idx="1">
+            <a:schemeClr val="accent1"/>
+          </a:fillRef>
+          <a:effectRef idx="0">
+            <a:schemeClr val="accent1"/>
+          </a:effectRef>
+          <a:fontRef idx="minor">
+            <a:schemeClr val="lt1"/>
+          </a:fontRef>
+        </p:style>
+        <p:txBody>
+          <a:bodyPr rtlCol="0" anchor="ctr"/>
+          <a:lstStyle/>
+          <a:p>
+            <a:pPr algn="ctr"/>
+            <a:endParaRPr lang="en-US"/>
+          </a:p>
+        </p:txBody>
+      </p:sp>
+      <p:sp>
+        <p:nvSpPr>
+          <p:cNvPr id="10" name="Rectangle 9">
+            <a:extLst>
+              <a:ext uri="{FF2B5EF4-FFF2-40B4-BE49-F238E27FC236}">
+                <a16:creationId xmlns:a16="http://schemas.microsoft.com/office/drawing/2014/main" id="{8A50CAC8-10E2-4E31-9995-4EF170513678}"/>
+              </a:ext>
+              <a:ext uri="{C183D7F6-B498-43B3-948B-1728B52AA6E4}">
+                <adec:decorative xmlns:adec="http://schemas.microsoft.com/office/drawing/2017/decorative" val="1"/>
+              </a:ext>
+            </a:extLst>
+          </p:cNvPr>
+          <p:cNvSpPr>
+            <a:spLocks noGrp="1" noRot="1" noChangeAspect="1" noMove="1" noResize="1" noEditPoints="1" noAdjustHandles="1" noChangeArrowheads="1" noChangeShapeType="1" noTextEdit="1"/>
+          </p:cNvSpPr>
+          <p:nvPr>
+            <p:extLst>
+              <p:ext uri="{386F3935-93C4-4BCD-93E2-E3B085C9AB24}">
+                <p16:designElem xmlns:p16="http://schemas.microsoft.com/office/powerpoint/2015/main" val="1"/>
+              </p:ext>
+            </p:extLst>
+          </p:nvPr>
+        </p:nvSpPr>
+        <p:spPr>
+          <a:xfrm>
+            <a:off x="-10506" y="0"/>
+            <a:ext cx="5426844" cy="6858000"/>
+          </a:xfrm>
+          <a:prstGeom prst="rect">
+            <a:avLst/>
+          </a:prstGeom>
+          <a:solidFill>
+            <a:schemeClr val="tx2">
+              <a:lumMod val="75000"/>
+              <a:lumOff val="25000"/>
+            </a:schemeClr>
+          </a:solidFill>
+          <a:ln>
+            <a:noFill/>
+          </a:ln>
+        </p:spPr>
+        <p:style>
+          <a:lnRef idx="2">
+            <a:schemeClr val="accent1">
+              <a:shade val="50000"/>
+            </a:schemeClr>
+          </a:lnRef>
+          <a:fillRef idx="1">
+            <a:schemeClr val="accent1"/>
+          </a:fillRef>
+          <a:effectRef idx="0">
+            <a:schemeClr val="accent1"/>
+          </a:effectRef>
+          <a:fontRef idx="minor">
+            <a:schemeClr val="lt1"/>
+          </a:fontRef>
+        </p:style>
+        <p:txBody>
+          <a:bodyPr rtlCol="0" anchor="ctr"/>
+          <a:lstStyle/>
+          <a:p>
+            <a:pPr algn="ctr"/>
+            <a:endParaRPr lang="en-US"/>
+          </a:p>
+        </p:txBody>
+      </p:sp>
+      <p:sp>
+        <p:nvSpPr>
+          <p:cNvPr id="2" name="Title 1">
+            <a:extLst>
+              <a:ext uri="{FF2B5EF4-FFF2-40B4-BE49-F238E27FC236}">
+                <a16:creationId xmlns:a16="http://schemas.microsoft.com/office/drawing/2014/main" id="{DC91D682-422C-5CDA-C38F-EE433550B304}"/>
+              </a:ext>
+            </a:extLst>
+          </p:cNvPr>
+          <p:cNvSpPr>
+            <a:spLocks noGrp="1"/>
+          </p:cNvSpPr>
+          <p:nvPr>
+            <p:ph type="title"/>
+          </p:nvPr>
+        </p:nvSpPr>
+        <p:spPr>
+          <a:xfrm>
+            <a:off x="424218" y="858416"/>
+            <a:ext cx="4807146" cy="4721290"/>
+          </a:xfrm>
+        </p:spPr>
+        <p:txBody>
+          <a:bodyPr anchor="ctr">
+            <a:normAutofit/>
+          </a:bodyPr>
+          <a:lstStyle/>
+          <a:p>
+            <a:pPr algn="ctr"/>
+            <a:r>
+              <a:rPr lang="en-US" sz="5400" dirty="0">
+                <a:solidFill>
+                  <a:schemeClr val="bg1"/>
+                </a:solidFill>
+              </a:rPr>
+              <a:t>Live demo</a:t>
+            </a:r>
+          </a:p>
+        </p:txBody>
+      </p:sp>
+      <p:pic>
+        <p:nvPicPr>
+          <p:cNvPr id="15" name="Content Placeholder 14" descr="Aperture with solid fill">
+            <a:extLst>
+              <a:ext uri="{FF2B5EF4-FFF2-40B4-BE49-F238E27FC236}">
+                <a16:creationId xmlns:a16="http://schemas.microsoft.com/office/drawing/2014/main" id="{170FD7AD-F287-5229-3652-3F820F01E7D0}"/>
+              </a:ext>
+            </a:extLst>
+          </p:cNvPr>
+          <p:cNvPicPr>
+            <a:picLocks noGrp="1" noChangeAspect="1"/>
+          </p:cNvPicPr>
+          <p:nvPr>
+            <p:ph idx="1"/>
+          </p:nvPr>
+        </p:nvPicPr>
+        <p:blipFill>
+          <a:blip r:embed="rId2">
+            <a:extLst>
+              <a:ext uri="{28A0092B-C50C-407E-A947-70E740481C1C}">
+                <a14:useLocalDpi xmlns:a14="http://schemas.microsoft.com/office/drawing/2010/main" val="0"/>
+              </a:ext>
+              <a:ext uri="{96DAC541-7B7A-43D3-8B79-37D633B846F1}">
+                <asvg:svgBlip xmlns:asvg="http://schemas.microsoft.com/office/drawing/2016/SVG/main" r:embed="rId3"/>
+              </a:ext>
+            </a:extLst>
+          </a:blip>
+          <a:stretch>
+            <a:fillRect/>
+          </a:stretch>
+        </p:blipFill>
+        <p:spPr>
+          <a:xfrm>
+            <a:off x="8236292" y="2651184"/>
+            <a:ext cx="1135754" cy="1135754"/>
+          </a:xfrm>
+        </p:spPr>
+      </p:pic>
+      <p:pic>
+        <p:nvPicPr>
+          <p:cNvPr id="17" name="Graphic 16" descr="Abacus with solid fill">
+            <a:extLst>
+              <a:ext uri="{FF2B5EF4-FFF2-40B4-BE49-F238E27FC236}">
+                <a16:creationId xmlns:a16="http://schemas.microsoft.com/office/drawing/2014/main" id="{576F3C51-C2D5-FC95-34E8-6ECC1F13F55F}"/>
+              </a:ext>
+            </a:extLst>
+          </p:cNvPr>
+          <p:cNvPicPr>
+            <a:picLocks noChangeAspect="1"/>
+          </p:cNvPicPr>
+          <p:nvPr/>
+        </p:nvPicPr>
+        <p:blipFill>
+          <a:blip r:embed="rId4">
+            <a:extLst>
+              <a:ext uri="{28A0092B-C50C-407E-A947-70E740481C1C}">
+                <a14:useLocalDpi xmlns:a14="http://schemas.microsoft.com/office/drawing/2010/main" val="0"/>
+              </a:ext>
+              <a:ext uri="{96DAC541-7B7A-43D3-8B79-37D633B846F1}">
+                <asvg:svgBlip xmlns:asvg="http://schemas.microsoft.com/office/drawing/2016/SVG/main" r:embed="rId5"/>
+              </a:ext>
+            </a:extLst>
+          </a:blip>
+          <a:stretch>
+            <a:fillRect/>
+          </a:stretch>
+        </p:blipFill>
+        <p:spPr>
+          <a:xfrm>
+            <a:off x="8236292" y="868127"/>
+            <a:ext cx="1135754" cy="1135754"/>
+          </a:xfrm>
+          <a:prstGeom prst="rect">
+            <a:avLst/>
+          </a:prstGeom>
+        </p:spPr>
+      </p:pic>
+      <p:pic>
+        <p:nvPicPr>
+          <p:cNvPr id="19" name="Graphic 18" descr="Group of people outline">
+            <a:extLst>
+              <a:ext uri="{FF2B5EF4-FFF2-40B4-BE49-F238E27FC236}">
+                <a16:creationId xmlns:a16="http://schemas.microsoft.com/office/drawing/2014/main" id="{AD0C4F15-FBD6-2E04-60C3-F10E2AF7E817}"/>
+              </a:ext>
+            </a:extLst>
+          </p:cNvPr>
+          <p:cNvPicPr>
+            <a:picLocks noChangeAspect="1"/>
+          </p:cNvPicPr>
+          <p:nvPr/>
+        </p:nvPicPr>
+        <p:blipFill>
+          <a:blip r:embed="rId6">
+            <a:extLst>
+              <a:ext uri="{28A0092B-C50C-407E-A947-70E740481C1C}">
+                <a14:useLocalDpi xmlns:a14="http://schemas.microsoft.com/office/drawing/2010/main" val="0"/>
+              </a:ext>
+              <a:ext uri="{96DAC541-7B7A-43D3-8B79-37D633B846F1}">
+                <asvg:svgBlip xmlns:asvg="http://schemas.microsoft.com/office/drawing/2016/SVG/main" r:embed="rId7"/>
+              </a:ext>
+            </a:extLst>
+          </a:blip>
+          <a:stretch>
+            <a:fillRect/>
+          </a:stretch>
+        </p:blipFill>
+        <p:spPr>
+          <a:xfrm>
+            <a:off x="5840556" y="858416"/>
+            <a:ext cx="1135754" cy="1135754"/>
+          </a:xfrm>
+          <a:prstGeom prst="rect">
+            <a:avLst/>
+          </a:prstGeom>
+        </p:spPr>
+      </p:pic>
+      <p:pic>
+        <p:nvPicPr>
+          <p:cNvPr id="21" name="Graphic 20" descr="Group of people with solid fill">
+            <a:extLst>
+              <a:ext uri="{FF2B5EF4-FFF2-40B4-BE49-F238E27FC236}">
+                <a16:creationId xmlns:a16="http://schemas.microsoft.com/office/drawing/2014/main" id="{129349C5-49E5-325D-C6DC-E452B9D659D3}"/>
+              </a:ext>
+            </a:extLst>
+          </p:cNvPr>
+          <p:cNvPicPr>
+            <a:picLocks noChangeAspect="1"/>
+          </p:cNvPicPr>
+          <p:nvPr/>
+        </p:nvPicPr>
+        <p:blipFill>
+          <a:blip r:embed="rId8">
+            <a:extLst>
+              <a:ext uri="{28A0092B-C50C-407E-A947-70E740481C1C}">
+                <a14:useLocalDpi xmlns:a14="http://schemas.microsoft.com/office/drawing/2010/main" val="0"/>
+              </a:ext>
+              <a:ext uri="{96DAC541-7B7A-43D3-8B79-37D633B846F1}">
+                <asvg:svgBlip xmlns:asvg="http://schemas.microsoft.com/office/drawing/2016/SVG/main" r:embed="rId9"/>
+              </a:ext>
+            </a:extLst>
+          </a:blip>
+          <a:stretch>
+            <a:fillRect/>
+          </a:stretch>
+        </p:blipFill>
+        <p:spPr>
+          <a:xfrm>
+            <a:off x="10632028" y="868127"/>
+            <a:ext cx="1135754" cy="1135754"/>
+          </a:xfrm>
+          <a:prstGeom prst="rect">
+            <a:avLst/>
+          </a:prstGeom>
+        </p:spPr>
+      </p:pic>
+      <p:pic>
+        <p:nvPicPr>
+          <p:cNvPr id="23" name="Graphic 22" descr="Group success with solid fill">
+            <a:extLst>
+              <a:ext uri="{FF2B5EF4-FFF2-40B4-BE49-F238E27FC236}">
+                <a16:creationId xmlns:a16="http://schemas.microsoft.com/office/drawing/2014/main" id="{3C9DBAEB-6BE2-EE95-078F-CFD47C23FB7F}"/>
+              </a:ext>
+            </a:extLst>
+          </p:cNvPr>
+          <p:cNvPicPr>
+            <a:picLocks noChangeAspect="1"/>
+          </p:cNvPicPr>
+          <p:nvPr/>
+        </p:nvPicPr>
+        <p:blipFill>
+          <a:blip r:embed="rId10">
+            <a:extLst>
+              <a:ext uri="{28A0092B-C50C-407E-A947-70E740481C1C}">
+                <a14:useLocalDpi xmlns:a14="http://schemas.microsoft.com/office/drawing/2010/main" val="0"/>
+              </a:ext>
+              <a:ext uri="{96DAC541-7B7A-43D3-8B79-37D633B846F1}">
+                <asvg:svgBlip xmlns:asvg="http://schemas.microsoft.com/office/drawing/2016/SVG/main" r:embed="rId11"/>
+              </a:ext>
+            </a:extLst>
+          </a:blip>
+          <a:stretch>
+            <a:fillRect/>
+          </a:stretch>
+        </p:blipFill>
+        <p:spPr>
+          <a:xfrm>
+            <a:off x="8236292" y="4754592"/>
+            <a:ext cx="1135754" cy="1135754"/>
+          </a:xfrm>
+          <a:prstGeom prst="rect">
+            <a:avLst/>
+          </a:prstGeom>
+        </p:spPr>
+      </p:pic>
+    </p:spTree>
+    <p:extLst>
+      <p:ext uri="{BB962C8B-B14F-4D97-AF65-F5344CB8AC3E}">
+        <p14:creationId xmlns:p14="http://schemas.microsoft.com/office/powerpoint/2010/main" val="1069378002"/>
+      </p:ext>
+    </p:extLst>
+  </p:cSld>
+  <p:clrMapOvr>
+    <a:masterClrMapping/>
+  </p:clrMapOvr>
+</p:sld>
+</file>
+
 <file path=ppt/slides/slide2.xml><?xml version="1.0" encoding="utf-8"?>
 <p:sld xmlns:a="http://schemas.openxmlformats.org/drawingml/2006/main" xmlns:r="http://schemas.openxmlformats.org/officeDocument/2006/relationships" xmlns:p="http://schemas.openxmlformats.org/presentationml/2006/main">
   <p:cSld>
@@ -17417,126 +25277,6 @@
 </file>
 
 <file path=ppt/slides/slide5.xml><?xml version="1.0" encoding="utf-8"?>
-<p:sld xmlns:a="http://schemas.openxmlformats.org/drawingml/2006/main" xmlns:r="http://schemas.openxmlformats.org/officeDocument/2006/relationships" xmlns:p="http://schemas.openxmlformats.org/presentationml/2006/main" show="0">
-  <p:cSld>
-    <p:spTree>
-      <p:nvGrpSpPr>
-        <p:cNvPr id="1" name=""/>
-        <p:cNvGrpSpPr/>
-        <p:nvPr/>
-      </p:nvGrpSpPr>
-      <p:grpSpPr>
-        <a:xfrm>
-          <a:off x="0" y="0"/>
-          <a:ext cx="0" cy="0"/>
-          <a:chOff x="0" y="0"/>
-          <a:chExt cx="0" cy="0"/>
-        </a:xfrm>
-      </p:grpSpPr>
-      <p:sp>
-        <p:nvSpPr>
-          <p:cNvPr id="2" name="Title 1">
-            <a:extLst>
-              <a:ext uri="{FF2B5EF4-FFF2-40B4-BE49-F238E27FC236}">
-                <a16:creationId xmlns:a16="http://schemas.microsoft.com/office/drawing/2014/main" id="{1F68E514-99EA-43E0-65E6-DB28227F4777}"/>
-              </a:ext>
-            </a:extLst>
-          </p:cNvPr>
-          <p:cNvSpPr>
-            <a:spLocks noGrp="1"/>
-          </p:cNvSpPr>
-          <p:nvPr>
-            <p:ph type="title"/>
-          </p:nvPr>
-        </p:nvSpPr>
-        <p:spPr/>
-        <p:txBody>
-          <a:bodyPr/>
-          <a:lstStyle/>
-          <a:p>
-            <a:r>
-              <a:rPr lang="en-US" dirty="0" err="1"/>
-              <a:t>Hyperloglog</a:t>
-            </a:r>
-            <a:endParaRPr lang="en-US" dirty="0"/>
-          </a:p>
-        </p:txBody>
-      </p:sp>
-      <p:graphicFrame>
-        <p:nvGraphicFramePr>
-          <p:cNvPr id="9" name="Content Placeholder 2">
-            <a:extLst>
-              <a:ext uri="{FF2B5EF4-FFF2-40B4-BE49-F238E27FC236}">
-                <a16:creationId xmlns:a16="http://schemas.microsoft.com/office/drawing/2014/main" id="{06F061D3-5644-C7F7-7243-ECAE49B14B23}"/>
-              </a:ext>
-            </a:extLst>
-          </p:cNvPr>
-          <p:cNvGraphicFramePr>
-            <a:graphicFrameLocks noGrp="1"/>
-          </p:cNvGraphicFramePr>
-          <p:nvPr>
-            <p:ph idx="1"/>
-            <p:extLst>
-              <p:ext uri="{D42A27DB-BD31-4B8C-83A1-F6EECF244321}">
-                <p14:modId xmlns:p14="http://schemas.microsoft.com/office/powerpoint/2010/main" val="498147941"/>
-              </p:ext>
-            </p:extLst>
-          </p:nvPr>
-        </p:nvGraphicFramePr>
-        <p:xfrm>
-          <a:off x="1371599" y="2254103"/>
-          <a:ext cx="9486901" cy="3918098"/>
-        </p:xfrm>
-        <a:graphic>
-          <a:graphicData uri="http://schemas.openxmlformats.org/drawingml/2006/diagram">
-            <dgm:relIds xmlns:dgm="http://schemas.openxmlformats.org/drawingml/2006/diagram" xmlns:r="http://schemas.openxmlformats.org/officeDocument/2006/relationships" r:dm="rId2" r:lo="rId3" r:qs="rId4" r:cs="rId5"/>
-          </a:graphicData>
-        </a:graphic>
-      </p:graphicFrame>
-      <p:pic>
-        <p:nvPicPr>
-          <p:cNvPr id="5" name="Picture 4">
-            <a:extLst>
-              <a:ext uri="{FF2B5EF4-FFF2-40B4-BE49-F238E27FC236}">
-                <a16:creationId xmlns:a16="http://schemas.microsoft.com/office/drawing/2014/main" id="{D28087A6-BE45-9C38-9EA3-8486586AE055}"/>
-              </a:ext>
-            </a:extLst>
-          </p:cNvPr>
-          <p:cNvPicPr>
-            <a:picLocks noChangeAspect="1"/>
-          </p:cNvPicPr>
-          <p:nvPr/>
-        </p:nvPicPr>
-        <p:blipFill>
-          <a:blip r:embed="rId7"/>
-          <a:stretch>
-            <a:fillRect/>
-          </a:stretch>
-        </p:blipFill>
-        <p:spPr>
-          <a:xfrm>
-            <a:off x="5695043" y="0"/>
-            <a:ext cx="6496957" cy="2000529"/>
-          </a:xfrm>
-          <a:prstGeom prst="rect">
-            <a:avLst/>
-          </a:prstGeom>
-        </p:spPr>
-      </p:pic>
-    </p:spTree>
-    <p:extLst>
-      <p:ext uri="{BB962C8B-B14F-4D97-AF65-F5344CB8AC3E}">
-        <p14:creationId xmlns:p14="http://schemas.microsoft.com/office/powerpoint/2010/main" val="1699817189"/>
-      </p:ext>
-    </p:extLst>
-  </p:cSld>
-  <p:clrMapOvr>
-    <a:masterClrMapping/>
-  </p:clrMapOvr>
-</p:sld>
-</file>
-
-<file path=ppt/slides/slide6.xml><?xml version="1.0" encoding="utf-8"?>
 <p:sld xmlns:a="http://schemas.openxmlformats.org/drawingml/2006/main" xmlns:r="http://schemas.openxmlformats.org/officeDocument/2006/relationships" xmlns:p="http://schemas.openxmlformats.org/presentationml/2006/main">
   <p:cSld>
     <p:bg>
@@ -17897,7 +25637,7 @@
 </p:sld>
 </file>
 
-<file path=ppt/slides/slide7.xml><?xml version="1.0" encoding="utf-8"?>
+<file path=ppt/slides/slide6.xml><?xml version="1.0" encoding="utf-8"?>
 <p:sld xmlns:a="http://schemas.openxmlformats.org/drawingml/2006/main" xmlns:r="http://schemas.openxmlformats.org/officeDocument/2006/relationships" xmlns:p="http://schemas.openxmlformats.org/presentationml/2006/main">
   <p:cSld>
     <p:spTree>
@@ -17914,97 +25654,6 @@
           <a:chExt cx="0" cy="0"/>
         </a:xfrm>
       </p:grpSpPr>
-      <p:sp>
-        <p:nvSpPr>
-          <p:cNvPr id="2" name="Title 1">
-            <a:extLst>
-              <a:ext uri="{FF2B5EF4-FFF2-40B4-BE49-F238E27FC236}">
-                <a16:creationId xmlns:a16="http://schemas.microsoft.com/office/drawing/2014/main" id="{4F069CC9-DC4F-757F-4B85-3901E4983850}"/>
-              </a:ext>
-            </a:extLst>
-          </p:cNvPr>
-          <p:cNvSpPr>
-            <a:spLocks noGrp="1"/>
-          </p:cNvSpPr>
-          <p:nvPr>
-            <p:ph type="title"/>
-          </p:nvPr>
-        </p:nvSpPr>
-        <p:spPr/>
-        <p:txBody>
-          <a:bodyPr/>
-          <a:lstStyle/>
-          <a:p>
-            <a:r>
-              <a:rPr lang="en-US"/>
-              <a:t>trfhyeyurv</a:t>
-            </a:r>
-          </a:p>
-        </p:txBody>
-      </p:sp>
-      <p:sp>
-        <p:nvSpPr>
-          <p:cNvPr id="3" name="Content Placeholder 2">
-            <a:extLst>
-              <a:ext uri="{FF2B5EF4-FFF2-40B4-BE49-F238E27FC236}">
-                <a16:creationId xmlns:a16="http://schemas.microsoft.com/office/drawing/2014/main" id="{FEB9E18B-4128-FC85-AF15-8AE1FDB401D3}"/>
-              </a:ext>
-            </a:extLst>
-          </p:cNvPr>
-          <p:cNvSpPr>
-            <a:spLocks noGrp="1"/>
-          </p:cNvSpPr>
-          <p:nvPr>
-            <p:ph idx="1"/>
-          </p:nvPr>
-        </p:nvSpPr>
-        <p:spPr/>
-        <p:txBody>
-          <a:bodyPr/>
-          <a:lstStyle/>
-          <a:p>
-            <a:endParaRPr lang="en-US" dirty="0"/>
-          </a:p>
-        </p:txBody>
-      </p:sp>
-      <p:sp>
-        <p:nvSpPr>
-          <p:cNvPr id="5" name="TextBox 4">
-            <a:extLst>
-              <a:ext uri="{FF2B5EF4-FFF2-40B4-BE49-F238E27FC236}">
-                <a16:creationId xmlns:a16="http://schemas.microsoft.com/office/drawing/2014/main" id="{4905CB5E-2C7B-A5AE-530E-2E57B4ADF2CC}"/>
-              </a:ext>
-            </a:extLst>
-          </p:cNvPr>
-          <p:cNvSpPr txBox="1"/>
-          <p:nvPr/>
-        </p:nvSpPr>
-        <p:spPr>
-          <a:xfrm>
-            <a:off x="3048000" y="3245889"/>
-            <a:ext cx="6096000" cy="369332"/>
-          </a:xfrm>
-          <a:prstGeom prst="rect">
-            <a:avLst/>
-          </a:prstGeom>
-          <a:noFill/>
-        </p:spPr>
-        <p:txBody>
-          <a:bodyPr wrap="square">
-            <a:spAutoFit/>
-          </a:bodyPr>
-          <a:lstStyle/>
-          <a:p>
-            <a:r>
-              <a:rPr lang="en-US" b="0" dirty="0">
-                <a:effectLst/>
-              </a:rPr>
-              <a:t> </a:t>
-            </a:r>
-            <a:endParaRPr lang="en-US" dirty="0"/>
-          </a:p>
-        </p:txBody>
-      </p:sp>
       <p:grpSp>
         <p:nvGrpSpPr>
           <p:cNvPr id="9" name="Group 8">
@@ -18019,8 +25668,8 @@
         </p:nvGrpSpPr>
         <p:grpSpPr>
           <a:xfrm>
-            <a:off x="7848300" y="78725"/>
-            <a:ext cx="4305901" cy="4134427"/>
+            <a:off x="7109928" y="2057400"/>
+            <a:ext cx="4820816" cy="4436706"/>
             <a:chOff x="3943049" y="1361786"/>
             <a:chExt cx="4305901" cy="4134427"/>
           </a:xfrm>
@@ -18110,10 +25759,228 @@
           </p:txBody>
         </p:sp>
       </p:grpSp>
+      <p:sp>
+        <p:nvSpPr>
+          <p:cNvPr id="2" name="Title 1">
+            <a:extLst>
+              <a:ext uri="{FF2B5EF4-FFF2-40B4-BE49-F238E27FC236}">
+                <a16:creationId xmlns:a16="http://schemas.microsoft.com/office/drawing/2014/main" id="{4F069CC9-DC4F-757F-4B85-3901E4983850}"/>
+              </a:ext>
+            </a:extLst>
+          </p:cNvPr>
+          <p:cNvSpPr>
+            <a:spLocks noGrp="1"/>
+          </p:cNvSpPr>
+          <p:nvPr>
+            <p:ph type="title"/>
+          </p:nvPr>
+        </p:nvSpPr>
+        <p:spPr/>
+        <p:txBody>
+          <a:bodyPr/>
+          <a:lstStyle/>
+          <a:p>
+            <a:r>
+              <a:rPr lang="he-IL" dirty="0"/>
+              <a:t>ארכיטקטורה</a:t>
+            </a:r>
+            <a:endParaRPr lang="en-US" dirty="0"/>
+          </a:p>
+        </p:txBody>
+      </p:sp>
+      <p:graphicFrame>
+        <p:nvGraphicFramePr>
+          <p:cNvPr id="13" name="Content Placeholder 2">
+            <a:extLst>
+              <a:ext uri="{FF2B5EF4-FFF2-40B4-BE49-F238E27FC236}">
+                <a16:creationId xmlns:a16="http://schemas.microsoft.com/office/drawing/2014/main" id="{E2362A66-2E28-CDEE-31C9-219E54D511DA}"/>
+              </a:ext>
+            </a:extLst>
+          </p:cNvPr>
+          <p:cNvGraphicFramePr>
+            <a:graphicFrameLocks noGrp="1"/>
+          </p:cNvGraphicFramePr>
+          <p:nvPr>
+            <p:ph idx="1"/>
+            <p:extLst>
+              <p:ext uri="{D42A27DB-BD31-4B8C-83A1-F6EECF244321}">
+                <p14:modId xmlns:p14="http://schemas.microsoft.com/office/powerpoint/2010/main" val="2456398227"/>
+              </p:ext>
+            </p:extLst>
+          </p:nvPr>
+        </p:nvGraphicFramePr>
+        <p:xfrm>
+          <a:off x="1371600" y="2254103"/>
+          <a:ext cx="6074230" cy="3918098"/>
+        </p:xfrm>
+        <a:graphic>
+          <a:graphicData uri="http://schemas.openxmlformats.org/drawingml/2006/diagram">
+            <dgm:relIds xmlns:dgm="http://schemas.openxmlformats.org/drawingml/2006/diagram" xmlns:r="http://schemas.openxmlformats.org/officeDocument/2006/relationships" r:dm="rId3" r:lo="rId4" r:qs="rId5" r:cs="rId6"/>
+          </a:graphicData>
+        </a:graphic>
+      </p:graphicFrame>
+      <p:sp>
+        <p:nvSpPr>
+          <p:cNvPr id="5" name="TextBox 4">
+            <a:extLst>
+              <a:ext uri="{FF2B5EF4-FFF2-40B4-BE49-F238E27FC236}">
+                <a16:creationId xmlns:a16="http://schemas.microsoft.com/office/drawing/2014/main" id="{4905CB5E-2C7B-A5AE-530E-2E57B4ADF2CC}"/>
+              </a:ext>
+            </a:extLst>
+          </p:cNvPr>
+          <p:cNvSpPr txBox="1"/>
+          <p:nvPr/>
+        </p:nvSpPr>
+        <p:spPr>
+          <a:xfrm>
+            <a:off x="3048000" y="3245889"/>
+            <a:ext cx="6096000" cy="369332"/>
+          </a:xfrm>
+          <a:prstGeom prst="rect">
+            <a:avLst/>
+          </a:prstGeom>
+          <a:noFill/>
+        </p:spPr>
+        <p:txBody>
+          <a:bodyPr wrap="square">
+            <a:spAutoFit/>
+          </a:bodyPr>
+          <a:lstStyle/>
+          <a:p>
+            <a:r>
+              <a:rPr lang="en-US" b="0" dirty="0">
+                <a:effectLst/>
+              </a:rPr>
+              <a:t> </a:t>
+            </a:r>
+            <a:endParaRPr lang="en-US" dirty="0"/>
+          </a:p>
+        </p:txBody>
+      </p:sp>
     </p:spTree>
     <p:extLst>
       <p:ext uri="{BB962C8B-B14F-4D97-AF65-F5344CB8AC3E}">
         <p14:creationId xmlns:p14="http://schemas.microsoft.com/office/powerpoint/2010/main" val="4282260118"/>
+      </p:ext>
+    </p:extLst>
+  </p:cSld>
+  <p:clrMapOvr>
+    <a:masterClrMapping/>
+  </p:clrMapOvr>
+</p:sld>
+</file>
+
+<file path=ppt/slides/slide7.xml><?xml version="1.0" encoding="utf-8"?>
+<p:sld xmlns:a="http://schemas.openxmlformats.org/drawingml/2006/main" xmlns:r="http://schemas.openxmlformats.org/officeDocument/2006/relationships" xmlns:p="http://schemas.openxmlformats.org/presentationml/2006/main">
+  <p:cSld>
+    <p:spTree>
+      <p:nvGrpSpPr>
+        <p:cNvPr id="1" name=""/>
+        <p:cNvGrpSpPr/>
+        <p:nvPr/>
+      </p:nvGrpSpPr>
+      <p:grpSpPr>
+        <a:xfrm>
+          <a:off x="0" y="0"/>
+          <a:ext cx="0" cy="0"/>
+          <a:chOff x="0" y="0"/>
+          <a:chExt cx="0" cy="0"/>
+        </a:xfrm>
+      </p:grpSpPr>
+      <p:sp>
+        <p:nvSpPr>
+          <p:cNvPr id="2" name="Title 1">
+            <a:extLst>
+              <a:ext uri="{FF2B5EF4-FFF2-40B4-BE49-F238E27FC236}">
+                <a16:creationId xmlns:a16="http://schemas.microsoft.com/office/drawing/2014/main" id="{1F68E514-99EA-43E0-65E6-DB28227F4777}"/>
+              </a:ext>
+            </a:extLst>
+          </p:cNvPr>
+          <p:cNvSpPr>
+            <a:spLocks noGrp="1"/>
+          </p:cNvSpPr>
+          <p:nvPr>
+            <p:ph type="title"/>
+          </p:nvPr>
+        </p:nvSpPr>
+        <p:spPr/>
+        <p:txBody>
+          <a:bodyPr/>
+          <a:lstStyle/>
+          <a:p>
+            <a:r>
+              <a:rPr lang="en-US" dirty="0" err="1"/>
+              <a:t>Hyperloglog</a:t>
+            </a:r>
+            <a:endParaRPr lang="en-US" dirty="0"/>
+          </a:p>
+        </p:txBody>
+      </p:sp>
+      <p:graphicFrame>
+        <p:nvGraphicFramePr>
+          <p:cNvPr id="9" name="Content Placeholder 2">
+            <a:extLst>
+              <a:ext uri="{FF2B5EF4-FFF2-40B4-BE49-F238E27FC236}">
+                <a16:creationId xmlns:a16="http://schemas.microsoft.com/office/drawing/2014/main" id="{06F061D3-5644-C7F7-7243-ECAE49B14B23}"/>
+              </a:ext>
+            </a:extLst>
+          </p:cNvPr>
+          <p:cNvGraphicFramePr>
+            <a:graphicFrameLocks noGrp="1"/>
+          </p:cNvGraphicFramePr>
+          <p:nvPr>
+            <p:ph idx="1"/>
+            <p:extLst>
+              <p:ext uri="{D42A27DB-BD31-4B8C-83A1-F6EECF244321}">
+                <p14:modId xmlns:p14="http://schemas.microsoft.com/office/powerpoint/2010/main" val="498147941"/>
+              </p:ext>
+            </p:extLst>
+          </p:nvPr>
+        </p:nvGraphicFramePr>
+        <p:xfrm>
+          <a:off x="1371599" y="2254103"/>
+          <a:ext cx="9486901" cy="3918098"/>
+        </p:xfrm>
+        <a:graphic>
+          <a:graphicData uri="http://schemas.openxmlformats.org/drawingml/2006/diagram">
+            <dgm:relIds xmlns:dgm="http://schemas.openxmlformats.org/drawingml/2006/diagram" xmlns:r="http://schemas.openxmlformats.org/officeDocument/2006/relationships" r:dm="rId2" r:lo="rId3" r:qs="rId4" r:cs="rId5"/>
+          </a:graphicData>
+        </a:graphic>
+      </p:graphicFrame>
+      <p:pic>
+        <p:nvPicPr>
+          <p:cNvPr id="5" name="Picture 4">
+            <a:extLst>
+              <a:ext uri="{FF2B5EF4-FFF2-40B4-BE49-F238E27FC236}">
+                <a16:creationId xmlns:a16="http://schemas.microsoft.com/office/drawing/2014/main" id="{D28087A6-BE45-9C38-9EA3-8486586AE055}"/>
+              </a:ext>
+            </a:extLst>
+          </p:cNvPr>
+          <p:cNvPicPr>
+            <a:picLocks noChangeAspect="1"/>
+          </p:cNvPicPr>
+          <p:nvPr/>
+        </p:nvPicPr>
+        <p:blipFill>
+          <a:blip r:embed="rId7"/>
+          <a:stretch>
+            <a:fillRect/>
+          </a:stretch>
+        </p:blipFill>
+        <p:spPr>
+          <a:xfrm>
+            <a:off x="5695043" y="0"/>
+            <a:ext cx="6496957" cy="2000529"/>
+          </a:xfrm>
+          <a:prstGeom prst="rect">
+            <a:avLst/>
+          </a:prstGeom>
+        </p:spPr>
+      </p:pic>
+    </p:spTree>
+    <p:extLst>
+      <p:ext uri="{BB962C8B-B14F-4D97-AF65-F5344CB8AC3E}">
+        <p14:creationId xmlns:p14="http://schemas.microsoft.com/office/powerpoint/2010/main" val="1699817189"/>
       </p:ext>
     </p:extLst>
   </p:cSld>
@@ -18517,10 +26384,10 @@
       </p:grpSpPr>
       <p:sp useBgFill="1">
         <p:nvSpPr>
-          <p:cNvPr id="8" name="Rectangle 7">
+          <p:cNvPr id="21" name="Rectangle 20">
             <a:extLst>
               <a:ext uri="{FF2B5EF4-FFF2-40B4-BE49-F238E27FC236}">
-                <a16:creationId xmlns:a16="http://schemas.microsoft.com/office/drawing/2014/main" id="{27C836CD-47B2-4287-AE51-D866B8697AF0}"/>
+                <a16:creationId xmlns:a16="http://schemas.microsoft.com/office/drawing/2014/main" id="{C1CA7196-CAF1-4234-8849-E335F0BCA3E8}"/>
               </a:ext>
               <a:ext uri="{C183D7F6-B498-43B3-948B-1728B52AA6E4}">
                 <adec:decorative xmlns:adec="http://schemas.microsoft.com/office/drawing/2017/decorative" val="1"/>
@@ -18593,10 +26460,10 @@
       </p:sp>
       <p:sp>
         <p:nvSpPr>
-          <p:cNvPr id="10" name="Rectangle 9">
+          <p:cNvPr id="23" name="Rectangle 22">
             <a:extLst>
               <a:ext uri="{FF2B5EF4-FFF2-40B4-BE49-F238E27FC236}">
-                <a16:creationId xmlns:a16="http://schemas.microsoft.com/office/drawing/2014/main" id="{8A50CAC8-10E2-4E31-9995-4EF170513678}"/>
+                <a16:creationId xmlns:a16="http://schemas.microsoft.com/office/drawing/2014/main" id="{8A7C3535-4FB5-4E5B-BDFE-FA61877AF1A9}"/>
               </a:ext>
               <a:ext uri="{C183D7F6-B498-43B3-948B-1728B52AA6E4}">
                 <adec:decorative xmlns:adec="http://schemas.microsoft.com/office/drawing/2017/decorative" val="1"/>
@@ -18616,8 +26483,8 @@
         </p:nvSpPr>
         <p:spPr>
           <a:xfrm>
-            <a:off x="-10506" y="0"/>
-            <a:ext cx="5426844" cy="6858000"/>
+            <a:off x="7467600" y="0"/>
+            <a:ext cx="4724400" cy="6858000"/>
           </a:xfrm>
           <a:prstGeom prst="rect">
             <a:avLst/>
@@ -18626,6 +26493,7 @@
             <a:schemeClr val="tx2">
               <a:lumMod val="75000"/>
               <a:lumOff val="25000"/>
+              <a:alpha val="25000"/>
             </a:schemeClr>
           </a:solidFill>
           <a:ln>
@@ -18662,7 +26530,7 @@
           <p:cNvPr id="2" name="Title 1">
             <a:extLst>
               <a:ext uri="{FF2B5EF4-FFF2-40B4-BE49-F238E27FC236}">
-                <a16:creationId xmlns:a16="http://schemas.microsoft.com/office/drawing/2014/main" id="{DC91D682-422C-5CDA-C38F-EE433550B304}"/>
+                <a16:creationId xmlns:a16="http://schemas.microsoft.com/office/drawing/2014/main" id="{F7590CBF-4EDD-48B0-0D78-824D73F8679C}"/>
               </a:ext>
             </a:extLst>
           </p:cNvPr>
@@ -18675,72 +26543,31 @@
         </p:nvSpPr>
         <p:spPr>
           <a:xfrm>
-            <a:off x="424218" y="858416"/>
-            <a:ext cx="4807146" cy="4721290"/>
+            <a:off x="8128028" y="239150"/>
+            <a:ext cx="3390899" cy="1303606"/>
           </a:xfrm>
         </p:spPr>
         <p:txBody>
-          <a:bodyPr anchor="ctr">
+          <a:bodyPr>
             <a:normAutofit/>
           </a:bodyPr>
           <a:lstStyle/>
           <a:p>
             <a:pPr algn="ctr"/>
             <a:r>
-              <a:rPr lang="en-US" sz="5400" dirty="0">
-                <a:solidFill>
-                  <a:schemeClr val="bg1"/>
-                </a:solidFill>
-              </a:rPr>
-              <a:t>Live demo</a:t>
+              <a:rPr lang="he-IL"/>
+              <a:t>המשך ארכיטקטורה	</a:t>
             </a:r>
+            <a:endParaRPr lang="en-US"/>
           </a:p>
         </p:txBody>
       </p:sp>
       <p:pic>
         <p:nvPicPr>
-          <p:cNvPr id="15" name="Content Placeholder 14" descr="Aperture with solid fill">
+          <p:cNvPr id="5" name="Picture 4" descr="A diagram of a facelogog&#10;&#10;Description automatically generated with low confidence">
             <a:extLst>
               <a:ext uri="{FF2B5EF4-FFF2-40B4-BE49-F238E27FC236}">
-                <a16:creationId xmlns:a16="http://schemas.microsoft.com/office/drawing/2014/main" id="{170FD7AD-F287-5229-3652-3F820F01E7D0}"/>
-              </a:ext>
-            </a:extLst>
-          </p:cNvPr>
-          <p:cNvPicPr>
-            <a:picLocks noGrp="1" noChangeAspect="1"/>
-          </p:cNvPicPr>
-          <p:nvPr>
-            <p:ph idx="1"/>
-          </p:nvPr>
-        </p:nvPicPr>
-        <p:blipFill>
-          <a:blip r:embed="rId2">
-            <a:extLst>
-              <a:ext uri="{28A0092B-C50C-407E-A947-70E740481C1C}">
-                <a14:useLocalDpi xmlns:a14="http://schemas.microsoft.com/office/drawing/2010/main" val="0"/>
-              </a:ext>
-              <a:ext uri="{96DAC541-7B7A-43D3-8B79-37D633B846F1}">
-                <asvg:svgBlip xmlns:asvg="http://schemas.microsoft.com/office/drawing/2016/SVG/main" r:embed="rId3"/>
-              </a:ext>
-            </a:extLst>
-          </a:blip>
-          <a:stretch>
-            <a:fillRect/>
-          </a:stretch>
-        </p:blipFill>
-        <p:spPr>
-          <a:xfrm>
-            <a:off x="8236292" y="2651184"/>
-            <a:ext cx="1135754" cy="1135754"/>
-          </a:xfrm>
-        </p:spPr>
-      </p:pic>
-      <p:pic>
-        <p:nvPicPr>
-          <p:cNvPr id="17" name="Graphic 16" descr="Abacus with solid fill">
-            <a:extLst>
-              <a:ext uri="{FF2B5EF4-FFF2-40B4-BE49-F238E27FC236}">
-                <a16:creationId xmlns:a16="http://schemas.microsoft.com/office/drawing/2014/main" id="{576F3C51-C2D5-FC95-34E8-6ECC1F13F55F}"/>
+                <a16:creationId xmlns:a16="http://schemas.microsoft.com/office/drawing/2014/main" id="{918FA49B-AE35-1041-66AE-D475AF8F0C8B}"/>
               </a:ext>
             </a:extLst>
           </p:cNvPr>
@@ -18750,151 +26577,56 @@
           <p:nvPr/>
         </p:nvPicPr>
         <p:blipFill>
-          <a:blip r:embed="rId4">
-            <a:extLst>
-              <a:ext uri="{28A0092B-C50C-407E-A947-70E740481C1C}">
-                <a14:useLocalDpi xmlns:a14="http://schemas.microsoft.com/office/drawing/2010/main" val="0"/>
-              </a:ext>
-              <a:ext uri="{96DAC541-7B7A-43D3-8B79-37D633B846F1}">
-                <asvg:svgBlip xmlns:asvg="http://schemas.microsoft.com/office/drawing/2016/SVG/main" r:embed="rId5"/>
-              </a:ext>
-            </a:extLst>
-          </a:blip>
+          <a:blip r:embed="rId2"/>
           <a:stretch>
             <a:fillRect/>
           </a:stretch>
         </p:blipFill>
         <p:spPr>
           <a:xfrm>
-            <a:off x="8236292" y="868127"/>
-            <a:ext cx="1135754" cy="1135754"/>
+            <a:off x="683489" y="1226820"/>
+            <a:ext cx="6096000" cy="4404359"/>
           </a:xfrm>
           <a:prstGeom prst="rect">
             <a:avLst/>
           </a:prstGeom>
         </p:spPr>
       </p:pic>
-      <p:pic>
-        <p:nvPicPr>
-          <p:cNvPr id="19" name="Graphic 18" descr="Group of people outline">
+      <p:graphicFrame>
+        <p:nvGraphicFramePr>
+          <p:cNvPr id="16" name="Content Placeholder 2">
             <a:extLst>
               <a:ext uri="{FF2B5EF4-FFF2-40B4-BE49-F238E27FC236}">
-                <a16:creationId xmlns:a16="http://schemas.microsoft.com/office/drawing/2014/main" id="{AD0C4F15-FBD6-2E04-60C3-F10E2AF7E817}"/>
+                <a16:creationId xmlns:a16="http://schemas.microsoft.com/office/drawing/2014/main" id="{1FA2553B-0AF2-0AF6-DC95-75A70ACA0809}"/>
               </a:ext>
             </a:extLst>
           </p:cNvPr>
-          <p:cNvPicPr>
-            <a:picLocks noChangeAspect="1"/>
-          </p:cNvPicPr>
-          <p:nvPr/>
-        </p:nvPicPr>
-        <p:blipFill>
-          <a:blip r:embed="rId6">
-            <a:extLst>
-              <a:ext uri="{28A0092B-C50C-407E-A947-70E740481C1C}">
-                <a14:useLocalDpi xmlns:a14="http://schemas.microsoft.com/office/drawing/2010/main" val="0"/>
-              </a:ext>
-              <a:ext uri="{96DAC541-7B7A-43D3-8B79-37D633B846F1}">
-                <asvg:svgBlip xmlns:asvg="http://schemas.microsoft.com/office/drawing/2016/SVG/main" r:embed="rId7"/>
-              </a:ext>
-            </a:extLst>
-          </a:blip>
-          <a:stretch>
-            <a:fillRect/>
-          </a:stretch>
-        </p:blipFill>
-        <p:spPr>
-          <a:xfrm>
-            <a:off x="5840556" y="858416"/>
-            <a:ext cx="1135754" cy="1135754"/>
-          </a:xfrm>
-          <a:prstGeom prst="rect">
-            <a:avLst/>
-          </a:prstGeom>
-        </p:spPr>
-      </p:pic>
-      <p:pic>
-        <p:nvPicPr>
-          <p:cNvPr id="21" name="Graphic 20" descr="Group of people with solid fill">
-            <a:extLst>
-              <a:ext uri="{FF2B5EF4-FFF2-40B4-BE49-F238E27FC236}">
-                <a16:creationId xmlns:a16="http://schemas.microsoft.com/office/drawing/2014/main" id="{129349C5-49E5-325D-C6DC-E452B9D659D3}"/>
-              </a:ext>
-            </a:extLst>
-          </p:cNvPr>
-          <p:cNvPicPr>
-            <a:picLocks noChangeAspect="1"/>
-          </p:cNvPicPr>
-          <p:nvPr/>
-        </p:nvPicPr>
-        <p:blipFill>
-          <a:blip r:embed="rId8">
-            <a:extLst>
-              <a:ext uri="{28A0092B-C50C-407E-A947-70E740481C1C}">
-                <a14:useLocalDpi xmlns:a14="http://schemas.microsoft.com/office/drawing/2010/main" val="0"/>
-              </a:ext>
-              <a:ext uri="{96DAC541-7B7A-43D3-8B79-37D633B846F1}">
-                <asvg:svgBlip xmlns:asvg="http://schemas.microsoft.com/office/drawing/2016/SVG/main" r:embed="rId9"/>
-              </a:ext>
-            </a:extLst>
-          </a:blip>
-          <a:stretch>
-            <a:fillRect/>
-          </a:stretch>
-        </p:blipFill>
-        <p:spPr>
-          <a:xfrm>
-            <a:off x="10632028" y="868127"/>
-            <a:ext cx="1135754" cy="1135754"/>
-          </a:xfrm>
-          <a:prstGeom prst="rect">
-            <a:avLst/>
-          </a:prstGeom>
-        </p:spPr>
-      </p:pic>
-      <p:pic>
-        <p:nvPicPr>
-          <p:cNvPr id="23" name="Graphic 22" descr="Group success with solid fill">
-            <a:extLst>
-              <a:ext uri="{FF2B5EF4-FFF2-40B4-BE49-F238E27FC236}">
-                <a16:creationId xmlns:a16="http://schemas.microsoft.com/office/drawing/2014/main" id="{3C9DBAEB-6BE2-EE95-078F-CFD47C23FB7F}"/>
-              </a:ext>
-            </a:extLst>
-          </p:cNvPr>
-          <p:cNvPicPr>
-            <a:picLocks noChangeAspect="1"/>
-          </p:cNvPicPr>
-          <p:nvPr/>
-        </p:nvPicPr>
-        <p:blipFill>
-          <a:blip r:embed="rId10">
-            <a:extLst>
-              <a:ext uri="{28A0092B-C50C-407E-A947-70E740481C1C}">
-                <a14:useLocalDpi xmlns:a14="http://schemas.microsoft.com/office/drawing/2010/main" val="0"/>
-              </a:ext>
-              <a:ext uri="{96DAC541-7B7A-43D3-8B79-37D633B846F1}">
-                <asvg:svgBlip xmlns:asvg="http://schemas.microsoft.com/office/drawing/2016/SVG/main" r:embed="rId11"/>
-              </a:ext>
-            </a:extLst>
-          </a:blip>
-          <a:stretch>
-            <a:fillRect/>
-          </a:stretch>
-        </p:blipFill>
-        <p:spPr>
-          <a:xfrm>
-            <a:off x="8236292" y="4754592"/>
-            <a:ext cx="1135754" cy="1135754"/>
-          </a:xfrm>
-          <a:prstGeom prst="rect">
-            <a:avLst/>
-          </a:prstGeom>
-        </p:spPr>
-      </p:pic>
+          <p:cNvGraphicFramePr>
+            <a:graphicFrameLocks noGrp="1"/>
+          </p:cNvGraphicFramePr>
+          <p:nvPr>
+            <p:ph idx="1"/>
+            <p:extLst>
+              <p:ext uri="{D42A27DB-BD31-4B8C-83A1-F6EECF244321}">
+                <p14:modId xmlns:p14="http://schemas.microsoft.com/office/powerpoint/2010/main" val="2219114961"/>
+              </p:ext>
+            </p:extLst>
+          </p:nvPr>
+        </p:nvGraphicFramePr>
+        <p:xfrm>
+          <a:off x="8115301" y="1814732"/>
+          <a:ext cx="3390899" cy="4501662"/>
+        </p:xfrm>
+        <a:graphic>
+          <a:graphicData uri="http://schemas.openxmlformats.org/drawingml/2006/diagram">
+            <dgm:relIds xmlns:dgm="http://schemas.openxmlformats.org/drawingml/2006/diagram" xmlns:r="http://schemas.openxmlformats.org/officeDocument/2006/relationships" r:dm="rId3" r:lo="rId4" r:qs="rId5" r:cs="rId6"/>
+          </a:graphicData>
+        </a:graphic>
+      </p:graphicFrame>
     </p:spTree>
     <p:extLst>
       <p:ext uri="{BB962C8B-B14F-4D97-AF65-F5344CB8AC3E}">
-        <p14:creationId xmlns:p14="http://schemas.microsoft.com/office/powerpoint/2010/main" val="1069378002"/>
+        <p14:creationId xmlns:p14="http://schemas.microsoft.com/office/powerpoint/2010/main" val="2333157210"/>
       </p:ext>
     </p:extLst>
   </p:cSld>

--- a/Loglog(Face).pptx
+++ b/Loglog(Face).pptx
@@ -25512,42 +25512,6 @@
           </a:graphicData>
         </a:graphic>
       </p:graphicFrame>
-      <p:pic>
-        <p:nvPicPr>
-          <p:cNvPr id="7" name="Picture 6" descr="A screenshot of a computer program&#10;&#10;Description automatically generated with medium confidence">
-            <a:extLst>
-              <a:ext uri="{FF2B5EF4-FFF2-40B4-BE49-F238E27FC236}">
-                <a16:creationId xmlns:a16="http://schemas.microsoft.com/office/drawing/2014/main" id="{6F8BB027-446E-39A7-7019-4E7449F0E7C7}"/>
-              </a:ext>
-            </a:extLst>
-          </p:cNvPr>
-          <p:cNvPicPr>
-            <a:picLocks noChangeAspect="1"/>
-          </p:cNvPicPr>
-          <p:nvPr/>
-        </p:nvPicPr>
-        <p:blipFill>
-          <a:blip r:embed="rId7">
-            <a:extLst>
-              <a:ext uri="{28A0092B-C50C-407E-A947-70E740481C1C}">
-                <a14:useLocalDpi xmlns:a14="http://schemas.microsoft.com/office/drawing/2010/main" val="0"/>
-              </a:ext>
-            </a:extLst>
-          </a:blip>
-          <a:stretch>
-            <a:fillRect/>
-          </a:stretch>
-        </p:blipFill>
-        <p:spPr>
-          <a:xfrm>
-            <a:off x="5577537" y="218660"/>
-            <a:ext cx="6265199" cy="3439717"/>
-          </a:xfrm>
-          <a:prstGeom prst="rect">
-            <a:avLst/>
-          </a:prstGeom>
-        </p:spPr>
-      </p:pic>
       <p:sp>
         <p:nvSpPr>
           <p:cNvPr id="9" name="TextBox 8">
@@ -25624,6 +25588,42 @@
           </a:p>
         </p:txBody>
       </p:sp>
+      <p:pic>
+        <p:nvPicPr>
+          <p:cNvPr id="16" name="Picture 15" descr="A screenshot of a computer program&#10;&#10;Description automatically generated with medium confidence">
+            <a:extLst>
+              <a:ext uri="{FF2B5EF4-FFF2-40B4-BE49-F238E27FC236}">
+                <a16:creationId xmlns:a16="http://schemas.microsoft.com/office/drawing/2014/main" id="{A4EDC976-32DB-BDD9-FA02-CEFA1A720FE8}"/>
+              </a:ext>
+            </a:extLst>
+          </p:cNvPr>
+          <p:cNvPicPr>
+            <a:picLocks noChangeAspect="1"/>
+          </p:cNvPicPr>
+          <p:nvPr/>
+        </p:nvPicPr>
+        <p:blipFill>
+          <a:blip r:embed="rId7">
+            <a:extLst>
+              <a:ext uri="{28A0092B-C50C-407E-A947-70E740481C1C}">
+                <a14:useLocalDpi xmlns:a14="http://schemas.microsoft.com/office/drawing/2010/main" val="0"/>
+              </a:ext>
+            </a:extLst>
+          </a:blip>
+          <a:stretch>
+            <a:fillRect/>
+          </a:stretch>
+        </p:blipFill>
+        <p:spPr>
+          <a:xfrm>
+            <a:off x="5535224" y="299873"/>
+            <a:ext cx="6306117" cy="3315348"/>
+          </a:xfrm>
+          <a:prstGeom prst="rect">
+            <a:avLst/>
+          </a:prstGeom>
+        </p:spPr>
+      </p:pic>
     </p:spTree>
     <p:extLst>
       <p:ext uri="{BB962C8B-B14F-4D97-AF65-F5344CB8AC3E}">

--- a/Loglog(Face).pptx
+++ b/Loglog(Face).pptx
@@ -113,6 +113,11 @@
       </a:defRPr>
     </a:lvl9pPr>
   </p:defaultTextStyle>
+  <p:extLst>
+    <p:ext uri="{EFAFB233-063F-42B5-8137-9DF3F51BA10A}">
+      <p15:sldGuideLst xmlns:p15="http://schemas.microsoft.com/office/powerpoint/2012/main"/>
+    </p:ext>
+  </p:extLst>
 </p:presentation>
 </file>
 
@@ -6269,7 +6274,7 @@
           <a:pPr rtl="1"/>
           <a:r>
             <a:rPr lang="he-IL" dirty="0"/>
-            <a:t>התמונה מחולקת לתמונות של פרצופים בגול אחיד</a:t>
+            <a:t>התמונה מחולקת לתמונות של פרצופים בגודל אחיד</a:t>
           </a:r>
           <a:endParaRPr lang="en-US" dirty="0"/>
         </a:p>
@@ -8029,7 +8034,7 @@
           </a:pPr>
           <a:r>
             <a:rPr lang="he-IL" sz="2300" kern="1200" dirty="0"/>
-            <a:t>התמונה מחולקת לתמונות של פרצופים בגול אחיד</a:t>
+            <a:t>התמונה מחולקת לתמונות של פרצופים בגודל אחיד</a:t>
           </a:r>
           <a:endParaRPr lang="en-US" sz="2300" kern="1200" dirty="0"/>
         </a:p>
@@ -20628,7 +20633,7 @@
           <a:p>
             <a:fld id="{23FEA57E-7C1A-457B-A4CD-5DCEB057B502}" type="datetime1">
               <a:rPr lang="en-US" smtClean="0"/>
-              <a:t>6/23/2023</a:t>
+              <a:t>6/28/2023</a:t>
             </a:fld>
             <a:endParaRPr lang="en-US" dirty="0"/>
           </a:p>
@@ -20831,7 +20836,7 @@
           <a:p>
             <a:fld id="{11789749-A4CD-447F-8298-2B7988C91CEA}" type="datetime1">
               <a:rPr lang="en-US" smtClean="0"/>
-              <a:t>6/23/2023</a:t>
+              <a:t>6/28/2023</a:t>
             </a:fld>
             <a:endParaRPr lang="en-US"/>
           </a:p>
@@ -21042,7 +21047,7 @@
           <a:p>
             <a:fld id="{BA0444D3-C0BA-4587-A56C-581AB9F841BE}" type="datetime1">
               <a:rPr lang="en-US" smtClean="0"/>
-              <a:t>6/23/2023</a:t>
+              <a:t>6/28/2023</a:t>
             </a:fld>
             <a:endParaRPr lang="en-US"/>
           </a:p>
@@ -21256,7 +21261,7 @@
           <a:p>
             <a:fld id="{201AF2CE-4F37-411C-A3EE-BBBE223265BF}" type="datetime1">
               <a:rPr lang="en-US" smtClean="0"/>
-              <a:t>6/23/2023</a:t>
+              <a:t>6/28/2023</a:t>
             </a:fld>
             <a:endParaRPr lang="en-US"/>
           </a:p>
@@ -21537,7 +21542,7 @@
           <a:p>
             <a:fld id="{C96083D4-708C-4BB5-B4FD-30CE9FA12FD5}" type="datetime1">
               <a:rPr lang="en-US" smtClean="0"/>
-              <a:t>6/23/2023</a:t>
+              <a:t>6/28/2023</a:t>
             </a:fld>
             <a:endParaRPr lang="en-US"/>
           </a:p>
@@ -21817,7 +21822,7 @@
           <a:p>
             <a:fld id="{D0D239B2-65BC-4C2A-A62B-3EABFE9590E4}" type="datetime1">
               <a:rPr lang="en-US" smtClean="0"/>
-              <a:t>6/23/2023</a:t>
+              <a:t>6/28/2023</a:t>
             </a:fld>
             <a:endParaRPr lang="en-US"/>
           </a:p>
@@ -22239,7 +22244,7 @@
           <a:p>
             <a:fld id="{85E05F5A-E4A3-476F-A89E-C2B73F2431E4}" type="datetime1">
               <a:rPr lang="en-US" smtClean="0"/>
-              <a:t>6/23/2023</a:t>
+              <a:t>6/28/2023</a:t>
             </a:fld>
             <a:endParaRPr lang="en-US"/>
           </a:p>
@@ -22384,7 +22389,7 @@
           <a:p>
             <a:fld id="{E3761515-4A26-4F31-9F61-5A10B1FABBFC}" type="datetime1">
               <a:rPr lang="en-US" smtClean="0"/>
-              <a:t>6/23/2023</a:t>
+              <a:t>6/28/2023</a:t>
             </a:fld>
             <a:endParaRPr lang="en-US"/>
           </a:p>
@@ -22500,7 +22505,7 @@
           <a:p>
             <a:fld id="{4A75DC65-7D1F-4BAB-9695-F7E734143E14}" type="datetime1">
               <a:rPr lang="en-US" smtClean="0"/>
-              <a:t>6/23/2023</a:t>
+              <a:t>6/28/2023</a:t>
             </a:fld>
             <a:endParaRPr lang="en-US"/>
           </a:p>
@@ -22814,7 +22819,7 @@
           <a:p>
             <a:fld id="{7E624077-BD55-4036-8E92-6558FDF3B653}" type="datetime1">
               <a:rPr lang="en-US" smtClean="0"/>
-              <a:t>6/23/2023</a:t>
+              <a:t>6/28/2023</a:t>
             </a:fld>
             <a:endParaRPr lang="en-US"/>
           </a:p>
@@ -23108,7 +23113,7 @@
           <a:p>
             <a:fld id="{804225F2-7107-4609-BCC2-77C63064A5E8}" type="datetime1">
               <a:rPr lang="en-US" smtClean="0"/>
-              <a:t>6/23/2023</a:t>
+              <a:t>6/28/2023</a:t>
             </a:fld>
             <a:endParaRPr lang="en-US"/>
           </a:p>
@@ -23356,7 +23361,7 @@
           <a:p>
             <a:fld id="{D3FE42E8-8B57-452D-A122-4DCE9AC771EF}" type="datetime1">
               <a:rPr lang="en-US" smtClean="0"/>
-              <a:t>6/23/2023</a:t>
+              <a:t>6/28/2023</a:t>
             </a:fld>
             <a:endParaRPr lang="en-US"/>
           </a:p>
@@ -23966,7 +23971,7 @@
           <a:lstStyle/>
           <a:p>
             <a:r>
-              <a:rPr lang="en-US" sz="2800">
+              <a:rPr lang="en-US" sz="2800" dirty="0">
                 <a:solidFill>
                   <a:schemeClr val="bg2"/>
                 </a:solidFill>
@@ -24005,14 +24010,14 @@
           <a:lstStyle/>
           <a:p>
             <a:r>
-              <a:rPr lang="he-IL">
+              <a:rPr lang="he-IL" dirty="0">
                 <a:solidFill>
                   <a:schemeClr val="bg2"/>
                 </a:solidFill>
               </a:rPr>
               <a:t>זה פשוט עובד</a:t>
             </a:r>
-            <a:endParaRPr lang="en-US">
+            <a:endParaRPr lang="en-US" dirty="0">
               <a:solidFill>
                 <a:schemeClr val="bg2"/>
               </a:solidFill>
@@ -25177,56 +25182,6 @@
           </a:graphicData>
         </a:graphic>
       </p:graphicFrame>
-      <p:sp>
-        <p:nvSpPr>
-          <p:cNvPr id="4" name="Rectangle 3">
-            <a:hlinkClick r:id="rId7" action="ppaction://hlinksldjump"/>
-            <a:extLst>
-              <a:ext uri="{FF2B5EF4-FFF2-40B4-BE49-F238E27FC236}">
-                <a16:creationId xmlns:a16="http://schemas.microsoft.com/office/drawing/2014/main" id="{F51ED85C-14AE-9FC7-873D-252A0EC355BE}"/>
-              </a:ext>
-            </a:extLst>
-          </p:cNvPr>
-          <p:cNvSpPr/>
-          <p:nvPr/>
-        </p:nvSpPr>
-        <p:spPr>
-          <a:xfrm>
-            <a:off x="124408" y="111968"/>
-            <a:ext cx="1163216" cy="6650670"/>
-          </a:xfrm>
-          <a:prstGeom prst="rect">
-            <a:avLst/>
-          </a:prstGeom>
-          <a:solidFill>
-            <a:schemeClr val="bg1"/>
-          </a:solidFill>
-        </p:spPr>
-        <p:style>
-          <a:lnRef idx="2">
-            <a:schemeClr val="accent1">
-              <a:shade val="15000"/>
-            </a:schemeClr>
-          </a:lnRef>
-          <a:fillRef idx="1">
-            <a:schemeClr val="accent1"/>
-          </a:fillRef>
-          <a:effectRef idx="0">
-            <a:schemeClr val="accent1"/>
-          </a:effectRef>
-          <a:fontRef idx="minor">
-            <a:schemeClr val="lt1"/>
-          </a:fontRef>
-        </p:style>
-        <p:txBody>
-          <a:bodyPr rtlCol="0" anchor="ctr"/>
-          <a:lstStyle/>
-          <a:p>
-            <a:pPr algn="ctr"/>
-            <a:endParaRPr lang="en-US"/>
-          </a:p>
-        </p:txBody>
-      </p:sp>
       <p:pic>
         <p:nvPicPr>
           <p:cNvPr id="8" name="Picture 7" descr="A black background with white text&#10;&#10;Description automatically generated with low confidence">
@@ -25242,7 +25197,7 @@
           <p:nvPr/>
         </p:nvPicPr>
         <p:blipFill>
-          <a:blip r:embed="rId8">
+          <a:blip r:embed="rId7">
             <a:extLst>
               <a:ext uri="{28A0092B-C50C-407E-A947-70E740481C1C}">
                 <a14:useLocalDpi xmlns:a14="http://schemas.microsoft.com/office/drawing/2010/main" val="0"/>
@@ -25804,7 +25759,7 @@
             <p:ph idx="1"/>
             <p:extLst>
               <p:ext uri="{D42A27DB-BD31-4B8C-83A1-F6EECF244321}">
-                <p14:modId xmlns:p14="http://schemas.microsoft.com/office/powerpoint/2010/main" val="2456398227"/>
+                <p14:modId xmlns:p14="http://schemas.microsoft.com/office/powerpoint/2010/main" val="1946368783"/>
               </p:ext>
             </p:extLst>
           </p:nvPr>
